--- a/Docs/wireframe cat-attack.pptx
+++ b/Docs/wireframe cat-attack.pptx
@@ -6,11 +6,16 @@
   </p:sldMasterIdLst>
   <p:sldIdLst>
     <p:sldId id="256" r:id="rId2"/>
-    <p:sldId id="257" r:id="rId3"/>
-    <p:sldId id="258" r:id="rId4"/>
-    <p:sldId id="259" r:id="rId5"/>
-    <p:sldId id="261" r:id="rId6"/>
-    <p:sldId id="260" r:id="rId7"/>
+    <p:sldId id="267" r:id="rId3"/>
+    <p:sldId id="257" r:id="rId4"/>
+    <p:sldId id="258" r:id="rId5"/>
+    <p:sldId id="260" r:id="rId6"/>
+    <p:sldId id="261" r:id="rId7"/>
+    <p:sldId id="262" r:id="rId8"/>
+    <p:sldId id="263" r:id="rId9"/>
+    <p:sldId id="268" r:id="rId10"/>
+    <p:sldId id="264" r:id="rId11"/>
+    <p:sldId id="265" r:id="rId12"/>
   </p:sldIdLst>
   <p:sldSz cx="12192000" cy="6858000"/>
   <p:notesSz cx="6858000" cy="9144000"/>
@@ -109,6 +114,11 @@
       </a:defRPr>
     </a:lvl9pPr>
   </p:defaultTextStyle>
+  <p:extLst>
+    <p:ext uri="{EFAFB233-063F-42B5-8137-9DF3F51BA10A}">
+      <p15:sldGuideLst xmlns:p15="http://schemas.microsoft.com/office/powerpoint/2012/main"/>
+    </p:ext>
+  </p:extLst>
 </p:presentation>
 </file>
 
@@ -1778,7 +1788,7 @@
           <a:p>
             <a:fld id="{8F72BA41-EC5B-4197-BCC8-0FD2E523CD7A}" type="datetimeFigureOut">
               <a:rPr lang="en-US" smtClean="0"/>
-              <a:t>10/19/2021</a:t>
+              <a:t>10/26/2021</a:t>
             </a:fld>
             <a:endParaRPr lang="en-US"/>
           </a:p>
@@ -1837,7 +1847,7 @@
           <a:p>
             <a:fld id="{BE15108C-154A-4A5A-9C05-91A49A422BA7}" type="slidenum">
               <a:rPr lang="en-US" smtClean="0"/>
-              <a:t>‹#›</a:t>
+              <a:t>‹Nº›</a:t>
             </a:fld>
             <a:endParaRPr lang="en-US"/>
           </a:p>
@@ -1981,7 +1991,7 @@
           <a:p>
             <a:fld id="{8F72BA41-EC5B-4197-BCC8-0FD2E523CD7A}" type="datetimeFigureOut">
               <a:rPr lang="en-US" smtClean="0"/>
-              <a:t>10/19/2021</a:t>
+              <a:t>10/26/2021</a:t>
             </a:fld>
             <a:endParaRPr lang="en-US"/>
           </a:p>
@@ -2035,7 +2045,7 @@
           <a:p>
             <a:fld id="{BE15108C-154A-4A5A-9C05-91A49A422BA7}" type="slidenum">
               <a:rPr lang="en-US" smtClean="0"/>
-              <a:t>‹#›</a:t>
+              <a:t>‹Nº›</a:t>
             </a:fld>
             <a:endParaRPr lang="en-US"/>
           </a:p>
@@ -3702,7 +3712,7 @@
           <a:p>
             <a:fld id="{8F72BA41-EC5B-4197-BCC8-0FD2E523CD7A}" type="datetimeFigureOut">
               <a:rPr lang="en-US" smtClean="0"/>
-              <a:t>10/19/2021</a:t>
+              <a:t>10/26/2021</a:t>
             </a:fld>
             <a:endParaRPr lang="en-US"/>
           </a:p>
@@ -3756,7 +3766,7 @@
           <a:p>
             <a:fld id="{BE15108C-154A-4A5A-9C05-91A49A422BA7}" type="slidenum">
               <a:rPr lang="en-US" smtClean="0"/>
-              <a:t>‹#›</a:t>
+              <a:t>‹Nº›</a:t>
             </a:fld>
             <a:endParaRPr lang="en-US"/>
           </a:p>
@@ -3901,7 +3911,7 @@
           <a:p>
             <a:fld id="{8F72BA41-EC5B-4197-BCC8-0FD2E523CD7A}" type="datetimeFigureOut">
               <a:rPr lang="en-US" smtClean="0"/>
-              <a:t>10/19/2021</a:t>
+              <a:t>10/26/2021</a:t>
             </a:fld>
             <a:endParaRPr lang="en-US"/>
           </a:p>
@@ -3955,7 +3965,7 @@
           <a:p>
             <a:fld id="{BE15108C-154A-4A5A-9C05-91A49A422BA7}" type="slidenum">
               <a:rPr lang="en-US" smtClean="0"/>
-              <a:t>‹#›</a:t>
+              <a:t>‹Nº›</a:t>
             </a:fld>
             <a:endParaRPr lang="en-US"/>
           </a:p>
@@ -5691,7 +5701,7 @@
           <a:p>
             <a:fld id="{8F72BA41-EC5B-4197-BCC8-0FD2E523CD7A}" type="datetimeFigureOut">
               <a:rPr lang="en-US" smtClean="0"/>
-              <a:t>10/19/2021</a:t>
+              <a:t>10/26/2021</a:t>
             </a:fld>
             <a:endParaRPr lang="en-US"/>
           </a:p>
@@ -5745,7 +5755,7 @@
           <a:p>
             <a:fld id="{BE15108C-154A-4A5A-9C05-91A49A422BA7}" type="slidenum">
               <a:rPr lang="en-US" smtClean="0"/>
-              <a:t>‹#›</a:t>
+              <a:t>‹Nº›</a:t>
             </a:fld>
             <a:endParaRPr lang="en-US"/>
           </a:p>
@@ -5964,7 +5974,7 @@
           <a:p>
             <a:fld id="{8F72BA41-EC5B-4197-BCC8-0FD2E523CD7A}" type="datetimeFigureOut">
               <a:rPr lang="en-US" smtClean="0"/>
-              <a:t>10/19/2021</a:t>
+              <a:t>10/26/2021</a:t>
             </a:fld>
             <a:endParaRPr lang="en-US"/>
           </a:p>
@@ -6018,7 +6028,7 @@
           <a:p>
             <a:fld id="{BE15108C-154A-4A5A-9C05-91A49A422BA7}" type="slidenum">
               <a:rPr lang="en-US" smtClean="0"/>
-              <a:t>‹#›</a:t>
+              <a:t>‹Nº›</a:t>
             </a:fld>
             <a:endParaRPr lang="en-US"/>
           </a:p>
@@ -6384,7 +6394,7 @@
           <a:p>
             <a:fld id="{8F72BA41-EC5B-4197-BCC8-0FD2E523CD7A}" type="datetimeFigureOut">
               <a:rPr lang="en-US" smtClean="0"/>
-              <a:t>10/19/2021</a:t>
+              <a:t>10/26/2021</a:t>
             </a:fld>
             <a:endParaRPr lang="en-US"/>
           </a:p>
@@ -6443,7 +6453,7 @@
           <a:p>
             <a:fld id="{BE15108C-154A-4A5A-9C05-91A49A422BA7}" type="slidenum">
               <a:rPr lang="en-US" smtClean="0"/>
-              <a:t>‹#›</a:t>
+              <a:t>‹Nº›</a:t>
             </a:fld>
             <a:endParaRPr lang="en-US"/>
           </a:p>
@@ -6540,7 +6550,7 @@
           <a:p>
             <a:fld id="{8F72BA41-EC5B-4197-BCC8-0FD2E523CD7A}" type="datetimeFigureOut">
               <a:rPr lang="en-US" smtClean="0"/>
-              <a:t>10/19/2021</a:t>
+              <a:t>10/26/2021</a:t>
             </a:fld>
             <a:endParaRPr lang="en-US"/>
           </a:p>
@@ -6599,7 +6609,7 @@
           <a:p>
             <a:fld id="{BE15108C-154A-4A5A-9C05-91A49A422BA7}" type="slidenum">
               <a:rPr lang="en-US" smtClean="0"/>
-              <a:t>‹#›</a:t>
+              <a:t>‹Nº›</a:t>
             </a:fld>
             <a:endParaRPr lang="en-US"/>
           </a:p>
@@ -8108,7 +8118,7 @@
           <a:p>
             <a:fld id="{8F72BA41-EC5B-4197-BCC8-0FD2E523CD7A}" type="datetimeFigureOut">
               <a:rPr lang="en-US" smtClean="0"/>
-              <a:t>10/19/2021</a:t>
+              <a:t>10/26/2021</a:t>
             </a:fld>
             <a:endParaRPr lang="en-US"/>
           </a:p>
@@ -8162,7 +8172,7 @@
           <a:p>
             <a:fld id="{BE15108C-154A-4A5A-9C05-91A49A422BA7}" type="slidenum">
               <a:rPr lang="en-US" smtClean="0"/>
-              <a:t>‹#›</a:t>
+              <a:t>‹Nº›</a:t>
             </a:fld>
             <a:endParaRPr lang="en-US"/>
           </a:p>
@@ -9959,7 +9969,7 @@
           <a:p>
             <a:fld id="{8F72BA41-EC5B-4197-BCC8-0FD2E523CD7A}" type="datetimeFigureOut">
               <a:rPr lang="en-US" smtClean="0"/>
-              <a:t>10/19/2021</a:t>
+              <a:t>10/26/2021</a:t>
             </a:fld>
             <a:endParaRPr lang="en-US"/>
           </a:p>
@@ -10013,7 +10023,7 @@
           <a:p>
             <a:fld id="{BE15108C-154A-4A5A-9C05-91A49A422BA7}" type="slidenum">
               <a:rPr lang="en-US" smtClean="0"/>
-              <a:t>‹#›</a:t>
+              <a:t>‹Nº›</a:t>
             </a:fld>
             <a:endParaRPr lang="en-US"/>
           </a:p>
@@ -11772,7 +11782,7 @@
           <a:p>
             <a:fld id="{8F72BA41-EC5B-4197-BCC8-0FD2E523CD7A}" type="datetimeFigureOut">
               <a:rPr lang="en-US" smtClean="0"/>
-              <a:t>10/19/2021</a:t>
+              <a:t>10/26/2021</a:t>
             </a:fld>
             <a:endParaRPr lang="en-US"/>
           </a:p>
@@ -11826,7 +11836,7 @@
           <a:p>
             <a:fld id="{BE15108C-154A-4A5A-9C05-91A49A422BA7}" type="slidenum">
               <a:rPr lang="en-US" smtClean="0"/>
-              <a:t>‹#›</a:t>
+              <a:t>‹Nº›</a:t>
             </a:fld>
             <a:endParaRPr lang="en-US"/>
           </a:p>
@@ -13466,7 +13476,7 @@
             <a:fld id="{8F72BA41-EC5B-4197-BCC8-0FD2E523CD7A}" type="datetimeFigureOut">
               <a:rPr lang="en-US" smtClean="0"/>
               <a:pPr/>
-              <a:t>10/19/2021</a:t>
+              <a:t>10/26/2021</a:t>
             </a:fld>
             <a:endParaRPr lang="en-US" dirty="0"/>
           </a:p>
@@ -13557,7 +13567,7 @@
             <a:fld id="{BE15108C-154A-4A5A-9C05-91A49A422BA7}" type="slidenum">
               <a:rPr lang="en-US" smtClean="0"/>
               <a:pPr/>
-              <a:t>‹#›</a:t>
+              <a:t>‹Nº›</a:t>
             </a:fld>
             <a:endParaRPr lang="en-US" dirty="0"/>
           </a:p>
@@ -14552,6 +14562,1826 @@
 </p:sld>
 </file>
 
+<file path=ppt/slides/slide10.xml><?xml version="1.0" encoding="utf-8"?>
+<p:sld xmlns:a="http://schemas.openxmlformats.org/drawingml/2006/main" xmlns:r="http://schemas.openxmlformats.org/officeDocument/2006/relationships" xmlns:p="http://schemas.openxmlformats.org/presentationml/2006/main">
+  <p:cSld>
+    <p:spTree>
+      <p:nvGrpSpPr>
+        <p:cNvPr id="1" name=""/>
+        <p:cNvGrpSpPr/>
+        <p:nvPr/>
+      </p:nvGrpSpPr>
+      <p:grpSpPr>
+        <a:xfrm>
+          <a:off x="0" y="0"/>
+          <a:ext cx="0" cy="0"/>
+          <a:chOff x="0" y="0"/>
+          <a:chExt cx="0" cy="0"/>
+        </a:xfrm>
+      </p:grpSpPr>
+      <p:sp>
+        <p:nvSpPr>
+          <p:cNvPr id="5" name="Rectangle 4">
+            <a:extLst>
+              <a:ext uri="{FF2B5EF4-FFF2-40B4-BE49-F238E27FC236}">
+                <a16:creationId xmlns:a16="http://schemas.microsoft.com/office/drawing/2014/main" id="{3F4DBFB8-880A-4670-873B-CA2745702736}"/>
+              </a:ext>
+            </a:extLst>
+          </p:cNvPr>
+          <p:cNvSpPr/>
+          <p:nvPr/>
+        </p:nvSpPr>
+        <p:spPr>
+          <a:xfrm>
+            <a:off x="94695" y="1118586"/>
+            <a:ext cx="12002610" cy="5632883"/>
+          </a:xfrm>
+          <a:prstGeom prst="rect">
+            <a:avLst/>
+          </a:prstGeom>
+          <a:solidFill>
+            <a:schemeClr val="accent5">
+              <a:lumMod val="40000"/>
+              <a:lumOff val="60000"/>
+            </a:schemeClr>
+          </a:solidFill>
+          <a:ln>
+            <a:noFill/>
+          </a:ln>
+        </p:spPr>
+        <p:style>
+          <a:lnRef idx="2">
+            <a:schemeClr val="accent1">
+              <a:shade val="50000"/>
+            </a:schemeClr>
+          </a:lnRef>
+          <a:fillRef idx="1">
+            <a:schemeClr val="accent1"/>
+          </a:fillRef>
+          <a:effectRef idx="0">
+            <a:schemeClr val="accent1"/>
+          </a:effectRef>
+          <a:fontRef idx="minor">
+            <a:schemeClr val="lt1"/>
+          </a:fontRef>
+        </p:style>
+        <p:txBody>
+          <a:bodyPr rtlCol="0" anchor="ctr"/>
+          <a:lstStyle/>
+          <a:p>
+            <a:pPr algn="ctr"/>
+            <a:endParaRPr lang="en-US" sz="3600" dirty="0"/>
+          </a:p>
+        </p:txBody>
+      </p:sp>
+      <p:sp>
+        <p:nvSpPr>
+          <p:cNvPr id="7" name="Rectangle 6">
+            <a:extLst>
+              <a:ext uri="{FF2B5EF4-FFF2-40B4-BE49-F238E27FC236}">
+                <a16:creationId xmlns:a16="http://schemas.microsoft.com/office/drawing/2014/main" id="{B054A16F-54A2-4739-8E3C-51E3300950BB}"/>
+              </a:ext>
+            </a:extLst>
+          </p:cNvPr>
+          <p:cNvSpPr/>
+          <p:nvPr/>
+        </p:nvSpPr>
+        <p:spPr>
+          <a:xfrm>
+            <a:off x="337350" y="1359762"/>
+            <a:ext cx="11505461" cy="2069238"/>
+          </a:xfrm>
+          <a:prstGeom prst="rect">
+            <a:avLst/>
+          </a:prstGeom>
+          <a:solidFill>
+            <a:schemeClr val="bg1">
+              <a:lumMod val="85000"/>
+            </a:schemeClr>
+          </a:solidFill>
+          <a:ln>
+            <a:noFill/>
+          </a:ln>
+        </p:spPr>
+        <p:style>
+          <a:lnRef idx="2">
+            <a:schemeClr val="accent1">
+              <a:shade val="50000"/>
+            </a:schemeClr>
+          </a:lnRef>
+          <a:fillRef idx="1">
+            <a:schemeClr val="accent1"/>
+          </a:fillRef>
+          <a:effectRef idx="0">
+            <a:schemeClr val="accent1"/>
+          </a:effectRef>
+          <a:fontRef idx="minor">
+            <a:schemeClr val="lt1"/>
+          </a:fontRef>
+        </p:style>
+        <p:txBody>
+          <a:bodyPr rtlCol="0" anchor="ctr"/>
+          <a:lstStyle/>
+          <a:p>
+            <a:pPr algn="ctr"/>
+            <a:endParaRPr lang="en-US" b="1" dirty="0">
+              <a:solidFill>
+                <a:schemeClr val="bg1"/>
+              </a:solidFill>
+            </a:endParaRPr>
+          </a:p>
+        </p:txBody>
+      </p:sp>
+      <p:sp>
+        <p:nvSpPr>
+          <p:cNvPr id="8" name="Rectangle 7">
+            <a:extLst>
+              <a:ext uri="{FF2B5EF4-FFF2-40B4-BE49-F238E27FC236}">
+                <a16:creationId xmlns:a16="http://schemas.microsoft.com/office/drawing/2014/main" id="{7214B269-F679-4636-AAC2-FE15D384A6AC}"/>
+              </a:ext>
+            </a:extLst>
+          </p:cNvPr>
+          <p:cNvSpPr/>
+          <p:nvPr/>
+        </p:nvSpPr>
+        <p:spPr>
+          <a:xfrm>
+            <a:off x="641592" y="1580538"/>
+            <a:ext cx="2920992" cy="1569660"/>
+          </a:xfrm>
+          <a:prstGeom prst="rect">
+            <a:avLst/>
+          </a:prstGeom>
+          <a:noFill/>
+        </p:spPr>
+        <p:txBody>
+          <a:bodyPr wrap="none" lIns="91440" tIns="45720" rIns="91440" bIns="45720">
+            <a:spAutoFit/>
+          </a:bodyPr>
+          <a:lstStyle/>
+          <a:p>
+            <a:pPr algn="ctr"/>
+            <a:r>
+              <a:rPr lang="en-US" sz="4000" b="0" cap="none" spc="0" dirty="0" err="1">
+                <a:ln w="0"/>
+                <a:solidFill>
+                  <a:schemeClr val="tx1"/>
+                </a:solidFill>
+                <a:effectLst>
+                  <a:outerShdw blurRad="38100" dist="19050" dir="2700000" algn="tl" rotWithShape="0">
+                    <a:schemeClr val="dk1">
+                      <a:alpha val="40000"/>
+                    </a:schemeClr>
+                  </a:outerShdw>
+                </a:effectLst>
+              </a:rPr>
+              <a:t>Incidencia</a:t>
+            </a:r>
+            <a:r>
+              <a:rPr lang="en-US" sz="4000" b="0" cap="none" spc="0" dirty="0">
+                <a:ln w="0"/>
+                <a:solidFill>
+                  <a:schemeClr val="tx1"/>
+                </a:solidFill>
+                <a:effectLst>
+                  <a:outerShdw blurRad="38100" dist="19050" dir="2700000" algn="tl" rotWithShape="0">
+                    <a:schemeClr val="dk1">
+                      <a:alpha val="40000"/>
+                    </a:schemeClr>
+                  </a:outerShdw>
+                </a:effectLst>
+              </a:rPr>
+              <a:t> 1</a:t>
+            </a:r>
+          </a:p>
+          <a:p>
+            <a:pPr algn="ctr"/>
+            <a:endParaRPr lang="en-US" sz="3600" b="0" cap="none" spc="0" dirty="0">
+              <a:ln w="0"/>
+              <a:solidFill>
+                <a:schemeClr val="tx1"/>
+              </a:solidFill>
+              <a:effectLst>
+                <a:outerShdw blurRad="38100" dist="19050" dir="2700000" algn="tl" rotWithShape="0">
+                  <a:schemeClr val="dk1">
+                    <a:alpha val="40000"/>
+                  </a:schemeClr>
+                </a:outerShdw>
+              </a:effectLst>
+            </a:endParaRPr>
+          </a:p>
+          <a:p>
+            <a:r>
+              <a:rPr lang="en-US" sz="2000" dirty="0" err="1">
+                <a:ln w="0"/>
+                <a:effectLst>
+                  <a:outerShdw blurRad="38100" dist="19050" dir="2700000" algn="tl" rotWithShape="0">
+                    <a:schemeClr val="dk1">
+                      <a:alpha val="40000"/>
+                    </a:schemeClr>
+                  </a:outerShdw>
+                </a:effectLst>
+              </a:rPr>
+              <a:t>Detalles</a:t>
+            </a:r>
+            <a:endParaRPr lang="en-US" sz="2000" b="0" cap="none" spc="0" dirty="0">
+              <a:ln w="0"/>
+              <a:solidFill>
+                <a:schemeClr val="tx1"/>
+              </a:solidFill>
+              <a:effectLst>
+                <a:outerShdw blurRad="38100" dist="19050" dir="2700000" algn="tl" rotWithShape="0">
+                  <a:schemeClr val="dk1">
+                    <a:alpha val="40000"/>
+                  </a:schemeClr>
+                </a:outerShdw>
+              </a:effectLst>
+            </a:endParaRPr>
+          </a:p>
+        </p:txBody>
+      </p:sp>
+      <p:sp>
+        <p:nvSpPr>
+          <p:cNvPr id="10" name="Rectangle 9">
+            <a:extLst>
+              <a:ext uri="{FF2B5EF4-FFF2-40B4-BE49-F238E27FC236}">
+                <a16:creationId xmlns:a16="http://schemas.microsoft.com/office/drawing/2014/main" id="{48D1187B-93F3-4F98-A980-CDE35D5A5B7C}"/>
+              </a:ext>
+            </a:extLst>
+          </p:cNvPr>
+          <p:cNvSpPr/>
+          <p:nvPr/>
+        </p:nvSpPr>
+        <p:spPr>
+          <a:xfrm>
+            <a:off x="337350" y="3670176"/>
+            <a:ext cx="11505461" cy="2069238"/>
+          </a:xfrm>
+          <a:prstGeom prst="rect">
+            <a:avLst/>
+          </a:prstGeom>
+          <a:solidFill>
+            <a:schemeClr val="bg1">
+              <a:lumMod val="85000"/>
+            </a:schemeClr>
+          </a:solidFill>
+          <a:ln>
+            <a:noFill/>
+          </a:ln>
+        </p:spPr>
+        <p:style>
+          <a:lnRef idx="2">
+            <a:schemeClr val="accent1">
+              <a:shade val="50000"/>
+            </a:schemeClr>
+          </a:lnRef>
+          <a:fillRef idx="1">
+            <a:schemeClr val="accent1"/>
+          </a:fillRef>
+          <a:effectRef idx="0">
+            <a:schemeClr val="accent1"/>
+          </a:effectRef>
+          <a:fontRef idx="minor">
+            <a:schemeClr val="lt1"/>
+          </a:fontRef>
+        </p:style>
+        <p:txBody>
+          <a:bodyPr rtlCol="0" anchor="ctr"/>
+          <a:lstStyle/>
+          <a:p>
+            <a:pPr algn="ctr"/>
+            <a:endParaRPr lang="en-US" b="1" dirty="0">
+              <a:solidFill>
+                <a:schemeClr val="bg1"/>
+              </a:solidFill>
+            </a:endParaRPr>
+          </a:p>
+        </p:txBody>
+      </p:sp>
+      <p:sp>
+        <p:nvSpPr>
+          <p:cNvPr id="13" name="Rectangle 1">
+            <a:extLst>
+              <a:ext uri="{FF2B5EF4-FFF2-40B4-BE49-F238E27FC236}">
+                <a16:creationId xmlns:a16="http://schemas.microsoft.com/office/drawing/2014/main" id="{C5FABE24-AEAC-4D9D-A016-4FC9A33715D7}"/>
+              </a:ext>
+            </a:extLst>
+          </p:cNvPr>
+          <p:cNvSpPr/>
+          <p:nvPr/>
+        </p:nvSpPr>
+        <p:spPr>
+          <a:xfrm>
+            <a:off x="94695" y="106531"/>
+            <a:ext cx="12002610" cy="905523"/>
+          </a:xfrm>
+          <a:prstGeom prst="rect">
+            <a:avLst/>
+          </a:prstGeom>
+          <a:solidFill>
+            <a:schemeClr val="tx1">
+              <a:lumMod val="65000"/>
+              <a:lumOff val="35000"/>
+            </a:schemeClr>
+          </a:solidFill>
+          <a:ln>
+            <a:noFill/>
+          </a:ln>
+        </p:spPr>
+        <p:style>
+          <a:lnRef idx="2">
+            <a:schemeClr val="accent1">
+              <a:shade val="50000"/>
+            </a:schemeClr>
+          </a:lnRef>
+          <a:fillRef idx="1">
+            <a:schemeClr val="accent1"/>
+          </a:fillRef>
+          <a:effectRef idx="0">
+            <a:schemeClr val="accent1"/>
+          </a:effectRef>
+          <a:fontRef idx="minor">
+            <a:schemeClr val="lt1"/>
+          </a:fontRef>
+        </p:style>
+        <p:txBody>
+          <a:bodyPr rtlCol="0" anchor="ctr"/>
+          <a:lstStyle/>
+          <a:p>
+            <a:pPr algn="ctr"/>
+            <a:r>
+              <a:rPr lang="es-VE" b="1" dirty="0">
+                <a:solidFill>
+                  <a:schemeClr val="bg1"/>
+                </a:solidFill>
+              </a:rPr>
+              <a:t>*logo*      Adopción     Consejos       Cat-</a:t>
+            </a:r>
+            <a:r>
+              <a:rPr lang="es-VE" b="1" dirty="0" err="1">
+                <a:solidFill>
+                  <a:schemeClr val="bg1"/>
+                </a:solidFill>
+              </a:rPr>
+              <a:t>Sitters</a:t>
+            </a:r>
+            <a:r>
+              <a:rPr lang="es-VE" b="1" dirty="0">
+                <a:solidFill>
+                  <a:schemeClr val="bg1"/>
+                </a:solidFill>
+              </a:rPr>
+              <a:t>             </a:t>
+            </a:r>
+            <a:r>
+              <a:rPr lang="es-VE" b="1" u="sng" dirty="0">
+                <a:solidFill>
+                  <a:srgbClr val="FF3300"/>
+                </a:solidFill>
+              </a:rPr>
+              <a:t>Incidencias</a:t>
+            </a:r>
+            <a:r>
+              <a:rPr lang="es-VE" b="1" dirty="0">
+                <a:solidFill>
+                  <a:srgbClr val="FF3300"/>
+                </a:solidFill>
+              </a:rPr>
+              <a:t>    Verificar identidad       </a:t>
+            </a:r>
+            <a:r>
+              <a:rPr lang="es-VE" b="1" dirty="0">
+                <a:solidFill>
+                  <a:schemeClr val="bg1"/>
+                </a:solidFill>
+              </a:rPr>
+              <a:t>Mi Perfil        </a:t>
+            </a:r>
+            <a:r>
+              <a:rPr lang="es-VE" b="1" dirty="0" err="1">
+                <a:solidFill>
+                  <a:schemeClr val="bg1"/>
+                </a:solidFill>
+              </a:rPr>
+              <a:t>Logout</a:t>
+            </a:r>
+            <a:endParaRPr lang="en-US" b="1" dirty="0">
+              <a:solidFill>
+                <a:schemeClr val="bg1"/>
+              </a:solidFill>
+            </a:endParaRPr>
+          </a:p>
+        </p:txBody>
+      </p:sp>
+      <p:sp>
+        <p:nvSpPr>
+          <p:cNvPr id="14" name="Rectangle 10">
+            <a:extLst>
+              <a:ext uri="{FF2B5EF4-FFF2-40B4-BE49-F238E27FC236}">
+                <a16:creationId xmlns:a16="http://schemas.microsoft.com/office/drawing/2014/main" id="{29C8EECF-C1D9-4A22-9FD3-FA6C5996270A}"/>
+              </a:ext>
+            </a:extLst>
+          </p:cNvPr>
+          <p:cNvSpPr/>
+          <p:nvPr/>
+        </p:nvSpPr>
+        <p:spPr>
+          <a:xfrm>
+            <a:off x="9610453" y="1450481"/>
+            <a:ext cx="1939955" cy="400110"/>
+          </a:xfrm>
+          <a:prstGeom prst="rect">
+            <a:avLst/>
+          </a:prstGeom>
+          <a:noFill/>
+        </p:spPr>
+        <p:txBody>
+          <a:bodyPr wrap="none" lIns="91440" tIns="45720" rIns="91440" bIns="45720">
+            <a:spAutoFit/>
+          </a:bodyPr>
+          <a:lstStyle/>
+          <a:p>
+            <a:r>
+              <a:rPr lang="en-US" sz="2000" b="0" cap="none" spc="0" dirty="0" err="1">
+                <a:ln w="0"/>
+                <a:solidFill>
+                  <a:schemeClr val="tx1"/>
+                </a:solidFill>
+                <a:effectLst>
+                  <a:outerShdw blurRad="38100" dist="19050" dir="2700000" algn="tl" rotWithShape="0">
+                    <a:schemeClr val="dk1">
+                      <a:alpha val="40000"/>
+                    </a:schemeClr>
+                  </a:outerShdw>
+                </a:effectLst>
+              </a:rPr>
+              <a:t>Usuario</a:t>
+            </a:r>
+            <a:r>
+              <a:rPr lang="en-US" sz="2000" b="0" cap="none" spc="0" dirty="0">
+                <a:ln w="0"/>
+                <a:solidFill>
+                  <a:schemeClr val="tx1"/>
+                </a:solidFill>
+                <a:effectLst>
+                  <a:outerShdw blurRad="38100" dist="19050" dir="2700000" algn="tl" rotWithShape="0">
+                    <a:schemeClr val="dk1">
+                      <a:alpha val="40000"/>
+                    </a:schemeClr>
+                  </a:outerShdw>
+                </a:effectLst>
+              </a:rPr>
+              <a:t> </a:t>
+            </a:r>
+            <a:r>
+              <a:rPr lang="en-US" sz="2000" b="0" cap="none" spc="0" dirty="0" err="1">
+                <a:ln w="0"/>
+                <a:solidFill>
+                  <a:schemeClr val="tx1"/>
+                </a:solidFill>
+                <a:effectLst>
+                  <a:outerShdw blurRad="38100" dist="19050" dir="2700000" algn="tl" rotWithShape="0">
+                    <a:schemeClr val="dk1">
+                      <a:alpha val="40000"/>
+                    </a:schemeClr>
+                  </a:outerShdw>
+                </a:effectLst>
+              </a:rPr>
+              <a:t>emisor</a:t>
+            </a:r>
+            <a:endParaRPr lang="en-US" sz="2000" b="0" cap="none" spc="0" dirty="0">
+              <a:ln w="0"/>
+              <a:solidFill>
+                <a:schemeClr val="tx1"/>
+              </a:solidFill>
+              <a:effectLst>
+                <a:outerShdw blurRad="38100" dist="19050" dir="2700000" algn="tl" rotWithShape="0">
+                  <a:schemeClr val="dk1">
+                    <a:alpha val="40000"/>
+                  </a:schemeClr>
+                </a:outerShdw>
+              </a:effectLst>
+            </a:endParaRPr>
+          </a:p>
+        </p:txBody>
+      </p:sp>
+      <p:sp>
+        <p:nvSpPr>
+          <p:cNvPr id="15" name="Rectangle 7">
+            <a:extLst>
+              <a:ext uri="{FF2B5EF4-FFF2-40B4-BE49-F238E27FC236}">
+                <a16:creationId xmlns:a16="http://schemas.microsoft.com/office/drawing/2014/main" id="{D91C96F9-109E-416D-918C-060475288848}"/>
+              </a:ext>
+            </a:extLst>
+          </p:cNvPr>
+          <p:cNvSpPr/>
+          <p:nvPr/>
+        </p:nvSpPr>
+        <p:spPr>
+          <a:xfrm>
+            <a:off x="641592" y="3813408"/>
+            <a:ext cx="2920992" cy="1569660"/>
+          </a:xfrm>
+          <a:prstGeom prst="rect">
+            <a:avLst/>
+          </a:prstGeom>
+          <a:noFill/>
+        </p:spPr>
+        <p:txBody>
+          <a:bodyPr wrap="none" lIns="91440" tIns="45720" rIns="91440" bIns="45720">
+            <a:spAutoFit/>
+          </a:bodyPr>
+          <a:lstStyle/>
+          <a:p>
+            <a:pPr algn="ctr"/>
+            <a:r>
+              <a:rPr lang="en-US" sz="4000" b="0" cap="none" spc="0" dirty="0" err="1">
+                <a:ln w="0"/>
+                <a:solidFill>
+                  <a:schemeClr val="tx1"/>
+                </a:solidFill>
+                <a:effectLst>
+                  <a:outerShdw blurRad="38100" dist="19050" dir="2700000" algn="tl" rotWithShape="0">
+                    <a:schemeClr val="dk1">
+                      <a:alpha val="40000"/>
+                    </a:schemeClr>
+                  </a:outerShdw>
+                </a:effectLst>
+              </a:rPr>
+              <a:t>Incidencia</a:t>
+            </a:r>
+            <a:r>
+              <a:rPr lang="en-US" sz="4000" b="0" cap="none" spc="0" dirty="0">
+                <a:ln w="0"/>
+                <a:solidFill>
+                  <a:schemeClr val="tx1"/>
+                </a:solidFill>
+                <a:effectLst>
+                  <a:outerShdw blurRad="38100" dist="19050" dir="2700000" algn="tl" rotWithShape="0">
+                    <a:schemeClr val="dk1">
+                      <a:alpha val="40000"/>
+                    </a:schemeClr>
+                  </a:outerShdw>
+                </a:effectLst>
+              </a:rPr>
+              <a:t> 2</a:t>
+            </a:r>
+          </a:p>
+          <a:p>
+            <a:pPr algn="ctr"/>
+            <a:endParaRPr lang="en-US" sz="3600" b="0" cap="none" spc="0" dirty="0">
+              <a:ln w="0"/>
+              <a:solidFill>
+                <a:schemeClr val="tx1"/>
+              </a:solidFill>
+              <a:effectLst>
+                <a:outerShdw blurRad="38100" dist="19050" dir="2700000" algn="tl" rotWithShape="0">
+                  <a:schemeClr val="dk1">
+                    <a:alpha val="40000"/>
+                  </a:schemeClr>
+                </a:outerShdw>
+              </a:effectLst>
+            </a:endParaRPr>
+          </a:p>
+          <a:p>
+            <a:r>
+              <a:rPr lang="en-US" sz="2000" dirty="0" err="1">
+                <a:ln w="0"/>
+                <a:effectLst>
+                  <a:outerShdw blurRad="38100" dist="19050" dir="2700000" algn="tl" rotWithShape="0">
+                    <a:schemeClr val="dk1">
+                      <a:alpha val="40000"/>
+                    </a:schemeClr>
+                  </a:outerShdw>
+                </a:effectLst>
+              </a:rPr>
+              <a:t>Detalles</a:t>
+            </a:r>
+            <a:endParaRPr lang="en-US" sz="2000" b="0" cap="none" spc="0" dirty="0">
+              <a:ln w="0"/>
+              <a:solidFill>
+                <a:schemeClr val="tx1"/>
+              </a:solidFill>
+              <a:effectLst>
+                <a:outerShdw blurRad="38100" dist="19050" dir="2700000" algn="tl" rotWithShape="0">
+                  <a:schemeClr val="dk1">
+                    <a:alpha val="40000"/>
+                  </a:schemeClr>
+                </a:outerShdw>
+              </a:effectLst>
+            </a:endParaRPr>
+          </a:p>
+        </p:txBody>
+      </p:sp>
+      <p:sp>
+        <p:nvSpPr>
+          <p:cNvPr id="16" name="Rectangle 10">
+            <a:extLst>
+              <a:ext uri="{FF2B5EF4-FFF2-40B4-BE49-F238E27FC236}">
+                <a16:creationId xmlns:a16="http://schemas.microsoft.com/office/drawing/2014/main" id="{3D9E0167-78E5-46E6-9FBC-F1CD9D105AEC}"/>
+              </a:ext>
+            </a:extLst>
+          </p:cNvPr>
+          <p:cNvSpPr/>
+          <p:nvPr/>
+        </p:nvSpPr>
+        <p:spPr>
+          <a:xfrm>
+            <a:off x="9610453" y="3734972"/>
+            <a:ext cx="1939955" cy="400110"/>
+          </a:xfrm>
+          <a:prstGeom prst="rect">
+            <a:avLst/>
+          </a:prstGeom>
+          <a:noFill/>
+        </p:spPr>
+        <p:txBody>
+          <a:bodyPr wrap="none" lIns="91440" tIns="45720" rIns="91440" bIns="45720">
+            <a:spAutoFit/>
+          </a:bodyPr>
+          <a:lstStyle/>
+          <a:p>
+            <a:r>
+              <a:rPr lang="en-US" sz="2000" b="0" cap="none" spc="0" dirty="0" err="1">
+                <a:ln w="0"/>
+                <a:solidFill>
+                  <a:schemeClr val="tx1"/>
+                </a:solidFill>
+                <a:effectLst>
+                  <a:outerShdw blurRad="38100" dist="19050" dir="2700000" algn="tl" rotWithShape="0">
+                    <a:schemeClr val="dk1">
+                      <a:alpha val="40000"/>
+                    </a:schemeClr>
+                  </a:outerShdw>
+                </a:effectLst>
+              </a:rPr>
+              <a:t>Usuario</a:t>
+            </a:r>
+            <a:r>
+              <a:rPr lang="en-US" sz="2000" b="0" cap="none" spc="0" dirty="0">
+                <a:ln w="0"/>
+                <a:solidFill>
+                  <a:schemeClr val="tx1"/>
+                </a:solidFill>
+                <a:effectLst>
+                  <a:outerShdw blurRad="38100" dist="19050" dir="2700000" algn="tl" rotWithShape="0">
+                    <a:schemeClr val="dk1">
+                      <a:alpha val="40000"/>
+                    </a:schemeClr>
+                  </a:outerShdw>
+                </a:effectLst>
+              </a:rPr>
+              <a:t> </a:t>
+            </a:r>
+            <a:r>
+              <a:rPr lang="en-US" sz="2000" b="0" cap="none" spc="0" dirty="0" err="1">
+                <a:ln w="0"/>
+                <a:solidFill>
+                  <a:schemeClr val="tx1"/>
+                </a:solidFill>
+                <a:effectLst>
+                  <a:outerShdw blurRad="38100" dist="19050" dir="2700000" algn="tl" rotWithShape="0">
+                    <a:schemeClr val="dk1">
+                      <a:alpha val="40000"/>
+                    </a:schemeClr>
+                  </a:outerShdw>
+                </a:effectLst>
+              </a:rPr>
+              <a:t>emisor</a:t>
+            </a:r>
+            <a:endParaRPr lang="en-US" sz="2000" b="0" cap="none" spc="0" dirty="0">
+              <a:ln w="0"/>
+              <a:solidFill>
+                <a:schemeClr val="tx1"/>
+              </a:solidFill>
+              <a:effectLst>
+                <a:outerShdw blurRad="38100" dist="19050" dir="2700000" algn="tl" rotWithShape="0">
+                  <a:schemeClr val="dk1">
+                    <a:alpha val="40000"/>
+                  </a:schemeClr>
+                </a:outerShdw>
+              </a:effectLst>
+            </a:endParaRPr>
+          </a:p>
+        </p:txBody>
+      </p:sp>
+      <p:sp>
+        <p:nvSpPr>
+          <p:cNvPr id="17" name="Rectangle: Rounded Corners 7">
+            <a:extLst>
+              <a:ext uri="{FF2B5EF4-FFF2-40B4-BE49-F238E27FC236}">
+                <a16:creationId xmlns:a16="http://schemas.microsoft.com/office/drawing/2014/main" id="{D75C582A-425F-4D5C-B566-9499BE2A8733}"/>
+              </a:ext>
+            </a:extLst>
+          </p:cNvPr>
+          <p:cNvSpPr/>
+          <p:nvPr/>
+        </p:nvSpPr>
+        <p:spPr>
+          <a:xfrm>
+            <a:off x="8768372" y="2561971"/>
+            <a:ext cx="2782036" cy="717205"/>
+          </a:xfrm>
+          <a:prstGeom prst="roundRect">
+            <a:avLst/>
+          </a:prstGeom>
+          <a:solidFill>
+            <a:srgbClr val="FF0000"/>
+          </a:solidFill>
+          <a:ln>
+            <a:noFill/>
+          </a:ln>
+        </p:spPr>
+        <p:style>
+          <a:lnRef idx="2">
+            <a:schemeClr val="accent1">
+              <a:shade val="50000"/>
+            </a:schemeClr>
+          </a:lnRef>
+          <a:fillRef idx="1">
+            <a:schemeClr val="accent1"/>
+          </a:fillRef>
+          <a:effectRef idx="0">
+            <a:schemeClr val="accent1"/>
+          </a:effectRef>
+          <a:fontRef idx="minor">
+            <a:schemeClr val="lt1"/>
+          </a:fontRef>
+        </p:style>
+        <p:txBody>
+          <a:bodyPr rtlCol="0" anchor="ctr"/>
+          <a:lstStyle/>
+          <a:p>
+            <a:pPr algn="ctr"/>
+            <a:r>
+              <a:rPr lang="es-VE" sz="2000" dirty="0">
+                <a:solidFill>
+                  <a:schemeClr val="bg1"/>
+                </a:solidFill>
+              </a:rPr>
+              <a:t>Resolver incidencia</a:t>
+            </a:r>
+            <a:endParaRPr lang="en-US" sz="2000" dirty="0">
+              <a:solidFill>
+                <a:schemeClr val="bg1"/>
+              </a:solidFill>
+            </a:endParaRPr>
+          </a:p>
+        </p:txBody>
+      </p:sp>
+      <p:sp>
+        <p:nvSpPr>
+          <p:cNvPr id="19" name="Rectangle: Rounded Corners 7">
+            <a:extLst>
+              <a:ext uri="{FF2B5EF4-FFF2-40B4-BE49-F238E27FC236}">
+                <a16:creationId xmlns:a16="http://schemas.microsoft.com/office/drawing/2014/main" id="{F0508246-0E16-4DFC-9B91-BEB90C63D13A}"/>
+              </a:ext>
+            </a:extLst>
+          </p:cNvPr>
+          <p:cNvSpPr/>
+          <p:nvPr/>
+        </p:nvSpPr>
+        <p:spPr>
+          <a:xfrm>
+            <a:off x="8768372" y="4864923"/>
+            <a:ext cx="2782036" cy="717205"/>
+          </a:xfrm>
+          <a:prstGeom prst="roundRect">
+            <a:avLst/>
+          </a:prstGeom>
+          <a:solidFill>
+            <a:srgbClr val="FF0000"/>
+          </a:solidFill>
+          <a:ln>
+            <a:noFill/>
+          </a:ln>
+        </p:spPr>
+        <p:style>
+          <a:lnRef idx="2">
+            <a:schemeClr val="accent1">
+              <a:shade val="50000"/>
+            </a:schemeClr>
+          </a:lnRef>
+          <a:fillRef idx="1">
+            <a:schemeClr val="accent1"/>
+          </a:fillRef>
+          <a:effectRef idx="0">
+            <a:schemeClr val="accent1"/>
+          </a:effectRef>
+          <a:fontRef idx="minor">
+            <a:schemeClr val="lt1"/>
+          </a:fontRef>
+        </p:style>
+        <p:txBody>
+          <a:bodyPr rtlCol="0" anchor="ctr"/>
+          <a:lstStyle/>
+          <a:p>
+            <a:pPr algn="ctr"/>
+            <a:r>
+              <a:rPr lang="es-VE" sz="2000" dirty="0">
+                <a:solidFill>
+                  <a:schemeClr val="bg1"/>
+                </a:solidFill>
+              </a:rPr>
+              <a:t>Resolver incidencia</a:t>
+            </a:r>
+            <a:endParaRPr lang="en-US" sz="2000" dirty="0">
+              <a:solidFill>
+                <a:schemeClr val="bg1"/>
+              </a:solidFill>
+            </a:endParaRPr>
+          </a:p>
+        </p:txBody>
+      </p:sp>
+    </p:spTree>
+    <p:extLst>
+      <p:ext uri="{BB962C8B-B14F-4D97-AF65-F5344CB8AC3E}">
+        <p14:creationId xmlns:p14="http://schemas.microsoft.com/office/powerpoint/2010/main" val="1152233661"/>
+      </p:ext>
+    </p:extLst>
+  </p:cSld>
+  <p:clrMapOvr>
+    <a:masterClrMapping/>
+  </p:clrMapOvr>
+</p:sld>
+</file>
+
+<file path=ppt/slides/slide11.xml><?xml version="1.0" encoding="utf-8"?>
+<p:sld xmlns:a="http://schemas.openxmlformats.org/drawingml/2006/main" xmlns:r="http://schemas.openxmlformats.org/officeDocument/2006/relationships" xmlns:p="http://schemas.openxmlformats.org/presentationml/2006/main">
+  <p:cSld>
+    <p:spTree>
+      <p:nvGrpSpPr>
+        <p:cNvPr id="1" name=""/>
+        <p:cNvGrpSpPr/>
+        <p:nvPr/>
+      </p:nvGrpSpPr>
+      <p:grpSpPr>
+        <a:xfrm>
+          <a:off x="0" y="0"/>
+          <a:ext cx="0" cy="0"/>
+          <a:chOff x="0" y="0"/>
+          <a:chExt cx="0" cy="0"/>
+        </a:xfrm>
+      </p:grpSpPr>
+      <p:sp>
+        <p:nvSpPr>
+          <p:cNvPr id="5" name="Rectangle 4">
+            <a:extLst>
+              <a:ext uri="{FF2B5EF4-FFF2-40B4-BE49-F238E27FC236}">
+                <a16:creationId xmlns:a16="http://schemas.microsoft.com/office/drawing/2014/main" id="{3F4DBFB8-880A-4670-873B-CA2745702736}"/>
+              </a:ext>
+            </a:extLst>
+          </p:cNvPr>
+          <p:cNvSpPr/>
+          <p:nvPr/>
+        </p:nvSpPr>
+        <p:spPr>
+          <a:xfrm>
+            <a:off x="94695" y="1118586"/>
+            <a:ext cx="12002610" cy="5632883"/>
+          </a:xfrm>
+          <a:prstGeom prst="rect">
+            <a:avLst/>
+          </a:prstGeom>
+          <a:solidFill>
+            <a:schemeClr val="accent5">
+              <a:lumMod val="40000"/>
+              <a:lumOff val="60000"/>
+            </a:schemeClr>
+          </a:solidFill>
+          <a:ln>
+            <a:noFill/>
+          </a:ln>
+        </p:spPr>
+        <p:style>
+          <a:lnRef idx="2">
+            <a:schemeClr val="accent1">
+              <a:shade val="50000"/>
+            </a:schemeClr>
+          </a:lnRef>
+          <a:fillRef idx="1">
+            <a:schemeClr val="accent1"/>
+          </a:fillRef>
+          <a:effectRef idx="0">
+            <a:schemeClr val="accent1"/>
+          </a:effectRef>
+          <a:fontRef idx="minor">
+            <a:schemeClr val="lt1"/>
+          </a:fontRef>
+        </p:style>
+        <p:txBody>
+          <a:bodyPr rtlCol="0" anchor="ctr"/>
+          <a:lstStyle/>
+          <a:p>
+            <a:pPr algn="ctr"/>
+            <a:endParaRPr lang="en-US" sz="3600" u="sng" dirty="0"/>
+          </a:p>
+        </p:txBody>
+      </p:sp>
+      <p:sp>
+        <p:nvSpPr>
+          <p:cNvPr id="7" name="Rectangle 6">
+            <a:extLst>
+              <a:ext uri="{FF2B5EF4-FFF2-40B4-BE49-F238E27FC236}">
+                <a16:creationId xmlns:a16="http://schemas.microsoft.com/office/drawing/2014/main" id="{B054A16F-54A2-4739-8E3C-51E3300950BB}"/>
+              </a:ext>
+            </a:extLst>
+          </p:cNvPr>
+          <p:cNvSpPr/>
+          <p:nvPr/>
+        </p:nvSpPr>
+        <p:spPr>
+          <a:xfrm>
+            <a:off x="337350" y="1359762"/>
+            <a:ext cx="11505461" cy="2069238"/>
+          </a:xfrm>
+          <a:prstGeom prst="rect">
+            <a:avLst/>
+          </a:prstGeom>
+          <a:solidFill>
+            <a:schemeClr val="bg1">
+              <a:lumMod val="85000"/>
+            </a:schemeClr>
+          </a:solidFill>
+          <a:ln>
+            <a:noFill/>
+          </a:ln>
+        </p:spPr>
+        <p:style>
+          <a:lnRef idx="2">
+            <a:schemeClr val="accent1">
+              <a:shade val="50000"/>
+            </a:schemeClr>
+          </a:lnRef>
+          <a:fillRef idx="1">
+            <a:schemeClr val="accent1"/>
+          </a:fillRef>
+          <a:effectRef idx="0">
+            <a:schemeClr val="accent1"/>
+          </a:effectRef>
+          <a:fontRef idx="minor">
+            <a:schemeClr val="lt1"/>
+          </a:fontRef>
+        </p:style>
+        <p:txBody>
+          <a:bodyPr rtlCol="0" anchor="ctr"/>
+          <a:lstStyle/>
+          <a:p>
+            <a:pPr algn="ctr"/>
+            <a:endParaRPr lang="en-US" b="1" dirty="0">
+              <a:solidFill>
+                <a:schemeClr val="bg1"/>
+              </a:solidFill>
+            </a:endParaRPr>
+          </a:p>
+        </p:txBody>
+      </p:sp>
+      <p:sp>
+        <p:nvSpPr>
+          <p:cNvPr id="8" name="Rectangle 7">
+            <a:extLst>
+              <a:ext uri="{FF2B5EF4-FFF2-40B4-BE49-F238E27FC236}">
+                <a16:creationId xmlns:a16="http://schemas.microsoft.com/office/drawing/2014/main" id="{7214B269-F679-4636-AAC2-FE15D384A6AC}"/>
+              </a:ext>
+            </a:extLst>
+          </p:cNvPr>
+          <p:cNvSpPr/>
+          <p:nvPr/>
+        </p:nvSpPr>
+        <p:spPr>
+          <a:xfrm>
+            <a:off x="3586580" y="1509204"/>
+            <a:ext cx="3074881" cy="1569660"/>
+          </a:xfrm>
+          <a:prstGeom prst="rect">
+            <a:avLst/>
+          </a:prstGeom>
+          <a:noFill/>
+        </p:spPr>
+        <p:txBody>
+          <a:bodyPr wrap="none" lIns="91440" tIns="45720" rIns="91440" bIns="45720">
+            <a:spAutoFit/>
+          </a:bodyPr>
+          <a:lstStyle/>
+          <a:p>
+            <a:pPr algn="ctr"/>
+            <a:r>
+              <a:rPr lang="en-US" sz="4000" b="0" cap="none" spc="0" dirty="0" err="1">
+                <a:ln w="0"/>
+                <a:solidFill>
+                  <a:schemeClr val="tx1"/>
+                </a:solidFill>
+                <a:effectLst>
+                  <a:outerShdw blurRad="38100" dist="19050" dir="2700000" algn="tl" rotWithShape="0">
+                    <a:schemeClr val="dk1">
+                      <a:alpha val="40000"/>
+                    </a:schemeClr>
+                  </a:outerShdw>
+                </a:effectLst>
+              </a:rPr>
+              <a:t>Solicitante</a:t>
+            </a:r>
+            <a:r>
+              <a:rPr lang="en-US" sz="4000" b="0" cap="none" spc="0" dirty="0">
+                <a:ln w="0"/>
+                <a:solidFill>
+                  <a:schemeClr val="tx1"/>
+                </a:solidFill>
+                <a:effectLst>
+                  <a:outerShdw blurRad="38100" dist="19050" dir="2700000" algn="tl" rotWithShape="0">
+                    <a:schemeClr val="dk1">
+                      <a:alpha val="40000"/>
+                    </a:schemeClr>
+                  </a:outerShdw>
+                </a:effectLst>
+              </a:rPr>
+              <a:t> 1</a:t>
+            </a:r>
+          </a:p>
+          <a:p>
+            <a:pPr algn="ctr"/>
+            <a:endParaRPr lang="en-US" sz="3600" b="0" cap="none" spc="0" dirty="0">
+              <a:ln w="0"/>
+              <a:solidFill>
+                <a:schemeClr val="tx1"/>
+              </a:solidFill>
+              <a:effectLst>
+                <a:outerShdw blurRad="38100" dist="19050" dir="2700000" algn="tl" rotWithShape="0">
+                  <a:schemeClr val="dk1">
+                    <a:alpha val="40000"/>
+                  </a:schemeClr>
+                </a:outerShdw>
+              </a:effectLst>
+            </a:endParaRPr>
+          </a:p>
+          <a:p>
+            <a:r>
+              <a:rPr lang="en-US" sz="2000" dirty="0" err="1">
+                <a:ln w="0"/>
+                <a:effectLst>
+                  <a:outerShdw blurRad="38100" dist="19050" dir="2700000" algn="tl" rotWithShape="0">
+                    <a:schemeClr val="dk1">
+                      <a:alpha val="40000"/>
+                    </a:schemeClr>
+                  </a:outerShdw>
+                </a:effectLst>
+              </a:rPr>
+              <a:t>Datos</a:t>
+            </a:r>
+            <a:r>
+              <a:rPr lang="en-US" sz="2000" dirty="0">
+                <a:ln w="0"/>
+                <a:effectLst>
+                  <a:outerShdw blurRad="38100" dist="19050" dir="2700000" algn="tl" rotWithShape="0">
+                    <a:schemeClr val="dk1">
+                      <a:alpha val="40000"/>
+                    </a:schemeClr>
+                  </a:outerShdw>
+                </a:effectLst>
+              </a:rPr>
+              <a:t> de </a:t>
+            </a:r>
+            <a:r>
+              <a:rPr lang="en-US" sz="2000" dirty="0" err="1">
+                <a:ln w="0"/>
+                <a:effectLst>
+                  <a:outerShdw blurRad="38100" dist="19050" dir="2700000" algn="tl" rotWithShape="0">
+                    <a:schemeClr val="dk1">
+                      <a:alpha val="40000"/>
+                    </a:schemeClr>
+                  </a:outerShdw>
+                </a:effectLst>
+              </a:rPr>
+              <a:t>usuario</a:t>
+            </a:r>
+            <a:endParaRPr lang="en-US" sz="2000" b="0" cap="none" spc="0" dirty="0">
+              <a:ln w="0"/>
+              <a:solidFill>
+                <a:schemeClr val="tx1"/>
+              </a:solidFill>
+              <a:effectLst>
+                <a:outerShdw blurRad="38100" dist="19050" dir="2700000" algn="tl" rotWithShape="0">
+                  <a:schemeClr val="dk1">
+                    <a:alpha val="40000"/>
+                  </a:schemeClr>
+                </a:outerShdw>
+              </a:effectLst>
+            </a:endParaRPr>
+          </a:p>
+        </p:txBody>
+      </p:sp>
+      <p:sp>
+        <p:nvSpPr>
+          <p:cNvPr id="9" name="Rectangle 8">
+            <a:extLst>
+              <a:ext uri="{FF2B5EF4-FFF2-40B4-BE49-F238E27FC236}">
+                <a16:creationId xmlns:a16="http://schemas.microsoft.com/office/drawing/2014/main" id="{A09E4E70-A8E9-4EB7-A8D3-BE70C5357EC7}"/>
+              </a:ext>
+            </a:extLst>
+          </p:cNvPr>
+          <p:cNvSpPr/>
+          <p:nvPr/>
+        </p:nvSpPr>
+        <p:spPr>
+          <a:xfrm>
+            <a:off x="559293" y="1509204"/>
+            <a:ext cx="2805344" cy="1713390"/>
+          </a:xfrm>
+          <a:prstGeom prst="rect">
+            <a:avLst/>
+          </a:prstGeom>
+          <a:solidFill>
+            <a:schemeClr val="bg1"/>
+          </a:solidFill>
+          <a:ln>
+            <a:noFill/>
+          </a:ln>
+        </p:spPr>
+        <p:style>
+          <a:lnRef idx="2">
+            <a:schemeClr val="accent1">
+              <a:shade val="50000"/>
+            </a:schemeClr>
+          </a:lnRef>
+          <a:fillRef idx="1">
+            <a:schemeClr val="accent1"/>
+          </a:fillRef>
+          <a:effectRef idx="0">
+            <a:schemeClr val="accent1"/>
+          </a:effectRef>
+          <a:fontRef idx="minor">
+            <a:schemeClr val="lt1"/>
+          </a:fontRef>
+        </p:style>
+        <p:txBody>
+          <a:bodyPr rtlCol="0" anchor="ctr"/>
+          <a:lstStyle/>
+          <a:p>
+            <a:pPr algn="ctr"/>
+            <a:r>
+              <a:rPr lang="es-VE" dirty="0">
+                <a:solidFill>
+                  <a:schemeClr val="tx1"/>
+                </a:solidFill>
+              </a:rPr>
+              <a:t>Fotografía DNI</a:t>
+            </a:r>
+            <a:endParaRPr lang="en-US" dirty="0">
+              <a:solidFill>
+                <a:schemeClr val="tx1"/>
+              </a:solidFill>
+            </a:endParaRPr>
+          </a:p>
+        </p:txBody>
+      </p:sp>
+      <p:sp>
+        <p:nvSpPr>
+          <p:cNvPr id="10" name="Rectangle 9">
+            <a:extLst>
+              <a:ext uri="{FF2B5EF4-FFF2-40B4-BE49-F238E27FC236}">
+                <a16:creationId xmlns:a16="http://schemas.microsoft.com/office/drawing/2014/main" id="{48D1187B-93F3-4F98-A980-CDE35D5A5B7C}"/>
+              </a:ext>
+            </a:extLst>
+          </p:cNvPr>
+          <p:cNvSpPr/>
+          <p:nvPr/>
+        </p:nvSpPr>
+        <p:spPr>
+          <a:xfrm>
+            <a:off x="337350" y="3670176"/>
+            <a:ext cx="11505461" cy="2069238"/>
+          </a:xfrm>
+          <a:prstGeom prst="rect">
+            <a:avLst/>
+          </a:prstGeom>
+          <a:solidFill>
+            <a:schemeClr val="bg1">
+              <a:lumMod val="85000"/>
+            </a:schemeClr>
+          </a:solidFill>
+          <a:ln>
+            <a:noFill/>
+          </a:ln>
+        </p:spPr>
+        <p:style>
+          <a:lnRef idx="2">
+            <a:schemeClr val="accent1">
+              <a:shade val="50000"/>
+            </a:schemeClr>
+          </a:lnRef>
+          <a:fillRef idx="1">
+            <a:schemeClr val="accent1"/>
+          </a:fillRef>
+          <a:effectRef idx="0">
+            <a:schemeClr val="accent1"/>
+          </a:effectRef>
+          <a:fontRef idx="minor">
+            <a:schemeClr val="lt1"/>
+          </a:fontRef>
+        </p:style>
+        <p:txBody>
+          <a:bodyPr rtlCol="0" anchor="ctr"/>
+          <a:lstStyle/>
+          <a:p>
+            <a:pPr algn="ctr"/>
+            <a:endParaRPr lang="en-US" b="1" dirty="0">
+              <a:solidFill>
+                <a:schemeClr val="bg1"/>
+              </a:solidFill>
+            </a:endParaRPr>
+          </a:p>
+        </p:txBody>
+      </p:sp>
+      <p:sp>
+        <p:nvSpPr>
+          <p:cNvPr id="12" name="Rectangle 11">
+            <a:extLst>
+              <a:ext uri="{FF2B5EF4-FFF2-40B4-BE49-F238E27FC236}">
+                <a16:creationId xmlns:a16="http://schemas.microsoft.com/office/drawing/2014/main" id="{DDAB76A2-ABB1-4E2C-A3B8-B14276C33DB0}"/>
+              </a:ext>
+            </a:extLst>
+          </p:cNvPr>
+          <p:cNvSpPr/>
+          <p:nvPr/>
+        </p:nvSpPr>
+        <p:spPr>
+          <a:xfrm>
+            <a:off x="559293" y="3819618"/>
+            <a:ext cx="2805344" cy="1713390"/>
+          </a:xfrm>
+          <a:prstGeom prst="rect">
+            <a:avLst/>
+          </a:prstGeom>
+          <a:solidFill>
+            <a:schemeClr val="bg1"/>
+          </a:solidFill>
+          <a:ln>
+            <a:noFill/>
+          </a:ln>
+        </p:spPr>
+        <p:style>
+          <a:lnRef idx="2">
+            <a:schemeClr val="accent1">
+              <a:shade val="50000"/>
+            </a:schemeClr>
+          </a:lnRef>
+          <a:fillRef idx="1">
+            <a:schemeClr val="accent1"/>
+          </a:fillRef>
+          <a:effectRef idx="0">
+            <a:schemeClr val="accent1"/>
+          </a:effectRef>
+          <a:fontRef idx="minor">
+            <a:schemeClr val="lt1"/>
+          </a:fontRef>
+        </p:style>
+        <p:txBody>
+          <a:bodyPr rtlCol="0" anchor="ctr"/>
+          <a:lstStyle/>
+          <a:p>
+            <a:pPr algn="ctr"/>
+            <a:r>
+              <a:rPr lang="es-VE" dirty="0">
+                <a:solidFill>
+                  <a:schemeClr val="tx1"/>
+                </a:solidFill>
+              </a:rPr>
+              <a:t>Fotografía DNI</a:t>
+            </a:r>
+            <a:endParaRPr lang="en-US" dirty="0">
+              <a:solidFill>
+                <a:schemeClr val="tx1"/>
+              </a:solidFill>
+            </a:endParaRPr>
+          </a:p>
+        </p:txBody>
+      </p:sp>
+      <p:sp>
+        <p:nvSpPr>
+          <p:cNvPr id="14" name="Rectangle 7">
+            <a:extLst>
+              <a:ext uri="{FF2B5EF4-FFF2-40B4-BE49-F238E27FC236}">
+                <a16:creationId xmlns:a16="http://schemas.microsoft.com/office/drawing/2014/main" id="{D3680540-089F-4AD1-A2BD-962A0D27A752}"/>
+              </a:ext>
+            </a:extLst>
+          </p:cNvPr>
+          <p:cNvSpPr/>
+          <p:nvPr/>
+        </p:nvSpPr>
+        <p:spPr>
+          <a:xfrm>
+            <a:off x="3586580" y="3819618"/>
+            <a:ext cx="3074881" cy="1569660"/>
+          </a:xfrm>
+          <a:prstGeom prst="rect">
+            <a:avLst/>
+          </a:prstGeom>
+          <a:noFill/>
+        </p:spPr>
+        <p:txBody>
+          <a:bodyPr wrap="none" lIns="91440" tIns="45720" rIns="91440" bIns="45720">
+            <a:spAutoFit/>
+          </a:bodyPr>
+          <a:lstStyle/>
+          <a:p>
+            <a:pPr algn="ctr"/>
+            <a:r>
+              <a:rPr lang="en-US" sz="4000" b="0" cap="none" spc="0" dirty="0" err="1">
+                <a:ln w="0"/>
+                <a:solidFill>
+                  <a:schemeClr val="tx1"/>
+                </a:solidFill>
+                <a:effectLst>
+                  <a:outerShdw blurRad="38100" dist="19050" dir="2700000" algn="tl" rotWithShape="0">
+                    <a:schemeClr val="dk1">
+                      <a:alpha val="40000"/>
+                    </a:schemeClr>
+                  </a:outerShdw>
+                </a:effectLst>
+              </a:rPr>
+              <a:t>Solicitante</a:t>
+            </a:r>
+            <a:r>
+              <a:rPr lang="en-US" sz="4000" b="0" cap="none" spc="0" dirty="0">
+                <a:ln w="0"/>
+                <a:solidFill>
+                  <a:schemeClr val="tx1"/>
+                </a:solidFill>
+                <a:effectLst>
+                  <a:outerShdw blurRad="38100" dist="19050" dir="2700000" algn="tl" rotWithShape="0">
+                    <a:schemeClr val="dk1">
+                      <a:alpha val="40000"/>
+                    </a:schemeClr>
+                  </a:outerShdw>
+                </a:effectLst>
+              </a:rPr>
+              <a:t> 2</a:t>
+            </a:r>
+          </a:p>
+          <a:p>
+            <a:pPr algn="ctr"/>
+            <a:endParaRPr lang="en-US" sz="3600" b="0" cap="none" spc="0" dirty="0">
+              <a:ln w="0"/>
+              <a:solidFill>
+                <a:schemeClr val="tx1"/>
+              </a:solidFill>
+              <a:effectLst>
+                <a:outerShdw blurRad="38100" dist="19050" dir="2700000" algn="tl" rotWithShape="0">
+                  <a:schemeClr val="dk1">
+                    <a:alpha val="40000"/>
+                  </a:schemeClr>
+                </a:outerShdw>
+              </a:effectLst>
+            </a:endParaRPr>
+          </a:p>
+          <a:p>
+            <a:r>
+              <a:rPr lang="en-US" sz="2000" dirty="0" err="1">
+                <a:ln w="0"/>
+                <a:effectLst>
+                  <a:outerShdw blurRad="38100" dist="19050" dir="2700000" algn="tl" rotWithShape="0">
+                    <a:schemeClr val="dk1">
+                      <a:alpha val="40000"/>
+                    </a:schemeClr>
+                  </a:outerShdw>
+                </a:effectLst>
+              </a:rPr>
+              <a:t>Datos</a:t>
+            </a:r>
+            <a:r>
+              <a:rPr lang="en-US" sz="2000" dirty="0">
+                <a:ln w="0"/>
+                <a:effectLst>
+                  <a:outerShdw blurRad="38100" dist="19050" dir="2700000" algn="tl" rotWithShape="0">
+                    <a:schemeClr val="dk1">
+                      <a:alpha val="40000"/>
+                    </a:schemeClr>
+                  </a:outerShdw>
+                </a:effectLst>
+              </a:rPr>
+              <a:t> de </a:t>
+            </a:r>
+            <a:r>
+              <a:rPr lang="en-US" sz="2000" dirty="0" err="1">
+                <a:ln w="0"/>
+                <a:effectLst>
+                  <a:outerShdw blurRad="38100" dist="19050" dir="2700000" algn="tl" rotWithShape="0">
+                    <a:schemeClr val="dk1">
+                      <a:alpha val="40000"/>
+                    </a:schemeClr>
+                  </a:outerShdw>
+                </a:effectLst>
+              </a:rPr>
+              <a:t>usuario</a:t>
+            </a:r>
+            <a:endParaRPr lang="en-US" sz="2000" b="0" cap="none" spc="0" dirty="0">
+              <a:ln w="0"/>
+              <a:solidFill>
+                <a:schemeClr val="tx1"/>
+              </a:solidFill>
+              <a:effectLst>
+                <a:outerShdw blurRad="38100" dist="19050" dir="2700000" algn="tl" rotWithShape="0">
+                  <a:schemeClr val="dk1">
+                    <a:alpha val="40000"/>
+                  </a:schemeClr>
+                </a:outerShdw>
+              </a:effectLst>
+            </a:endParaRPr>
+          </a:p>
+        </p:txBody>
+      </p:sp>
+      <p:sp>
+        <p:nvSpPr>
+          <p:cNvPr id="15" name="Rectangle 1">
+            <a:extLst>
+              <a:ext uri="{FF2B5EF4-FFF2-40B4-BE49-F238E27FC236}">
+                <a16:creationId xmlns:a16="http://schemas.microsoft.com/office/drawing/2014/main" id="{43756366-1EDE-4689-A2B3-D5DCDC23EEFB}"/>
+              </a:ext>
+            </a:extLst>
+          </p:cNvPr>
+          <p:cNvSpPr/>
+          <p:nvPr/>
+        </p:nvSpPr>
+        <p:spPr>
+          <a:xfrm>
+            <a:off x="94695" y="106531"/>
+            <a:ext cx="12002610" cy="905523"/>
+          </a:xfrm>
+          <a:prstGeom prst="rect">
+            <a:avLst/>
+          </a:prstGeom>
+          <a:solidFill>
+            <a:schemeClr val="tx1">
+              <a:lumMod val="65000"/>
+              <a:lumOff val="35000"/>
+            </a:schemeClr>
+          </a:solidFill>
+          <a:ln>
+            <a:noFill/>
+          </a:ln>
+        </p:spPr>
+        <p:style>
+          <a:lnRef idx="2">
+            <a:schemeClr val="accent1">
+              <a:shade val="50000"/>
+            </a:schemeClr>
+          </a:lnRef>
+          <a:fillRef idx="1">
+            <a:schemeClr val="accent1"/>
+          </a:fillRef>
+          <a:effectRef idx="0">
+            <a:schemeClr val="accent1"/>
+          </a:effectRef>
+          <a:fontRef idx="minor">
+            <a:schemeClr val="lt1"/>
+          </a:fontRef>
+        </p:style>
+        <p:txBody>
+          <a:bodyPr rtlCol="0" anchor="ctr"/>
+          <a:lstStyle/>
+          <a:p>
+            <a:pPr algn="ctr"/>
+            <a:r>
+              <a:rPr lang="es-VE" b="1" dirty="0">
+                <a:solidFill>
+                  <a:schemeClr val="bg1"/>
+                </a:solidFill>
+              </a:rPr>
+              <a:t>*logo*      Adopción     Consejos       Cat-</a:t>
+            </a:r>
+            <a:r>
+              <a:rPr lang="es-VE" b="1" dirty="0" err="1">
+                <a:solidFill>
+                  <a:schemeClr val="bg1"/>
+                </a:solidFill>
+              </a:rPr>
+              <a:t>Sitters</a:t>
+            </a:r>
+            <a:r>
+              <a:rPr lang="es-VE" b="1" dirty="0">
+                <a:solidFill>
+                  <a:schemeClr val="bg1"/>
+                </a:solidFill>
+              </a:rPr>
+              <a:t>             </a:t>
+            </a:r>
+            <a:r>
+              <a:rPr lang="es-VE" b="1" dirty="0">
+                <a:solidFill>
+                  <a:srgbClr val="FF3300"/>
+                </a:solidFill>
+              </a:rPr>
+              <a:t>Incidencias    </a:t>
+            </a:r>
+            <a:r>
+              <a:rPr lang="es-VE" b="1" u="sng" dirty="0">
+                <a:solidFill>
+                  <a:srgbClr val="FF3300"/>
+                </a:solidFill>
+              </a:rPr>
+              <a:t>Verificar identidad</a:t>
+            </a:r>
+            <a:r>
+              <a:rPr lang="es-VE" b="1" dirty="0">
+                <a:solidFill>
+                  <a:srgbClr val="FF3300"/>
+                </a:solidFill>
+              </a:rPr>
+              <a:t>       </a:t>
+            </a:r>
+            <a:r>
+              <a:rPr lang="es-VE" b="1" dirty="0">
+                <a:solidFill>
+                  <a:schemeClr val="bg1"/>
+                </a:solidFill>
+              </a:rPr>
+              <a:t>Mi Perfil        </a:t>
+            </a:r>
+            <a:r>
+              <a:rPr lang="es-VE" b="1" dirty="0" err="1">
+                <a:solidFill>
+                  <a:schemeClr val="bg1"/>
+                </a:solidFill>
+              </a:rPr>
+              <a:t>Logout</a:t>
+            </a:r>
+            <a:endParaRPr lang="en-US" b="1" dirty="0">
+              <a:solidFill>
+                <a:schemeClr val="bg1"/>
+              </a:solidFill>
+            </a:endParaRPr>
+          </a:p>
+        </p:txBody>
+      </p:sp>
+      <p:sp>
+        <p:nvSpPr>
+          <p:cNvPr id="16" name="Rectangle: Rounded Corners 7">
+            <a:extLst>
+              <a:ext uri="{FF2B5EF4-FFF2-40B4-BE49-F238E27FC236}">
+                <a16:creationId xmlns:a16="http://schemas.microsoft.com/office/drawing/2014/main" id="{3814FFB2-E609-49CA-8B66-787D398C56EA}"/>
+              </a:ext>
+            </a:extLst>
+          </p:cNvPr>
+          <p:cNvSpPr/>
+          <p:nvPr/>
+        </p:nvSpPr>
+        <p:spPr>
+          <a:xfrm>
+            <a:off x="8791948" y="1576829"/>
+            <a:ext cx="2782036" cy="717205"/>
+          </a:xfrm>
+          <a:prstGeom prst="roundRect">
+            <a:avLst/>
+          </a:prstGeom>
+          <a:solidFill>
+            <a:srgbClr val="00B050"/>
+          </a:solidFill>
+          <a:ln>
+            <a:noFill/>
+          </a:ln>
+        </p:spPr>
+        <p:style>
+          <a:lnRef idx="2">
+            <a:schemeClr val="accent1">
+              <a:shade val="50000"/>
+            </a:schemeClr>
+          </a:lnRef>
+          <a:fillRef idx="1">
+            <a:schemeClr val="accent1"/>
+          </a:fillRef>
+          <a:effectRef idx="0">
+            <a:schemeClr val="accent1"/>
+          </a:effectRef>
+          <a:fontRef idx="minor">
+            <a:schemeClr val="lt1"/>
+          </a:fontRef>
+        </p:style>
+        <p:txBody>
+          <a:bodyPr rtlCol="0" anchor="ctr"/>
+          <a:lstStyle/>
+          <a:p>
+            <a:pPr algn="ctr"/>
+            <a:r>
+              <a:rPr lang="es-VE" sz="2000" dirty="0">
+                <a:solidFill>
+                  <a:schemeClr val="bg1"/>
+                </a:solidFill>
+              </a:rPr>
+              <a:t>Aceptar solicitud</a:t>
+            </a:r>
+            <a:endParaRPr lang="en-US" sz="2000" dirty="0">
+              <a:solidFill>
+                <a:schemeClr val="bg1"/>
+              </a:solidFill>
+            </a:endParaRPr>
+          </a:p>
+        </p:txBody>
+      </p:sp>
+      <p:sp>
+        <p:nvSpPr>
+          <p:cNvPr id="17" name="Rectangle: Rounded Corners 7">
+            <a:extLst>
+              <a:ext uri="{FF2B5EF4-FFF2-40B4-BE49-F238E27FC236}">
+                <a16:creationId xmlns:a16="http://schemas.microsoft.com/office/drawing/2014/main" id="{D329D653-0C3F-4C54-A210-F2E4CD0B03A1}"/>
+              </a:ext>
+            </a:extLst>
+          </p:cNvPr>
+          <p:cNvSpPr/>
+          <p:nvPr/>
+        </p:nvSpPr>
+        <p:spPr>
+          <a:xfrm>
+            <a:off x="8791948" y="2462006"/>
+            <a:ext cx="2782036" cy="717205"/>
+          </a:xfrm>
+          <a:prstGeom prst="roundRect">
+            <a:avLst/>
+          </a:prstGeom>
+          <a:solidFill>
+            <a:srgbClr val="FF0000"/>
+          </a:solidFill>
+          <a:ln>
+            <a:noFill/>
+          </a:ln>
+        </p:spPr>
+        <p:style>
+          <a:lnRef idx="2">
+            <a:schemeClr val="accent1">
+              <a:shade val="50000"/>
+            </a:schemeClr>
+          </a:lnRef>
+          <a:fillRef idx="1">
+            <a:schemeClr val="accent1"/>
+          </a:fillRef>
+          <a:effectRef idx="0">
+            <a:schemeClr val="accent1"/>
+          </a:effectRef>
+          <a:fontRef idx="minor">
+            <a:schemeClr val="lt1"/>
+          </a:fontRef>
+        </p:style>
+        <p:txBody>
+          <a:bodyPr rtlCol="0" anchor="ctr"/>
+          <a:lstStyle/>
+          <a:p>
+            <a:pPr algn="ctr"/>
+            <a:r>
+              <a:rPr lang="es-VE" sz="2000" dirty="0">
+                <a:solidFill>
+                  <a:schemeClr val="bg1"/>
+                </a:solidFill>
+              </a:rPr>
+              <a:t>Denegar solicitud</a:t>
+            </a:r>
+            <a:endParaRPr lang="en-US" sz="2000" dirty="0">
+              <a:solidFill>
+                <a:schemeClr val="bg1"/>
+              </a:solidFill>
+            </a:endParaRPr>
+          </a:p>
+        </p:txBody>
+      </p:sp>
+      <p:sp>
+        <p:nvSpPr>
+          <p:cNvPr id="19" name="Rectangle: Rounded Corners 7">
+            <a:extLst>
+              <a:ext uri="{FF2B5EF4-FFF2-40B4-BE49-F238E27FC236}">
+                <a16:creationId xmlns:a16="http://schemas.microsoft.com/office/drawing/2014/main" id="{60911E10-3FC0-4BDB-9BB9-AC64E646CFC2}"/>
+              </a:ext>
+            </a:extLst>
+          </p:cNvPr>
+          <p:cNvSpPr/>
+          <p:nvPr/>
+        </p:nvSpPr>
+        <p:spPr>
+          <a:xfrm>
+            <a:off x="8791948" y="3819618"/>
+            <a:ext cx="2782036" cy="717205"/>
+          </a:xfrm>
+          <a:prstGeom prst="roundRect">
+            <a:avLst/>
+          </a:prstGeom>
+          <a:solidFill>
+            <a:srgbClr val="00B050"/>
+          </a:solidFill>
+          <a:ln>
+            <a:noFill/>
+          </a:ln>
+        </p:spPr>
+        <p:style>
+          <a:lnRef idx="2">
+            <a:schemeClr val="accent1">
+              <a:shade val="50000"/>
+            </a:schemeClr>
+          </a:lnRef>
+          <a:fillRef idx="1">
+            <a:schemeClr val="accent1"/>
+          </a:fillRef>
+          <a:effectRef idx="0">
+            <a:schemeClr val="accent1"/>
+          </a:effectRef>
+          <a:fontRef idx="minor">
+            <a:schemeClr val="lt1"/>
+          </a:fontRef>
+        </p:style>
+        <p:txBody>
+          <a:bodyPr rtlCol="0" anchor="ctr"/>
+          <a:lstStyle/>
+          <a:p>
+            <a:pPr algn="ctr"/>
+            <a:r>
+              <a:rPr lang="es-VE" sz="2000" dirty="0">
+                <a:solidFill>
+                  <a:schemeClr val="bg1"/>
+                </a:solidFill>
+              </a:rPr>
+              <a:t>Aceptar solicitud</a:t>
+            </a:r>
+            <a:endParaRPr lang="en-US" sz="2000" dirty="0">
+              <a:solidFill>
+                <a:schemeClr val="bg1"/>
+              </a:solidFill>
+            </a:endParaRPr>
+          </a:p>
+        </p:txBody>
+      </p:sp>
+      <p:sp>
+        <p:nvSpPr>
+          <p:cNvPr id="20" name="Rectangle: Rounded Corners 7">
+            <a:extLst>
+              <a:ext uri="{FF2B5EF4-FFF2-40B4-BE49-F238E27FC236}">
+                <a16:creationId xmlns:a16="http://schemas.microsoft.com/office/drawing/2014/main" id="{D70019D6-2EAB-42D1-86EB-4BCAB3A9FC67}"/>
+              </a:ext>
+            </a:extLst>
+          </p:cNvPr>
+          <p:cNvSpPr/>
+          <p:nvPr/>
+        </p:nvSpPr>
+        <p:spPr>
+          <a:xfrm>
+            <a:off x="8791948" y="4704795"/>
+            <a:ext cx="2782036" cy="717205"/>
+          </a:xfrm>
+          <a:prstGeom prst="roundRect">
+            <a:avLst/>
+          </a:prstGeom>
+          <a:solidFill>
+            <a:srgbClr val="FF0000"/>
+          </a:solidFill>
+          <a:ln>
+            <a:noFill/>
+          </a:ln>
+        </p:spPr>
+        <p:style>
+          <a:lnRef idx="2">
+            <a:schemeClr val="accent1">
+              <a:shade val="50000"/>
+            </a:schemeClr>
+          </a:lnRef>
+          <a:fillRef idx="1">
+            <a:schemeClr val="accent1"/>
+          </a:fillRef>
+          <a:effectRef idx="0">
+            <a:schemeClr val="accent1"/>
+          </a:effectRef>
+          <a:fontRef idx="minor">
+            <a:schemeClr val="lt1"/>
+          </a:fontRef>
+        </p:style>
+        <p:txBody>
+          <a:bodyPr rtlCol="0" anchor="ctr"/>
+          <a:lstStyle/>
+          <a:p>
+            <a:pPr algn="ctr"/>
+            <a:r>
+              <a:rPr lang="es-VE" sz="2000" dirty="0">
+                <a:solidFill>
+                  <a:schemeClr val="bg1"/>
+                </a:solidFill>
+              </a:rPr>
+              <a:t>Denegar solicitud</a:t>
+            </a:r>
+            <a:endParaRPr lang="en-US" sz="2000" dirty="0">
+              <a:solidFill>
+                <a:schemeClr val="bg1"/>
+              </a:solidFill>
+            </a:endParaRPr>
+          </a:p>
+        </p:txBody>
+      </p:sp>
+    </p:spTree>
+    <p:extLst>
+      <p:ext uri="{BB962C8B-B14F-4D97-AF65-F5344CB8AC3E}">
+        <p14:creationId xmlns:p14="http://schemas.microsoft.com/office/powerpoint/2010/main" val="3356389372"/>
+      </p:ext>
+    </p:extLst>
+  </p:cSld>
+  <p:clrMapOvr>
+    <a:masterClrMapping/>
+  </p:clrMapOvr>
+</p:sld>
+</file>
+
 <file path=ppt/slides/slide2.xml><?xml version="1.0" encoding="utf-8"?>
 <p:sld xmlns:a="http://schemas.openxmlformats.org/drawingml/2006/main" xmlns:r="http://schemas.openxmlformats.org/officeDocument/2006/relationships" xmlns:p="http://schemas.openxmlformats.org/presentationml/2006/main">
   <p:cSld>
@@ -14681,7 +16511,7 @@
                   <a:schemeClr val="bg1"/>
                 </a:solidFill>
               </a:rPr>
-              <a:t>Adopción     Consejos       Cat-</a:t>
+              <a:t>Formulario de registro en Cat-</a:t>
             </a:r>
             <a:r>
               <a:rPr lang="es-VE" b="1" dirty="0" err="1">
@@ -14689,23 +16519,7 @@
                   <a:schemeClr val="bg1"/>
                 </a:solidFill>
               </a:rPr>
-              <a:t>Sitters</a:t>
-            </a:r>
-            <a:r>
-              <a:rPr lang="es-VE" b="1" dirty="0">
-                <a:solidFill>
-                  <a:schemeClr val="bg1"/>
-                </a:solidFill>
-              </a:rPr>
-              <a:t>                                                                Mi Perfil       Incidencias          </a:t>
-            </a:r>
-            <a:r>
-              <a:rPr lang="es-VE" b="1" dirty="0" err="1">
-                <a:solidFill>
-                  <a:schemeClr val="bg1"/>
-                </a:solidFill>
-              </a:rPr>
-              <a:t>Logout</a:t>
+              <a:t>Attack</a:t>
             </a:r>
             <a:endParaRPr lang="en-US" b="1" dirty="0">
               <a:solidFill>
@@ -14717,10 +16531,10 @@
       </p:sp>
       <p:sp>
         <p:nvSpPr>
-          <p:cNvPr id="3" name="Rectangle 2">
+          <p:cNvPr id="7" name="Rectangle 6">
             <a:extLst>
               <a:ext uri="{FF2B5EF4-FFF2-40B4-BE49-F238E27FC236}">
-                <a16:creationId xmlns:a16="http://schemas.microsoft.com/office/drawing/2014/main" id="{46D0B89F-3DB8-4DEB-AA11-9F376BFE3FA3}"/>
+                <a16:creationId xmlns:a16="http://schemas.microsoft.com/office/drawing/2014/main" id="{B054A16F-54A2-4739-8E3C-51E3300950BB}"/>
               </a:ext>
             </a:extLst>
           </p:cNvPr>
@@ -14729,8 +16543,66 @@
         </p:nvSpPr>
         <p:spPr>
           <a:xfrm>
-            <a:off x="3441971" y="1802167"/>
-            <a:ext cx="4934364" cy="1323439"/>
+            <a:off x="337350" y="1359762"/>
+            <a:ext cx="11505461" cy="2996578"/>
+          </a:xfrm>
+          <a:prstGeom prst="rect">
+            <a:avLst/>
+          </a:prstGeom>
+          <a:solidFill>
+            <a:schemeClr val="bg1">
+              <a:lumMod val="85000"/>
+            </a:schemeClr>
+          </a:solidFill>
+          <a:ln>
+            <a:noFill/>
+          </a:ln>
+        </p:spPr>
+        <p:style>
+          <a:lnRef idx="2">
+            <a:schemeClr val="accent1">
+              <a:shade val="50000"/>
+            </a:schemeClr>
+          </a:lnRef>
+          <a:fillRef idx="1">
+            <a:schemeClr val="accent1"/>
+          </a:fillRef>
+          <a:effectRef idx="0">
+            <a:schemeClr val="accent1"/>
+          </a:effectRef>
+          <a:fontRef idx="minor">
+            <a:schemeClr val="lt1"/>
+          </a:fontRef>
+        </p:style>
+        <p:txBody>
+          <a:bodyPr rtlCol="0" anchor="ctr"/>
+          <a:lstStyle/>
+          <a:p>
+            <a:pPr algn="ctr"/>
+            <a:endParaRPr lang="en-US" b="1" dirty="0">
+              <a:solidFill>
+                <a:schemeClr val="bg1"/>
+              </a:solidFill>
+            </a:endParaRPr>
+          </a:p>
+        </p:txBody>
+      </p:sp>
+      <p:sp>
+        <p:nvSpPr>
+          <p:cNvPr id="8" name="Rectangle 7">
+            <a:extLst>
+              <a:ext uri="{FF2B5EF4-FFF2-40B4-BE49-F238E27FC236}">
+                <a16:creationId xmlns:a16="http://schemas.microsoft.com/office/drawing/2014/main" id="{7214B269-F679-4636-AAC2-FE15D384A6AC}"/>
+              </a:ext>
+            </a:extLst>
+          </p:cNvPr>
+          <p:cNvSpPr/>
+          <p:nvPr/>
+        </p:nvSpPr>
+        <p:spPr>
+          <a:xfrm>
+            <a:off x="3607292" y="1577130"/>
+            <a:ext cx="2706110" cy="400110"/>
           </a:xfrm>
           <a:prstGeom prst="rect">
             <a:avLst/>
@@ -14738,70 +16610,202 @@
           <a:noFill/>
         </p:spPr>
         <p:txBody>
-          <a:bodyPr wrap="none" lIns="91440" tIns="45720" rIns="91440" bIns="45720">
+          <a:bodyPr wrap="square" lIns="91440" tIns="45720" rIns="91440" bIns="45720">
             <a:spAutoFit/>
           </a:bodyPr>
           <a:lstStyle/>
           <a:p>
             <a:pPr algn="ctr"/>
             <a:r>
-              <a:rPr lang="en-US" sz="8000" b="1" dirty="0">
-                <a:ln w="28575">
-                  <a:solidFill>
-                    <a:srgbClr val="E3790F"/>
-                  </a:solidFill>
-                  <a:prstDash val="solid"/>
-                </a:ln>
+              <a:rPr lang="en-US" sz="2000" b="0" cap="none" spc="0" dirty="0" err="1">
+                <a:ln w="0"/>
                 <a:solidFill>
-                  <a:srgbClr val="FFFFFF"/>
+                  <a:schemeClr val="tx1"/>
                 </a:solidFill>
                 <a:effectLst>
-                  <a:outerShdw blurRad="38100" dist="22860" dir="5400000" algn="tl" rotWithShape="0">
-                    <a:srgbClr val="000000">
-                      <a:alpha val="30000"/>
-                    </a:srgbClr>
+                  <a:outerShdw blurRad="38100" dist="19050" dir="2700000" algn="tl" rotWithShape="0">
+                    <a:schemeClr val="dk1">
+                      <a:alpha val="40000"/>
+                    </a:schemeClr>
                   </a:outerShdw>
                 </a:effectLst>
               </a:rPr>
-              <a:t>cat-attack</a:t>
-            </a:r>
-            <a:endParaRPr lang="en-US" sz="9800" b="1" cap="none" spc="0" dirty="0">
-              <a:ln w="28575">
+              <a:t>Nombre</a:t>
+            </a:r>
+            <a:r>
+              <a:rPr lang="en-US" sz="2000" b="0" cap="none" spc="0" dirty="0">
+                <a:ln w="0"/>
                 <a:solidFill>
-                  <a:srgbClr val="E3790F"/>
+                  <a:schemeClr val="tx1"/>
                 </a:solidFill>
-                <a:prstDash val="solid"/>
-              </a:ln>
-              <a:solidFill>
-                <a:srgbClr val="FFFFFF"/>
-              </a:solidFill>
-              <a:effectLst>
-                <a:outerShdw blurRad="38100" dist="22860" dir="5400000" algn="tl" rotWithShape="0">
-                  <a:srgbClr val="000000">
-                    <a:alpha val="30000"/>
-                  </a:srgbClr>
-                </a:outerShdw>
-              </a:effectLst>
-            </a:endParaRPr>
+                <a:effectLst>
+                  <a:outerShdw blurRad="38100" dist="19050" dir="2700000" algn="tl" rotWithShape="0">
+                    <a:schemeClr val="dk1">
+                      <a:alpha val="40000"/>
+                    </a:schemeClr>
+                  </a:outerShdw>
+                </a:effectLst>
+              </a:rPr>
+              <a:t>:</a:t>
+            </a:r>
           </a:p>
         </p:txBody>
       </p:sp>
       <p:sp>
         <p:nvSpPr>
-          <p:cNvPr id="4" name="TextBox 3">
+          <p:cNvPr id="9" name="Rectangle 8">
             <a:extLst>
               <a:ext uri="{FF2B5EF4-FFF2-40B4-BE49-F238E27FC236}">
-                <a16:creationId xmlns:a16="http://schemas.microsoft.com/office/drawing/2014/main" id="{87706071-A84E-43C0-BB69-1051CEE063B8}"/>
+                <a16:creationId xmlns:a16="http://schemas.microsoft.com/office/drawing/2014/main" id="{A09E4E70-A8E9-4EB7-A8D3-BE70C5357EC7}"/>
               </a:ext>
             </a:extLst>
           </p:cNvPr>
-          <p:cNvSpPr txBox="1"/>
+          <p:cNvSpPr/>
           <p:nvPr/>
         </p:nvSpPr>
         <p:spPr>
           <a:xfrm>
-            <a:off x="4044797" y="1287262"/>
-            <a:ext cx="3728713" cy="830997"/>
+            <a:off x="559293" y="1509204"/>
+            <a:ext cx="2805344" cy="1713390"/>
+          </a:xfrm>
+          <a:prstGeom prst="rect">
+            <a:avLst/>
+          </a:prstGeom>
+          <a:solidFill>
+            <a:schemeClr val="bg1"/>
+          </a:solidFill>
+          <a:ln>
+            <a:noFill/>
+          </a:ln>
+        </p:spPr>
+        <p:style>
+          <a:lnRef idx="2">
+            <a:schemeClr val="accent1">
+              <a:shade val="50000"/>
+            </a:schemeClr>
+          </a:lnRef>
+          <a:fillRef idx="1">
+            <a:schemeClr val="accent1"/>
+          </a:fillRef>
+          <a:effectRef idx="0">
+            <a:schemeClr val="accent1"/>
+          </a:effectRef>
+          <a:fontRef idx="minor">
+            <a:schemeClr val="lt1"/>
+          </a:fontRef>
+        </p:style>
+        <p:txBody>
+          <a:bodyPr rtlCol="0" anchor="ctr"/>
+          <a:lstStyle/>
+          <a:p>
+            <a:pPr algn="ctr"/>
+            <a:r>
+              <a:rPr lang="es-VE" dirty="0">
+                <a:solidFill>
+                  <a:schemeClr val="tx1"/>
+                </a:solidFill>
+              </a:rPr>
+              <a:t>Seleccionar</a:t>
+            </a:r>
+          </a:p>
+          <a:p>
+            <a:pPr algn="ctr"/>
+            <a:r>
+              <a:rPr lang="es-VE" dirty="0">
+                <a:solidFill>
+                  <a:schemeClr val="tx1"/>
+                </a:solidFill>
+              </a:rPr>
+              <a:t>foto de perfil</a:t>
+            </a:r>
+            <a:endParaRPr lang="en-US" dirty="0">
+              <a:solidFill>
+                <a:schemeClr val="tx1"/>
+              </a:solidFill>
+            </a:endParaRPr>
+          </a:p>
+        </p:txBody>
+      </p:sp>
+      <p:sp>
+        <p:nvSpPr>
+          <p:cNvPr id="23" name="Rectangle: Rounded Corners 7">
+            <a:extLst>
+              <a:ext uri="{FF2B5EF4-FFF2-40B4-BE49-F238E27FC236}">
+                <a16:creationId xmlns:a16="http://schemas.microsoft.com/office/drawing/2014/main" id="{AB7E9AEE-AEE4-4A8F-8EFF-C9B6D41E71CC}"/>
+              </a:ext>
+            </a:extLst>
+          </p:cNvPr>
+          <p:cNvSpPr/>
+          <p:nvPr/>
+        </p:nvSpPr>
+        <p:spPr>
+          <a:xfrm>
+            <a:off x="8968117" y="5620148"/>
+            <a:ext cx="2782036" cy="717205"/>
+          </a:xfrm>
+          <a:prstGeom prst="roundRect">
+            <a:avLst/>
+          </a:prstGeom>
+          <a:solidFill>
+            <a:srgbClr val="00B050"/>
+          </a:solidFill>
+          <a:ln>
+            <a:noFill/>
+          </a:ln>
+        </p:spPr>
+        <p:style>
+          <a:lnRef idx="2">
+            <a:schemeClr val="accent1">
+              <a:shade val="50000"/>
+            </a:schemeClr>
+          </a:lnRef>
+          <a:fillRef idx="1">
+            <a:schemeClr val="accent1"/>
+          </a:fillRef>
+          <a:effectRef idx="0">
+            <a:schemeClr val="accent1"/>
+          </a:effectRef>
+          <a:fontRef idx="minor">
+            <a:schemeClr val="lt1"/>
+          </a:fontRef>
+        </p:style>
+        <p:txBody>
+          <a:bodyPr rtlCol="0" anchor="ctr"/>
+          <a:lstStyle/>
+          <a:p>
+            <a:pPr algn="ctr"/>
+            <a:r>
+              <a:rPr lang="es-VE" sz="2000" dirty="0">
+                <a:solidFill>
+                  <a:schemeClr val="bg1"/>
+                </a:solidFill>
+              </a:rPr>
+              <a:t>Enviar</a:t>
+            </a:r>
+            <a:endParaRPr lang="en-US" sz="2000" dirty="0">
+              <a:solidFill>
+                <a:schemeClr val="bg1"/>
+              </a:solidFill>
+            </a:endParaRPr>
+          </a:p>
+        </p:txBody>
+      </p:sp>
+      <p:sp>
+        <p:nvSpPr>
+          <p:cNvPr id="10" name="Rectangle 7">
+            <a:extLst>
+              <a:ext uri="{FF2B5EF4-FFF2-40B4-BE49-F238E27FC236}">
+                <a16:creationId xmlns:a16="http://schemas.microsoft.com/office/drawing/2014/main" id="{90364EA8-F441-4969-B974-AA05038E7DC2}"/>
+              </a:ext>
+            </a:extLst>
+          </p:cNvPr>
+          <p:cNvSpPr/>
+          <p:nvPr/>
+        </p:nvSpPr>
+        <p:spPr>
+          <a:xfrm>
+            <a:off x="3607292" y="2105409"/>
+            <a:ext cx="2706110" cy="400110"/>
           </a:xfrm>
           <a:prstGeom prst="rect">
             <a:avLst/>
@@ -14809,29 +16813,637 @@
           <a:noFill/>
         </p:spPr>
         <p:txBody>
-          <a:bodyPr wrap="none" rtlCol="0">
+          <a:bodyPr wrap="square" lIns="91440" tIns="45720" rIns="91440" bIns="45720">
             <a:spAutoFit/>
           </a:bodyPr>
           <a:lstStyle/>
           <a:p>
-            <a:r>
-              <a:rPr lang="es-VE" sz="4800" b="1" dirty="0">
+            <a:pPr algn="ctr"/>
+            <a:r>
+              <a:rPr lang="en-US" sz="2000" b="0" cap="none" spc="0" dirty="0" err="1">
+                <a:ln w="0"/>
+                <a:solidFill>
+                  <a:schemeClr val="tx1"/>
+                </a:solidFill>
+                <a:effectLst>
+                  <a:outerShdw blurRad="38100" dist="19050" dir="2700000" algn="tl" rotWithShape="0">
+                    <a:schemeClr val="dk1">
+                      <a:alpha val="40000"/>
+                    </a:schemeClr>
+                  </a:outerShdw>
+                </a:effectLst>
+              </a:rPr>
+              <a:t>Apellidos</a:t>
+            </a:r>
+            <a:r>
+              <a:rPr lang="en-US" sz="2000" b="0" cap="none" spc="0" dirty="0">
+                <a:ln w="0"/>
+                <a:solidFill>
+                  <a:schemeClr val="tx1"/>
+                </a:solidFill>
+                <a:effectLst>
+                  <a:outerShdw blurRad="38100" dist="19050" dir="2700000" algn="tl" rotWithShape="0">
+                    <a:schemeClr val="dk1">
+                      <a:alpha val="40000"/>
+                    </a:schemeClr>
+                  </a:outerShdw>
+                </a:effectLst>
+              </a:rPr>
+              <a:t>:</a:t>
+            </a:r>
+          </a:p>
+        </p:txBody>
+      </p:sp>
+      <p:sp>
+        <p:nvSpPr>
+          <p:cNvPr id="11" name="Rectangle 7">
+            <a:extLst>
+              <a:ext uri="{FF2B5EF4-FFF2-40B4-BE49-F238E27FC236}">
+                <a16:creationId xmlns:a16="http://schemas.microsoft.com/office/drawing/2014/main" id="{0770023B-CFEC-4FA0-A47A-2FF0C25D6C0E}"/>
+              </a:ext>
+            </a:extLst>
+          </p:cNvPr>
+          <p:cNvSpPr/>
+          <p:nvPr/>
+        </p:nvSpPr>
+        <p:spPr>
+          <a:xfrm>
+            <a:off x="3726420" y="2633688"/>
+            <a:ext cx="2706110" cy="400110"/>
+          </a:xfrm>
+          <a:prstGeom prst="rect">
+            <a:avLst/>
+          </a:prstGeom>
+          <a:noFill/>
+        </p:spPr>
+        <p:txBody>
+          <a:bodyPr wrap="square" lIns="91440" tIns="45720" rIns="91440" bIns="45720">
+            <a:spAutoFit/>
+          </a:bodyPr>
+          <a:lstStyle/>
+          <a:p>
+            <a:pPr algn="ctr"/>
+            <a:r>
+              <a:rPr lang="en-US" sz="2000" b="0" cap="none" spc="0" dirty="0" err="1">
+                <a:ln w="0"/>
+                <a:solidFill>
+                  <a:schemeClr val="tx1"/>
+                </a:solidFill>
+                <a:effectLst>
+                  <a:outerShdw blurRad="38100" dist="19050" dir="2700000" algn="tl" rotWithShape="0">
+                    <a:schemeClr val="dk1">
+                      <a:alpha val="40000"/>
+                    </a:schemeClr>
+                  </a:outerShdw>
+                </a:effectLst>
+              </a:rPr>
+              <a:t>Nombre</a:t>
+            </a:r>
+            <a:r>
+              <a:rPr lang="en-US" sz="2000" b="0" cap="none" spc="0" dirty="0">
+                <a:ln w="0"/>
+                <a:solidFill>
+                  <a:schemeClr val="tx1"/>
+                </a:solidFill>
+                <a:effectLst>
+                  <a:outerShdw blurRad="38100" dist="19050" dir="2700000" algn="tl" rotWithShape="0">
+                    <a:schemeClr val="dk1">
+                      <a:alpha val="40000"/>
+                    </a:schemeClr>
+                  </a:outerShdw>
+                </a:effectLst>
+              </a:rPr>
+              <a:t> de </a:t>
+            </a:r>
+            <a:r>
+              <a:rPr lang="en-US" sz="2000" b="0" cap="none" spc="0" dirty="0" err="1">
+                <a:ln w="0"/>
+                <a:solidFill>
+                  <a:schemeClr val="tx1"/>
+                </a:solidFill>
+                <a:effectLst>
+                  <a:outerShdw blurRad="38100" dist="19050" dir="2700000" algn="tl" rotWithShape="0">
+                    <a:schemeClr val="dk1">
+                      <a:alpha val="40000"/>
+                    </a:schemeClr>
+                  </a:outerShdw>
+                </a:effectLst>
+              </a:rPr>
+              <a:t>usuario</a:t>
+            </a:r>
+            <a:r>
+              <a:rPr lang="en-US" sz="2000" b="0" cap="none" spc="0" dirty="0">
+                <a:ln w="0"/>
+                <a:solidFill>
+                  <a:schemeClr val="tx1"/>
+                </a:solidFill>
+                <a:effectLst>
+                  <a:outerShdw blurRad="38100" dist="19050" dir="2700000" algn="tl" rotWithShape="0">
+                    <a:schemeClr val="dk1">
+                      <a:alpha val="40000"/>
+                    </a:schemeClr>
+                  </a:outerShdw>
+                </a:effectLst>
+              </a:rPr>
+              <a:t>:</a:t>
+            </a:r>
+          </a:p>
+        </p:txBody>
+      </p:sp>
+      <p:sp>
+        <p:nvSpPr>
+          <p:cNvPr id="12" name="Rectangle 7">
+            <a:extLst>
+              <a:ext uri="{FF2B5EF4-FFF2-40B4-BE49-F238E27FC236}">
+                <a16:creationId xmlns:a16="http://schemas.microsoft.com/office/drawing/2014/main" id="{57475E8F-A8C2-4B15-A5EE-4350442BC716}"/>
+              </a:ext>
+            </a:extLst>
+          </p:cNvPr>
+          <p:cNvSpPr/>
+          <p:nvPr/>
+        </p:nvSpPr>
+        <p:spPr>
+          <a:xfrm>
+            <a:off x="3607292" y="3154224"/>
+            <a:ext cx="2706110" cy="400110"/>
+          </a:xfrm>
+          <a:prstGeom prst="rect">
+            <a:avLst/>
+          </a:prstGeom>
+          <a:noFill/>
+        </p:spPr>
+        <p:txBody>
+          <a:bodyPr wrap="square" lIns="91440" tIns="45720" rIns="91440" bIns="45720">
+            <a:spAutoFit/>
+          </a:bodyPr>
+          <a:lstStyle/>
+          <a:p>
+            <a:pPr algn="ctr"/>
+            <a:r>
+              <a:rPr lang="en-US" sz="2000" b="0" cap="none" spc="0" dirty="0">
+                <a:ln w="0"/>
+                <a:solidFill>
+                  <a:schemeClr val="tx1"/>
+                </a:solidFill>
+                <a:effectLst>
+                  <a:outerShdw blurRad="38100" dist="19050" dir="2700000" algn="tl" rotWithShape="0">
+                    <a:schemeClr val="dk1">
+                      <a:alpha val="40000"/>
+                    </a:schemeClr>
+                  </a:outerShdw>
+                </a:effectLst>
+              </a:rPr>
+              <a:t>E-mail:</a:t>
+            </a:r>
+          </a:p>
+        </p:txBody>
+      </p:sp>
+      <p:sp>
+        <p:nvSpPr>
+          <p:cNvPr id="13" name="Rectangle: Rounded Corners 7">
+            <a:extLst>
+              <a:ext uri="{FF2B5EF4-FFF2-40B4-BE49-F238E27FC236}">
+                <a16:creationId xmlns:a16="http://schemas.microsoft.com/office/drawing/2014/main" id="{310BFD69-1F15-427B-861B-A241F2FB2CA8}"/>
+              </a:ext>
+            </a:extLst>
+          </p:cNvPr>
+          <p:cNvSpPr/>
+          <p:nvPr/>
+        </p:nvSpPr>
+        <p:spPr>
+          <a:xfrm>
+            <a:off x="6687024" y="1577130"/>
+            <a:ext cx="4562186" cy="400111"/>
+          </a:xfrm>
+          <a:prstGeom prst="roundRect">
+            <a:avLst/>
+          </a:prstGeom>
+          <a:solidFill>
+            <a:schemeClr val="bg1"/>
+          </a:solidFill>
+          <a:ln>
+            <a:noFill/>
+          </a:ln>
+        </p:spPr>
+        <p:style>
+          <a:lnRef idx="2">
+            <a:schemeClr val="accent1">
+              <a:shade val="50000"/>
+            </a:schemeClr>
+          </a:lnRef>
+          <a:fillRef idx="1">
+            <a:schemeClr val="accent1"/>
+          </a:fillRef>
+          <a:effectRef idx="0">
+            <a:schemeClr val="accent1"/>
+          </a:effectRef>
+          <a:fontRef idx="minor">
+            <a:schemeClr val="lt1"/>
+          </a:fontRef>
+        </p:style>
+        <p:txBody>
+          <a:bodyPr rtlCol="0" anchor="ctr"/>
+          <a:lstStyle/>
+          <a:p>
+            <a:pPr algn="ctr"/>
+            <a:endParaRPr lang="en-US" sz="2000" dirty="0">
+              <a:solidFill>
+                <a:schemeClr val="bg1"/>
+              </a:solidFill>
+            </a:endParaRPr>
+          </a:p>
+        </p:txBody>
+      </p:sp>
+      <p:sp>
+        <p:nvSpPr>
+          <p:cNvPr id="14" name="Rectangle: Rounded Corners 7">
+            <a:extLst>
+              <a:ext uri="{FF2B5EF4-FFF2-40B4-BE49-F238E27FC236}">
+                <a16:creationId xmlns:a16="http://schemas.microsoft.com/office/drawing/2014/main" id="{6E520994-0D45-4C97-9396-CCD892FF112B}"/>
+              </a:ext>
+            </a:extLst>
+          </p:cNvPr>
+          <p:cNvSpPr/>
+          <p:nvPr/>
+        </p:nvSpPr>
+        <p:spPr>
+          <a:xfrm>
+            <a:off x="6687024" y="2105409"/>
+            <a:ext cx="4562186" cy="400111"/>
+          </a:xfrm>
+          <a:prstGeom prst="roundRect">
+            <a:avLst/>
+          </a:prstGeom>
+          <a:solidFill>
+            <a:schemeClr val="bg1"/>
+          </a:solidFill>
+          <a:ln>
+            <a:noFill/>
+          </a:ln>
+        </p:spPr>
+        <p:style>
+          <a:lnRef idx="2">
+            <a:schemeClr val="accent1">
+              <a:shade val="50000"/>
+            </a:schemeClr>
+          </a:lnRef>
+          <a:fillRef idx="1">
+            <a:schemeClr val="accent1"/>
+          </a:fillRef>
+          <a:effectRef idx="0">
+            <a:schemeClr val="accent1"/>
+          </a:effectRef>
+          <a:fontRef idx="minor">
+            <a:schemeClr val="lt1"/>
+          </a:fontRef>
+        </p:style>
+        <p:txBody>
+          <a:bodyPr rtlCol="0" anchor="ctr"/>
+          <a:lstStyle/>
+          <a:p>
+            <a:pPr algn="ctr"/>
+            <a:endParaRPr lang="en-US" sz="2000" dirty="0">
+              <a:solidFill>
+                <a:schemeClr val="bg1"/>
+              </a:solidFill>
+            </a:endParaRPr>
+          </a:p>
+        </p:txBody>
+      </p:sp>
+      <p:sp>
+        <p:nvSpPr>
+          <p:cNvPr id="15" name="Rectangle: Rounded Corners 7">
+            <a:extLst>
+              <a:ext uri="{FF2B5EF4-FFF2-40B4-BE49-F238E27FC236}">
+                <a16:creationId xmlns:a16="http://schemas.microsoft.com/office/drawing/2014/main" id="{E151A580-FE6E-4252-AB3F-3084A8F2CEA5}"/>
+              </a:ext>
+            </a:extLst>
+          </p:cNvPr>
+          <p:cNvSpPr/>
+          <p:nvPr/>
+        </p:nvSpPr>
+        <p:spPr>
+          <a:xfrm>
+            <a:off x="6687024" y="2633688"/>
+            <a:ext cx="4562186" cy="400111"/>
+          </a:xfrm>
+          <a:prstGeom prst="roundRect">
+            <a:avLst/>
+          </a:prstGeom>
+          <a:solidFill>
+            <a:schemeClr val="bg1"/>
+          </a:solidFill>
+          <a:ln>
+            <a:noFill/>
+          </a:ln>
+        </p:spPr>
+        <p:style>
+          <a:lnRef idx="2">
+            <a:schemeClr val="accent1">
+              <a:shade val="50000"/>
+            </a:schemeClr>
+          </a:lnRef>
+          <a:fillRef idx="1">
+            <a:schemeClr val="accent1"/>
+          </a:fillRef>
+          <a:effectRef idx="0">
+            <a:schemeClr val="accent1"/>
+          </a:effectRef>
+          <a:fontRef idx="minor">
+            <a:schemeClr val="lt1"/>
+          </a:fontRef>
+        </p:style>
+        <p:txBody>
+          <a:bodyPr rtlCol="0" anchor="ctr"/>
+          <a:lstStyle/>
+          <a:p>
+            <a:pPr algn="ctr"/>
+            <a:endParaRPr lang="en-US" sz="2000" dirty="0">
+              <a:solidFill>
+                <a:schemeClr val="bg1"/>
+              </a:solidFill>
+            </a:endParaRPr>
+          </a:p>
+        </p:txBody>
+      </p:sp>
+      <p:sp>
+        <p:nvSpPr>
+          <p:cNvPr id="16" name="Rectangle: Rounded Corners 7">
+            <a:extLst>
+              <a:ext uri="{FF2B5EF4-FFF2-40B4-BE49-F238E27FC236}">
+                <a16:creationId xmlns:a16="http://schemas.microsoft.com/office/drawing/2014/main" id="{9EEBEB1B-8C4A-4F3A-BC32-AEB46DD1FBA7}"/>
+              </a:ext>
+            </a:extLst>
+          </p:cNvPr>
+          <p:cNvSpPr/>
+          <p:nvPr/>
+        </p:nvSpPr>
+        <p:spPr>
+          <a:xfrm>
+            <a:off x="6687024" y="3161967"/>
+            <a:ext cx="4562186" cy="400111"/>
+          </a:xfrm>
+          <a:prstGeom prst="roundRect">
+            <a:avLst/>
+          </a:prstGeom>
+          <a:solidFill>
+            <a:schemeClr val="bg1"/>
+          </a:solidFill>
+          <a:ln>
+            <a:noFill/>
+          </a:ln>
+        </p:spPr>
+        <p:style>
+          <a:lnRef idx="2">
+            <a:schemeClr val="accent1">
+              <a:shade val="50000"/>
+            </a:schemeClr>
+          </a:lnRef>
+          <a:fillRef idx="1">
+            <a:schemeClr val="accent1"/>
+          </a:fillRef>
+          <a:effectRef idx="0">
+            <a:schemeClr val="accent1"/>
+          </a:effectRef>
+          <a:fontRef idx="minor">
+            <a:schemeClr val="lt1"/>
+          </a:fontRef>
+        </p:style>
+        <p:txBody>
+          <a:bodyPr rtlCol="0" anchor="ctr"/>
+          <a:lstStyle/>
+          <a:p>
+            <a:pPr algn="ctr"/>
+            <a:endParaRPr lang="en-US" sz="2000" dirty="0">
+              <a:solidFill>
+                <a:schemeClr val="bg1"/>
+              </a:solidFill>
+            </a:endParaRPr>
+          </a:p>
+        </p:txBody>
+      </p:sp>
+      <p:sp>
+        <p:nvSpPr>
+          <p:cNvPr id="18" name="Rectangle: Rounded Corners 7">
+            <a:extLst>
+              <a:ext uri="{FF2B5EF4-FFF2-40B4-BE49-F238E27FC236}">
+                <a16:creationId xmlns:a16="http://schemas.microsoft.com/office/drawing/2014/main" id="{77A33A60-9D37-44AB-83D1-DA3B9B420466}"/>
+              </a:ext>
+            </a:extLst>
+          </p:cNvPr>
+          <p:cNvSpPr/>
+          <p:nvPr/>
+        </p:nvSpPr>
+        <p:spPr>
+          <a:xfrm>
+            <a:off x="559293" y="6112974"/>
+            <a:ext cx="1776425" cy="316371"/>
+          </a:xfrm>
+          <a:prstGeom prst="roundRect">
+            <a:avLst/>
+          </a:prstGeom>
+          <a:solidFill>
+            <a:srgbClr val="FF0000"/>
+          </a:solidFill>
+          <a:ln>
+            <a:noFill/>
+          </a:ln>
+        </p:spPr>
+        <p:style>
+          <a:lnRef idx="2">
+            <a:schemeClr val="accent1">
+              <a:shade val="50000"/>
+            </a:schemeClr>
+          </a:lnRef>
+          <a:fillRef idx="1">
+            <a:schemeClr val="accent1"/>
+          </a:fillRef>
+          <a:effectRef idx="0">
+            <a:schemeClr val="accent1"/>
+          </a:effectRef>
+          <a:fontRef idx="minor">
+            <a:schemeClr val="lt1"/>
+          </a:fontRef>
+        </p:style>
+        <p:txBody>
+          <a:bodyPr rtlCol="0" anchor="ctr"/>
+          <a:lstStyle/>
+          <a:p>
+            <a:pPr algn="ctr"/>
+            <a:r>
+              <a:rPr lang="es-VE" sz="2000" dirty="0">
                 <a:solidFill>
                   <a:schemeClr val="bg1"/>
                 </a:solidFill>
-                <a:latin typeface="Garamond" panose="02020404030301010803" pitchFamily="18" charset="0"/>
-                <a:ea typeface="Ebrima" panose="02000000000000000000" pitchFamily="2" charset="0"/>
-                <a:cs typeface="Ebrima" panose="02000000000000000000" pitchFamily="2" charset="0"/>
               </a:rPr>
-              <a:t>Bienvenido a </a:t>
-            </a:r>
-            <a:endParaRPr lang="en-US" sz="4800" b="1" dirty="0">
+              <a:t>Volver</a:t>
+            </a:r>
+            <a:endParaRPr lang="en-US" sz="2000" dirty="0">
               <a:solidFill>
                 <a:schemeClr val="bg1"/>
               </a:solidFill>
-              <a:latin typeface="Garamond" panose="02020404030301010803" pitchFamily="18" charset="0"/>
-              <a:ea typeface="Ebrima" panose="02000000000000000000" pitchFamily="2" charset="0"/>
-              <a:cs typeface="Ebrima" panose="02000000000000000000" pitchFamily="2" charset="0"/>
+            </a:endParaRPr>
+          </a:p>
+        </p:txBody>
+      </p:sp>
+      <p:sp>
+        <p:nvSpPr>
+          <p:cNvPr id="19" name="Rectangle: Rounded Corners 7">
+            <a:extLst>
+              <a:ext uri="{FF2B5EF4-FFF2-40B4-BE49-F238E27FC236}">
+                <a16:creationId xmlns:a16="http://schemas.microsoft.com/office/drawing/2014/main" id="{E43CCD0A-3851-4B32-95A6-952269326A13}"/>
+              </a:ext>
+            </a:extLst>
+          </p:cNvPr>
+          <p:cNvSpPr/>
+          <p:nvPr/>
+        </p:nvSpPr>
+        <p:spPr>
+          <a:xfrm>
+            <a:off x="6687024" y="3673241"/>
+            <a:ext cx="4562186" cy="400111"/>
+          </a:xfrm>
+          <a:prstGeom prst="roundRect">
+            <a:avLst/>
+          </a:prstGeom>
+          <a:solidFill>
+            <a:schemeClr val="bg1"/>
+          </a:solidFill>
+          <a:ln>
+            <a:noFill/>
+          </a:ln>
+        </p:spPr>
+        <p:style>
+          <a:lnRef idx="2">
+            <a:schemeClr val="accent1">
+              <a:shade val="50000"/>
+            </a:schemeClr>
+          </a:lnRef>
+          <a:fillRef idx="1">
+            <a:schemeClr val="accent1"/>
+          </a:fillRef>
+          <a:effectRef idx="0">
+            <a:schemeClr val="accent1"/>
+          </a:effectRef>
+          <a:fontRef idx="minor">
+            <a:schemeClr val="lt1"/>
+          </a:fontRef>
+        </p:style>
+        <p:txBody>
+          <a:bodyPr rtlCol="0" anchor="ctr"/>
+          <a:lstStyle/>
+          <a:p>
+            <a:pPr algn="ctr"/>
+            <a:endParaRPr lang="en-US" sz="2000" dirty="0">
+              <a:solidFill>
+                <a:schemeClr val="bg1"/>
+              </a:solidFill>
+            </a:endParaRPr>
+          </a:p>
+        </p:txBody>
+      </p:sp>
+      <p:sp>
+        <p:nvSpPr>
+          <p:cNvPr id="20" name="Rectangle 7">
+            <a:extLst>
+              <a:ext uri="{FF2B5EF4-FFF2-40B4-BE49-F238E27FC236}">
+                <a16:creationId xmlns:a16="http://schemas.microsoft.com/office/drawing/2014/main" id="{817DE5BE-6B21-484A-A1CE-B71E94BA0F7D}"/>
+              </a:ext>
+            </a:extLst>
+          </p:cNvPr>
+          <p:cNvSpPr/>
+          <p:nvPr/>
+        </p:nvSpPr>
+        <p:spPr>
+          <a:xfrm>
+            <a:off x="3726420" y="3674491"/>
+            <a:ext cx="2706110" cy="400110"/>
+          </a:xfrm>
+          <a:prstGeom prst="rect">
+            <a:avLst/>
+          </a:prstGeom>
+          <a:noFill/>
+        </p:spPr>
+        <p:txBody>
+          <a:bodyPr wrap="square" lIns="91440" tIns="45720" rIns="91440" bIns="45720">
+            <a:spAutoFit/>
+          </a:bodyPr>
+          <a:lstStyle/>
+          <a:p>
+            <a:pPr algn="ctr"/>
+            <a:r>
+              <a:rPr lang="en-US" sz="2000" b="0" cap="none" spc="0" dirty="0" err="1">
+                <a:ln w="0"/>
+                <a:solidFill>
+                  <a:schemeClr val="tx1"/>
+                </a:solidFill>
+                <a:effectLst>
+                  <a:outerShdw blurRad="38100" dist="19050" dir="2700000" algn="tl" rotWithShape="0">
+                    <a:schemeClr val="dk1">
+                      <a:alpha val="40000"/>
+                    </a:schemeClr>
+                  </a:outerShdw>
+                </a:effectLst>
+              </a:rPr>
+              <a:t>Fecha</a:t>
+            </a:r>
+            <a:r>
+              <a:rPr lang="en-US" sz="2000" b="0" cap="none" spc="0" dirty="0">
+                <a:ln w="0"/>
+                <a:solidFill>
+                  <a:schemeClr val="tx1"/>
+                </a:solidFill>
+                <a:effectLst>
+                  <a:outerShdw blurRad="38100" dist="19050" dir="2700000" algn="tl" rotWithShape="0">
+                    <a:schemeClr val="dk1">
+                      <a:alpha val="40000"/>
+                    </a:schemeClr>
+                  </a:outerShdw>
+                </a:effectLst>
+              </a:rPr>
+              <a:t> de </a:t>
+            </a:r>
+            <a:r>
+              <a:rPr lang="en-US" sz="2000" b="0" cap="none" spc="0" dirty="0" err="1">
+                <a:ln w="0"/>
+                <a:solidFill>
+                  <a:schemeClr val="tx1"/>
+                </a:solidFill>
+                <a:effectLst>
+                  <a:outerShdw blurRad="38100" dist="19050" dir="2700000" algn="tl" rotWithShape="0">
+                    <a:schemeClr val="dk1">
+                      <a:alpha val="40000"/>
+                    </a:schemeClr>
+                  </a:outerShdw>
+                </a:effectLst>
+              </a:rPr>
+              <a:t>nacimiento</a:t>
+            </a:r>
+            <a:r>
+              <a:rPr lang="en-US" sz="2000" dirty="0">
+                <a:ln w="0"/>
+                <a:effectLst>
+                  <a:outerShdw blurRad="38100" dist="19050" dir="2700000" algn="tl" rotWithShape="0">
+                    <a:schemeClr val="dk1">
+                      <a:alpha val="40000"/>
+                    </a:schemeClr>
+                  </a:outerShdw>
+                </a:effectLst>
+              </a:rPr>
+              <a:t>:</a:t>
+            </a:r>
+            <a:endParaRPr lang="en-US" sz="2000" b="0" cap="none" spc="0" dirty="0">
+              <a:ln w="0"/>
+              <a:solidFill>
+                <a:schemeClr val="tx1"/>
+              </a:solidFill>
+              <a:effectLst>
+                <a:outerShdw blurRad="38100" dist="19050" dir="2700000" algn="tl" rotWithShape="0">
+                  <a:schemeClr val="dk1">
+                    <a:alpha val="40000"/>
+                  </a:schemeClr>
+                </a:outerShdw>
+              </a:effectLst>
             </a:endParaRPr>
           </a:p>
         </p:txBody>
@@ -14839,7 +17451,7 @@
     </p:spTree>
     <p:extLst>
       <p:ext uri="{BB962C8B-B14F-4D97-AF65-F5344CB8AC3E}">
-        <p14:creationId xmlns:p14="http://schemas.microsoft.com/office/powerpoint/2010/main" val="2230813696"/>
+        <p14:creationId xmlns:p14="http://schemas.microsoft.com/office/powerpoint/2010/main" val="4293332272"/>
       </p:ext>
     </p:extLst>
   </p:cSld>
@@ -14923,10 +17535,167 @@
       </p:sp>
       <p:sp>
         <p:nvSpPr>
-          <p:cNvPr id="2" name="Rectangle 1">
+          <p:cNvPr id="3" name="Rectangle 2">
             <a:extLst>
               <a:ext uri="{FF2B5EF4-FFF2-40B4-BE49-F238E27FC236}">
-                <a16:creationId xmlns:a16="http://schemas.microsoft.com/office/drawing/2014/main" id="{EA7D85FD-08C5-4C35-B4A0-F9211E84EF45}"/>
+                <a16:creationId xmlns:a16="http://schemas.microsoft.com/office/drawing/2014/main" id="{46D0B89F-3DB8-4DEB-AA11-9F376BFE3FA3}"/>
+              </a:ext>
+            </a:extLst>
+          </p:cNvPr>
+          <p:cNvSpPr/>
+          <p:nvPr/>
+        </p:nvSpPr>
+        <p:spPr>
+          <a:xfrm>
+            <a:off x="3441971" y="1802167"/>
+            <a:ext cx="4934364" cy="1323439"/>
+          </a:xfrm>
+          <a:prstGeom prst="rect">
+            <a:avLst/>
+          </a:prstGeom>
+          <a:noFill/>
+        </p:spPr>
+        <p:txBody>
+          <a:bodyPr wrap="none" lIns="91440" tIns="45720" rIns="91440" bIns="45720">
+            <a:spAutoFit/>
+          </a:bodyPr>
+          <a:lstStyle/>
+          <a:p>
+            <a:pPr algn="ctr"/>
+            <a:r>
+              <a:rPr lang="en-US" sz="8000" b="1" dirty="0">
+                <a:ln w="28575">
+                  <a:solidFill>
+                    <a:srgbClr val="E3790F"/>
+                  </a:solidFill>
+                  <a:prstDash val="solid"/>
+                </a:ln>
+                <a:solidFill>
+                  <a:srgbClr val="FFFFFF"/>
+                </a:solidFill>
+                <a:effectLst>
+                  <a:outerShdw blurRad="38100" dist="22860" dir="5400000" algn="tl" rotWithShape="0">
+                    <a:srgbClr val="000000">
+                      <a:alpha val="30000"/>
+                    </a:srgbClr>
+                  </a:outerShdw>
+                </a:effectLst>
+              </a:rPr>
+              <a:t>cat-attack</a:t>
+            </a:r>
+            <a:endParaRPr lang="en-US" sz="9800" b="1" cap="none" spc="0" dirty="0">
+              <a:ln w="28575">
+                <a:solidFill>
+                  <a:srgbClr val="E3790F"/>
+                </a:solidFill>
+                <a:prstDash val="solid"/>
+              </a:ln>
+              <a:solidFill>
+                <a:srgbClr val="FFFFFF"/>
+              </a:solidFill>
+              <a:effectLst>
+                <a:outerShdw blurRad="38100" dist="22860" dir="5400000" algn="tl" rotWithShape="0">
+                  <a:srgbClr val="000000">
+                    <a:alpha val="30000"/>
+                  </a:srgbClr>
+                </a:outerShdw>
+              </a:effectLst>
+            </a:endParaRPr>
+          </a:p>
+        </p:txBody>
+      </p:sp>
+      <p:sp>
+        <p:nvSpPr>
+          <p:cNvPr id="4" name="TextBox 3">
+            <a:extLst>
+              <a:ext uri="{FF2B5EF4-FFF2-40B4-BE49-F238E27FC236}">
+                <a16:creationId xmlns:a16="http://schemas.microsoft.com/office/drawing/2014/main" id="{87706071-A84E-43C0-BB69-1051CEE063B8}"/>
+              </a:ext>
+            </a:extLst>
+          </p:cNvPr>
+          <p:cNvSpPr txBox="1"/>
+          <p:nvPr/>
+        </p:nvSpPr>
+        <p:spPr>
+          <a:xfrm>
+            <a:off x="4044797" y="1287262"/>
+            <a:ext cx="3728713" cy="830997"/>
+          </a:xfrm>
+          <a:prstGeom prst="rect">
+            <a:avLst/>
+          </a:prstGeom>
+          <a:noFill/>
+        </p:spPr>
+        <p:txBody>
+          <a:bodyPr wrap="none" rtlCol="0">
+            <a:spAutoFit/>
+          </a:bodyPr>
+          <a:lstStyle/>
+          <a:p>
+            <a:r>
+              <a:rPr lang="es-VE" sz="4800" b="1" dirty="0">
+                <a:solidFill>
+                  <a:schemeClr val="bg1"/>
+                </a:solidFill>
+                <a:latin typeface="Garamond" panose="02020404030301010803" pitchFamily="18" charset="0"/>
+                <a:ea typeface="Ebrima" panose="02000000000000000000" pitchFamily="2" charset="0"/>
+                <a:cs typeface="Ebrima" panose="02000000000000000000" pitchFamily="2" charset="0"/>
+              </a:rPr>
+              <a:t>Bienvenido a </a:t>
+            </a:r>
+            <a:endParaRPr lang="en-US" sz="4800" b="1" dirty="0">
+              <a:solidFill>
+                <a:schemeClr val="bg1"/>
+              </a:solidFill>
+              <a:latin typeface="Garamond" panose="02020404030301010803" pitchFamily="18" charset="0"/>
+              <a:ea typeface="Ebrima" panose="02000000000000000000" pitchFamily="2" charset="0"/>
+              <a:cs typeface="Ebrima" panose="02000000000000000000" pitchFamily="2" charset="0"/>
+            </a:endParaRPr>
+          </a:p>
+        </p:txBody>
+      </p:sp>
+      <p:pic>
+        <p:nvPicPr>
+          <p:cNvPr id="10" name="Imagen 9" descr="Mano sosteniendo un animal&#10;&#10;Descripción generada automáticamente">
+            <a:extLst>
+              <a:ext uri="{FF2B5EF4-FFF2-40B4-BE49-F238E27FC236}">
+                <a16:creationId xmlns:a16="http://schemas.microsoft.com/office/drawing/2014/main" id="{71681B5C-6689-4CE6-B413-76E7D98A3585}"/>
+              </a:ext>
+            </a:extLst>
+          </p:cNvPr>
+          <p:cNvPicPr>
+            <a:picLocks noChangeAspect="1"/>
+          </p:cNvPicPr>
+          <p:nvPr/>
+        </p:nvPicPr>
+        <p:blipFill>
+          <a:blip r:embed="rId2">
+            <a:extLst>
+              <a:ext uri="{28A0092B-C50C-407E-A947-70E740481C1C}">
+                <a14:useLocalDpi xmlns:a14="http://schemas.microsoft.com/office/drawing/2010/main" val="0"/>
+              </a:ext>
+            </a:extLst>
+          </a:blip>
+          <a:stretch>
+            <a:fillRect/>
+          </a:stretch>
+        </p:blipFill>
+        <p:spPr>
+          <a:xfrm>
+            <a:off x="1476347" y="3294776"/>
+            <a:ext cx="4117444" cy="3110958"/>
+          </a:xfrm>
+          <a:prstGeom prst="rect">
+            <a:avLst/>
+          </a:prstGeom>
+        </p:spPr>
+      </p:pic>
+      <p:sp>
+        <p:nvSpPr>
+          <p:cNvPr id="13" name="Rectangle 1">
+            <a:extLst>
+              <a:ext uri="{FF2B5EF4-FFF2-40B4-BE49-F238E27FC236}">
+                <a16:creationId xmlns:a16="http://schemas.microsoft.com/office/drawing/2014/main" id="{6CDE47D5-42DD-41BA-B085-6B0BEA00A842}"/>
               </a:ext>
             </a:extLst>
           </p:cNvPr>
@@ -14975,10 +17744,18 @@
             <a:r>
               <a:rPr lang="es-VE" b="1" dirty="0">
                 <a:solidFill>
+                  <a:srgbClr val="00B0F0"/>
+                </a:solidFill>
+              </a:rPr>
+              <a:t>*logo*      </a:t>
+            </a:r>
+            <a:r>
+              <a:rPr lang="es-VE" b="1" dirty="0">
+                <a:solidFill>
                   <a:schemeClr val="bg1"/>
                 </a:solidFill>
               </a:rPr>
-              <a:t>*logo*      Adopción     Consejos       Cat-</a:t>
+              <a:t>Adopción     Consejos       Cat-</a:t>
             </a:r>
             <a:r>
               <a:rPr lang="es-VE" b="1" dirty="0" err="1">
@@ -14994,7 +17771,7 @@
                   <a:schemeClr val="bg1"/>
                 </a:solidFill>
               </a:rPr>
-              <a:t>                               Mi Perfil       Incidencias          </a:t>
+              <a:t>                                                              Mi Perfil        </a:t>
             </a:r>
             <a:r>
               <a:rPr lang="es-VE" b="1" dirty="0" err="1">
@@ -15012,598 +17789,57 @@
           </a:p>
         </p:txBody>
       </p:sp>
-      <p:sp>
-        <p:nvSpPr>
-          <p:cNvPr id="7" name="Rectangle 6">
+      <p:pic>
+        <p:nvPicPr>
+          <p:cNvPr id="1030" name="Picture 6" descr="Pin on YEEEEET">
             <a:extLst>
               <a:ext uri="{FF2B5EF4-FFF2-40B4-BE49-F238E27FC236}">
-                <a16:creationId xmlns:a16="http://schemas.microsoft.com/office/drawing/2014/main" id="{B054A16F-54A2-4739-8E3C-51E3300950BB}"/>
+                <a16:creationId xmlns:a16="http://schemas.microsoft.com/office/drawing/2014/main" id="{5C08108E-22BF-40A2-A9E8-36778AAAFC52}"/>
               </a:ext>
             </a:extLst>
           </p:cNvPr>
-          <p:cNvSpPr/>
+          <p:cNvPicPr>
+            <a:picLocks noChangeAspect="1" noChangeArrowheads="1"/>
+          </p:cNvPicPr>
           <p:nvPr/>
-        </p:nvSpPr>
-        <p:spPr>
-          <a:xfrm>
-            <a:off x="337350" y="1359762"/>
-            <a:ext cx="11505461" cy="2069238"/>
-          </a:xfrm>
-          <a:prstGeom prst="rect">
-            <a:avLst/>
-          </a:prstGeom>
-          <a:solidFill>
-            <a:schemeClr val="bg1">
-              <a:lumMod val="85000"/>
-            </a:schemeClr>
-          </a:solidFill>
-          <a:ln>
-            <a:noFill/>
-          </a:ln>
-        </p:spPr>
-        <p:style>
-          <a:lnRef idx="2">
-            <a:schemeClr val="accent1">
-              <a:shade val="50000"/>
-            </a:schemeClr>
-          </a:lnRef>
-          <a:fillRef idx="1">
-            <a:schemeClr val="accent1"/>
-          </a:fillRef>
-          <a:effectRef idx="0">
-            <a:schemeClr val="accent1"/>
-          </a:effectRef>
-          <a:fontRef idx="minor">
-            <a:schemeClr val="lt1"/>
-          </a:fontRef>
-        </p:style>
-        <p:txBody>
-          <a:bodyPr rtlCol="0" anchor="ctr"/>
-          <a:lstStyle/>
-          <a:p>
-            <a:pPr algn="ctr"/>
-            <a:endParaRPr lang="en-US" b="1" dirty="0">
-              <a:solidFill>
-                <a:schemeClr val="bg1"/>
-              </a:solidFill>
-            </a:endParaRPr>
-          </a:p>
-        </p:txBody>
-      </p:sp>
-      <p:sp>
-        <p:nvSpPr>
-          <p:cNvPr id="8" name="Rectangle 7">
+        </p:nvPicPr>
+        <p:blipFill>
+          <a:blip r:embed="rId3">
             <a:extLst>
-              <a:ext uri="{FF2B5EF4-FFF2-40B4-BE49-F238E27FC236}">
-                <a16:creationId xmlns:a16="http://schemas.microsoft.com/office/drawing/2014/main" id="{7214B269-F679-4636-AAC2-FE15D384A6AC}"/>
+              <a:ext uri="{28A0092B-C50C-407E-A947-70E740481C1C}">
+                <a14:useLocalDpi xmlns:a14="http://schemas.microsoft.com/office/drawing/2010/main" val="0"/>
               </a:ext>
             </a:extLst>
-          </p:cNvPr>
-          <p:cNvSpPr/>
-          <p:nvPr/>
-        </p:nvSpPr>
-        <p:spPr>
+          </a:blip>
+          <a:srcRect/>
+          <a:stretch>
+            <a:fillRect/>
+          </a:stretch>
+        </p:blipFill>
+        <p:spPr bwMode="auto">
           <a:xfrm>
-            <a:off x="3616787" y="1509204"/>
-            <a:ext cx="4637808" cy="1631216"/>
+            <a:off x="6167459" y="3277528"/>
+            <a:ext cx="4361768" cy="3128206"/>
           </a:xfrm>
           <a:prstGeom prst="rect">
             <a:avLst/>
           </a:prstGeom>
           <a:noFill/>
+          <a:extLst>
+            <a:ext uri="{909E8E84-426E-40DD-AFC4-6F175D3DCCD1}">
+              <a14:hiddenFill xmlns:a14="http://schemas.microsoft.com/office/drawing/2010/main">
+                <a:solidFill>
+                  <a:srgbClr val="FFFFFF"/>
+                </a:solidFill>
+              </a14:hiddenFill>
+            </a:ext>
+          </a:extLst>
         </p:spPr>
-        <p:txBody>
-          <a:bodyPr wrap="none" lIns="91440" tIns="45720" rIns="91440" bIns="45720">
-            <a:spAutoFit/>
-          </a:bodyPr>
-          <a:lstStyle/>
-          <a:p>
-            <a:pPr algn="ctr"/>
-            <a:r>
-              <a:rPr lang="en-US" sz="4000" b="0" cap="none" spc="0" dirty="0" err="1">
-                <a:ln w="0"/>
-                <a:solidFill>
-                  <a:schemeClr val="tx1"/>
-                </a:solidFill>
-                <a:effectLst>
-                  <a:outerShdw blurRad="38100" dist="19050" dir="2700000" algn="tl" rotWithShape="0">
-                    <a:schemeClr val="dk1">
-                      <a:alpha val="40000"/>
-                    </a:schemeClr>
-                  </a:outerShdw>
-                </a:effectLst>
-              </a:rPr>
-              <a:t>Gato</a:t>
-            </a:r>
-            <a:r>
-              <a:rPr lang="en-US" sz="4000" b="0" cap="none" spc="0" dirty="0">
-                <a:ln w="0"/>
-                <a:solidFill>
-                  <a:schemeClr val="tx1"/>
-                </a:solidFill>
-                <a:effectLst>
-                  <a:outerShdw blurRad="38100" dist="19050" dir="2700000" algn="tl" rotWithShape="0">
-                    <a:schemeClr val="dk1">
-                      <a:alpha val="40000"/>
-                    </a:schemeClr>
-                  </a:outerShdw>
-                </a:effectLst>
-              </a:rPr>
-              <a:t> </a:t>
-            </a:r>
-            <a:r>
-              <a:rPr lang="en-US" sz="4000" b="0" cap="none" spc="0" dirty="0" err="1">
-                <a:ln w="0"/>
-                <a:solidFill>
-                  <a:schemeClr val="tx1"/>
-                </a:solidFill>
-                <a:effectLst>
-                  <a:outerShdw blurRad="38100" dist="19050" dir="2700000" algn="tl" rotWithShape="0">
-                    <a:schemeClr val="dk1">
-                      <a:alpha val="40000"/>
-                    </a:schemeClr>
-                  </a:outerShdw>
-                </a:effectLst>
-              </a:rPr>
-              <a:t>en</a:t>
-            </a:r>
-            <a:r>
-              <a:rPr lang="en-US" sz="4000" b="0" cap="none" spc="0" dirty="0">
-                <a:ln w="0"/>
-                <a:solidFill>
-                  <a:schemeClr val="tx1"/>
-                </a:solidFill>
-                <a:effectLst>
-                  <a:outerShdw blurRad="38100" dist="19050" dir="2700000" algn="tl" rotWithShape="0">
-                    <a:schemeClr val="dk1">
-                      <a:alpha val="40000"/>
-                    </a:schemeClr>
-                  </a:outerShdw>
-                </a:effectLst>
-              </a:rPr>
-              <a:t> </a:t>
-            </a:r>
-            <a:r>
-              <a:rPr lang="en-US" sz="4000" b="0" cap="none" spc="0" dirty="0" err="1">
-                <a:ln w="0"/>
-                <a:solidFill>
-                  <a:schemeClr val="tx1"/>
-                </a:solidFill>
-                <a:effectLst>
-                  <a:outerShdw blurRad="38100" dist="19050" dir="2700000" algn="tl" rotWithShape="0">
-                    <a:schemeClr val="dk1">
-                      <a:alpha val="40000"/>
-                    </a:schemeClr>
-                  </a:outerShdw>
-                </a:effectLst>
-              </a:rPr>
-              <a:t>adopción</a:t>
-            </a:r>
-            <a:r>
-              <a:rPr lang="en-US" sz="4000" b="0" cap="none" spc="0" dirty="0">
-                <a:ln w="0"/>
-                <a:solidFill>
-                  <a:schemeClr val="tx1"/>
-                </a:solidFill>
-                <a:effectLst>
-                  <a:outerShdw blurRad="38100" dist="19050" dir="2700000" algn="tl" rotWithShape="0">
-                    <a:schemeClr val="dk1">
-                      <a:alpha val="40000"/>
-                    </a:schemeClr>
-                  </a:outerShdw>
-                </a:effectLst>
-              </a:rPr>
-              <a:t> 1</a:t>
-            </a:r>
-          </a:p>
-          <a:p>
-            <a:pPr algn="ctr"/>
-            <a:endParaRPr lang="en-US" sz="3600" b="0" cap="none" spc="0" dirty="0">
-              <a:ln w="0"/>
-              <a:solidFill>
-                <a:schemeClr val="tx1"/>
-              </a:solidFill>
-              <a:effectLst>
-                <a:outerShdw blurRad="38100" dist="19050" dir="2700000" algn="tl" rotWithShape="0">
-                  <a:schemeClr val="dk1">
-                    <a:alpha val="40000"/>
-                  </a:schemeClr>
-                </a:outerShdw>
-              </a:effectLst>
-            </a:endParaRPr>
-          </a:p>
-          <a:p>
-            <a:r>
-              <a:rPr lang="en-US" sz="2000" dirty="0" err="1">
-                <a:ln w="0"/>
-                <a:effectLst>
-                  <a:outerShdw blurRad="38100" dist="19050" dir="2700000" algn="tl" rotWithShape="0">
-                    <a:schemeClr val="dk1">
-                      <a:alpha val="40000"/>
-                    </a:schemeClr>
-                  </a:outerShdw>
-                </a:effectLst>
-              </a:rPr>
-              <a:t>Detalles</a:t>
-            </a:r>
-            <a:endParaRPr lang="en-US" sz="2000" b="0" cap="none" spc="0" dirty="0">
-              <a:ln w="0"/>
-              <a:solidFill>
-                <a:schemeClr val="tx1"/>
-              </a:solidFill>
-              <a:effectLst>
-                <a:outerShdw blurRad="38100" dist="19050" dir="2700000" algn="tl" rotWithShape="0">
-                  <a:schemeClr val="dk1">
-                    <a:alpha val="40000"/>
-                  </a:schemeClr>
-                </a:outerShdw>
-              </a:effectLst>
-            </a:endParaRPr>
-          </a:p>
-        </p:txBody>
-      </p:sp>
-      <p:sp>
-        <p:nvSpPr>
-          <p:cNvPr id="9" name="Rectangle 8">
-            <a:extLst>
-              <a:ext uri="{FF2B5EF4-FFF2-40B4-BE49-F238E27FC236}">
-                <a16:creationId xmlns:a16="http://schemas.microsoft.com/office/drawing/2014/main" id="{A09E4E70-A8E9-4EB7-A8D3-BE70C5357EC7}"/>
-              </a:ext>
-            </a:extLst>
-          </p:cNvPr>
-          <p:cNvSpPr/>
-          <p:nvPr/>
-        </p:nvSpPr>
-        <p:spPr>
-          <a:xfrm>
-            <a:off x="559293" y="1509204"/>
-            <a:ext cx="2805344" cy="1713390"/>
-          </a:xfrm>
-          <a:prstGeom prst="rect">
-            <a:avLst/>
-          </a:prstGeom>
-          <a:solidFill>
-            <a:schemeClr val="bg1"/>
-          </a:solidFill>
-          <a:ln>
-            <a:noFill/>
-          </a:ln>
-        </p:spPr>
-        <p:style>
-          <a:lnRef idx="2">
-            <a:schemeClr val="accent1">
-              <a:shade val="50000"/>
-            </a:schemeClr>
-          </a:lnRef>
-          <a:fillRef idx="1">
-            <a:schemeClr val="accent1"/>
-          </a:fillRef>
-          <a:effectRef idx="0">
-            <a:schemeClr val="accent1"/>
-          </a:effectRef>
-          <a:fontRef idx="minor">
-            <a:schemeClr val="lt1"/>
-          </a:fontRef>
-        </p:style>
-        <p:txBody>
-          <a:bodyPr rtlCol="0" anchor="ctr"/>
-          <a:lstStyle/>
-          <a:p>
-            <a:pPr algn="ctr"/>
-            <a:r>
-              <a:rPr lang="es-VE" dirty="0">
-                <a:solidFill>
-                  <a:schemeClr val="tx1"/>
-                </a:solidFill>
-              </a:rPr>
-              <a:t>Imagen</a:t>
-            </a:r>
-            <a:endParaRPr lang="en-US" dirty="0">
-              <a:solidFill>
-                <a:schemeClr val="tx1"/>
-              </a:solidFill>
-            </a:endParaRPr>
-          </a:p>
-        </p:txBody>
-      </p:sp>
-      <p:sp>
-        <p:nvSpPr>
-          <p:cNvPr id="10" name="Rectangle 9">
-            <a:extLst>
-              <a:ext uri="{FF2B5EF4-FFF2-40B4-BE49-F238E27FC236}">
-                <a16:creationId xmlns:a16="http://schemas.microsoft.com/office/drawing/2014/main" id="{48D1187B-93F3-4F98-A980-CDE35D5A5B7C}"/>
-              </a:ext>
-            </a:extLst>
-          </p:cNvPr>
-          <p:cNvSpPr/>
-          <p:nvPr/>
-        </p:nvSpPr>
-        <p:spPr>
-          <a:xfrm>
-            <a:off x="337350" y="3670176"/>
-            <a:ext cx="11505461" cy="2069238"/>
-          </a:xfrm>
-          <a:prstGeom prst="rect">
-            <a:avLst/>
-          </a:prstGeom>
-          <a:solidFill>
-            <a:schemeClr val="bg1">
-              <a:lumMod val="85000"/>
-            </a:schemeClr>
-          </a:solidFill>
-          <a:ln>
-            <a:noFill/>
-          </a:ln>
-        </p:spPr>
-        <p:style>
-          <a:lnRef idx="2">
-            <a:schemeClr val="accent1">
-              <a:shade val="50000"/>
-            </a:schemeClr>
-          </a:lnRef>
-          <a:fillRef idx="1">
-            <a:schemeClr val="accent1"/>
-          </a:fillRef>
-          <a:effectRef idx="0">
-            <a:schemeClr val="accent1"/>
-          </a:effectRef>
-          <a:fontRef idx="minor">
-            <a:schemeClr val="lt1"/>
-          </a:fontRef>
-        </p:style>
-        <p:txBody>
-          <a:bodyPr rtlCol="0" anchor="ctr"/>
-          <a:lstStyle/>
-          <a:p>
-            <a:pPr algn="ctr"/>
-            <a:endParaRPr lang="en-US" b="1" dirty="0">
-              <a:solidFill>
-                <a:schemeClr val="bg1"/>
-              </a:solidFill>
-            </a:endParaRPr>
-          </a:p>
-        </p:txBody>
-      </p:sp>
-      <p:sp>
-        <p:nvSpPr>
-          <p:cNvPr id="11" name="Rectangle 10">
-            <a:extLst>
-              <a:ext uri="{FF2B5EF4-FFF2-40B4-BE49-F238E27FC236}">
-                <a16:creationId xmlns:a16="http://schemas.microsoft.com/office/drawing/2014/main" id="{A1716EC3-E2BF-4FB4-BD24-01ECCA06BB98}"/>
-              </a:ext>
-            </a:extLst>
-          </p:cNvPr>
-          <p:cNvSpPr/>
-          <p:nvPr/>
-        </p:nvSpPr>
-        <p:spPr>
-          <a:xfrm>
-            <a:off x="3616787" y="3819618"/>
-            <a:ext cx="4637808" cy="1631216"/>
-          </a:xfrm>
-          <a:prstGeom prst="rect">
-            <a:avLst/>
-          </a:prstGeom>
-          <a:noFill/>
-        </p:spPr>
-        <p:txBody>
-          <a:bodyPr wrap="none" lIns="91440" tIns="45720" rIns="91440" bIns="45720">
-            <a:spAutoFit/>
-          </a:bodyPr>
-          <a:lstStyle/>
-          <a:p>
-            <a:pPr algn="ctr"/>
-            <a:r>
-              <a:rPr lang="en-US" sz="4000" b="0" cap="none" spc="0" dirty="0" err="1">
-                <a:ln w="0"/>
-                <a:solidFill>
-                  <a:schemeClr val="tx1"/>
-                </a:solidFill>
-                <a:effectLst>
-                  <a:outerShdw blurRad="38100" dist="19050" dir="2700000" algn="tl" rotWithShape="0">
-                    <a:schemeClr val="dk1">
-                      <a:alpha val="40000"/>
-                    </a:schemeClr>
-                  </a:outerShdw>
-                </a:effectLst>
-              </a:rPr>
-              <a:t>Gato</a:t>
-            </a:r>
-            <a:r>
-              <a:rPr lang="en-US" sz="4000" b="0" cap="none" spc="0" dirty="0">
-                <a:ln w="0"/>
-                <a:solidFill>
-                  <a:schemeClr val="tx1"/>
-                </a:solidFill>
-                <a:effectLst>
-                  <a:outerShdw blurRad="38100" dist="19050" dir="2700000" algn="tl" rotWithShape="0">
-                    <a:schemeClr val="dk1">
-                      <a:alpha val="40000"/>
-                    </a:schemeClr>
-                  </a:outerShdw>
-                </a:effectLst>
-              </a:rPr>
-              <a:t> </a:t>
-            </a:r>
-            <a:r>
-              <a:rPr lang="en-US" sz="4000" b="0" cap="none" spc="0" dirty="0" err="1">
-                <a:ln w="0"/>
-                <a:solidFill>
-                  <a:schemeClr val="tx1"/>
-                </a:solidFill>
-                <a:effectLst>
-                  <a:outerShdw blurRad="38100" dist="19050" dir="2700000" algn="tl" rotWithShape="0">
-                    <a:schemeClr val="dk1">
-                      <a:alpha val="40000"/>
-                    </a:schemeClr>
-                  </a:outerShdw>
-                </a:effectLst>
-              </a:rPr>
-              <a:t>en</a:t>
-            </a:r>
-            <a:r>
-              <a:rPr lang="en-US" sz="4000" b="0" cap="none" spc="0" dirty="0">
-                <a:ln w="0"/>
-                <a:solidFill>
-                  <a:schemeClr val="tx1"/>
-                </a:solidFill>
-                <a:effectLst>
-                  <a:outerShdw blurRad="38100" dist="19050" dir="2700000" algn="tl" rotWithShape="0">
-                    <a:schemeClr val="dk1">
-                      <a:alpha val="40000"/>
-                    </a:schemeClr>
-                  </a:outerShdw>
-                </a:effectLst>
-              </a:rPr>
-              <a:t> </a:t>
-            </a:r>
-            <a:r>
-              <a:rPr lang="en-US" sz="4000" b="0" cap="none" spc="0" dirty="0" err="1">
-                <a:ln w="0"/>
-                <a:solidFill>
-                  <a:schemeClr val="tx1"/>
-                </a:solidFill>
-                <a:effectLst>
-                  <a:outerShdw blurRad="38100" dist="19050" dir="2700000" algn="tl" rotWithShape="0">
-                    <a:schemeClr val="dk1">
-                      <a:alpha val="40000"/>
-                    </a:schemeClr>
-                  </a:outerShdw>
-                </a:effectLst>
-              </a:rPr>
-              <a:t>adopción</a:t>
-            </a:r>
-            <a:r>
-              <a:rPr lang="en-US" sz="4000" b="0" cap="none" spc="0" dirty="0">
-                <a:ln w="0"/>
-                <a:solidFill>
-                  <a:schemeClr val="tx1"/>
-                </a:solidFill>
-                <a:effectLst>
-                  <a:outerShdw blurRad="38100" dist="19050" dir="2700000" algn="tl" rotWithShape="0">
-                    <a:schemeClr val="dk1">
-                      <a:alpha val="40000"/>
-                    </a:schemeClr>
-                  </a:outerShdw>
-                </a:effectLst>
-              </a:rPr>
-              <a:t> 2</a:t>
-            </a:r>
-          </a:p>
-          <a:p>
-            <a:pPr algn="ctr"/>
-            <a:endParaRPr lang="en-US" sz="3600" b="0" cap="none" spc="0" dirty="0">
-              <a:ln w="0"/>
-              <a:solidFill>
-                <a:schemeClr val="tx1"/>
-              </a:solidFill>
-              <a:effectLst>
-                <a:outerShdw blurRad="38100" dist="19050" dir="2700000" algn="tl" rotWithShape="0">
-                  <a:schemeClr val="dk1">
-                    <a:alpha val="40000"/>
-                  </a:schemeClr>
-                </a:outerShdw>
-              </a:effectLst>
-            </a:endParaRPr>
-          </a:p>
-          <a:p>
-            <a:r>
-              <a:rPr lang="en-US" sz="2000" dirty="0" err="1">
-                <a:ln w="0"/>
-                <a:effectLst>
-                  <a:outerShdw blurRad="38100" dist="19050" dir="2700000" algn="tl" rotWithShape="0">
-                    <a:schemeClr val="dk1">
-                      <a:alpha val="40000"/>
-                    </a:schemeClr>
-                  </a:outerShdw>
-                </a:effectLst>
-              </a:rPr>
-              <a:t>Detalles</a:t>
-            </a:r>
-            <a:endParaRPr lang="en-US" sz="2000" b="0" cap="none" spc="0" dirty="0">
-              <a:ln w="0"/>
-              <a:solidFill>
-                <a:schemeClr val="tx1"/>
-              </a:solidFill>
-              <a:effectLst>
-                <a:outerShdw blurRad="38100" dist="19050" dir="2700000" algn="tl" rotWithShape="0">
-                  <a:schemeClr val="dk1">
-                    <a:alpha val="40000"/>
-                  </a:schemeClr>
-                </a:outerShdw>
-              </a:effectLst>
-            </a:endParaRPr>
-          </a:p>
-        </p:txBody>
-      </p:sp>
-      <p:sp>
-        <p:nvSpPr>
-          <p:cNvPr id="12" name="Rectangle 11">
-            <a:extLst>
-              <a:ext uri="{FF2B5EF4-FFF2-40B4-BE49-F238E27FC236}">
-                <a16:creationId xmlns:a16="http://schemas.microsoft.com/office/drawing/2014/main" id="{DDAB76A2-ABB1-4E2C-A3B8-B14276C33DB0}"/>
-              </a:ext>
-            </a:extLst>
-          </p:cNvPr>
-          <p:cNvSpPr/>
-          <p:nvPr/>
-        </p:nvSpPr>
-        <p:spPr>
-          <a:xfrm>
-            <a:off x="559293" y="3819618"/>
-            <a:ext cx="2805344" cy="1713390"/>
-          </a:xfrm>
-          <a:prstGeom prst="rect">
-            <a:avLst/>
-          </a:prstGeom>
-          <a:solidFill>
-            <a:schemeClr val="bg1"/>
-          </a:solidFill>
-          <a:ln>
-            <a:noFill/>
-          </a:ln>
-        </p:spPr>
-        <p:style>
-          <a:lnRef idx="2">
-            <a:schemeClr val="accent1">
-              <a:shade val="50000"/>
-            </a:schemeClr>
-          </a:lnRef>
-          <a:fillRef idx="1">
-            <a:schemeClr val="accent1"/>
-          </a:fillRef>
-          <a:effectRef idx="0">
-            <a:schemeClr val="accent1"/>
-          </a:effectRef>
-          <a:fontRef idx="minor">
-            <a:schemeClr val="lt1"/>
-          </a:fontRef>
-        </p:style>
-        <p:txBody>
-          <a:bodyPr rtlCol="0" anchor="ctr"/>
-          <a:lstStyle/>
-          <a:p>
-            <a:pPr algn="ctr"/>
-            <a:r>
-              <a:rPr lang="es-VE" dirty="0">
-                <a:solidFill>
-                  <a:schemeClr val="tx1"/>
-                </a:solidFill>
-              </a:rPr>
-              <a:t>Imagen</a:t>
-            </a:r>
-            <a:endParaRPr lang="en-US" dirty="0">
-              <a:solidFill>
-                <a:schemeClr val="tx1"/>
-              </a:solidFill>
-            </a:endParaRPr>
-          </a:p>
-        </p:txBody>
-      </p:sp>
+      </p:pic>
     </p:spTree>
     <p:extLst>
       <p:ext uri="{BB962C8B-B14F-4D97-AF65-F5344CB8AC3E}">
-        <p14:creationId xmlns:p14="http://schemas.microsoft.com/office/powerpoint/2010/main" val="2853379645"/>
+        <p14:creationId xmlns:p14="http://schemas.microsoft.com/office/powerpoint/2010/main" val="2230813696"/>
       </p:ext>
     </p:extLst>
   </p:cSld>
@@ -15687,97 +17923,6 @@
       </p:sp>
       <p:sp>
         <p:nvSpPr>
-          <p:cNvPr id="2" name="Rectangle 1">
-            <a:extLst>
-              <a:ext uri="{FF2B5EF4-FFF2-40B4-BE49-F238E27FC236}">
-                <a16:creationId xmlns:a16="http://schemas.microsoft.com/office/drawing/2014/main" id="{EA7D85FD-08C5-4C35-B4A0-F9211E84EF45}"/>
-              </a:ext>
-            </a:extLst>
-          </p:cNvPr>
-          <p:cNvSpPr/>
-          <p:nvPr/>
-        </p:nvSpPr>
-        <p:spPr>
-          <a:xfrm>
-            <a:off x="94695" y="106531"/>
-            <a:ext cx="12002610" cy="905523"/>
-          </a:xfrm>
-          <a:prstGeom prst="rect">
-            <a:avLst/>
-          </a:prstGeom>
-          <a:solidFill>
-            <a:schemeClr val="tx1">
-              <a:lumMod val="65000"/>
-              <a:lumOff val="35000"/>
-            </a:schemeClr>
-          </a:solidFill>
-          <a:ln>
-            <a:noFill/>
-          </a:ln>
-        </p:spPr>
-        <p:style>
-          <a:lnRef idx="2">
-            <a:schemeClr val="accent1">
-              <a:shade val="50000"/>
-            </a:schemeClr>
-          </a:lnRef>
-          <a:fillRef idx="1">
-            <a:schemeClr val="accent1"/>
-          </a:fillRef>
-          <a:effectRef idx="0">
-            <a:schemeClr val="accent1"/>
-          </a:effectRef>
-          <a:fontRef idx="minor">
-            <a:schemeClr val="lt1"/>
-          </a:fontRef>
-        </p:style>
-        <p:txBody>
-          <a:bodyPr rtlCol="0" anchor="ctr"/>
-          <a:lstStyle/>
-          <a:p>
-            <a:pPr algn="ctr"/>
-            <a:r>
-              <a:rPr lang="es-VE" b="1" dirty="0">
-                <a:solidFill>
-                  <a:schemeClr val="bg1"/>
-                </a:solidFill>
-              </a:rPr>
-              <a:t>*logo*      Adopción     Consejos       Cat-</a:t>
-            </a:r>
-            <a:r>
-              <a:rPr lang="es-VE" b="1" dirty="0" err="1">
-                <a:solidFill>
-                  <a:schemeClr val="bg1"/>
-                </a:solidFill>
-              </a:rPr>
-              <a:t>Sitters</a:t>
-            </a:r>
-            <a:r>
-              <a:rPr lang="es-VE" b="1" dirty="0">
-                <a:solidFill>
-                  <a:schemeClr val="bg1"/>
-                </a:solidFill>
-              </a:rPr>
-              <a:t>                               Mi Perfil       Incidencias          </a:t>
-            </a:r>
-            <a:r>
-              <a:rPr lang="es-VE" b="1" dirty="0" err="1">
-                <a:solidFill>
-                  <a:schemeClr val="bg1"/>
-                </a:solidFill>
-              </a:rPr>
-              <a:t>Logout</a:t>
-            </a:r>
-            <a:endParaRPr lang="en-US" b="1" dirty="0">
-              <a:solidFill>
-                <a:schemeClr val="bg1"/>
-              </a:solidFill>
-            </a:endParaRPr>
-          </a:p>
-        </p:txBody>
-      </p:sp>
-      <p:sp>
-        <p:nvSpPr>
           <p:cNvPr id="7" name="Rectangle 6">
             <a:extLst>
               <a:ext uri="{FF2B5EF4-FFF2-40B4-BE49-F238E27FC236}">
@@ -15849,7 +17994,7 @@
         <p:spPr>
           <a:xfrm>
             <a:off x="3616787" y="1509204"/>
-            <a:ext cx="2457724" cy="1569660"/>
+            <a:ext cx="4637808" cy="1631216"/>
           </a:xfrm>
           <a:prstGeom prst="rect">
             <a:avLst/>
@@ -15877,7 +18022,71 @@
                   </a:outerShdw>
                 </a:effectLst>
               </a:rPr>
-              <a:t>Consejo</a:t>
+              <a:t>Gato</a:t>
+            </a:r>
+            <a:r>
+              <a:rPr lang="en-US" sz="4000" b="0" cap="none" spc="0" dirty="0">
+                <a:ln w="0"/>
+                <a:solidFill>
+                  <a:schemeClr val="tx1"/>
+                </a:solidFill>
+                <a:effectLst>
+                  <a:outerShdw blurRad="38100" dist="19050" dir="2700000" algn="tl" rotWithShape="0">
+                    <a:schemeClr val="dk1">
+                      <a:alpha val="40000"/>
+                    </a:schemeClr>
+                  </a:outerShdw>
+                </a:effectLst>
+              </a:rPr>
+              <a:t> </a:t>
+            </a:r>
+            <a:r>
+              <a:rPr lang="en-US" sz="4000" b="0" cap="none" spc="0" dirty="0" err="1">
+                <a:ln w="0"/>
+                <a:solidFill>
+                  <a:schemeClr val="tx1"/>
+                </a:solidFill>
+                <a:effectLst>
+                  <a:outerShdw blurRad="38100" dist="19050" dir="2700000" algn="tl" rotWithShape="0">
+                    <a:schemeClr val="dk1">
+                      <a:alpha val="40000"/>
+                    </a:schemeClr>
+                  </a:outerShdw>
+                </a:effectLst>
+              </a:rPr>
+              <a:t>en</a:t>
+            </a:r>
+            <a:r>
+              <a:rPr lang="en-US" sz="4000" b="0" cap="none" spc="0" dirty="0">
+                <a:ln w="0"/>
+                <a:solidFill>
+                  <a:schemeClr val="tx1"/>
+                </a:solidFill>
+                <a:effectLst>
+                  <a:outerShdw blurRad="38100" dist="19050" dir="2700000" algn="tl" rotWithShape="0">
+                    <a:schemeClr val="dk1">
+                      <a:alpha val="40000"/>
+                    </a:schemeClr>
+                  </a:outerShdw>
+                </a:effectLst>
+              </a:rPr>
+              <a:t> </a:t>
+            </a:r>
+            <a:r>
+              <a:rPr lang="en-US" sz="4000" b="0" cap="none" spc="0" dirty="0" err="1">
+                <a:ln w="0"/>
+                <a:solidFill>
+                  <a:schemeClr val="tx1"/>
+                </a:solidFill>
+                <a:effectLst>
+                  <a:outerShdw blurRad="38100" dist="19050" dir="2700000" algn="tl" rotWithShape="0">
+                    <a:schemeClr val="dk1">
+                      <a:alpha val="40000"/>
+                    </a:schemeClr>
+                  </a:outerShdw>
+                </a:effectLst>
+              </a:rPr>
+              <a:t>adopción</a:t>
             </a:r>
             <a:r>
               <a:rPr lang="en-US" sz="4000" b="0" cap="none" spc="0" dirty="0">
@@ -16078,8 +18287,8 @@
         </p:nvSpPr>
         <p:spPr>
           <a:xfrm>
-            <a:off x="3490588" y="3891483"/>
-            <a:ext cx="2457724" cy="1569660"/>
+            <a:off x="3616787" y="3819618"/>
+            <a:ext cx="4637808" cy="1631216"/>
           </a:xfrm>
           <a:prstGeom prst="rect">
             <a:avLst/>
@@ -16107,7 +18316,71 @@
                   </a:outerShdw>
                 </a:effectLst>
               </a:rPr>
-              <a:t>Consejo</a:t>
+              <a:t>Gato</a:t>
+            </a:r>
+            <a:r>
+              <a:rPr lang="en-US" sz="4000" b="0" cap="none" spc="0" dirty="0">
+                <a:ln w="0"/>
+                <a:solidFill>
+                  <a:schemeClr val="tx1"/>
+                </a:solidFill>
+                <a:effectLst>
+                  <a:outerShdw blurRad="38100" dist="19050" dir="2700000" algn="tl" rotWithShape="0">
+                    <a:schemeClr val="dk1">
+                      <a:alpha val="40000"/>
+                    </a:schemeClr>
+                  </a:outerShdw>
+                </a:effectLst>
+              </a:rPr>
+              <a:t> </a:t>
+            </a:r>
+            <a:r>
+              <a:rPr lang="en-US" sz="4000" b="0" cap="none" spc="0" dirty="0" err="1">
+                <a:ln w="0"/>
+                <a:solidFill>
+                  <a:schemeClr val="tx1"/>
+                </a:solidFill>
+                <a:effectLst>
+                  <a:outerShdw blurRad="38100" dist="19050" dir="2700000" algn="tl" rotWithShape="0">
+                    <a:schemeClr val="dk1">
+                      <a:alpha val="40000"/>
+                    </a:schemeClr>
+                  </a:outerShdw>
+                </a:effectLst>
+              </a:rPr>
+              <a:t>en</a:t>
+            </a:r>
+            <a:r>
+              <a:rPr lang="en-US" sz="4000" b="0" cap="none" spc="0" dirty="0">
+                <a:ln w="0"/>
+                <a:solidFill>
+                  <a:schemeClr val="tx1"/>
+                </a:solidFill>
+                <a:effectLst>
+                  <a:outerShdw blurRad="38100" dist="19050" dir="2700000" algn="tl" rotWithShape="0">
+                    <a:schemeClr val="dk1">
+                      <a:alpha val="40000"/>
+                    </a:schemeClr>
+                  </a:outerShdw>
+                </a:effectLst>
+              </a:rPr>
+              <a:t> </a:t>
+            </a:r>
+            <a:r>
+              <a:rPr lang="en-US" sz="4000" b="0" cap="none" spc="0" dirty="0" err="1">
+                <a:ln w="0"/>
+                <a:solidFill>
+                  <a:schemeClr val="tx1"/>
+                </a:solidFill>
+                <a:effectLst>
+                  <a:outerShdw blurRad="38100" dist="19050" dir="2700000" algn="tl" rotWithShape="0">
+                    <a:schemeClr val="dk1">
+                      <a:alpha val="40000"/>
+                    </a:schemeClr>
+                  </a:outerShdw>
+                </a:effectLst>
+              </a:rPr>
+              <a:t>adopción</a:t>
             </a:r>
             <a:r>
               <a:rPr lang="en-US" sz="4000" b="0" cap="none" spc="0" dirty="0">
@@ -16236,10 +18509,345 @@
           </a:p>
         </p:txBody>
       </p:sp>
+      <p:sp>
+        <p:nvSpPr>
+          <p:cNvPr id="13" name="Rectangle 1">
+            <a:extLst>
+              <a:ext uri="{FF2B5EF4-FFF2-40B4-BE49-F238E27FC236}">
+                <a16:creationId xmlns:a16="http://schemas.microsoft.com/office/drawing/2014/main" id="{2179B269-96DE-4708-BEBC-E2B836C0519E}"/>
+              </a:ext>
+            </a:extLst>
+          </p:cNvPr>
+          <p:cNvSpPr/>
+          <p:nvPr/>
+        </p:nvSpPr>
+        <p:spPr>
+          <a:xfrm>
+            <a:off x="94695" y="106531"/>
+            <a:ext cx="12002610" cy="905523"/>
+          </a:xfrm>
+          <a:prstGeom prst="rect">
+            <a:avLst/>
+          </a:prstGeom>
+          <a:solidFill>
+            <a:schemeClr val="tx1">
+              <a:lumMod val="65000"/>
+              <a:lumOff val="35000"/>
+            </a:schemeClr>
+          </a:solidFill>
+          <a:ln>
+            <a:noFill/>
+          </a:ln>
+        </p:spPr>
+        <p:style>
+          <a:lnRef idx="2">
+            <a:schemeClr val="accent1">
+              <a:shade val="50000"/>
+            </a:schemeClr>
+          </a:lnRef>
+          <a:fillRef idx="1">
+            <a:schemeClr val="accent1"/>
+          </a:fillRef>
+          <a:effectRef idx="0">
+            <a:schemeClr val="accent1"/>
+          </a:effectRef>
+          <a:fontRef idx="minor">
+            <a:schemeClr val="lt1"/>
+          </a:fontRef>
+        </p:style>
+        <p:txBody>
+          <a:bodyPr rtlCol="0" anchor="ctr"/>
+          <a:lstStyle/>
+          <a:p>
+            <a:pPr algn="ctr"/>
+            <a:r>
+              <a:rPr lang="es-VE" b="1" dirty="0">
+                <a:solidFill>
+                  <a:schemeClr val="bg1"/>
+                </a:solidFill>
+              </a:rPr>
+              <a:t>*logo*     </a:t>
+            </a:r>
+            <a:r>
+              <a:rPr lang="es-VE" b="1" dirty="0">
+                <a:solidFill>
+                  <a:srgbClr val="00B0F0"/>
+                </a:solidFill>
+              </a:rPr>
+              <a:t> </a:t>
+            </a:r>
+            <a:r>
+              <a:rPr lang="es-VE" b="1" u="sng" dirty="0">
+                <a:solidFill>
+                  <a:srgbClr val="00B0F0"/>
+                </a:solidFill>
+              </a:rPr>
+              <a:t>Adopción</a:t>
+            </a:r>
+            <a:r>
+              <a:rPr lang="es-VE" b="1" dirty="0">
+                <a:solidFill>
+                  <a:srgbClr val="00B0F0"/>
+                </a:solidFill>
+              </a:rPr>
+              <a:t>     </a:t>
+            </a:r>
+            <a:r>
+              <a:rPr lang="es-VE" b="1" dirty="0">
+                <a:solidFill>
+                  <a:schemeClr val="bg1"/>
+                </a:solidFill>
+              </a:rPr>
+              <a:t>Consejos       Cat-</a:t>
+            </a:r>
+            <a:r>
+              <a:rPr lang="es-VE" b="1" dirty="0" err="1">
+                <a:solidFill>
+                  <a:schemeClr val="bg1"/>
+                </a:solidFill>
+              </a:rPr>
+              <a:t>Sitters</a:t>
+            </a:r>
+            <a:r>
+              <a:rPr lang="es-VE" b="1" dirty="0">
+                <a:solidFill>
+                  <a:schemeClr val="bg1"/>
+                </a:solidFill>
+              </a:rPr>
+              <a:t>                                                              Mi Perfil        </a:t>
+            </a:r>
+            <a:r>
+              <a:rPr lang="es-VE" b="1" dirty="0" err="1">
+                <a:solidFill>
+                  <a:schemeClr val="bg1"/>
+                </a:solidFill>
+              </a:rPr>
+              <a:t>Logout</a:t>
+            </a:r>
+            <a:endParaRPr lang="en-US" b="1" dirty="0">
+              <a:solidFill>
+                <a:schemeClr val="bg1"/>
+              </a:solidFill>
+            </a:endParaRPr>
+          </a:p>
+        </p:txBody>
+      </p:sp>
+      <p:sp>
+        <p:nvSpPr>
+          <p:cNvPr id="14" name="Triángulo isósceles 13">
+            <a:extLst>
+              <a:ext uri="{FF2B5EF4-FFF2-40B4-BE49-F238E27FC236}">
+                <a16:creationId xmlns:a16="http://schemas.microsoft.com/office/drawing/2014/main" id="{2617CFBD-324B-4820-A060-9025C99F2650}"/>
+              </a:ext>
+            </a:extLst>
+          </p:cNvPr>
+          <p:cNvSpPr/>
+          <p:nvPr/>
+        </p:nvSpPr>
+        <p:spPr>
+          <a:xfrm>
+            <a:off x="10880522" y="1509204"/>
+            <a:ext cx="813732" cy="759558"/>
+          </a:xfrm>
+          <a:prstGeom prst="triangle">
+            <a:avLst/>
+          </a:prstGeom>
+          <a:solidFill>
+            <a:srgbClr val="FF0000"/>
+          </a:solidFill>
+        </p:spPr>
+        <p:style>
+          <a:lnRef idx="2">
+            <a:schemeClr val="accent1">
+              <a:shade val="50000"/>
+            </a:schemeClr>
+          </a:lnRef>
+          <a:fillRef idx="1">
+            <a:schemeClr val="accent1"/>
+          </a:fillRef>
+          <a:effectRef idx="0">
+            <a:schemeClr val="accent1"/>
+          </a:effectRef>
+          <a:fontRef idx="minor">
+            <a:schemeClr val="lt1"/>
+          </a:fontRef>
+        </p:style>
+        <p:txBody>
+          <a:bodyPr rtlCol="0" anchor="ctr"/>
+          <a:lstStyle/>
+          <a:p>
+            <a:pPr algn="ctr"/>
+            <a:endParaRPr lang="es-ES" sz="6000" dirty="0"/>
+          </a:p>
+        </p:txBody>
+      </p:sp>
+      <p:sp>
+        <p:nvSpPr>
+          <p:cNvPr id="15" name="Rectangle 10">
+            <a:extLst>
+              <a:ext uri="{FF2B5EF4-FFF2-40B4-BE49-F238E27FC236}">
+                <a16:creationId xmlns:a16="http://schemas.microsoft.com/office/drawing/2014/main" id="{5CA3E3C2-F119-4D04-9B94-3EC005E91062}"/>
+              </a:ext>
+            </a:extLst>
+          </p:cNvPr>
+          <p:cNvSpPr/>
+          <p:nvPr/>
+        </p:nvSpPr>
+        <p:spPr>
+          <a:xfrm>
+            <a:off x="11133546" y="1623118"/>
+            <a:ext cx="314510" cy="707886"/>
+          </a:xfrm>
+          <a:prstGeom prst="rect">
+            <a:avLst/>
+          </a:prstGeom>
+          <a:noFill/>
+        </p:spPr>
+        <p:txBody>
+          <a:bodyPr wrap="none" lIns="91440" tIns="45720" rIns="91440" bIns="45720">
+            <a:spAutoFit/>
+          </a:bodyPr>
+          <a:lstStyle/>
+          <a:p>
+            <a:r>
+              <a:rPr lang="en-US" sz="4000" b="1" dirty="0">
+                <a:ln w="0"/>
+                <a:effectLst>
+                  <a:outerShdw blurRad="38100" dist="19050" dir="2700000" algn="tl" rotWithShape="0">
+                    <a:schemeClr val="dk1">
+                      <a:alpha val="40000"/>
+                    </a:schemeClr>
+                  </a:outerShdw>
+                </a:effectLst>
+              </a:rPr>
+              <a:t>!</a:t>
+            </a:r>
+            <a:endParaRPr lang="en-US" sz="4000" b="1" cap="none" spc="0" dirty="0">
+              <a:ln w="0"/>
+              <a:solidFill>
+                <a:schemeClr val="tx1"/>
+              </a:solidFill>
+              <a:effectLst>
+                <a:outerShdw blurRad="38100" dist="19050" dir="2700000" algn="tl" rotWithShape="0">
+                  <a:schemeClr val="dk1">
+                    <a:alpha val="40000"/>
+                  </a:schemeClr>
+                </a:outerShdw>
+              </a:effectLst>
+            </a:endParaRPr>
+          </a:p>
+        </p:txBody>
+      </p:sp>
+      <p:sp>
+        <p:nvSpPr>
+          <p:cNvPr id="16" name="Triángulo isósceles 15">
+            <a:extLst>
+              <a:ext uri="{FF2B5EF4-FFF2-40B4-BE49-F238E27FC236}">
+                <a16:creationId xmlns:a16="http://schemas.microsoft.com/office/drawing/2014/main" id="{488D8A60-89A9-4F4F-A096-B0DE597A7C0F}"/>
+              </a:ext>
+            </a:extLst>
+          </p:cNvPr>
+          <p:cNvSpPr/>
+          <p:nvPr/>
+        </p:nvSpPr>
+        <p:spPr>
+          <a:xfrm>
+            <a:off x="10880522" y="3819618"/>
+            <a:ext cx="813732" cy="759558"/>
+          </a:xfrm>
+          <a:prstGeom prst="triangle">
+            <a:avLst/>
+          </a:prstGeom>
+          <a:solidFill>
+            <a:srgbClr val="FF0000"/>
+          </a:solidFill>
+        </p:spPr>
+        <p:style>
+          <a:lnRef idx="2">
+            <a:schemeClr val="accent1">
+              <a:shade val="50000"/>
+            </a:schemeClr>
+          </a:lnRef>
+          <a:fillRef idx="1">
+            <a:schemeClr val="accent1"/>
+          </a:fillRef>
+          <a:effectRef idx="0">
+            <a:schemeClr val="accent1"/>
+          </a:effectRef>
+          <a:fontRef idx="minor">
+            <a:schemeClr val="lt1"/>
+          </a:fontRef>
+        </p:style>
+        <p:txBody>
+          <a:bodyPr rtlCol="0" anchor="ctr"/>
+          <a:lstStyle/>
+          <a:p>
+            <a:pPr algn="ctr"/>
+            <a:endParaRPr lang="es-ES" sz="6000" dirty="0"/>
+          </a:p>
+        </p:txBody>
+      </p:sp>
+      <p:sp>
+        <p:nvSpPr>
+          <p:cNvPr id="17" name="Rectangle 10">
+            <a:extLst>
+              <a:ext uri="{FF2B5EF4-FFF2-40B4-BE49-F238E27FC236}">
+                <a16:creationId xmlns:a16="http://schemas.microsoft.com/office/drawing/2014/main" id="{2C545675-F62A-41C0-98F8-499383E689BC}"/>
+              </a:ext>
+            </a:extLst>
+          </p:cNvPr>
+          <p:cNvSpPr/>
+          <p:nvPr/>
+        </p:nvSpPr>
+        <p:spPr>
+          <a:xfrm>
+            <a:off x="11133546" y="3933532"/>
+            <a:ext cx="314510" cy="707886"/>
+          </a:xfrm>
+          <a:prstGeom prst="rect">
+            <a:avLst/>
+          </a:prstGeom>
+          <a:noFill/>
+        </p:spPr>
+        <p:txBody>
+          <a:bodyPr wrap="none" lIns="91440" tIns="45720" rIns="91440" bIns="45720">
+            <a:spAutoFit/>
+          </a:bodyPr>
+          <a:lstStyle/>
+          <a:p>
+            <a:r>
+              <a:rPr lang="en-US" sz="4000" b="1" dirty="0">
+                <a:ln w="0"/>
+                <a:effectLst>
+                  <a:outerShdw blurRad="38100" dist="19050" dir="2700000" algn="tl" rotWithShape="0">
+                    <a:schemeClr val="dk1">
+                      <a:alpha val="40000"/>
+                    </a:schemeClr>
+                  </a:outerShdw>
+                </a:effectLst>
+              </a:rPr>
+              <a:t>!</a:t>
+            </a:r>
+            <a:endParaRPr lang="en-US" sz="4000" b="1" cap="none" spc="0" dirty="0">
+              <a:ln w="0"/>
+              <a:solidFill>
+                <a:schemeClr val="tx1"/>
+              </a:solidFill>
+              <a:effectLst>
+                <a:outerShdw blurRad="38100" dist="19050" dir="2700000" algn="tl" rotWithShape="0">
+                  <a:schemeClr val="dk1">
+                    <a:alpha val="40000"/>
+                  </a:schemeClr>
+                </a:outerShdw>
+              </a:effectLst>
+            </a:endParaRPr>
+          </a:p>
+        </p:txBody>
+      </p:sp>
     </p:spTree>
     <p:extLst>
       <p:ext uri="{BB962C8B-B14F-4D97-AF65-F5344CB8AC3E}">
-        <p14:creationId xmlns:p14="http://schemas.microsoft.com/office/powerpoint/2010/main" val="434569399"/>
+        <p14:creationId xmlns:p14="http://schemas.microsoft.com/office/powerpoint/2010/main" val="2853379645"/>
       </p:ext>
     </p:extLst>
   </p:cSld>
@@ -16323,10 +18931,470 @@
       </p:sp>
       <p:sp>
         <p:nvSpPr>
-          <p:cNvPr id="2" name="Rectangle 1">
+          <p:cNvPr id="7" name="Rectangle 6">
             <a:extLst>
               <a:ext uri="{FF2B5EF4-FFF2-40B4-BE49-F238E27FC236}">
-                <a16:creationId xmlns:a16="http://schemas.microsoft.com/office/drawing/2014/main" id="{EA7D85FD-08C5-4C35-B4A0-F9211E84EF45}"/>
+                <a16:creationId xmlns:a16="http://schemas.microsoft.com/office/drawing/2014/main" id="{B054A16F-54A2-4739-8E3C-51E3300950BB}"/>
+              </a:ext>
+            </a:extLst>
+          </p:cNvPr>
+          <p:cNvSpPr/>
+          <p:nvPr/>
+        </p:nvSpPr>
+        <p:spPr>
+          <a:xfrm>
+            <a:off x="337350" y="1359762"/>
+            <a:ext cx="11505461" cy="2069238"/>
+          </a:xfrm>
+          <a:prstGeom prst="rect">
+            <a:avLst/>
+          </a:prstGeom>
+          <a:solidFill>
+            <a:schemeClr val="bg1">
+              <a:lumMod val="85000"/>
+            </a:schemeClr>
+          </a:solidFill>
+          <a:ln>
+            <a:noFill/>
+          </a:ln>
+        </p:spPr>
+        <p:style>
+          <a:lnRef idx="2">
+            <a:schemeClr val="accent1">
+              <a:shade val="50000"/>
+            </a:schemeClr>
+          </a:lnRef>
+          <a:fillRef idx="1">
+            <a:schemeClr val="accent1"/>
+          </a:fillRef>
+          <a:effectRef idx="0">
+            <a:schemeClr val="accent1"/>
+          </a:effectRef>
+          <a:fontRef idx="minor">
+            <a:schemeClr val="lt1"/>
+          </a:fontRef>
+        </p:style>
+        <p:txBody>
+          <a:bodyPr rtlCol="0" anchor="ctr"/>
+          <a:lstStyle/>
+          <a:p>
+            <a:pPr algn="ctr"/>
+            <a:endParaRPr lang="en-US" b="1" dirty="0">
+              <a:solidFill>
+                <a:schemeClr val="bg1"/>
+              </a:solidFill>
+            </a:endParaRPr>
+          </a:p>
+        </p:txBody>
+      </p:sp>
+      <p:sp>
+        <p:nvSpPr>
+          <p:cNvPr id="8" name="Rectangle 7">
+            <a:extLst>
+              <a:ext uri="{FF2B5EF4-FFF2-40B4-BE49-F238E27FC236}">
+                <a16:creationId xmlns:a16="http://schemas.microsoft.com/office/drawing/2014/main" id="{7214B269-F679-4636-AAC2-FE15D384A6AC}"/>
+              </a:ext>
+            </a:extLst>
+          </p:cNvPr>
+          <p:cNvSpPr/>
+          <p:nvPr/>
+        </p:nvSpPr>
+        <p:spPr>
+          <a:xfrm>
+            <a:off x="3490588" y="1509204"/>
+            <a:ext cx="2457724" cy="1569660"/>
+          </a:xfrm>
+          <a:prstGeom prst="rect">
+            <a:avLst/>
+          </a:prstGeom>
+          <a:noFill/>
+        </p:spPr>
+        <p:txBody>
+          <a:bodyPr wrap="none" lIns="91440" tIns="45720" rIns="91440" bIns="45720">
+            <a:spAutoFit/>
+          </a:bodyPr>
+          <a:lstStyle/>
+          <a:p>
+            <a:pPr algn="ctr"/>
+            <a:r>
+              <a:rPr lang="en-US" sz="4000" b="0" cap="none" spc="0" dirty="0" err="1">
+                <a:ln w="0"/>
+                <a:solidFill>
+                  <a:schemeClr val="tx1"/>
+                </a:solidFill>
+                <a:effectLst>
+                  <a:outerShdw blurRad="38100" dist="19050" dir="2700000" algn="tl" rotWithShape="0">
+                    <a:schemeClr val="dk1">
+                      <a:alpha val="40000"/>
+                    </a:schemeClr>
+                  </a:outerShdw>
+                </a:effectLst>
+              </a:rPr>
+              <a:t>Consejo</a:t>
+            </a:r>
+            <a:r>
+              <a:rPr lang="en-US" sz="4000" b="0" cap="none" spc="0" dirty="0">
+                <a:ln w="0"/>
+                <a:solidFill>
+                  <a:schemeClr val="tx1"/>
+                </a:solidFill>
+                <a:effectLst>
+                  <a:outerShdw blurRad="38100" dist="19050" dir="2700000" algn="tl" rotWithShape="0">
+                    <a:schemeClr val="dk1">
+                      <a:alpha val="40000"/>
+                    </a:schemeClr>
+                  </a:outerShdw>
+                </a:effectLst>
+              </a:rPr>
+              <a:t> 1</a:t>
+            </a:r>
+          </a:p>
+          <a:p>
+            <a:pPr algn="ctr"/>
+            <a:endParaRPr lang="en-US" sz="3600" b="0" cap="none" spc="0" dirty="0">
+              <a:ln w="0"/>
+              <a:solidFill>
+                <a:schemeClr val="tx1"/>
+              </a:solidFill>
+              <a:effectLst>
+                <a:outerShdw blurRad="38100" dist="19050" dir="2700000" algn="tl" rotWithShape="0">
+                  <a:schemeClr val="dk1">
+                    <a:alpha val="40000"/>
+                  </a:schemeClr>
+                </a:outerShdw>
+              </a:effectLst>
+            </a:endParaRPr>
+          </a:p>
+          <a:p>
+            <a:r>
+              <a:rPr lang="en-US" sz="2000" dirty="0" err="1">
+                <a:ln w="0"/>
+                <a:effectLst>
+                  <a:outerShdw blurRad="38100" dist="19050" dir="2700000" algn="tl" rotWithShape="0">
+                    <a:schemeClr val="dk1">
+                      <a:alpha val="40000"/>
+                    </a:schemeClr>
+                  </a:outerShdw>
+                </a:effectLst>
+              </a:rPr>
+              <a:t>Detalles</a:t>
+            </a:r>
+            <a:endParaRPr lang="en-US" sz="2000" b="0" cap="none" spc="0" dirty="0">
+              <a:ln w="0"/>
+              <a:solidFill>
+                <a:schemeClr val="tx1"/>
+              </a:solidFill>
+              <a:effectLst>
+                <a:outerShdw blurRad="38100" dist="19050" dir="2700000" algn="tl" rotWithShape="0">
+                  <a:schemeClr val="dk1">
+                    <a:alpha val="40000"/>
+                  </a:schemeClr>
+                </a:outerShdw>
+              </a:effectLst>
+            </a:endParaRPr>
+          </a:p>
+        </p:txBody>
+      </p:sp>
+      <p:sp>
+        <p:nvSpPr>
+          <p:cNvPr id="9" name="Rectangle 8">
+            <a:extLst>
+              <a:ext uri="{FF2B5EF4-FFF2-40B4-BE49-F238E27FC236}">
+                <a16:creationId xmlns:a16="http://schemas.microsoft.com/office/drawing/2014/main" id="{A09E4E70-A8E9-4EB7-A8D3-BE70C5357EC7}"/>
+              </a:ext>
+            </a:extLst>
+          </p:cNvPr>
+          <p:cNvSpPr/>
+          <p:nvPr/>
+        </p:nvSpPr>
+        <p:spPr>
+          <a:xfrm>
+            <a:off x="559293" y="1509204"/>
+            <a:ext cx="2805344" cy="1713390"/>
+          </a:xfrm>
+          <a:prstGeom prst="rect">
+            <a:avLst/>
+          </a:prstGeom>
+          <a:solidFill>
+            <a:schemeClr val="bg1"/>
+          </a:solidFill>
+          <a:ln>
+            <a:noFill/>
+          </a:ln>
+        </p:spPr>
+        <p:style>
+          <a:lnRef idx="2">
+            <a:schemeClr val="accent1">
+              <a:shade val="50000"/>
+            </a:schemeClr>
+          </a:lnRef>
+          <a:fillRef idx="1">
+            <a:schemeClr val="accent1"/>
+          </a:fillRef>
+          <a:effectRef idx="0">
+            <a:schemeClr val="accent1"/>
+          </a:effectRef>
+          <a:fontRef idx="minor">
+            <a:schemeClr val="lt1"/>
+          </a:fontRef>
+        </p:style>
+        <p:txBody>
+          <a:bodyPr rtlCol="0" anchor="ctr"/>
+          <a:lstStyle/>
+          <a:p>
+            <a:pPr algn="ctr"/>
+            <a:r>
+              <a:rPr lang="es-VE" dirty="0">
+                <a:solidFill>
+                  <a:schemeClr val="tx1"/>
+                </a:solidFill>
+              </a:rPr>
+              <a:t>Imagen</a:t>
+            </a:r>
+            <a:endParaRPr lang="en-US" dirty="0">
+              <a:solidFill>
+                <a:schemeClr val="tx1"/>
+              </a:solidFill>
+            </a:endParaRPr>
+          </a:p>
+        </p:txBody>
+      </p:sp>
+      <p:sp>
+        <p:nvSpPr>
+          <p:cNvPr id="10" name="Rectangle 9">
+            <a:extLst>
+              <a:ext uri="{FF2B5EF4-FFF2-40B4-BE49-F238E27FC236}">
+                <a16:creationId xmlns:a16="http://schemas.microsoft.com/office/drawing/2014/main" id="{48D1187B-93F3-4F98-A980-CDE35D5A5B7C}"/>
+              </a:ext>
+            </a:extLst>
+          </p:cNvPr>
+          <p:cNvSpPr/>
+          <p:nvPr/>
+        </p:nvSpPr>
+        <p:spPr>
+          <a:xfrm>
+            <a:off x="337350" y="3670176"/>
+            <a:ext cx="11505461" cy="2069238"/>
+          </a:xfrm>
+          <a:prstGeom prst="rect">
+            <a:avLst/>
+          </a:prstGeom>
+          <a:solidFill>
+            <a:schemeClr val="bg1">
+              <a:lumMod val="85000"/>
+            </a:schemeClr>
+          </a:solidFill>
+          <a:ln>
+            <a:noFill/>
+          </a:ln>
+        </p:spPr>
+        <p:style>
+          <a:lnRef idx="2">
+            <a:schemeClr val="accent1">
+              <a:shade val="50000"/>
+            </a:schemeClr>
+          </a:lnRef>
+          <a:fillRef idx="1">
+            <a:schemeClr val="accent1"/>
+          </a:fillRef>
+          <a:effectRef idx="0">
+            <a:schemeClr val="accent1"/>
+          </a:effectRef>
+          <a:fontRef idx="minor">
+            <a:schemeClr val="lt1"/>
+          </a:fontRef>
+        </p:style>
+        <p:txBody>
+          <a:bodyPr rtlCol="0" anchor="ctr"/>
+          <a:lstStyle/>
+          <a:p>
+            <a:pPr algn="ctr"/>
+            <a:endParaRPr lang="en-US" b="1" dirty="0">
+              <a:solidFill>
+                <a:schemeClr val="bg1"/>
+              </a:solidFill>
+            </a:endParaRPr>
+          </a:p>
+        </p:txBody>
+      </p:sp>
+      <p:sp>
+        <p:nvSpPr>
+          <p:cNvPr id="11" name="Rectangle 10">
+            <a:extLst>
+              <a:ext uri="{FF2B5EF4-FFF2-40B4-BE49-F238E27FC236}">
+                <a16:creationId xmlns:a16="http://schemas.microsoft.com/office/drawing/2014/main" id="{A1716EC3-E2BF-4FB4-BD24-01ECCA06BB98}"/>
+              </a:ext>
+            </a:extLst>
+          </p:cNvPr>
+          <p:cNvSpPr/>
+          <p:nvPr/>
+        </p:nvSpPr>
+        <p:spPr>
+          <a:xfrm>
+            <a:off x="3490588" y="3891483"/>
+            <a:ext cx="2457724" cy="1569660"/>
+          </a:xfrm>
+          <a:prstGeom prst="rect">
+            <a:avLst/>
+          </a:prstGeom>
+          <a:noFill/>
+        </p:spPr>
+        <p:txBody>
+          <a:bodyPr wrap="none" lIns="91440" tIns="45720" rIns="91440" bIns="45720">
+            <a:spAutoFit/>
+          </a:bodyPr>
+          <a:lstStyle/>
+          <a:p>
+            <a:pPr algn="ctr"/>
+            <a:r>
+              <a:rPr lang="en-US" sz="4000" b="0" cap="none" spc="0" dirty="0" err="1">
+                <a:ln w="0"/>
+                <a:solidFill>
+                  <a:schemeClr val="tx1"/>
+                </a:solidFill>
+                <a:effectLst>
+                  <a:outerShdw blurRad="38100" dist="19050" dir="2700000" algn="tl" rotWithShape="0">
+                    <a:schemeClr val="dk1">
+                      <a:alpha val="40000"/>
+                    </a:schemeClr>
+                  </a:outerShdw>
+                </a:effectLst>
+              </a:rPr>
+              <a:t>Consejo</a:t>
+            </a:r>
+            <a:r>
+              <a:rPr lang="en-US" sz="4000" b="0" cap="none" spc="0" dirty="0">
+                <a:ln w="0"/>
+                <a:solidFill>
+                  <a:schemeClr val="tx1"/>
+                </a:solidFill>
+                <a:effectLst>
+                  <a:outerShdw blurRad="38100" dist="19050" dir="2700000" algn="tl" rotWithShape="0">
+                    <a:schemeClr val="dk1">
+                      <a:alpha val="40000"/>
+                    </a:schemeClr>
+                  </a:outerShdw>
+                </a:effectLst>
+              </a:rPr>
+              <a:t> 2</a:t>
+            </a:r>
+          </a:p>
+          <a:p>
+            <a:pPr algn="ctr"/>
+            <a:endParaRPr lang="en-US" sz="3600" b="0" cap="none" spc="0" dirty="0">
+              <a:ln w="0"/>
+              <a:solidFill>
+                <a:schemeClr val="tx1"/>
+              </a:solidFill>
+              <a:effectLst>
+                <a:outerShdw blurRad="38100" dist="19050" dir="2700000" algn="tl" rotWithShape="0">
+                  <a:schemeClr val="dk1">
+                    <a:alpha val="40000"/>
+                  </a:schemeClr>
+                </a:outerShdw>
+              </a:effectLst>
+            </a:endParaRPr>
+          </a:p>
+          <a:p>
+            <a:r>
+              <a:rPr lang="en-US" sz="2000" dirty="0" err="1">
+                <a:ln w="0"/>
+                <a:effectLst>
+                  <a:outerShdw blurRad="38100" dist="19050" dir="2700000" algn="tl" rotWithShape="0">
+                    <a:schemeClr val="dk1">
+                      <a:alpha val="40000"/>
+                    </a:schemeClr>
+                  </a:outerShdw>
+                </a:effectLst>
+              </a:rPr>
+              <a:t>Detalles</a:t>
+            </a:r>
+            <a:endParaRPr lang="en-US" sz="2000" b="0" cap="none" spc="0" dirty="0">
+              <a:ln w="0"/>
+              <a:solidFill>
+                <a:schemeClr val="tx1"/>
+              </a:solidFill>
+              <a:effectLst>
+                <a:outerShdw blurRad="38100" dist="19050" dir="2700000" algn="tl" rotWithShape="0">
+                  <a:schemeClr val="dk1">
+                    <a:alpha val="40000"/>
+                  </a:schemeClr>
+                </a:outerShdw>
+              </a:effectLst>
+            </a:endParaRPr>
+          </a:p>
+        </p:txBody>
+      </p:sp>
+      <p:sp>
+        <p:nvSpPr>
+          <p:cNvPr id="12" name="Rectangle 11">
+            <a:extLst>
+              <a:ext uri="{FF2B5EF4-FFF2-40B4-BE49-F238E27FC236}">
+                <a16:creationId xmlns:a16="http://schemas.microsoft.com/office/drawing/2014/main" id="{DDAB76A2-ABB1-4E2C-A3B8-B14276C33DB0}"/>
+              </a:ext>
+            </a:extLst>
+          </p:cNvPr>
+          <p:cNvSpPr/>
+          <p:nvPr/>
+        </p:nvSpPr>
+        <p:spPr>
+          <a:xfrm>
+            <a:off x="559293" y="3819618"/>
+            <a:ext cx="2805344" cy="1713390"/>
+          </a:xfrm>
+          <a:prstGeom prst="rect">
+            <a:avLst/>
+          </a:prstGeom>
+          <a:solidFill>
+            <a:schemeClr val="bg1"/>
+          </a:solidFill>
+          <a:ln>
+            <a:noFill/>
+          </a:ln>
+        </p:spPr>
+        <p:style>
+          <a:lnRef idx="2">
+            <a:schemeClr val="accent1">
+              <a:shade val="50000"/>
+            </a:schemeClr>
+          </a:lnRef>
+          <a:fillRef idx="1">
+            <a:schemeClr val="accent1"/>
+          </a:fillRef>
+          <a:effectRef idx="0">
+            <a:schemeClr val="accent1"/>
+          </a:effectRef>
+          <a:fontRef idx="minor">
+            <a:schemeClr val="lt1"/>
+          </a:fontRef>
+        </p:style>
+        <p:txBody>
+          <a:bodyPr rtlCol="0" anchor="ctr"/>
+          <a:lstStyle/>
+          <a:p>
+            <a:pPr algn="ctr"/>
+            <a:r>
+              <a:rPr lang="es-VE" dirty="0">
+                <a:solidFill>
+                  <a:schemeClr val="tx1"/>
+                </a:solidFill>
+              </a:rPr>
+              <a:t>Imagen</a:t>
+            </a:r>
+            <a:endParaRPr lang="en-US" dirty="0">
+              <a:solidFill>
+                <a:schemeClr val="tx1"/>
+              </a:solidFill>
+            </a:endParaRPr>
+          </a:p>
+        </p:txBody>
+      </p:sp>
+      <p:sp>
+        <p:nvSpPr>
+          <p:cNvPr id="13" name="Rectangle 1">
+            <a:extLst>
+              <a:ext uri="{FF2B5EF4-FFF2-40B4-BE49-F238E27FC236}">
+                <a16:creationId xmlns:a16="http://schemas.microsoft.com/office/drawing/2014/main" id="{C5FABE24-AEAC-4D9D-A016-4FC9A33715D7}"/>
               </a:ext>
             </a:extLst>
           </p:cNvPr>
@@ -16378,7 +19446,39 @@
                   <a:schemeClr val="bg1"/>
                 </a:solidFill>
               </a:rPr>
-              <a:t>*logo*      Adopción     Consejos       Cat-</a:t>
+              <a:t>*logo*      Adopción    </a:t>
+            </a:r>
+            <a:r>
+              <a:rPr lang="es-VE" b="1" dirty="0">
+                <a:solidFill>
+                  <a:srgbClr val="00B0F0"/>
+                </a:solidFill>
+              </a:rPr>
+              <a:t> </a:t>
+            </a:r>
+            <a:r>
+              <a:rPr lang="es-VE" b="1" u="sng" dirty="0">
+                <a:solidFill>
+                  <a:srgbClr val="00B0F0"/>
+                </a:solidFill>
+              </a:rPr>
+              <a:t>Consejos</a:t>
+            </a:r>
+            <a:r>
+              <a:rPr lang="es-VE" b="1" dirty="0">
+                <a:solidFill>
+                  <a:srgbClr val="00B0F0"/>
+                </a:solidFill>
+              </a:rPr>
+              <a:t>       </a:t>
+            </a:r>
+            <a:r>
+              <a:rPr lang="es-VE" b="1" dirty="0">
+                <a:solidFill>
+                  <a:schemeClr val="bg1"/>
+                </a:solidFill>
+              </a:rPr>
+              <a:t>Cat-</a:t>
             </a:r>
             <a:r>
               <a:rPr lang="es-VE" b="1" dirty="0" err="1">
@@ -16394,7 +19494,7 @@
                   <a:schemeClr val="bg1"/>
                 </a:solidFill>
               </a:rPr>
-              <a:t>                               Mi Perfil       Incidencias          </a:t>
+              <a:t>                                                              Mi Perfil        </a:t>
             </a:r>
             <a:r>
               <a:rPr lang="es-VE" b="1" dirty="0" err="1">
@@ -16412,286 +19512,10 @@
           </a:p>
         </p:txBody>
       </p:sp>
-      <p:sp>
-        <p:nvSpPr>
-          <p:cNvPr id="7" name="Rectangle 6">
-            <a:extLst>
-              <a:ext uri="{FF2B5EF4-FFF2-40B4-BE49-F238E27FC236}">
-                <a16:creationId xmlns:a16="http://schemas.microsoft.com/office/drawing/2014/main" id="{B054A16F-54A2-4739-8E3C-51E3300950BB}"/>
-              </a:ext>
-            </a:extLst>
-          </p:cNvPr>
-          <p:cNvSpPr/>
-          <p:nvPr/>
-        </p:nvSpPr>
-        <p:spPr>
-          <a:xfrm>
-            <a:off x="337350" y="1359762"/>
-            <a:ext cx="11505461" cy="5298490"/>
-          </a:xfrm>
-          <a:prstGeom prst="rect">
-            <a:avLst/>
-          </a:prstGeom>
-          <a:solidFill>
-            <a:schemeClr val="bg1">
-              <a:lumMod val="85000"/>
-            </a:schemeClr>
-          </a:solidFill>
-          <a:ln>
-            <a:noFill/>
-          </a:ln>
-        </p:spPr>
-        <p:style>
-          <a:lnRef idx="2">
-            <a:schemeClr val="accent1">
-              <a:shade val="50000"/>
-            </a:schemeClr>
-          </a:lnRef>
-          <a:fillRef idx="1">
-            <a:schemeClr val="accent1"/>
-          </a:fillRef>
-          <a:effectRef idx="0">
-            <a:schemeClr val="accent1"/>
-          </a:effectRef>
-          <a:fontRef idx="minor">
-            <a:schemeClr val="lt1"/>
-          </a:fontRef>
-        </p:style>
-        <p:txBody>
-          <a:bodyPr rtlCol="0" anchor="ctr"/>
-          <a:lstStyle/>
-          <a:p>
-            <a:pPr algn="ctr"/>
-            <a:endParaRPr lang="en-US" b="1" dirty="0">
-              <a:solidFill>
-                <a:schemeClr val="bg1"/>
-              </a:solidFill>
-            </a:endParaRPr>
-          </a:p>
-        </p:txBody>
-      </p:sp>
-      <p:sp>
-        <p:nvSpPr>
-          <p:cNvPr id="8" name="Rectangle 7">
-            <a:extLst>
-              <a:ext uri="{FF2B5EF4-FFF2-40B4-BE49-F238E27FC236}">
-                <a16:creationId xmlns:a16="http://schemas.microsoft.com/office/drawing/2014/main" id="{7214B269-F679-4636-AAC2-FE15D384A6AC}"/>
-              </a:ext>
-            </a:extLst>
-          </p:cNvPr>
-          <p:cNvSpPr/>
-          <p:nvPr/>
-        </p:nvSpPr>
-        <p:spPr>
-          <a:xfrm>
-            <a:off x="3372420" y="1435756"/>
-            <a:ext cx="5435319" cy="707886"/>
-          </a:xfrm>
-          <a:prstGeom prst="rect">
-            <a:avLst/>
-          </a:prstGeom>
-          <a:noFill/>
-        </p:spPr>
-        <p:txBody>
-          <a:bodyPr wrap="square" lIns="91440" tIns="45720" rIns="91440" bIns="45720">
-            <a:spAutoFit/>
-          </a:bodyPr>
-          <a:lstStyle/>
-          <a:p>
-            <a:pPr algn="ctr"/>
-            <a:r>
-              <a:rPr lang="en-US" sz="4000" b="0" cap="none" spc="0" dirty="0" err="1">
-                <a:ln w="0"/>
-                <a:solidFill>
-                  <a:schemeClr val="tx1"/>
-                </a:solidFill>
-                <a:effectLst>
-                  <a:outerShdw blurRad="38100" dist="19050" dir="2700000" algn="tl" rotWithShape="0">
-                    <a:schemeClr val="dk1">
-                      <a:alpha val="40000"/>
-                    </a:schemeClr>
-                  </a:outerShdw>
-                </a:effectLst>
-              </a:rPr>
-              <a:t>Título</a:t>
-            </a:r>
-            <a:r>
-              <a:rPr lang="en-US" sz="4000" b="0" cap="none" spc="0" dirty="0">
-                <a:ln w="0"/>
-                <a:solidFill>
-                  <a:schemeClr val="tx1"/>
-                </a:solidFill>
-                <a:effectLst>
-                  <a:outerShdw blurRad="38100" dist="19050" dir="2700000" algn="tl" rotWithShape="0">
-                    <a:schemeClr val="dk1">
-                      <a:alpha val="40000"/>
-                    </a:schemeClr>
-                  </a:outerShdw>
-                </a:effectLst>
-              </a:rPr>
-              <a:t> del </a:t>
-            </a:r>
-            <a:r>
-              <a:rPr lang="en-US" sz="4000" b="0" cap="none" spc="0" dirty="0" err="1">
-                <a:ln w="0"/>
-                <a:solidFill>
-                  <a:schemeClr val="tx1"/>
-                </a:solidFill>
-                <a:effectLst>
-                  <a:outerShdw blurRad="38100" dist="19050" dir="2700000" algn="tl" rotWithShape="0">
-                    <a:schemeClr val="dk1">
-                      <a:alpha val="40000"/>
-                    </a:schemeClr>
-                  </a:outerShdw>
-                </a:effectLst>
-              </a:rPr>
-              <a:t>consejo</a:t>
-            </a:r>
-            <a:endParaRPr lang="en-US" sz="4000" b="0" cap="none" spc="0" dirty="0">
-              <a:ln w="0"/>
-              <a:solidFill>
-                <a:schemeClr val="tx1"/>
-              </a:solidFill>
-              <a:effectLst>
-                <a:outerShdw blurRad="38100" dist="19050" dir="2700000" algn="tl" rotWithShape="0">
-                  <a:schemeClr val="dk1">
-                    <a:alpha val="40000"/>
-                  </a:schemeClr>
-                </a:outerShdw>
-              </a:effectLst>
-            </a:endParaRPr>
-          </a:p>
-        </p:txBody>
-      </p:sp>
-      <p:sp>
-        <p:nvSpPr>
-          <p:cNvPr id="9" name="Rectangle 8">
-            <a:extLst>
-              <a:ext uri="{FF2B5EF4-FFF2-40B4-BE49-F238E27FC236}">
-                <a16:creationId xmlns:a16="http://schemas.microsoft.com/office/drawing/2014/main" id="{A09E4E70-A8E9-4EB7-A8D3-BE70C5357EC7}"/>
-              </a:ext>
-            </a:extLst>
-          </p:cNvPr>
-          <p:cNvSpPr/>
-          <p:nvPr/>
-        </p:nvSpPr>
-        <p:spPr>
-          <a:xfrm>
-            <a:off x="2113775" y="2219636"/>
-            <a:ext cx="8086668" cy="3519778"/>
-          </a:xfrm>
-          <a:prstGeom prst="rect">
-            <a:avLst/>
-          </a:prstGeom>
-          <a:solidFill>
-            <a:schemeClr val="bg1"/>
-          </a:solidFill>
-          <a:ln>
-            <a:noFill/>
-          </a:ln>
-        </p:spPr>
-        <p:style>
-          <a:lnRef idx="2">
-            <a:schemeClr val="accent1">
-              <a:shade val="50000"/>
-            </a:schemeClr>
-          </a:lnRef>
-          <a:fillRef idx="1">
-            <a:schemeClr val="accent1"/>
-          </a:fillRef>
-          <a:effectRef idx="0">
-            <a:schemeClr val="accent1"/>
-          </a:effectRef>
-          <a:fontRef idx="minor">
-            <a:schemeClr val="lt1"/>
-          </a:fontRef>
-        </p:style>
-        <p:txBody>
-          <a:bodyPr rtlCol="0" anchor="ctr"/>
-          <a:lstStyle/>
-          <a:p>
-            <a:pPr algn="ctr"/>
-            <a:r>
-              <a:rPr lang="es-VE" dirty="0">
-                <a:solidFill>
-                  <a:schemeClr val="tx1"/>
-                </a:solidFill>
-              </a:rPr>
-              <a:t>Imagen</a:t>
-            </a:r>
-            <a:endParaRPr lang="en-US" dirty="0">
-              <a:solidFill>
-                <a:schemeClr val="tx1"/>
-              </a:solidFill>
-            </a:endParaRPr>
-          </a:p>
-        </p:txBody>
-      </p:sp>
-      <p:sp>
-        <p:nvSpPr>
-          <p:cNvPr id="14" name="Rectangle 13">
-            <a:extLst>
-              <a:ext uri="{FF2B5EF4-FFF2-40B4-BE49-F238E27FC236}">
-                <a16:creationId xmlns:a16="http://schemas.microsoft.com/office/drawing/2014/main" id="{C30E4FBC-4C68-4FE5-A2F5-2A0E01D66239}"/>
-              </a:ext>
-            </a:extLst>
-          </p:cNvPr>
-          <p:cNvSpPr/>
-          <p:nvPr/>
-        </p:nvSpPr>
-        <p:spPr>
-          <a:xfrm>
-            <a:off x="3267368" y="5985092"/>
-            <a:ext cx="5435319" cy="461665"/>
-          </a:xfrm>
-          <a:prstGeom prst="rect">
-            <a:avLst/>
-          </a:prstGeom>
-          <a:noFill/>
-        </p:spPr>
-        <p:txBody>
-          <a:bodyPr wrap="square" lIns="91440" tIns="45720" rIns="91440" bIns="45720">
-            <a:spAutoFit/>
-          </a:bodyPr>
-          <a:lstStyle/>
-          <a:p>
-            <a:pPr algn="ctr"/>
-            <a:r>
-              <a:rPr lang="en-US" sz="2400" b="0" cap="none" spc="0" dirty="0" err="1">
-                <a:ln w="0"/>
-                <a:solidFill>
-                  <a:schemeClr val="tx1"/>
-                </a:solidFill>
-                <a:effectLst>
-                  <a:outerShdw blurRad="38100" dist="19050" dir="2700000" algn="tl" rotWithShape="0">
-                    <a:schemeClr val="dk1">
-                      <a:alpha val="40000"/>
-                    </a:schemeClr>
-                  </a:outerShdw>
-                </a:effectLst>
-              </a:rPr>
-              <a:t>Información</a:t>
-            </a:r>
-            <a:endParaRPr lang="en-US" sz="4000" b="0" cap="none" spc="0" dirty="0">
-              <a:ln w="0"/>
-              <a:solidFill>
-                <a:schemeClr val="tx1"/>
-              </a:solidFill>
-              <a:effectLst>
-                <a:outerShdw blurRad="38100" dist="19050" dir="2700000" algn="tl" rotWithShape="0">
-                  <a:schemeClr val="dk1">
-                    <a:alpha val="40000"/>
-                  </a:schemeClr>
-                </a:outerShdw>
-              </a:effectLst>
-            </a:endParaRPr>
-          </a:p>
-        </p:txBody>
-      </p:sp>
     </p:spTree>
     <p:extLst>
       <p:ext uri="{BB962C8B-B14F-4D97-AF65-F5344CB8AC3E}">
-        <p14:creationId xmlns:p14="http://schemas.microsoft.com/office/powerpoint/2010/main" val="599880843"/>
+        <p14:creationId xmlns:p14="http://schemas.microsoft.com/office/powerpoint/2010/main" val="1754581919"/>
       </p:ext>
     </p:extLst>
   </p:cSld>
@@ -16775,10 +19599,286 @@
       </p:sp>
       <p:sp>
         <p:nvSpPr>
-          <p:cNvPr id="2" name="Rectangle 1">
+          <p:cNvPr id="7" name="Rectangle 6">
             <a:extLst>
               <a:ext uri="{FF2B5EF4-FFF2-40B4-BE49-F238E27FC236}">
-                <a16:creationId xmlns:a16="http://schemas.microsoft.com/office/drawing/2014/main" id="{EA7D85FD-08C5-4C35-B4A0-F9211E84EF45}"/>
+                <a16:creationId xmlns:a16="http://schemas.microsoft.com/office/drawing/2014/main" id="{B054A16F-54A2-4739-8E3C-51E3300950BB}"/>
+              </a:ext>
+            </a:extLst>
+          </p:cNvPr>
+          <p:cNvSpPr/>
+          <p:nvPr/>
+        </p:nvSpPr>
+        <p:spPr>
+          <a:xfrm>
+            <a:off x="337350" y="1359762"/>
+            <a:ext cx="11505461" cy="5298490"/>
+          </a:xfrm>
+          <a:prstGeom prst="rect">
+            <a:avLst/>
+          </a:prstGeom>
+          <a:solidFill>
+            <a:schemeClr val="bg1">
+              <a:lumMod val="85000"/>
+            </a:schemeClr>
+          </a:solidFill>
+          <a:ln>
+            <a:noFill/>
+          </a:ln>
+        </p:spPr>
+        <p:style>
+          <a:lnRef idx="2">
+            <a:schemeClr val="accent1">
+              <a:shade val="50000"/>
+            </a:schemeClr>
+          </a:lnRef>
+          <a:fillRef idx="1">
+            <a:schemeClr val="accent1"/>
+          </a:fillRef>
+          <a:effectRef idx="0">
+            <a:schemeClr val="accent1"/>
+          </a:effectRef>
+          <a:fontRef idx="minor">
+            <a:schemeClr val="lt1"/>
+          </a:fontRef>
+        </p:style>
+        <p:txBody>
+          <a:bodyPr rtlCol="0" anchor="ctr"/>
+          <a:lstStyle/>
+          <a:p>
+            <a:pPr algn="ctr"/>
+            <a:endParaRPr lang="en-US" b="1" dirty="0">
+              <a:solidFill>
+                <a:schemeClr val="bg1"/>
+              </a:solidFill>
+            </a:endParaRPr>
+          </a:p>
+        </p:txBody>
+      </p:sp>
+      <p:sp>
+        <p:nvSpPr>
+          <p:cNvPr id="8" name="Rectangle 7">
+            <a:extLst>
+              <a:ext uri="{FF2B5EF4-FFF2-40B4-BE49-F238E27FC236}">
+                <a16:creationId xmlns:a16="http://schemas.microsoft.com/office/drawing/2014/main" id="{7214B269-F679-4636-AAC2-FE15D384A6AC}"/>
+              </a:ext>
+            </a:extLst>
+          </p:cNvPr>
+          <p:cNvSpPr/>
+          <p:nvPr/>
+        </p:nvSpPr>
+        <p:spPr>
+          <a:xfrm>
+            <a:off x="3372420" y="1435756"/>
+            <a:ext cx="5435319" cy="707886"/>
+          </a:xfrm>
+          <a:prstGeom prst="rect">
+            <a:avLst/>
+          </a:prstGeom>
+          <a:noFill/>
+        </p:spPr>
+        <p:txBody>
+          <a:bodyPr wrap="square" lIns="91440" tIns="45720" rIns="91440" bIns="45720">
+            <a:spAutoFit/>
+          </a:bodyPr>
+          <a:lstStyle/>
+          <a:p>
+            <a:pPr algn="ctr"/>
+            <a:r>
+              <a:rPr lang="en-US" sz="4000" b="0" cap="none" spc="0" dirty="0" err="1">
+                <a:ln w="0"/>
+                <a:solidFill>
+                  <a:schemeClr val="tx1"/>
+                </a:solidFill>
+                <a:effectLst>
+                  <a:outerShdw blurRad="38100" dist="19050" dir="2700000" algn="tl" rotWithShape="0">
+                    <a:schemeClr val="dk1">
+                      <a:alpha val="40000"/>
+                    </a:schemeClr>
+                  </a:outerShdw>
+                </a:effectLst>
+              </a:rPr>
+              <a:t>Título</a:t>
+            </a:r>
+            <a:r>
+              <a:rPr lang="en-US" sz="4000" b="0" cap="none" spc="0" dirty="0">
+                <a:ln w="0"/>
+                <a:solidFill>
+                  <a:schemeClr val="tx1"/>
+                </a:solidFill>
+                <a:effectLst>
+                  <a:outerShdw blurRad="38100" dist="19050" dir="2700000" algn="tl" rotWithShape="0">
+                    <a:schemeClr val="dk1">
+                      <a:alpha val="40000"/>
+                    </a:schemeClr>
+                  </a:outerShdw>
+                </a:effectLst>
+              </a:rPr>
+              <a:t> del </a:t>
+            </a:r>
+            <a:r>
+              <a:rPr lang="en-US" sz="4000" b="0" cap="none" spc="0" dirty="0" err="1">
+                <a:ln w="0"/>
+                <a:solidFill>
+                  <a:schemeClr val="tx1"/>
+                </a:solidFill>
+                <a:effectLst>
+                  <a:outerShdw blurRad="38100" dist="19050" dir="2700000" algn="tl" rotWithShape="0">
+                    <a:schemeClr val="dk1">
+                      <a:alpha val="40000"/>
+                    </a:schemeClr>
+                  </a:outerShdw>
+                </a:effectLst>
+              </a:rPr>
+              <a:t>consejo</a:t>
+            </a:r>
+            <a:endParaRPr lang="en-US" sz="4000" b="0" cap="none" spc="0" dirty="0">
+              <a:ln w="0"/>
+              <a:solidFill>
+                <a:schemeClr val="tx1"/>
+              </a:solidFill>
+              <a:effectLst>
+                <a:outerShdw blurRad="38100" dist="19050" dir="2700000" algn="tl" rotWithShape="0">
+                  <a:schemeClr val="dk1">
+                    <a:alpha val="40000"/>
+                  </a:schemeClr>
+                </a:outerShdw>
+              </a:effectLst>
+            </a:endParaRPr>
+          </a:p>
+        </p:txBody>
+      </p:sp>
+      <p:sp>
+        <p:nvSpPr>
+          <p:cNvPr id="9" name="Rectangle 8">
+            <a:extLst>
+              <a:ext uri="{FF2B5EF4-FFF2-40B4-BE49-F238E27FC236}">
+                <a16:creationId xmlns:a16="http://schemas.microsoft.com/office/drawing/2014/main" id="{A09E4E70-A8E9-4EB7-A8D3-BE70C5357EC7}"/>
+              </a:ext>
+            </a:extLst>
+          </p:cNvPr>
+          <p:cNvSpPr/>
+          <p:nvPr/>
+        </p:nvSpPr>
+        <p:spPr>
+          <a:xfrm>
+            <a:off x="2113775" y="2219636"/>
+            <a:ext cx="8086668" cy="3519778"/>
+          </a:xfrm>
+          <a:prstGeom prst="rect">
+            <a:avLst/>
+          </a:prstGeom>
+          <a:solidFill>
+            <a:schemeClr val="bg1"/>
+          </a:solidFill>
+          <a:ln>
+            <a:noFill/>
+          </a:ln>
+        </p:spPr>
+        <p:style>
+          <a:lnRef idx="2">
+            <a:schemeClr val="accent1">
+              <a:shade val="50000"/>
+            </a:schemeClr>
+          </a:lnRef>
+          <a:fillRef idx="1">
+            <a:schemeClr val="accent1"/>
+          </a:fillRef>
+          <a:effectRef idx="0">
+            <a:schemeClr val="accent1"/>
+          </a:effectRef>
+          <a:fontRef idx="minor">
+            <a:schemeClr val="lt1"/>
+          </a:fontRef>
+        </p:style>
+        <p:txBody>
+          <a:bodyPr rtlCol="0" anchor="ctr"/>
+          <a:lstStyle/>
+          <a:p>
+            <a:pPr algn="ctr"/>
+            <a:r>
+              <a:rPr lang="es-VE" dirty="0">
+                <a:solidFill>
+                  <a:schemeClr val="tx1"/>
+                </a:solidFill>
+              </a:rPr>
+              <a:t>Imagen</a:t>
+            </a:r>
+            <a:endParaRPr lang="en-US" dirty="0">
+              <a:solidFill>
+                <a:schemeClr val="tx1"/>
+              </a:solidFill>
+            </a:endParaRPr>
+          </a:p>
+        </p:txBody>
+      </p:sp>
+      <p:sp>
+        <p:nvSpPr>
+          <p:cNvPr id="14" name="Rectangle 13">
+            <a:extLst>
+              <a:ext uri="{FF2B5EF4-FFF2-40B4-BE49-F238E27FC236}">
+                <a16:creationId xmlns:a16="http://schemas.microsoft.com/office/drawing/2014/main" id="{C30E4FBC-4C68-4FE5-A2F5-2A0E01D66239}"/>
+              </a:ext>
+            </a:extLst>
+          </p:cNvPr>
+          <p:cNvSpPr/>
+          <p:nvPr/>
+        </p:nvSpPr>
+        <p:spPr>
+          <a:xfrm>
+            <a:off x="3267368" y="5985092"/>
+            <a:ext cx="5435319" cy="461665"/>
+          </a:xfrm>
+          <a:prstGeom prst="rect">
+            <a:avLst/>
+          </a:prstGeom>
+          <a:noFill/>
+        </p:spPr>
+        <p:txBody>
+          <a:bodyPr wrap="square" lIns="91440" tIns="45720" rIns="91440" bIns="45720">
+            <a:spAutoFit/>
+          </a:bodyPr>
+          <a:lstStyle/>
+          <a:p>
+            <a:pPr algn="ctr"/>
+            <a:r>
+              <a:rPr lang="en-US" sz="2400" b="0" cap="none" spc="0" dirty="0" err="1">
+                <a:ln w="0"/>
+                <a:solidFill>
+                  <a:schemeClr val="tx1"/>
+                </a:solidFill>
+                <a:effectLst>
+                  <a:outerShdw blurRad="38100" dist="19050" dir="2700000" algn="tl" rotWithShape="0">
+                    <a:schemeClr val="dk1">
+                      <a:alpha val="40000"/>
+                    </a:schemeClr>
+                  </a:outerShdw>
+                </a:effectLst>
+              </a:rPr>
+              <a:t>Información</a:t>
+            </a:r>
+            <a:endParaRPr lang="en-US" sz="4000" b="0" cap="none" spc="0" dirty="0">
+              <a:ln w="0"/>
+              <a:solidFill>
+                <a:schemeClr val="tx1"/>
+              </a:solidFill>
+              <a:effectLst>
+                <a:outerShdw blurRad="38100" dist="19050" dir="2700000" algn="tl" rotWithShape="0">
+                  <a:schemeClr val="dk1">
+                    <a:alpha val="40000"/>
+                  </a:schemeClr>
+                </a:outerShdw>
+              </a:effectLst>
+            </a:endParaRPr>
+          </a:p>
+        </p:txBody>
+      </p:sp>
+      <p:sp>
+        <p:nvSpPr>
+          <p:cNvPr id="10" name="Rectangle 1">
+            <a:extLst>
+              <a:ext uri="{FF2B5EF4-FFF2-40B4-BE49-F238E27FC236}">
+                <a16:creationId xmlns:a16="http://schemas.microsoft.com/office/drawing/2014/main" id="{E2AD2D4B-65DC-4D3A-98E3-18AB778F86B2}"/>
               </a:ext>
             </a:extLst>
           </p:cNvPr>
@@ -16830,7 +19930,23 @@
                   <a:schemeClr val="bg1"/>
                 </a:solidFill>
               </a:rPr>
-              <a:t>*logo*      Adopción     Consejos       Cat-</a:t>
+              <a:t>*logo*      Adopción     </a:t>
+            </a:r>
+            <a:r>
+              <a:rPr lang="es-VE" b="1" u="sng" dirty="0">
+                <a:solidFill>
+                  <a:srgbClr val="00B0F0"/>
+                </a:solidFill>
+              </a:rPr>
+              <a:t>Consejos</a:t>
+            </a:r>
+            <a:r>
+              <a:rPr lang="es-VE" b="1" dirty="0">
+                <a:solidFill>
+                  <a:schemeClr val="bg1"/>
+                </a:solidFill>
+              </a:rPr>
+              <a:t>       Cat-</a:t>
             </a:r>
             <a:r>
               <a:rPr lang="es-VE" b="1" dirty="0" err="1">
@@ -16846,7 +19962,7 @@
                   <a:schemeClr val="bg1"/>
                 </a:solidFill>
               </a:rPr>
-              <a:t>                               Mi Perfil       Incidencias          </a:t>
+              <a:t>                                                              Mi Perfil        </a:t>
             </a:r>
             <a:r>
               <a:rPr lang="es-VE" b="1" dirty="0" err="1">
@@ -16861,6 +19977,155 @@
                 <a:schemeClr val="bg1"/>
               </a:solidFill>
             </a:endParaRPr>
+          </a:p>
+        </p:txBody>
+      </p:sp>
+      <p:sp>
+        <p:nvSpPr>
+          <p:cNvPr id="11" name="Rectangle: Rounded Corners 7">
+            <a:extLst>
+              <a:ext uri="{FF2B5EF4-FFF2-40B4-BE49-F238E27FC236}">
+                <a16:creationId xmlns:a16="http://schemas.microsoft.com/office/drawing/2014/main" id="{DA923F4A-19FC-4D10-933A-DEF461171D00}"/>
+              </a:ext>
+            </a:extLst>
+          </p:cNvPr>
+          <p:cNvSpPr/>
+          <p:nvPr/>
+        </p:nvSpPr>
+        <p:spPr>
+          <a:xfrm>
+            <a:off x="481403" y="6215924"/>
+            <a:ext cx="1776425" cy="316371"/>
+          </a:xfrm>
+          <a:prstGeom prst="roundRect">
+            <a:avLst/>
+          </a:prstGeom>
+          <a:solidFill>
+            <a:srgbClr val="FF0000"/>
+          </a:solidFill>
+          <a:ln>
+            <a:noFill/>
+          </a:ln>
+        </p:spPr>
+        <p:style>
+          <a:lnRef idx="2">
+            <a:schemeClr val="accent1">
+              <a:shade val="50000"/>
+            </a:schemeClr>
+          </a:lnRef>
+          <a:fillRef idx="1">
+            <a:schemeClr val="accent1"/>
+          </a:fillRef>
+          <a:effectRef idx="0">
+            <a:schemeClr val="accent1"/>
+          </a:effectRef>
+          <a:fontRef idx="minor">
+            <a:schemeClr val="lt1"/>
+          </a:fontRef>
+        </p:style>
+        <p:txBody>
+          <a:bodyPr rtlCol="0" anchor="ctr"/>
+          <a:lstStyle/>
+          <a:p>
+            <a:pPr algn="ctr"/>
+            <a:r>
+              <a:rPr lang="es-VE" sz="2000" dirty="0">
+                <a:solidFill>
+                  <a:schemeClr val="bg1"/>
+                </a:solidFill>
+              </a:rPr>
+              <a:t>Volver</a:t>
+            </a:r>
+            <a:endParaRPr lang="en-US" sz="2000" dirty="0">
+              <a:solidFill>
+                <a:schemeClr val="bg1"/>
+              </a:solidFill>
+            </a:endParaRPr>
+          </a:p>
+        </p:txBody>
+      </p:sp>
+    </p:spTree>
+    <p:extLst>
+      <p:ext uri="{BB962C8B-B14F-4D97-AF65-F5344CB8AC3E}">
+        <p14:creationId xmlns:p14="http://schemas.microsoft.com/office/powerpoint/2010/main" val="599880843"/>
+      </p:ext>
+    </p:extLst>
+  </p:cSld>
+  <p:clrMapOvr>
+    <a:masterClrMapping/>
+  </p:clrMapOvr>
+</p:sld>
+</file>
+
+<file path=ppt/slides/slide7.xml><?xml version="1.0" encoding="utf-8"?>
+<p:sld xmlns:a="http://schemas.openxmlformats.org/drawingml/2006/main" xmlns:r="http://schemas.openxmlformats.org/officeDocument/2006/relationships" xmlns:p="http://schemas.openxmlformats.org/presentationml/2006/main">
+  <p:cSld>
+    <p:spTree>
+      <p:nvGrpSpPr>
+        <p:cNvPr id="1" name=""/>
+        <p:cNvGrpSpPr/>
+        <p:nvPr/>
+      </p:nvGrpSpPr>
+      <p:grpSpPr>
+        <a:xfrm>
+          <a:off x="0" y="0"/>
+          <a:ext cx="0" cy="0"/>
+          <a:chOff x="0" y="0"/>
+          <a:chExt cx="0" cy="0"/>
+        </a:xfrm>
+      </p:grpSpPr>
+      <p:sp>
+        <p:nvSpPr>
+          <p:cNvPr id="5" name="Rectangle 4">
+            <a:extLst>
+              <a:ext uri="{FF2B5EF4-FFF2-40B4-BE49-F238E27FC236}">
+                <a16:creationId xmlns:a16="http://schemas.microsoft.com/office/drawing/2014/main" id="{3F4DBFB8-880A-4670-873B-CA2745702736}"/>
+              </a:ext>
+            </a:extLst>
+          </p:cNvPr>
+          <p:cNvSpPr/>
+          <p:nvPr/>
+        </p:nvSpPr>
+        <p:spPr>
+          <a:xfrm>
+            <a:off x="94695" y="1118586"/>
+            <a:ext cx="12002610" cy="5632883"/>
+          </a:xfrm>
+          <a:prstGeom prst="rect">
+            <a:avLst/>
+          </a:prstGeom>
+          <a:solidFill>
+            <a:schemeClr val="accent5">
+              <a:lumMod val="40000"/>
+              <a:lumOff val="60000"/>
+            </a:schemeClr>
+          </a:solidFill>
+          <a:ln>
+            <a:noFill/>
+          </a:ln>
+        </p:spPr>
+        <p:style>
+          <a:lnRef idx="2">
+            <a:schemeClr val="accent1">
+              <a:shade val="50000"/>
+            </a:schemeClr>
+          </a:lnRef>
+          <a:fillRef idx="1">
+            <a:schemeClr val="accent1"/>
+          </a:fillRef>
+          <a:effectRef idx="0">
+            <a:schemeClr val="accent1"/>
+          </a:effectRef>
+          <a:fontRef idx="minor">
+            <a:schemeClr val="lt1"/>
+          </a:fontRef>
+        </p:style>
+        <p:txBody>
+          <a:bodyPr rtlCol="0" anchor="ctr"/>
+          <a:lstStyle/>
+          <a:p>
+            <a:pPr algn="ctr"/>
+            <a:endParaRPr lang="en-US" sz="3600" dirty="0"/>
           </a:p>
         </p:txBody>
       </p:sp>
@@ -16936,8 +20201,8 @@
         </p:nvSpPr>
         <p:spPr>
           <a:xfrm>
-            <a:off x="3616787" y="1509204"/>
-            <a:ext cx="2457724" cy="1569660"/>
+            <a:off x="3546255" y="1509204"/>
+            <a:ext cx="2598789" cy="1569660"/>
           </a:xfrm>
           <a:prstGeom prst="rect">
             <a:avLst/>
@@ -16965,7 +20230,7 @@
                   </a:outerShdw>
                 </a:effectLst>
               </a:rPr>
-              <a:t>Consejo</a:t>
+              <a:t>Catsitter</a:t>
             </a:r>
             <a:r>
               <a:rPr lang="en-US" sz="4000" b="0" cap="none" spc="0" dirty="0">
@@ -17012,7 +20277,7 @@
                   </a:outerShdw>
                 </a:effectLst>
               </a:rPr>
-              <a:t>Detalles</a:t>
+              <a:t>Descripción</a:t>
             </a:r>
             <a:endParaRPr lang="en-US" sz="2000" b="0" cap="none" spc="0" dirty="0">
               <a:ln w="0"/>
@@ -17084,7 +20349,7 @@
                   <a:schemeClr val="tx1"/>
                 </a:solidFill>
               </a:rPr>
-              <a:t>Imagen</a:t>
+              <a:t>Foto de perfil</a:t>
             </a:r>
             <a:endParaRPr lang="en-US" dirty="0">
               <a:solidFill>
@@ -17166,8 +20431,8 @@
         </p:nvSpPr>
         <p:spPr>
           <a:xfrm>
-            <a:off x="3490588" y="3891483"/>
-            <a:ext cx="2457724" cy="1569660"/>
+            <a:off x="3546254" y="3891483"/>
+            <a:ext cx="2598789" cy="1569660"/>
           </a:xfrm>
           <a:prstGeom prst="rect">
             <a:avLst/>
@@ -17195,7 +20460,7 @@
                   </a:outerShdw>
                 </a:effectLst>
               </a:rPr>
-              <a:t>Consejo</a:t>
+              <a:t>Catsitter</a:t>
             </a:r>
             <a:r>
               <a:rPr lang="en-US" sz="4000" b="0" cap="none" spc="0" dirty="0">
@@ -17242,7 +20507,7 @@
                   </a:outerShdw>
                 </a:effectLst>
               </a:rPr>
-              <a:t>Detalles</a:t>
+              <a:t>Descripción</a:t>
             </a:r>
             <a:endParaRPr lang="en-US" sz="2000" b="0" cap="none" spc="0" dirty="0">
               <a:ln w="0"/>
@@ -17314,12 +20579,977 @@
                   <a:schemeClr val="tx1"/>
                 </a:solidFill>
               </a:rPr>
-              <a:t>Imagen</a:t>
+              <a:t>Foto de perfil</a:t>
             </a:r>
             <a:endParaRPr lang="en-US" dirty="0">
               <a:solidFill>
                 <a:schemeClr val="tx1"/>
               </a:solidFill>
+            </a:endParaRPr>
+          </a:p>
+        </p:txBody>
+      </p:sp>
+      <p:sp>
+        <p:nvSpPr>
+          <p:cNvPr id="14" name="Rectangle 10">
+            <a:extLst>
+              <a:ext uri="{FF2B5EF4-FFF2-40B4-BE49-F238E27FC236}">
+                <a16:creationId xmlns:a16="http://schemas.microsoft.com/office/drawing/2014/main" id="{1FF85E92-B7AD-4BCA-AA7E-28CE58E69FBD}"/>
+              </a:ext>
+            </a:extLst>
+          </p:cNvPr>
+          <p:cNvSpPr/>
+          <p:nvPr/>
+        </p:nvSpPr>
+        <p:spPr>
+          <a:xfrm>
+            <a:off x="7528195" y="1509204"/>
+            <a:ext cx="1420582" cy="400110"/>
+          </a:xfrm>
+          <a:prstGeom prst="rect">
+            <a:avLst/>
+          </a:prstGeom>
+          <a:noFill/>
+        </p:spPr>
+        <p:txBody>
+          <a:bodyPr wrap="none" lIns="91440" tIns="45720" rIns="91440" bIns="45720">
+            <a:spAutoFit/>
+          </a:bodyPr>
+          <a:lstStyle/>
+          <a:p>
+            <a:r>
+              <a:rPr lang="en-US" sz="2000" dirty="0" err="1">
+                <a:ln w="0"/>
+                <a:effectLst>
+                  <a:outerShdw blurRad="38100" dist="19050" dir="2700000" algn="tl" rotWithShape="0">
+                    <a:schemeClr val="dk1">
+                      <a:alpha val="40000"/>
+                    </a:schemeClr>
+                  </a:outerShdw>
+                </a:effectLst>
+              </a:rPr>
+              <a:t>Valoración</a:t>
+            </a:r>
+            <a:endParaRPr lang="en-US" sz="2000" b="0" cap="none" spc="0" dirty="0">
+              <a:ln w="0"/>
+              <a:solidFill>
+                <a:schemeClr val="tx1"/>
+              </a:solidFill>
+              <a:effectLst>
+                <a:outerShdw blurRad="38100" dist="19050" dir="2700000" algn="tl" rotWithShape="0">
+                  <a:schemeClr val="dk1">
+                    <a:alpha val="40000"/>
+                  </a:schemeClr>
+                </a:outerShdw>
+              </a:effectLst>
+            </a:endParaRPr>
+          </a:p>
+        </p:txBody>
+      </p:sp>
+      <p:sp>
+        <p:nvSpPr>
+          <p:cNvPr id="3" name="Estrella: 5 puntas 2">
+            <a:extLst>
+              <a:ext uri="{FF2B5EF4-FFF2-40B4-BE49-F238E27FC236}">
+                <a16:creationId xmlns:a16="http://schemas.microsoft.com/office/drawing/2014/main" id="{CA59AEE3-16BB-4B60-8F79-CB800962C72B}"/>
+              </a:ext>
+            </a:extLst>
+          </p:cNvPr>
+          <p:cNvSpPr/>
+          <p:nvPr/>
+        </p:nvSpPr>
+        <p:spPr>
+          <a:xfrm>
+            <a:off x="9612661" y="1433117"/>
+            <a:ext cx="453006" cy="476197"/>
+          </a:xfrm>
+          <a:prstGeom prst="star5">
+            <a:avLst/>
+          </a:prstGeom>
+          <a:solidFill>
+            <a:srgbClr val="FFFF00"/>
+          </a:solidFill>
+          <a:ln>
+            <a:solidFill>
+              <a:schemeClr val="tx1"/>
+            </a:solidFill>
+          </a:ln>
+        </p:spPr>
+        <p:style>
+          <a:lnRef idx="2">
+            <a:schemeClr val="accent1">
+              <a:shade val="50000"/>
+            </a:schemeClr>
+          </a:lnRef>
+          <a:fillRef idx="1">
+            <a:schemeClr val="accent1"/>
+          </a:fillRef>
+          <a:effectRef idx="0">
+            <a:schemeClr val="accent1"/>
+          </a:effectRef>
+          <a:fontRef idx="minor">
+            <a:schemeClr val="lt1"/>
+          </a:fontRef>
+        </p:style>
+        <p:txBody>
+          <a:bodyPr rtlCol="0" anchor="ctr"/>
+          <a:lstStyle/>
+          <a:p>
+            <a:pPr algn="ctr"/>
+            <a:endParaRPr lang="es-ES"/>
+          </a:p>
+        </p:txBody>
+      </p:sp>
+      <p:sp>
+        <p:nvSpPr>
+          <p:cNvPr id="15" name="Estrella: 5 puntas 14">
+            <a:extLst>
+              <a:ext uri="{FF2B5EF4-FFF2-40B4-BE49-F238E27FC236}">
+                <a16:creationId xmlns:a16="http://schemas.microsoft.com/office/drawing/2014/main" id="{FFDE9C7A-6F17-418D-8EB6-F3F063ED29C9}"/>
+              </a:ext>
+            </a:extLst>
+          </p:cNvPr>
+          <p:cNvSpPr/>
+          <p:nvPr/>
+        </p:nvSpPr>
+        <p:spPr>
+          <a:xfrm>
+            <a:off x="11304445" y="1433118"/>
+            <a:ext cx="453006" cy="476197"/>
+          </a:xfrm>
+          <a:prstGeom prst="star5">
+            <a:avLst/>
+          </a:prstGeom>
+          <a:solidFill>
+            <a:srgbClr val="FFFF00"/>
+          </a:solidFill>
+          <a:ln>
+            <a:solidFill>
+              <a:schemeClr val="tx1"/>
+            </a:solidFill>
+          </a:ln>
+        </p:spPr>
+        <p:style>
+          <a:lnRef idx="2">
+            <a:schemeClr val="accent1">
+              <a:shade val="50000"/>
+            </a:schemeClr>
+          </a:lnRef>
+          <a:fillRef idx="1">
+            <a:schemeClr val="accent1"/>
+          </a:fillRef>
+          <a:effectRef idx="0">
+            <a:schemeClr val="accent1"/>
+          </a:effectRef>
+          <a:fontRef idx="minor">
+            <a:schemeClr val="lt1"/>
+          </a:fontRef>
+        </p:style>
+        <p:txBody>
+          <a:bodyPr rtlCol="0" anchor="ctr"/>
+          <a:lstStyle/>
+          <a:p>
+            <a:pPr algn="ctr"/>
+            <a:endParaRPr lang="es-ES"/>
+          </a:p>
+        </p:txBody>
+      </p:sp>
+      <p:sp>
+        <p:nvSpPr>
+          <p:cNvPr id="16" name="Estrella: 5 puntas 15">
+            <a:extLst>
+              <a:ext uri="{FF2B5EF4-FFF2-40B4-BE49-F238E27FC236}">
+                <a16:creationId xmlns:a16="http://schemas.microsoft.com/office/drawing/2014/main" id="{1D451DFB-2F05-4E9B-82C5-3913E1784433}"/>
+              </a:ext>
+            </a:extLst>
+          </p:cNvPr>
+          <p:cNvSpPr/>
+          <p:nvPr/>
+        </p:nvSpPr>
+        <p:spPr>
+          <a:xfrm>
+            <a:off x="10730112" y="1433118"/>
+            <a:ext cx="453006" cy="476197"/>
+          </a:xfrm>
+          <a:prstGeom prst="star5">
+            <a:avLst/>
+          </a:prstGeom>
+          <a:solidFill>
+            <a:srgbClr val="FFFF00"/>
+          </a:solidFill>
+          <a:ln>
+            <a:solidFill>
+              <a:schemeClr val="tx1"/>
+            </a:solidFill>
+          </a:ln>
+        </p:spPr>
+        <p:style>
+          <a:lnRef idx="2">
+            <a:schemeClr val="accent1">
+              <a:shade val="50000"/>
+            </a:schemeClr>
+          </a:lnRef>
+          <a:fillRef idx="1">
+            <a:schemeClr val="accent1"/>
+          </a:fillRef>
+          <a:effectRef idx="0">
+            <a:schemeClr val="accent1"/>
+          </a:effectRef>
+          <a:fontRef idx="minor">
+            <a:schemeClr val="lt1"/>
+          </a:fontRef>
+        </p:style>
+        <p:txBody>
+          <a:bodyPr rtlCol="0" anchor="ctr"/>
+          <a:lstStyle/>
+          <a:p>
+            <a:pPr algn="ctr"/>
+            <a:endParaRPr lang="es-ES"/>
+          </a:p>
+        </p:txBody>
+      </p:sp>
+      <p:sp>
+        <p:nvSpPr>
+          <p:cNvPr id="17" name="Estrella: 5 puntas 16">
+            <a:extLst>
+              <a:ext uri="{FF2B5EF4-FFF2-40B4-BE49-F238E27FC236}">
+                <a16:creationId xmlns:a16="http://schemas.microsoft.com/office/drawing/2014/main" id="{D1B869E9-1071-4FDF-A6E3-DDB16F865513}"/>
+              </a:ext>
+            </a:extLst>
+          </p:cNvPr>
+          <p:cNvSpPr/>
+          <p:nvPr/>
+        </p:nvSpPr>
+        <p:spPr>
+          <a:xfrm>
+            <a:off x="10187555" y="1433117"/>
+            <a:ext cx="453006" cy="476197"/>
+          </a:xfrm>
+          <a:prstGeom prst="star5">
+            <a:avLst/>
+          </a:prstGeom>
+          <a:solidFill>
+            <a:srgbClr val="FFFF00"/>
+          </a:solidFill>
+          <a:ln>
+            <a:solidFill>
+              <a:schemeClr val="tx1"/>
+            </a:solidFill>
+          </a:ln>
+        </p:spPr>
+        <p:style>
+          <a:lnRef idx="2">
+            <a:schemeClr val="accent1">
+              <a:shade val="50000"/>
+            </a:schemeClr>
+          </a:lnRef>
+          <a:fillRef idx="1">
+            <a:schemeClr val="accent1"/>
+          </a:fillRef>
+          <a:effectRef idx="0">
+            <a:schemeClr val="accent1"/>
+          </a:effectRef>
+          <a:fontRef idx="minor">
+            <a:schemeClr val="lt1"/>
+          </a:fontRef>
+        </p:style>
+        <p:txBody>
+          <a:bodyPr rtlCol="0" anchor="ctr"/>
+          <a:lstStyle/>
+          <a:p>
+            <a:pPr algn="ctr"/>
+            <a:endParaRPr lang="es-ES"/>
+          </a:p>
+        </p:txBody>
+      </p:sp>
+      <p:sp>
+        <p:nvSpPr>
+          <p:cNvPr id="18" name="Estrella: 5 puntas 17">
+            <a:extLst>
+              <a:ext uri="{FF2B5EF4-FFF2-40B4-BE49-F238E27FC236}">
+                <a16:creationId xmlns:a16="http://schemas.microsoft.com/office/drawing/2014/main" id="{D45AA46C-8801-4CBF-8203-4CD04F51D6B6}"/>
+              </a:ext>
+            </a:extLst>
+          </p:cNvPr>
+          <p:cNvSpPr/>
+          <p:nvPr/>
+        </p:nvSpPr>
+        <p:spPr>
+          <a:xfrm>
+            <a:off x="9037604" y="1433116"/>
+            <a:ext cx="453006" cy="476197"/>
+          </a:xfrm>
+          <a:prstGeom prst="star5">
+            <a:avLst/>
+          </a:prstGeom>
+          <a:solidFill>
+            <a:srgbClr val="FFFF00"/>
+          </a:solidFill>
+          <a:ln>
+            <a:solidFill>
+              <a:schemeClr val="tx1"/>
+            </a:solidFill>
+          </a:ln>
+        </p:spPr>
+        <p:style>
+          <a:lnRef idx="2">
+            <a:schemeClr val="accent1">
+              <a:shade val="50000"/>
+            </a:schemeClr>
+          </a:lnRef>
+          <a:fillRef idx="1">
+            <a:schemeClr val="accent1"/>
+          </a:fillRef>
+          <a:effectRef idx="0">
+            <a:schemeClr val="accent1"/>
+          </a:effectRef>
+          <a:fontRef idx="minor">
+            <a:schemeClr val="lt1"/>
+          </a:fontRef>
+        </p:style>
+        <p:txBody>
+          <a:bodyPr rtlCol="0" anchor="ctr"/>
+          <a:lstStyle/>
+          <a:p>
+            <a:pPr algn="ctr"/>
+            <a:endParaRPr lang="es-ES"/>
+          </a:p>
+        </p:txBody>
+      </p:sp>
+      <p:sp>
+        <p:nvSpPr>
+          <p:cNvPr id="25" name="Rectangle 10">
+            <a:extLst>
+              <a:ext uri="{FF2B5EF4-FFF2-40B4-BE49-F238E27FC236}">
+                <a16:creationId xmlns:a16="http://schemas.microsoft.com/office/drawing/2014/main" id="{E6974BFD-FB9A-46BD-8A1D-CA363C5CA4A9}"/>
+              </a:ext>
+            </a:extLst>
+          </p:cNvPr>
+          <p:cNvSpPr/>
+          <p:nvPr/>
+        </p:nvSpPr>
+        <p:spPr>
+          <a:xfrm>
+            <a:off x="7528195" y="3819618"/>
+            <a:ext cx="1420582" cy="400110"/>
+          </a:xfrm>
+          <a:prstGeom prst="rect">
+            <a:avLst/>
+          </a:prstGeom>
+          <a:noFill/>
+        </p:spPr>
+        <p:txBody>
+          <a:bodyPr wrap="none" lIns="91440" tIns="45720" rIns="91440" bIns="45720">
+            <a:spAutoFit/>
+          </a:bodyPr>
+          <a:lstStyle/>
+          <a:p>
+            <a:r>
+              <a:rPr lang="en-US" sz="2000" dirty="0" err="1">
+                <a:ln w="0"/>
+                <a:effectLst>
+                  <a:outerShdw blurRad="38100" dist="19050" dir="2700000" algn="tl" rotWithShape="0">
+                    <a:schemeClr val="dk1">
+                      <a:alpha val="40000"/>
+                    </a:schemeClr>
+                  </a:outerShdw>
+                </a:effectLst>
+              </a:rPr>
+              <a:t>Valoración</a:t>
+            </a:r>
+            <a:endParaRPr lang="en-US" sz="2000" b="0" cap="none" spc="0" dirty="0">
+              <a:ln w="0"/>
+              <a:solidFill>
+                <a:schemeClr val="tx1"/>
+              </a:solidFill>
+              <a:effectLst>
+                <a:outerShdw blurRad="38100" dist="19050" dir="2700000" algn="tl" rotWithShape="0">
+                  <a:schemeClr val="dk1">
+                    <a:alpha val="40000"/>
+                  </a:schemeClr>
+                </a:outerShdw>
+              </a:effectLst>
+            </a:endParaRPr>
+          </a:p>
+        </p:txBody>
+      </p:sp>
+      <p:sp>
+        <p:nvSpPr>
+          <p:cNvPr id="26" name="Estrella: 5 puntas 25">
+            <a:extLst>
+              <a:ext uri="{FF2B5EF4-FFF2-40B4-BE49-F238E27FC236}">
+                <a16:creationId xmlns:a16="http://schemas.microsoft.com/office/drawing/2014/main" id="{AE8CC64F-63E2-4A8F-B759-BF5205A9D133}"/>
+              </a:ext>
+            </a:extLst>
+          </p:cNvPr>
+          <p:cNvSpPr/>
+          <p:nvPr/>
+        </p:nvSpPr>
+        <p:spPr>
+          <a:xfrm>
+            <a:off x="9612661" y="3743531"/>
+            <a:ext cx="453006" cy="476197"/>
+          </a:xfrm>
+          <a:prstGeom prst="star5">
+            <a:avLst/>
+          </a:prstGeom>
+          <a:solidFill>
+            <a:srgbClr val="FFFF00"/>
+          </a:solidFill>
+          <a:ln>
+            <a:solidFill>
+              <a:schemeClr val="tx1"/>
+            </a:solidFill>
+          </a:ln>
+        </p:spPr>
+        <p:style>
+          <a:lnRef idx="2">
+            <a:schemeClr val="accent1">
+              <a:shade val="50000"/>
+            </a:schemeClr>
+          </a:lnRef>
+          <a:fillRef idx="1">
+            <a:schemeClr val="accent1"/>
+          </a:fillRef>
+          <a:effectRef idx="0">
+            <a:schemeClr val="accent1"/>
+          </a:effectRef>
+          <a:fontRef idx="minor">
+            <a:schemeClr val="lt1"/>
+          </a:fontRef>
+        </p:style>
+        <p:txBody>
+          <a:bodyPr rtlCol="0" anchor="ctr"/>
+          <a:lstStyle/>
+          <a:p>
+            <a:pPr algn="ctr"/>
+            <a:endParaRPr lang="es-ES"/>
+          </a:p>
+        </p:txBody>
+      </p:sp>
+      <p:sp>
+        <p:nvSpPr>
+          <p:cNvPr id="27" name="Estrella: 5 puntas 26">
+            <a:extLst>
+              <a:ext uri="{FF2B5EF4-FFF2-40B4-BE49-F238E27FC236}">
+                <a16:creationId xmlns:a16="http://schemas.microsoft.com/office/drawing/2014/main" id="{5BCEDDC5-4A83-4EB6-ADA4-94C9F0C65EC5}"/>
+              </a:ext>
+            </a:extLst>
+          </p:cNvPr>
+          <p:cNvSpPr/>
+          <p:nvPr/>
+        </p:nvSpPr>
+        <p:spPr>
+          <a:xfrm>
+            <a:off x="11304445" y="3743532"/>
+            <a:ext cx="453006" cy="476197"/>
+          </a:xfrm>
+          <a:prstGeom prst="star5">
+            <a:avLst/>
+          </a:prstGeom>
+          <a:solidFill>
+            <a:srgbClr val="FFFF00"/>
+          </a:solidFill>
+          <a:ln>
+            <a:solidFill>
+              <a:schemeClr val="tx1"/>
+            </a:solidFill>
+          </a:ln>
+        </p:spPr>
+        <p:style>
+          <a:lnRef idx="2">
+            <a:schemeClr val="accent1">
+              <a:shade val="50000"/>
+            </a:schemeClr>
+          </a:lnRef>
+          <a:fillRef idx="1">
+            <a:schemeClr val="accent1"/>
+          </a:fillRef>
+          <a:effectRef idx="0">
+            <a:schemeClr val="accent1"/>
+          </a:effectRef>
+          <a:fontRef idx="minor">
+            <a:schemeClr val="lt1"/>
+          </a:fontRef>
+        </p:style>
+        <p:txBody>
+          <a:bodyPr rtlCol="0" anchor="ctr"/>
+          <a:lstStyle/>
+          <a:p>
+            <a:pPr algn="ctr"/>
+            <a:endParaRPr lang="es-ES"/>
+          </a:p>
+        </p:txBody>
+      </p:sp>
+      <p:sp>
+        <p:nvSpPr>
+          <p:cNvPr id="28" name="Estrella: 5 puntas 27">
+            <a:extLst>
+              <a:ext uri="{FF2B5EF4-FFF2-40B4-BE49-F238E27FC236}">
+                <a16:creationId xmlns:a16="http://schemas.microsoft.com/office/drawing/2014/main" id="{DC5B67EC-3090-4F7B-983A-90D4D302288B}"/>
+              </a:ext>
+            </a:extLst>
+          </p:cNvPr>
+          <p:cNvSpPr/>
+          <p:nvPr/>
+        </p:nvSpPr>
+        <p:spPr>
+          <a:xfrm>
+            <a:off x="10730112" y="3743532"/>
+            <a:ext cx="453006" cy="476197"/>
+          </a:xfrm>
+          <a:prstGeom prst="star5">
+            <a:avLst/>
+          </a:prstGeom>
+          <a:solidFill>
+            <a:srgbClr val="FFFF00"/>
+          </a:solidFill>
+          <a:ln>
+            <a:solidFill>
+              <a:schemeClr val="tx1"/>
+            </a:solidFill>
+          </a:ln>
+        </p:spPr>
+        <p:style>
+          <a:lnRef idx="2">
+            <a:schemeClr val="accent1">
+              <a:shade val="50000"/>
+            </a:schemeClr>
+          </a:lnRef>
+          <a:fillRef idx="1">
+            <a:schemeClr val="accent1"/>
+          </a:fillRef>
+          <a:effectRef idx="0">
+            <a:schemeClr val="accent1"/>
+          </a:effectRef>
+          <a:fontRef idx="minor">
+            <a:schemeClr val="lt1"/>
+          </a:fontRef>
+        </p:style>
+        <p:txBody>
+          <a:bodyPr rtlCol="0" anchor="ctr"/>
+          <a:lstStyle/>
+          <a:p>
+            <a:pPr algn="ctr"/>
+            <a:endParaRPr lang="es-ES"/>
+          </a:p>
+        </p:txBody>
+      </p:sp>
+      <p:sp>
+        <p:nvSpPr>
+          <p:cNvPr id="29" name="Estrella: 5 puntas 28">
+            <a:extLst>
+              <a:ext uri="{FF2B5EF4-FFF2-40B4-BE49-F238E27FC236}">
+                <a16:creationId xmlns:a16="http://schemas.microsoft.com/office/drawing/2014/main" id="{95871EB4-98D3-4014-B666-04314E842202}"/>
+              </a:ext>
+            </a:extLst>
+          </p:cNvPr>
+          <p:cNvSpPr/>
+          <p:nvPr/>
+        </p:nvSpPr>
+        <p:spPr>
+          <a:xfrm>
+            <a:off x="10187555" y="3743531"/>
+            <a:ext cx="453006" cy="476197"/>
+          </a:xfrm>
+          <a:prstGeom prst="star5">
+            <a:avLst/>
+          </a:prstGeom>
+          <a:solidFill>
+            <a:srgbClr val="FFFF00"/>
+          </a:solidFill>
+          <a:ln>
+            <a:solidFill>
+              <a:schemeClr val="tx1"/>
+            </a:solidFill>
+          </a:ln>
+        </p:spPr>
+        <p:style>
+          <a:lnRef idx="2">
+            <a:schemeClr val="accent1">
+              <a:shade val="50000"/>
+            </a:schemeClr>
+          </a:lnRef>
+          <a:fillRef idx="1">
+            <a:schemeClr val="accent1"/>
+          </a:fillRef>
+          <a:effectRef idx="0">
+            <a:schemeClr val="accent1"/>
+          </a:effectRef>
+          <a:fontRef idx="minor">
+            <a:schemeClr val="lt1"/>
+          </a:fontRef>
+        </p:style>
+        <p:txBody>
+          <a:bodyPr rtlCol="0" anchor="ctr"/>
+          <a:lstStyle/>
+          <a:p>
+            <a:pPr algn="ctr"/>
+            <a:endParaRPr lang="es-ES"/>
+          </a:p>
+        </p:txBody>
+      </p:sp>
+      <p:sp>
+        <p:nvSpPr>
+          <p:cNvPr id="30" name="Estrella: 5 puntas 29">
+            <a:extLst>
+              <a:ext uri="{FF2B5EF4-FFF2-40B4-BE49-F238E27FC236}">
+                <a16:creationId xmlns:a16="http://schemas.microsoft.com/office/drawing/2014/main" id="{BDFE3A59-C124-4EBD-8267-610817834A23}"/>
+              </a:ext>
+            </a:extLst>
+          </p:cNvPr>
+          <p:cNvSpPr/>
+          <p:nvPr/>
+        </p:nvSpPr>
+        <p:spPr>
+          <a:xfrm>
+            <a:off x="9037604" y="3743530"/>
+            <a:ext cx="453006" cy="476197"/>
+          </a:xfrm>
+          <a:prstGeom prst="star5">
+            <a:avLst/>
+          </a:prstGeom>
+          <a:solidFill>
+            <a:srgbClr val="FFFF00"/>
+          </a:solidFill>
+          <a:ln>
+            <a:solidFill>
+              <a:schemeClr val="tx1"/>
+            </a:solidFill>
+          </a:ln>
+        </p:spPr>
+        <p:style>
+          <a:lnRef idx="2">
+            <a:schemeClr val="accent1">
+              <a:shade val="50000"/>
+            </a:schemeClr>
+          </a:lnRef>
+          <a:fillRef idx="1">
+            <a:schemeClr val="accent1"/>
+          </a:fillRef>
+          <a:effectRef idx="0">
+            <a:schemeClr val="accent1"/>
+          </a:effectRef>
+          <a:fontRef idx="minor">
+            <a:schemeClr val="lt1"/>
+          </a:fontRef>
+        </p:style>
+        <p:txBody>
+          <a:bodyPr rtlCol="0" anchor="ctr"/>
+          <a:lstStyle/>
+          <a:p>
+            <a:pPr algn="ctr"/>
+            <a:endParaRPr lang="es-ES"/>
+          </a:p>
+        </p:txBody>
+      </p:sp>
+      <p:sp>
+        <p:nvSpPr>
+          <p:cNvPr id="31" name="Rectangle 1">
+            <a:extLst>
+              <a:ext uri="{FF2B5EF4-FFF2-40B4-BE49-F238E27FC236}">
+                <a16:creationId xmlns:a16="http://schemas.microsoft.com/office/drawing/2014/main" id="{F0291114-8EE2-4B54-A6E3-E5C61E204435}"/>
+              </a:ext>
+            </a:extLst>
+          </p:cNvPr>
+          <p:cNvSpPr/>
+          <p:nvPr/>
+        </p:nvSpPr>
+        <p:spPr>
+          <a:xfrm>
+            <a:off x="94695" y="106531"/>
+            <a:ext cx="12002610" cy="905523"/>
+          </a:xfrm>
+          <a:prstGeom prst="rect">
+            <a:avLst/>
+          </a:prstGeom>
+          <a:solidFill>
+            <a:schemeClr val="tx1">
+              <a:lumMod val="65000"/>
+              <a:lumOff val="35000"/>
+            </a:schemeClr>
+          </a:solidFill>
+          <a:ln>
+            <a:noFill/>
+          </a:ln>
+        </p:spPr>
+        <p:style>
+          <a:lnRef idx="2">
+            <a:schemeClr val="accent1">
+              <a:shade val="50000"/>
+            </a:schemeClr>
+          </a:lnRef>
+          <a:fillRef idx="1">
+            <a:schemeClr val="accent1"/>
+          </a:fillRef>
+          <a:effectRef idx="0">
+            <a:schemeClr val="accent1"/>
+          </a:effectRef>
+          <a:fontRef idx="minor">
+            <a:schemeClr val="lt1"/>
+          </a:fontRef>
+        </p:style>
+        <p:txBody>
+          <a:bodyPr rtlCol="0" anchor="ctr"/>
+          <a:lstStyle/>
+          <a:p>
+            <a:pPr algn="ctr"/>
+            <a:r>
+              <a:rPr lang="es-VE" b="1" dirty="0">
+                <a:solidFill>
+                  <a:schemeClr val="bg1"/>
+                </a:solidFill>
+              </a:rPr>
+              <a:t>*logo*      Adopción     Consejos       </a:t>
+            </a:r>
+            <a:r>
+              <a:rPr lang="es-VE" b="1" u="sng" dirty="0">
+                <a:solidFill>
+                  <a:srgbClr val="00B0F0"/>
+                </a:solidFill>
+              </a:rPr>
+              <a:t>Cat-</a:t>
+            </a:r>
+            <a:r>
+              <a:rPr lang="es-VE" b="1" u="sng" dirty="0" err="1">
+                <a:solidFill>
+                  <a:srgbClr val="00B0F0"/>
+                </a:solidFill>
+              </a:rPr>
+              <a:t>Sitters</a:t>
+            </a:r>
+            <a:r>
+              <a:rPr lang="es-VE" b="1" dirty="0">
+                <a:solidFill>
+                  <a:schemeClr val="bg1"/>
+                </a:solidFill>
+              </a:rPr>
+              <a:t>                                                              Mi Perfil        </a:t>
+            </a:r>
+            <a:r>
+              <a:rPr lang="es-VE" b="1" dirty="0" err="1">
+                <a:solidFill>
+                  <a:schemeClr val="bg1"/>
+                </a:solidFill>
+              </a:rPr>
+              <a:t>Logout</a:t>
+            </a:r>
+            <a:endParaRPr lang="en-US" b="1" dirty="0">
+              <a:solidFill>
+                <a:schemeClr val="bg1"/>
+              </a:solidFill>
+            </a:endParaRPr>
+          </a:p>
+        </p:txBody>
+      </p:sp>
+      <p:sp>
+        <p:nvSpPr>
+          <p:cNvPr id="34" name="Triángulo isósceles 33">
+            <a:extLst>
+              <a:ext uri="{FF2B5EF4-FFF2-40B4-BE49-F238E27FC236}">
+                <a16:creationId xmlns:a16="http://schemas.microsoft.com/office/drawing/2014/main" id="{80A44F97-C4CA-4F73-AFFA-9A4F18DB3B97}"/>
+              </a:ext>
+            </a:extLst>
+          </p:cNvPr>
+          <p:cNvSpPr/>
+          <p:nvPr/>
+        </p:nvSpPr>
+        <p:spPr>
+          <a:xfrm>
+            <a:off x="10897579" y="2536396"/>
+            <a:ext cx="813732" cy="759558"/>
+          </a:xfrm>
+          <a:prstGeom prst="triangle">
+            <a:avLst/>
+          </a:prstGeom>
+          <a:solidFill>
+            <a:srgbClr val="FF0000"/>
+          </a:solidFill>
+        </p:spPr>
+        <p:style>
+          <a:lnRef idx="2">
+            <a:schemeClr val="accent1">
+              <a:shade val="50000"/>
+            </a:schemeClr>
+          </a:lnRef>
+          <a:fillRef idx="1">
+            <a:schemeClr val="accent1"/>
+          </a:fillRef>
+          <a:effectRef idx="0">
+            <a:schemeClr val="accent1"/>
+          </a:effectRef>
+          <a:fontRef idx="minor">
+            <a:schemeClr val="lt1"/>
+          </a:fontRef>
+        </p:style>
+        <p:txBody>
+          <a:bodyPr rtlCol="0" anchor="ctr"/>
+          <a:lstStyle/>
+          <a:p>
+            <a:pPr algn="ctr"/>
+            <a:endParaRPr lang="es-ES" sz="6000" dirty="0"/>
+          </a:p>
+        </p:txBody>
+      </p:sp>
+      <p:sp>
+        <p:nvSpPr>
+          <p:cNvPr id="35" name="Rectangle 10">
+            <a:extLst>
+              <a:ext uri="{FF2B5EF4-FFF2-40B4-BE49-F238E27FC236}">
+                <a16:creationId xmlns:a16="http://schemas.microsoft.com/office/drawing/2014/main" id="{9B2E0D7E-8036-4E46-AB6C-AA1A4619FE4D}"/>
+              </a:ext>
+            </a:extLst>
+          </p:cNvPr>
+          <p:cNvSpPr/>
+          <p:nvPr/>
+        </p:nvSpPr>
+        <p:spPr>
+          <a:xfrm>
+            <a:off x="11150603" y="2650310"/>
+            <a:ext cx="314510" cy="707886"/>
+          </a:xfrm>
+          <a:prstGeom prst="rect">
+            <a:avLst/>
+          </a:prstGeom>
+          <a:noFill/>
+        </p:spPr>
+        <p:txBody>
+          <a:bodyPr wrap="none" lIns="91440" tIns="45720" rIns="91440" bIns="45720">
+            <a:spAutoFit/>
+          </a:bodyPr>
+          <a:lstStyle/>
+          <a:p>
+            <a:r>
+              <a:rPr lang="en-US" sz="4000" b="1" dirty="0">
+                <a:ln w="0"/>
+                <a:effectLst>
+                  <a:outerShdw blurRad="38100" dist="19050" dir="2700000" algn="tl" rotWithShape="0">
+                    <a:schemeClr val="dk1">
+                      <a:alpha val="40000"/>
+                    </a:schemeClr>
+                  </a:outerShdw>
+                </a:effectLst>
+              </a:rPr>
+              <a:t>!</a:t>
+            </a:r>
+            <a:endParaRPr lang="en-US" sz="4000" b="1" cap="none" spc="0" dirty="0">
+              <a:ln w="0"/>
+              <a:solidFill>
+                <a:schemeClr val="tx1"/>
+              </a:solidFill>
+              <a:effectLst>
+                <a:outerShdw blurRad="38100" dist="19050" dir="2700000" algn="tl" rotWithShape="0">
+                  <a:schemeClr val="dk1">
+                    <a:alpha val="40000"/>
+                  </a:schemeClr>
+                </a:outerShdw>
+              </a:effectLst>
+            </a:endParaRPr>
+          </a:p>
+        </p:txBody>
+      </p:sp>
+      <p:sp>
+        <p:nvSpPr>
+          <p:cNvPr id="36" name="Triángulo isósceles 35">
+            <a:extLst>
+              <a:ext uri="{FF2B5EF4-FFF2-40B4-BE49-F238E27FC236}">
+                <a16:creationId xmlns:a16="http://schemas.microsoft.com/office/drawing/2014/main" id="{99F5EC4F-F6C6-42F8-AFC3-91C377763419}"/>
+              </a:ext>
+            </a:extLst>
+          </p:cNvPr>
+          <p:cNvSpPr/>
+          <p:nvPr/>
+        </p:nvSpPr>
+        <p:spPr>
+          <a:xfrm>
+            <a:off x="10897579" y="4773450"/>
+            <a:ext cx="813732" cy="759558"/>
+          </a:xfrm>
+          <a:prstGeom prst="triangle">
+            <a:avLst/>
+          </a:prstGeom>
+          <a:solidFill>
+            <a:srgbClr val="FF0000"/>
+          </a:solidFill>
+        </p:spPr>
+        <p:style>
+          <a:lnRef idx="2">
+            <a:schemeClr val="accent1">
+              <a:shade val="50000"/>
+            </a:schemeClr>
+          </a:lnRef>
+          <a:fillRef idx="1">
+            <a:schemeClr val="accent1"/>
+          </a:fillRef>
+          <a:effectRef idx="0">
+            <a:schemeClr val="accent1"/>
+          </a:effectRef>
+          <a:fontRef idx="minor">
+            <a:schemeClr val="lt1"/>
+          </a:fontRef>
+        </p:style>
+        <p:txBody>
+          <a:bodyPr rtlCol="0" anchor="ctr"/>
+          <a:lstStyle/>
+          <a:p>
+            <a:pPr algn="ctr"/>
+            <a:endParaRPr lang="es-ES" sz="6000" dirty="0"/>
+          </a:p>
+        </p:txBody>
+      </p:sp>
+      <p:sp>
+        <p:nvSpPr>
+          <p:cNvPr id="37" name="Rectangle 10">
+            <a:extLst>
+              <a:ext uri="{FF2B5EF4-FFF2-40B4-BE49-F238E27FC236}">
+                <a16:creationId xmlns:a16="http://schemas.microsoft.com/office/drawing/2014/main" id="{619E3F3C-9557-45B8-B7BE-A1A5906BC749}"/>
+              </a:ext>
+            </a:extLst>
+          </p:cNvPr>
+          <p:cNvSpPr/>
+          <p:nvPr/>
+        </p:nvSpPr>
+        <p:spPr>
+          <a:xfrm>
+            <a:off x="11150603" y="4887364"/>
+            <a:ext cx="314510" cy="707886"/>
+          </a:xfrm>
+          <a:prstGeom prst="rect">
+            <a:avLst/>
+          </a:prstGeom>
+          <a:noFill/>
+        </p:spPr>
+        <p:txBody>
+          <a:bodyPr wrap="none" lIns="91440" tIns="45720" rIns="91440" bIns="45720">
+            <a:spAutoFit/>
+          </a:bodyPr>
+          <a:lstStyle/>
+          <a:p>
+            <a:r>
+              <a:rPr lang="en-US" sz="4000" b="1" dirty="0">
+                <a:ln w="0"/>
+                <a:effectLst>
+                  <a:outerShdw blurRad="38100" dist="19050" dir="2700000" algn="tl" rotWithShape="0">
+                    <a:schemeClr val="dk1">
+                      <a:alpha val="40000"/>
+                    </a:schemeClr>
+                  </a:outerShdw>
+                </a:effectLst>
+              </a:rPr>
+              <a:t>!</a:t>
+            </a:r>
+            <a:endParaRPr lang="en-US" sz="4000" b="1" cap="none" spc="0" dirty="0">
+              <a:ln w="0"/>
+              <a:solidFill>
+                <a:schemeClr val="tx1"/>
+              </a:solidFill>
+              <a:effectLst>
+                <a:outerShdw blurRad="38100" dist="19050" dir="2700000" algn="tl" rotWithShape="0">
+                  <a:schemeClr val="dk1">
+                    <a:alpha val="40000"/>
+                  </a:schemeClr>
+                </a:outerShdw>
+              </a:effectLst>
             </a:endParaRPr>
           </a:p>
         </p:txBody>
@@ -17327,7 +21557,2039 @@
     </p:spTree>
     <p:extLst>
       <p:ext uri="{BB962C8B-B14F-4D97-AF65-F5344CB8AC3E}">
-        <p14:creationId xmlns:p14="http://schemas.microsoft.com/office/powerpoint/2010/main" val="1754581919"/>
+        <p14:creationId xmlns:p14="http://schemas.microsoft.com/office/powerpoint/2010/main" val="3853591599"/>
+      </p:ext>
+    </p:extLst>
+  </p:cSld>
+  <p:clrMapOvr>
+    <a:masterClrMapping/>
+  </p:clrMapOvr>
+</p:sld>
+</file>
+
+<file path=ppt/slides/slide8.xml><?xml version="1.0" encoding="utf-8"?>
+<p:sld xmlns:a="http://schemas.openxmlformats.org/drawingml/2006/main" xmlns:r="http://schemas.openxmlformats.org/officeDocument/2006/relationships" xmlns:p="http://schemas.openxmlformats.org/presentationml/2006/main">
+  <p:cSld>
+    <p:spTree>
+      <p:nvGrpSpPr>
+        <p:cNvPr id="1" name=""/>
+        <p:cNvGrpSpPr/>
+        <p:nvPr/>
+      </p:nvGrpSpPr>
+      <p:grpSpPr>
+        <a:xfrm>
+          <a:off x="0" y="0"/>
+          <a:ext cx="0" cy="0"/>
+          <a:chOff x="0" y="0"/>
+          <a:chExt cx="0" cy="0"/>
+        </a:xfrm>
+      </p:grpSpPr>
+      <p:sp>
+        <p:nvSpPr>
+          <p:cNvPr id="5" name="Rectangle 4">
+            <a:extLst>
+              <a:ext uri="{FF2B5EF4-FFF2-40B4-BE49-F238E27FC236}">
+                <a16:creationId xmlns:a16="http://schemas.microsoft.com/office/drawing/2014/main" id="{3F4DBFB8-880A-4670-873B-CA2745702736}"/>
+              </a:ext>
+            </a:extLst>
+          </p:cNvPr>
+          <p:cNvSpPr/>
+          <p:nvPr/>
+        </p:nvSpPr>
+        <p:spPr>
+          <a:xfrm>
+            <a:off x="94695" y="1118586"/>
+            <a:ext cx="12002610" cy="5632883"/>
+          </a:xfrm>
+          <a:prstGeom prst="rect">
+            <a:avLst/>
+          </a:prstGeom>
+          <a:solidFill>
+            <a:schemeClr val="accent5">
+              <a:lumMod val="40000"/>
+              <a:lumOff val="60000"/>
+            </a:schemeClr>
+          </a:solidFill>
+          <a:ln>
+            <a:noFill/>
+          </a:ln>
+        </p:spPr>
+        <p:style>
+          <a:lnRef idx="2">
+            <a:schemeClr val="accent1">
+              <a:shade val="50000"/>
+            </a:schemeClr>
+          </a:lnRef>
+          <a:fillRef idx="1">
+            <a:schemeClr val="accent1"/>
+          </a:fillRef>
+          <a:effectRef idx="0">
+            <a:schemeClr val="accent1"/>
+          </a:effectRef>
+          <a:fontRef idx="minor">
+            <a:schemeClr val="lt1"/>
+          </a:fontRef>
+        </p:style>
+        <p:txBody>
+          <a:bodyPr rtlCol="0" anchor="ctr"/>
+          <a:lstStyle/>
+          <a:p>
+            <a:pPr algn="ctr"/>
+            <a:endParaRPr lang="en-US" sz="3600" dirty="0"/>
+          </a:p>
+        </p:txBody>
+      </p:sp>
+      <p:sp>
+        <p:nvSpPr>
+          <p:cNvPr id="2" name="Rectangle 1">
+            <a:extLst>
+              <a:ext uri="{FF2B5EF4-FFF2-40B4-BE49-F238E27FC236}">
+                <a16:creationId xmlns:a16="http://schemas.microsoft.com/office/drawing/2014/main" id="{EA7D85FD-08C5-4C35-B4A0-F9211E84EF45}"/>
+              </a:ext>
+            </a:extLst>
+          </p:cNvPr>
+          <p:cNvSpPr/>
+          <p:nvPr/>
+        </p:nvSpPr>
+        <p:spPr>
+          <a:xfrm>
+            <a:off x="94695" y="106531"/>
+            <a:ext cx="12002610" cy="905523"/>
+          </a:xfrm>
+          <a:prstGeom prst="rect">
+            <a:avLst/>
+          </a:prstGeom>
+          <a:solidFill>
+            <a:schemeClr val="tx1">
+              <a:lumMod val="65000"/>
+              <a:lumOff val="35000"/>
+            </a:schemeClr>
+          </a:solidFill>
+          <a:ln>
+            <a:noFill/>
+          </a:ln>
+        </p:spPr>
+        <p:style>
+          <a:lnRef idx="2">
+            <a:schemeClr val="accent1">
+              <a:shade val="50000"/>
+            </a:schemeClr>
+          </a:lnRef>
+          <a:fillRef idx="1">
+            <a:schemeClr val="accent1"/>
+          </a:fillRef>
+          <a:effectRef idx="0">
+            <a:schemeClr val="accent1"/>
+          </a:effectRef>
+          <a:fontRef idx="minor">
+            <a:schemeClr val="lt1"/>
+          </a:fontRef>
+        </p:style>
+        <p:txBody>
+          <a:bodyPr rtlCol="0" anchor="ctr"/>
+          <a:lstStyle/>
+          <a:p>
+            <a:pPr algn="ctr"/>
+            <a:r>
+              <a:rPr lang="es-VE" b="1" dirty="0">
+                <a:solidFill>
+                  <a:schemeClr val="bg1"/>
+                </a:solidFill>
+              </a:rPr>
+              <a:t>*logo*      Adopción     Consejos       Cat-</a:t>
+            </a:r>
+            <a:r>
+              <a:rPr lang="es-VE" b="1" dirty="0" err="1">
+                <a:solidFill>
+                  <a:schemeClr val="bg1"/>
+                </a:solidFill>
+              </a:rPr>
+              <a:t>Sitters</a:t>
+            </a:r>
+            <a:r>
+              <a:rPr lang="es-VE" b="1" dirty="0">
+                <a:solidFill>
+                  <a:schemeClr val="bg1"/>
+                </a:solidFill>
+              </a:rPr>
+              <a:t>                                                              </a:t>
+            </a:r>
+            <a:r>
+              <a:rPr lang="es-VE" b="1" u="sng" dirty="0">
+                <a:solidFill>
+                  <a:srgbClr val="00B0F0"/>
+                </a:solidFill>
+              </a:rPr>
+              <a:t>Mi Perfil</a:t>
+            </a:r>
+            <a:r>
+              <a:rPr lang="es-VE" b="1" dirty="0">
+                <a:solidFill>
+                  <a:srgbClr val="00B0F0"/>
+                </a:solidFill>
+              </a:rPr>
+              <a:t>        </a:t>
+            </a:r>
+            <a:r>
+              <a:rPr lang="es-VE" b="1" dirty="0" err="1">
+                <a:solidFill>
+                  <a:schemeClr val="bg1"/>
+                </a:solidFill>
+              </a:rPr>
+              <a:t>Logout</a:t>
+            </a:r>
+            <a:endParaRPr lang="en-US" b="1" dirty="0">
+              <a:solidFill>
+                <a:schemeClr val="bg1"/>
+              </a:solidFill>
+            </a:endParaRPr>
+          </a:p>
+        </p:txBody>
+      </p:sp>
+      <p:sp>
+        <p:nvSpPr>
+          <p:cNvPr id="7" name="Rectangle 6">
+            <a:extLst>
+              <a:ext uri="{FF2B5EF4-FFF2-40B4-BE49-F238E27FC236}">
+                <a16:creationId xmlns:a16="http://schemas.microsoft.com/office/drawing/2014/main" id="{B054A16F-54A2-4739-8E3C-51E3300950BB}"/>
+              </a:ext>
+            </a:extLst>
+          </p:cNvPr>
+          <p:cNvSpPr/>
+          <p:nvPr/>
+        </p:nvSpPr>
+        <p:spPr>
+          <a:xfrm>
+            <a:off x="337350" y="1359762"/>
+            <a:ext cx="11505461" cy="3989034"/>
+          </a:xfrm>
+          <a:prstGeom prst="rect">
+            <a:avLst/>
+          </a:prstGeom>
+          <a:solidFill>
+            <a:schemeClr val="bg1">
+              <a:lumMod val="85000"/>
+            </a:schemeClr>
+          </a:solidFill>
+          <a:ln>
+            <a:noFill/>
+          </a:ln>
+        </p:spPr>
+        <p:style>
+          <a:lnRef idx="2">
+            <a:schemeClr val="accent1">
+              <a:shade val="50000"/>
+            </a:schemeClr>
+          </a:lnRef>
+          <a:fillRef idx="1">
+            <a:schemeClr val="accent1"/>
+          </a:fillRef>
+          <a:effectRef idx="0">
+            <a:schemeClr val="accent1"/>
+          </a:effectRef>
+          <a:fontRef idx="minor">
+            <a:schemeClr val="lt1"/>
+          </a:fontRef>
+        </p:style>
+        <p:txBody>
+          <a:bodyPr rtlCol="0" anchor="ctr"/>
+          <a:lstStyle/>
+          <a:p>
+            <a:pPr algn="ctr"/>
+            <a:endParaRPr lang="en-US" b="1" dirty="0">
+              <a:solidFill>
+                <a:schemeClr val="bg1"/>
+              </a:solidFill>
+            </a:endParaRPr>
+          </a:p>
+        </p:txBody>
+      </p:sp>
+      <p:sp>
+        <p:nvSpPr>
+          <p:cNvPr id="8" name="Rectangle 7">
+            <a:extLst>
+              <a:ext uri="{FF2B5EF4-FFF2-40B4-BE49-F238E27FC236}">
+                <a16:creationId xmlns:a16="http://schemas.microsoft.com/office/drawing/2014/main" id="{7214B269-F679-4636-AAC2-FE15D384A6AC}"/>
+              </a:ext>
+            </a:extLst>
+          </p:cNvPr>
+          <p:cNvSpPr/>
+          <p:nvPr/>
+        </p:nvSpPr>
+        <p:spPr>
+          <a:xfrm>
+            <a:off x="3793919" y="1509204"/>
+            <a:ext cx="2103461" cy="1261884"/>
+          </a:xfrm>
+          <a:prstGeom prst="rect">
+            <a:avLst/>
+          </a:prstGeom>
+          <a:noFill/>
+        </p:spPr>
+        <p:txBody>
+          <a:bodyPr wrap="none" lIns="91440" tIns="45720" rIns="91440" bIns="45720">
+            <a:spAutoFit/>
+          </a:bodyPr>
+          <a:lstStyle/>
+          <a:p>
+            <a:pPr algn="ctr"/>
+            <a:r>
+              <a:rPr lang="en-US" sz="4000" b="0" cap="none" spc="0" dirty="0">
+                <a:ln w="0"/>
+                <a:solidFill>
+                  <a:schemeClr val="tx1"/>
+                </a:solidFill>
+                <a:effectLst>
+                  <a:outerShdw blurRad="38100" dist="19050" dir="2700000" algn="tl" rotWithShape="0">
+                    <a:schemeClr val="dk1">
+                      <a:alpha val="40000"/>
+                    </a:schemeClr>
+                  </a:outerShdw>
+                </a:effectLst>
+              </a:rPr>
+              <a:t>Mi </a:t>
+            </a:r>
+            <a:r>
+              <a:rPr lang="en-US" sz="4000" b="0" cap="none" spc="0" dirty="0" err="1">
+                <a:ln w="0"/>
+                <a:solidFill>
+                  <a:schemeClr val="tx1"/>
+                </a:solidFill>
+                <a:effectLst>
+                  <a:outerShdw blurRad="38100" dist="19050" dir="2700000" algn="tl" rotWithShape="0">
+                    <a:schemeClr val="dk1">
+                      <a:alpha val="40000"/>
+                    </a:schemeClr>
+                  </a:outerShdw>
+                </a:effectLst>
+              </a:rPr>
+              <a:t>perfil</a:t>
+            </a:r>
+            <a:endParaRPr lang="en-US" sz="4000" b="0" cap="none" spc="0" dirty="0">
+              <a:ln w="0"/>
+              <a:solidFill>
+                <a:schemeClr val="tx1"/>
+              </a:solidFill>
+              <a:effectLst>
+                <a:outerShdw blurRad="38100" dist="19050" dir="2700000" algn="tl" rotWithShape="0">
+                  <a:schemeClr val="dk1">
+                    <a:alpha val="40000"/>
+                  </a:schemeClr>
+                </a:outerShdw>
+              </a:effectLst>
+            </a:endParaRPr>
+          </a:p>
+          <a:p>
+            <a:pPr algn="ctr"/>
+            <a:endParaRPr lang="en-US" sz="3600" b="0" cap="none" spc="0" dirty="0">
+              <a:ln w="0"/>
+              <a:solidFill>
+                <a:schemeClr val="tx1"/>
+              </a:solidFill>
+              <a:effectLst>
+                <a:outerShdw blurRad="38100" dist="19050" dir="2700000" algn="tl" rotWithShape="0">
+                  <a:schemeClr val="dk1">
+                    <a:alpha val="40000"/>
+                  </a:schemeClr>
+                </a:outerShdw>
+              </a:effectLst>
+            </a:endParaRPr>
+          </a:p>
+        </p:txBody>
+      </p:sp>
+      <p:sp>
+        <p:nvSpPr>
+          <p:cNvPr id="9" name="Rectangle 8">
+            <a:extLst>
+              <a:ext uri="{FF2B5EF4-FFF2-40B4-BE49-F238E27FC236}">
+                <a16:creationId xmlns:a16="http://schemas.microsoft.com/office/drawing/2014/main" id="{A09E4E70-A8E9-4EB7-A8D3-BE70C5357EC7}"/>
+              </a:ext>
+            </a:extLst>
+          </p:cNvPr>
+          <p:cNvSpPr/>
+          <p:nvPr/>
+        </p:nvSpPr>
+        <p:spPr>
+          <a:xfrm>
+            <a:off x="559293" y="1509204"/>
+            <a:ext cx="2805344" cy="1713390"/>
+          </a:xfrm>
+          <a:prstGeom prst="rect">
+            <a:avLst/>
+          </a:prstGeom>
+          <a:solidFill>
+            <a:schemeClr val="bg1"/>
+          </a:solidFill>
+          <a:ln>
+            <a:noFill/>
+          </a:ln>
+        </p:spPr>
+        <p:style>
+          <a:lnRef idx="2">
+            <a:schemeClr val="accent1">
+              <a:shade val="50000"/>
+            </a:schemeClr>
+          </a:lnRef>
+          <a:fillRef idx="1">
+            <a:schemeClr val="accent1"/>
+          </a:fillRef>
+          <a:effectRef idx="0">
+            <a:schemeClr val="accent1"/>
+          </a:effectRef>
+          <a:fontRef idx="minor">
+            <a:schemeClr val="lt1"/>
+          </a:fontRef>
+        </p:style>
+        <p:txBody>
+          <a:bodyPr rtlCol="0" anchor="ctr"/>
+          <a:lstStyle/>
+          <a:p>
+            <a:pPr algn="ctr"/>
+            <a:r>
+              <a:rPr lang="es-VE" dirty="0">
+                <a:solidFill>
+                  <a:schemeClr val="tx1"/>
+                </a:solidFill>
+              </a:rPr>
+              <a:t>Foto de perfil</a:t>
+            </a:r>
+            <a:endParaRPr lang="en-US" dirty="0">
+              <a:solidFill>
+                <a:schemeClr val="tx1"/>
+              </a:solidFill>
+            </a:endParaRPr>
+          </a:p>
+        </p:txBody>
+      </p:sp>
+      <p:sp>
+        <p:nvSpPr>
+          <p:cNvPr id="14" name="Rectangle 10">
+            <a:extLst>
+              <a:ext uri="{FF2B5EF4-FFF2-40B4-BE49-F238E27FC236}">
+                <a16:creationId xmlns:a16="http://schemas.microsoft.com/office/drawing/2014/main" id="{1FF85E92-B7AD-4BCA-AA7E-28CE58E69FBD}"/>
+              </a:ext>
+            </a:extLst>
+          </p:cNvPr>
+          <p:cNvSpPr/>
+          <p:nvPr/>
+        </p:nvSpPr>
+        <p:spPr>
+          <a:xfrm>
+            <a:off x="7520897" y="1509204"/>
+            <a:ext cx="1420582" cy="400110"/>
+          </a:xfrm>
+          <a:prstGeom prst="rect">
+            <a:avLst/>
+          </a:prstGeom>
+          <a:noFill/>
+        </p:spPr>
+        <p:txBody>
+          <a:bodyPr wrap="none" lIns="91440" tIns="45720" rIns="91440" bIns="45720">
+            <a:spAutoFit/>
+          </a:bodyPr>
+          <a:lstStyle/>
+          <a:p>
+            <a:r>
+              <a:rPr lang="en-US" sz="2000" dirty="0" err="1">
+                <a:ln w="0"/>
+                <a:effectLst>
+                  <a:outerShdw blurRad="38100" dist="19050" dir="2700000" algn="tl" rotWithShape="0">
+                    <a:schemeClr val="dk1">
+                      <a:alpha val="40000"/>
+                    </a:schemeClr>
+                  </a:outerShdw>
+                </a:effectLst>
+              </a:rPr>
+              <a:t>Valoración</a:t>
+            </a:r>
+            <a:endParaRPr lang="en-US" sz="2000" b="0" cap="none" spc="0" dirty="0">
+              <a:ln w="0"/>
+              <a:solidFill>
+                <a:schemeClr val="tx1"/>
+              </a:solidFill>
+              <a:effectLst>
+                <a:outerShdw blurRad="38100" dist="19050" dir="2700000" algn="tl" rotWithShape="0">
+                  <a:schemeClr val="dk1">
+                    <a:alpha val="40000"/>
+                  </a:schemeClr>
+                </a:outerShdw>
+              </a:effectLst>
+            </a:endParaRPr>
+          </a:p>
+        </p:txBody>
+      </p:sp>
+      <p:sp>
+        <p:nvSpPr>
+          <p:cNvPr id="3" name="Estrella: 5 puntas 2">
+            <a:extLst>
+              <a:ext uri="{FF2B5EF4-FFF2-40B4-BE49-F238E27FC236}">
+                <a16:creationId xmlns:a16="http://schemas.microsoft.com/office/drawing/2014/main" id="{CA59AEE3-16BB-4B60-8F79-CB800962C72B}"/>
+              </a:ext>
+            </a:extLst>
+          </p:cNvPr>
+          <p:cNvSpPr/>
+          <p:nvPr/>
+        </p:nvSpPr>
+        <p:spPr>
+          <a:xfrm>
+            <a:off x="9605363" y="1433117"/>
+            <a:ext cx="453006" cy="476197"/>
+          </a:xfrm>
+          <a:prstGeom prst="star5">
+            <a:avLst/>
+          </a:prstGeom>
+          <a:solidFill>
+            <a:srgbClr val="FFFF00"/>
+          </a:solidFill>
+          <a:ln>
+            <a:solidFill>
+              <a:schemeClr val="tx1"/>
+            </a:solidFill>
+          </a:ln>
+        </p:spPr>
+        <p:style>
+          <a:lnRef idx="2">
+            <a:schemeClr val="accent1">
+              <a:shade val="50000"/>
+            </a:schemeClr>
+          </a:lnRef>
+          <a:fillRef idx="1">
+            <a:schemeClr val="accent1"/>
+          </a:fillRef>
+          <a:effectRef idx="0">
+            <a:schemeClr val="accent1"/>
+          </a:effectRef>
+          <a:fontRef idx="minor">
+            <a:schemeClr val="lt1"/>
+          </a:fontRef>
+        </p:style>
+        <p:txBody>
+          <a:bodyPr rtlCol="0" anchor="ctr"/>
+          <a:lstStyle/>
+          <a:p>
+            <a:pPr algn="ctr"/>
+            <a:endParaRPr lang="es-ES"/>
+          </a:p>
+        </p:txBody>
+      </p:sp>
+      <p:sp>
+        <p:nvSpPr>
+          <p:cNvPr id="15" name="Estrella: 5 puntas 14">
+            <a:extLst>
+              <a:ext uri="{FF2B5EF4-FFF2-40B4-BE49-F238E27FC236}">
+                <a16:creationId xmlns:a16="http://schemas.microsoft.com/office/drawing/2014/main" id="{FFDE9C7A-6F17-418D-8EB6-F3F063ED29C9}"/>
+              </a:ext>
+            </a:extLst>
+          </p:cNvPr>
+          <p:cNvSpPr/>
+          <p:nvPr/>
+        </p:nvSpPr>
+        <p:spPr>
+          <a:xfrm>
+            <a:off x="11297147" y="1433118"/>
+            <a:ext cx="453006" cy="476197"/>
+          </a:xfrm>
+          <a:prstGeom prst="star5">
+            <a:avLst/>
+          </a:prstGeom>
+          <a:solidFill>
+            <a:srgbClr val="FFFF00"/>
+          </a:solidFill>
+          <a:ln>
+            <a:solidFill>
+              <a:schemeClr val="tx1"/>
+            </a:solidFill>
+          </a:ln>
+        </p:spPr>
+        <p:style>
+          <a:lnRef idx="2">
+            <a:schemeClr val="accent1">
+              <a:shade val="50000"/>
+            </a:schemeClr>
+          </a:lnRef>
+          <a:fillRef idx="1">
+            <a:schemeClr val="accent1"/>
+          </a:fillRef>
+          <a:effectRef idx="0">
+            <a:schemeClr val="accent1"/>
+          </a:effectRef>
+          <a:fontRef idx="minor">
+            <a:schemeClr val="lt1"/>
+          </a:fontRef>
+        </p:style>
+        <p:txBody>
+          <a:bodyPr rtlCol="0" anchor="ctr"/>
+          <a:lstStyle/>
+          <a:p>
+            <a:pPr algn="ctr"/>
+            <a:endParaRPr lang="es-ES"/>
+          </a:p>
+        </p:txBody>
+      </p:sp>
+      <p:sp>
+        <p:nvSpPr>
+          <p:cNvPr id="16" name="Estrella: 5 puntas 15">
+            <a:extLst>
+              <a:ext uri="{FF2B5EF4-FFF2-40B4-BE49-F238E27FC236}">
+                <a16:creationId xmlns:a16="http://schemas.microsoft.com/office/drawing/2014/main" id="{1D451DFB-2F05-4E9B-82C5-3913E1784433}"/>
+              </a:ext>
+            </a:extLst>
+          </p:cNvPr>
+          <p:cNvSpPr/>
+          <p:nvPr/>
+        </p:nvSpPr>
+        <p:spPr>
+          <a:xfrm>
+            <a:off x="10722814" y="1433118"/>
+            <a:ext cx="453006" cy="476197"/>
+          </a:xfrm>
+          <a:prstGeom prst="star5">
+            <a:avLst/>
+          </a:prstGeom>
+          <a:solidFill>
+            <a:srgbClr val="FFFF00"/>
+          </a:solidFill>
+          <a:ln>
+            <a:solidFill>
+              <a:schemeClr val="tx1"/>
+            </a:solidFill>
+          </a:ln>
+        </p:spPr>
+        <p:style>
+          <a:lnRef idx="2">
+            <a:schemeClr val="accent1">
+              <a:shade val="50000"/>
+            </a:schemeClr>
+          </a:lnRef>
+          <a:fillRef idx="1">
+            <a:schemeClr val="accent1"/>
+          </a:fillRef>
+          <a:effectRef idx="0">
+            <a:schemeClr val="accent1"/>
+          </a:effectRef>
+          <a:fontRef idx="minor">
+            <a:schemeClr val="lt1"/>
+          </a:fontRef>
+        </p:style>
+        <p:txBody>
+          <a:bodyPr rtlCol="0" anchor="ctr"/>
+          <a:lstStyle/>
+          <a:p>
+            <a:pPr algn="ctr"/>
+            <a:endParaRPr lang="es-ES"/>
+          </a:p>
+        </p:txBody>
+      </p:sp>
+      <p:sp>
+        <p:nvSpPr>
+          <p:cNvPr id="17" name="Estrella: 5 puntas 16">
+            <a:extLst>
+              <a:ext uri="{FF2B5EF4-FFF2-40B4-BE49-F238E27FC236}">
+                <a16:creationId xmlns:a16="http://schemas.microsoft.com/office/drawing/2014/main" id="{D1B869E9-1071-4FDF-A6E3-DDB16F865513}"/>
+              </a:ext>
+            </a:extLst>
+          </p:cNvPr>
+          <p:cNvSpPr/>
+          <p:nvPr/>
+        </p:nvSpPr>
+        <p:spPr>
+          <a:xfrm>
+            <a:off x="10180257" y="1433117"/>
+            <a:ext cx="453006" cy="476197"/>
+          </a:xfrm>
+          <a:prstGeom prst="star5">
+            <a:avLst/>
+          </a:prstGeom>
+          <a:solidFill>
+            <a:srgbClr val="FFFF00"/>
+          </a:solidFill>
+          <a:ln>
+            <a:solidFill>
+              <a:schemeClr val="tx1"/>
+            </a:solidFill>
+          </a:ln>
+        </p:spPr>
+        <p:style>
+          <a:lnRef idx="2">
+            <a:schemeClr val="accent1">
+              <a:shade val="50000"/>
+            </a:schemeClr>
+          </a:lnRef>
+          <a:fillRef idx="1">
+            <a:schemeClr val="accent1"/>
+          </a:fillRef>
+          <a:effectRef idx="0">
+            <a:schemeClr val="accent1"/>
+          </a:effectRef>
+          <a:fontRef idx="minor">
+            <a:schemeClr val="lt1"/>
+          </a:fontRef>
+        </p:style>
+        <p:txBody>
+          <a:bodyPr rtlCol="0" anchor="ctr"/>
+          <a:lstStyle/>
+          <a:p>
+            <a:pPr algn="ctr"/>
+            <a:endParaRPr lang="es-ES"/>
+          </a:p>
+        </p:txBody>
+      </p:sp>
+      <p:sp>
+        <p:nvSpPr>
+          <p:cNvPr id="18" name="Estrella: 5 puntas 17">
+            <a:extLst>
+              <a:ext uri="{FF2B5EF4-FFF2-40B4-BE49-F238E27FC236}">
+                <a16:creationId xmlns:a16="http://schemas.microsoft.com/office/drawing/2014/main" id="{D45AA46C-8801-4CBF-8203-4CD04F51D6B6}"/>
+              </a:ext>
+            </a:extLst>
+          </p:cNvPr>
+          <p:cNvSpPr/>
+          <p:nvPr/>
+        </p:nvSpPr>
+        <p:spPr>
+          <a:xfrm>
+            <a:off x="9030306" y="1433116"/>
+            <a:ext cx="453006" cy="476197"/>
+          </a:xfrm>
+          <a:prstGeom prst="star5">
+            <a:avLst/>
+          </a:prstGeom>
+          <a:solidFill>
+            <a:srgbClr val="FFFF00"/>
+          </a:solidFill>
+          <a:ln>
+            <a:solidFill>
+              <a:schemeClr val="tx1"/>
+            </a:solidFill>
+          </a:ln>
+        </p:spPr>
+        <p:style>
+          <a:lnRef idx="2">
+            <a:schemeClr val="accent1">
+              <a:shade val="50000"/>
+            </a:schemeClr>
+          </a:lnRef>
+          <a:fillRef idx="1">
+            <a:schemeClr val="accent1"/>
+          </a:fillRef>
+          <a:effectRef idx="0">
+            <a:schemeClr val="accent1"/>
+          </a:effectRef>
+          <a:fontRef idx="minor">
+            <a:schemeClr val="lt1"/>
+          </a:fontRef>
+        </p:style>
+        <p:txBody>
+          <a:bodyPr rtlCol="0" anchor="ctr"/>
+          <a:lstStyle/>
+          <a:p>
+            <a:pPr algn="ctr"/>
+            <a:endParaRPr lang="es-ES"/>
+          </a:p>
+        </p:txBody>
+      </p:sp>
+      <p:sp>
+        <p:nvSpPr>
+          <p:cNvPr id="22" name="Rectangle 7">
+            <a:extLst>
+              <a:ext uri="{FF2B5EF4-FFF2-40B4-BE49-F238E27FC236}">
+                <a16:creationId xmlns:a16="http://schemas.microsoft.com/office/drawing/2014/main" id="{D587A42D-DFA3-4438-8FFB-A49414A38134}"/>
+              </a:ext>
+            </a:extLst>
+          </p:cNvPr>
+          <p:cNvSpPr/>
+          <p:nvPr/>
+        </p:nvSpPr>
+        <p:spPr>
+          <a:xfrm>
+            <a:off x="559293" y="3429000"/>
+            <a:ext cx="2731838" cy="400110"/>
+          </a:xfrm>
+          <a:prstGeom prst="rect">
+            <a:avLst/>
+          </a:prstGeom>
+          <a:noFill/>
+        </p:spPr>
+        <p:txBody>
+          <a:bodyPr wrap="none" lIns="91440" tIns="45720" rIns="91440" bIns="45720">
+            <a:spAutoFit/>
+          </a:bodyPr>
+          <a:lstStyle/>
+          <a:p>
+            <a:r>
+              <a:rPr lang="en-US" sz="2000" dirty="0" err="1">
+                <a:ln w="0"/>
+                <a:effectLst>
+                  <a:outerShdw blurRad="38100" dist="19050" dir="2700000" algn="tl" rotWithShape="0">
+                    <a:schemeClr val="dk1">
+                      <a:alpha val="40000"/>
+                    </a:schemeClr>
+                  </a:outerShdw>
+                </a:effectLst>
+              </a:rPr>
+              <a:t>Descripción</a:t>
+            </a:r>
+            <a:r>
+              <a:rPr lang="en-US" sz="2000" dirty="0">
+                <a:ln w="0"/>
+                <a:effectLst>
+                  <a:outerShdw blurRad="38100" dist="19050" dir="2700000" algn="tl" rotWithShape="0">
+                    <a:schemeClr val="dk1">
+                      <a:alpha val="40000"/>
+                    </a:schemeClr>
+                  </a:outerShdw>
+                </a:effectLst>
+              </a:rPr>
+              <a:t> </a:t>
+            </a:r>
+            <a:r>
+              <a:rPr lang="en-US" sz="2000" dirty="0" err="1">
+                <a:ln w="0"/>
+                <a:effectLst>
+                  <a:outerShdw blurRad="38100" dist="19050" dir="2700000" algn="tl" rotWithShape="0">
+                    <a:schemeClr val="dk1">
+                      <a:alpha val="40000"/>
+                    </a:schemeClr>
+                  </a:outerShdw>
+                </a:effectLst>
+              </a:rPr>
+              <a:t>extendida</a:t>
+            </a:r>
+            <a:endParaRPr lang="en-US" sz="2000" b="0" cap="none" spc="0" dirty="0">
+              <a:ln w="0"/>
+              <a:solidFill>
+                <a:schemeClr val="tx1"/>
+              </a:solidFill>
+              <a:effectLst>
+                <a:outerShdw blurRad="38100" dist="19050" dir="2700000" algn="tl" rotWithShape="0">
+                  <a:schemeClr val="dk1">
+                    <a:alpha val="40000"/>
+                  </a:schemeClr>
+                </a:outerShdw>
+              </a:effectLst>
+            </a:endParaRPr>
+          </a:p>
+        </p:txBody>
+      </p:sp>
+      <p:sp>
+        <p:nvSpPr>
+          <p:cNvPr id="23" name="Rectangle: Rounded Corners 7">
+            <a:extLst>
+              <a:ext uri="{FF2B5EF4-FFF2-40B4-BE49-F238E27FC236}">
+                <a16:creationId xmlns:a16="http://schemas.microsoft.com/office/drawing/2014/main" id="{AB7E9AEE-AEE4-4A8F-8EFF-C9B6D41E71CC}"/>
+              </a:ext>
+            </a:extLst>
+          </p:cNvPr>
+          <p:cNvSpPr/>
+          <p:nvPr/>
+        </p:nvSpPr>
+        <p:spPr>
+          <a:xfrm>
+            <a:off x="8968117" y="5620148"/>
+            <a:ext cx="2782036" cy="717205"/>
+          </a:xfrm>
+          <a:prstGeom prst="roundRect">
+            <a:avLst/>
+          </a:prstGeom>
+          <a:solidFill>
+            <a:srgbClr val="00B050"/>
+          </a:solidFill>
+          <a:ln>
+            <a:noFill/>
+          </a:ln>
+        </p:spPr>
+        <p:style>
+          <a:lnRef idx="2">
+            <a:schemeClr val="accent1">
+              <a:shade val="50000"/>
+            </a:schemeClr>
+          </a:lnRef>
+          <a:fillRef idx="1">
+            <a:schemeClr val="accent1"/>
+          </a:fillRef>
+          <a:effectRef idx="0">
+            <a:schemeClr val="accent1"/>
+          </a:effectRef>
+          <a:fontRef idx="minor">
+            <a:schemeClr val="lt1"/>
+          </a:fontRef>
+        </p:style>
+        <p:txBody>
+          <a:bodyPr rtlCol="0" anchor="ctr"/>
+          <a:lstStyle/>
+          <a:p>
+            <a:pPr algn="ctr"/>
+            <a:r>
+              <a:rPr lang="es-VE" sz="2000" dirty="0">
+                <a:solidFill>
+                  <a:schemeClr val="bg1"/>
+                </a:solidFill>
+              </a:rPr>
+              <a:t>Modificar perfil</a:t>
+            </a:r>
+            <a:endParaRPr lang="en-US" sz="2000" dirty="0">
+              <a:solidFill>
+                <a:schemeClr val="bg1"/>
+              </a:solidFill>
+            </a:endParaRPr>
+          </a:p>
+        </p:txBody>
+      </p:sp>
+      <p:sp>
+        <p:nvSpPr>
+          <p:cNvPr id="24" name="Rectangle: Rounded Corners 7">
+            <a:extLst>
+              <a:ext uri="{FF2B5EF4-FFF2-40B4-BE49-F238E27FC236}">
+                <a16:creationId xmlns:a16="http://schemas.microsoft.com/office/drawing/2014/main" id="{9B849E7A-0E43-4B9B-B113-4ECFD389CC82}"/>
+              </a:ext>
+            </a:extLst>
+          </p:cNvPr>
+          <p:cNvSpPr/>
+          <p:nvPr/>
+        </p:nvSpPr>
+        <p:spPr>
+          <a:xfrm>
+            <a:off x="441847" y="5620148"/>
+            <a:ext cx="2782036" cy="717205"/>
+          </a:xfrm>
+          <a:prstGeom prst="roundRect">
+            <a:avLst/>
+          </a:prstGeom>
+          <a:solidFill>
+            <a:srgbClr val="0070C0"/>
+          </a:solidFill>
+          <a:ln>
+            <a:noFill/>
+          </a:ln>
+        </p:spPr>
+        <p:style>
+          <a:lnRef idx="2">
+            <a:schemeClr val="accent1">
+              <a:shade val="50000"/>
+            </a:schemeClr>
+          </a:lnRef>
+          <a:fillRef idx="1">
+            <a:schemeClr val="accent1"/>
+          </a:fillRef>
+          <a:effectRef idx="0">
+            <a:schemeClr val="accent1"/>
+          </a:effectRef>
+          <a:fontRef idx="minor">
+            <a:schemeClr val="lt1"/>
+          </a:fontRef>
+        </p:style>
+        <p:txBody>
+          <a:bodyPr rtlCol="0" anchor="ctr"/>
+          <a:lstStyle/>
+          <a:p>
+            <a:pPr algn="ctr"/>
+            <a:r>
+              <a:rPr lang="es-VE" sz="2000" dirty="0">
+                <a:solidFill>
+                  <a:schemeClr val="bg1"/>
+                </a:solidFill>
+              </a:rPr>
+              <a:t>Solicitud para </a:t>
+            </a:r>
+            <a:r>
+              <a:rPr lang="es-VE" sz="2000" dirty="0" err="1">
+                <a:solidFill>
+                  <a:schemeClr val="bg1"/>
+                </a:solidFill>
+              </a:rPr>
+              <a:t>catsitter</a:t>
+            </a:r>
+            <a:endParaRPr lang="en-US" sz="2000" dirty="0">
+              <a:solidFill>
+                <a:schemeClr val="bg1"/>
+              </a:solidFill>
+            </a:endParaRPr>
+          </a:p>
+        </p:txBody>
+      </p:sp>
+    </p:spTree>
+    <p:extLst>
+      <p:ext uri="{BB962C8B-B14F-4D97-AF65-F5344CB8AC3E}">
+        <p14:creationId xmlns:p14="http://schemas.microsoft.com/office/powerpoint/2010/main" val="867515054"/>
+      </p:ext>
+    </p:extLst>
+  </p:cSld>
+  <p:clrMapOvr>
+    <a:masterClrMapping/>
+  </p:clrMapOvr>
+</p:sld>
+</file>
+
+<file path=ppt/slides/slide9.xml><?xml version="1.0" encoding="utf-8"?>
+<p:sld xmlns:a="http://schemas.openxmlformats.org/drawingml/2006/main" xmlns:r="http://schemas.openxmlformats.org/officeDocument/2006/relationships" xmlns:p="http://schemas.openxmlformats.org/presentationml/2006/main">
+  <p:cSld>
+    <p:spTree>
+      <p:nvGrpSpPr>
+        <p:cNvPr id="1" name=""/>
+        <p:cNvGrpSpPr/>
+        <p:nvPr/>
+      </p:nvGrpSpPr>
+      <p:grpSpPr>
+        <a:xfrm>
+          <a:off x="0" y="0"/>
+          <a:ext cx="0" cy="0"/>
+          <a:chOff x="0" y="0"/>
+          <a:chExt cx="0" cy="0"/>
+        </a:xfrm>
+      </p:grpSpPr>
+      <p:sp>
+        <p:nvSpPr>
+          <p:cNvPr id="5" name="Rectangle 4">
+            <a:extLst>
+              <a:ext uri="{FF2B5EF4-FFF2-40B4-BE49-F238E27FC236}">
+                <a16:creationId xmlns:a16="http://schemas.microsoft.com/office/drawing/2014/main" id="{3F4DBFB8-880A-4670-873B-CA2745702736}"/>
+              </a:ext>
+            </a:extLst>
+          </p:cNvPr>
+          <p:cNvSpPr/>
+          <p:nvPr/>
+        </p:nvSpPr>
+        <p:spPr>
+          <a:xfrm>
+            <a:off x="94695" y="1118586"/>
+            <a:ext cx="12002610" cy="5632883"/>
+          </a:xfrm>
+          <a:prstGeom prst="rect">
+            <a:avLst/>
+          </a:prstGeom>
+          <a:solidFill>
+            <a:schemeClr val="accent5">
+              <a:lumMod val="40000"/>
+              <a:lumOff val="60000"/>
+            </a:schemeClr>
+          </a:solidFill>
+          <a:ln>
+            <a:noFill/>
+          </a:ln>
+        </p:spPr>
+        <p:style>
+          <a:lnRef idx="2">
+            <a:schemeClr val="accent1">
+              <a:shade val="50000"/>
+            </a:schemeClr>
+          </a:lnRef>
+          <a:fillRef idx="1">
+            <a:schemeClr val="accent1"/>
+          </a:fillRef>
+          <a:effectRef idx="0">
+            <a:schemeClr val="accent1"/>
+          </a:effectRef>
+          <a:fontRef idx="minor">
+            <a:schemeClr val="lt1"/>
+          </a:fontRef>
+        </p:style>
+        <p:txBody>
+          <a:bodyPr rtlCol="0" anchor="ctr"/>
+          <a:lstStyle/>
+          <a:p>
+            <a:pPr algn="ctr"/>
+            <a:endParaRPr lang="en-US" sz="3600" dirty="0"/>
+          </a:p>
+        </p:txBody>
+      </p:sp>
+      <p:sp>
+        <p:nvSpPr>
+          <p:cNvPr id="7" name="Rectangle 6">
+            <a:extLst>
+              <a:ext uri="{FF2B5EF4-FFF2-40B4-BE49-F238E27FC236}">
+                <a16:creationId xmlns:a16="http://schemas.microsoft.com/office/drawing/2014/main" id="{B054A16F-54A2-4739-8E3C-51E3300950BB}"/>
+              </a:ext>
+            </a:extLst>
+          </p:cNvPr>
+          <p:cNvSpPr/>
+          <p:nvPr/>
+        </p:nvSpPr>
+        <p:spPr>
+          <a:xfrm>
+            <a:off x="343269" y="2098808"/>
+            <a:ext cx="11505461" cy="2541119"/>
+          </a:xfrm>
+          <a:prstGeom prst="rect">
+            <a:avLst/>
+          </a:prstGeom>
+          <a:solidFill>
+            <a:schemeClr val="bg1">
+              <a:lumMod val="85000"/>
+            </a:schemeClr>
+          </a:solidFill>
+          <a:ln>
+            <a:noFill/>
+          </a:ln>
+        </p:spPr>
+        <p:style>
+          <a:lnRef idx="2">
+            <a:schemeClr val="accent1">
+              <a:shade val="50000"/>
+            </a:schemeClr>
+          </a:lnRef>
+          <a:fillRef idx="1">
+            <a:schemeClr val="accent1"/>
+          </a:fillRef>
+          <a:effectRef idx="0">
+            <a:schemeClr val="accent1"/>
+          </a:effectRef>
+          <a:fontRef idx="minor">
+            <a:schemeClr val="lt1"/>
+          </a:fontRef>
+        </p:style>
+        <p:txBody>
+          <a:bodyPr rtlCol="0" anchor="ctr"/>
+          <a:lstStyle/>
+          <a:p>
+            <a:pPr algn="ctr"/>
+            <a:endParaRPr lang="en-US" b="1" dirty="0">
+              <a:solidFill>
+                <a:schemeClr val="bg1"/>
+              </a:solidFill>
+            </a:endParaRPr>
+          </a:p>
+        </p:txBody>
+      </p:sp>
+      <p:sp>
+        <p:nvSpPr>
+          <p:cNvPr id="8" name="Rectangle 7">
+            <a:extLst>
+              <a:ext uri="{FF2B5EF4-FFF2-40B4-BE49-F238E27FC236}">
+                <a16:creationId xmlns:a16="http://schemas.microsoft.com/office/drawing/2014/main" id="{7214B269-F679-4636-AAC2-FE15D384A6AC}"/>
+              </a:ext>
+            </a:extLst>
+          </p:cNvPr>
+          <p:cNvSpPr/>
+          <p:nvPr/>
+        </p:nvSpPr>
+        <p:spPr>
+          <a:xfrm>
+            <a:off x="3613211" y="2316176"/>
+            <a:ext cx="2706110" cy="400110"/>
+          </a:xfrm>
+          <a:prstGeom prst="rect">
+            <a:avLst/>
+          </a:prstGeom>
+          <a:noFill/>
+        </p:spPr>
+        <p:txBody>
+          <a:bodyPr wrap="square" lIns="91440" tIns="45720" rIns="91440" bIns="45720">
+            <a:spAutoFit/>
+          </a:bodyPr>
+          <a:lstStyle/>
+          <a:p>
+            <a:pPr algn="ctr"/>
+            <a:r>
+              <a:rPr lang="en-US" sz="2000" b="0" cap="none" spc="0" dirty="0" err="1">
+                <a:ln w="0"/>
+                <a:solidFill>
+                  <a:schemeClr val="tx1"/>
+                </a:solidFill>
+                <a:effectLst>
+                  <a:outerShdw blurRad="38100" dist="19050" dir="2700000" algn="tl" rotWithShape="0">
+                    <a:schemeClr val="dk1">
+                      <a:alpha val="40000"/>
+                    </a:schemeClr>
+                  </a:outerShdw>
+                </a:effectLst>
+              </a:rPr>
+              <a:t>Dirección</a:t>
+            </a:r>
+            <a:r>
+              <a:rPr lang="en-US" sz="2000" b="0" cap="none" spc="0" dirty="0">
+                <a:ln w="0"/>
+                <a:solidFill>
+                  <a:schemeClr val="tx1"/>
+                </a:solidFill>
+                <a:effectLst>
+                  <a:outerShdw blurRad="38100" dist="19050" dir="2700000" algn="tl" rotWithShape="0">
+                    <a:schemeClr val="dk1">
+                      <a:alpha val="40000"/>
+                    </a:schemeClr>
+                  </a:outerShdw>
+                </a:effectLst>
+              </a:rPr>
+              <a:t>:</a:t>
+            </a:r>
+          </a:p>
+        </p:txBody>
+      </p:sp>
+      <p:sp>
+        <p:nvSpPr>
+          <p:cNvPr id="9" name="Rectangle 8">
+            <a:extLst>
+              <a:ext uri="{FF2B5EF4-FFF2-40B4-BE49-F238E27FC236}">
+                <a16:creationId xmlns:a16="http://schemas.microsoft.com/office/drawing/2014/main" id="{A09E4E70-A8E9-4EB7-A8D3-BE70C5357EC7}"/>
+              </a:ext>
+            </a:extLst>
+          </p:cNvPr>
+          <p:cNvSpPr/>
+          <p:nvPr/>
+        </p:nvSpPr>
+        <p:spPr>
+          <a:xfrm>
+            <a:off x="565212" y="2248250"/>
+            <a:ext cx="2805344" cy="1713390"/>
+          </a:xfrm>
+          <a:prstGeom prst="rect">
+            <a:avLst/>
+          </a:prstGeom>
+          <a:solidFill>
+            <a:schemeClr val="bg1"/>
+          </a:solidFill>
+          <a:ln>
+            <a:noFill/>
+          </a:ln>
+        </p:spPr>
+        <p:style>
+          <a:lnRef idx="2">
+            <a:schemeClr val="accent1">
+              <a:shade val="50000"/>
+            </a:schemeClr>
+          </a:lnRef>
+          <a:fillRef idx="1">
+            <a:schemeClr val="accent1"/>
+          </a:fillRef>
+          <a:effectRef idx="0">
+            <a:schemeClr val="accent1"/>
+          </a:effectRef>
+          <a:fontRef idx="minor">
+            <a:schemeClr val="lt1"/>
+          </a:fontRef>
+        </p:style>
+        <p:txBody>
+          <a:bodyPr rtlCol="0" anchor="ctr"/>
+          <a:lstStyle/>
+          <a:p>
+            <a:pPr algn="ctr"/>
+            <a:r>
+              <a:rPr lang="es-VE" dirty="0">
+                <a:solidFill>
+                  <a:schemeClr val="tx1"/>
+                </a:solidFill>
+              </a:rPr>
+              <a:t>Adjuntar foto del DNI</a:t>
+            </a:r>
+            <a:endParaRPr lang="en-US" dirty="0">
+              <a:solidFill>
+                <a:schemeClr val="tx1"/>
+              </a:solidFill>
+            </a:endParaRPr>
+          </a:p>
+        </p:txBody>
+      </p:sp>
+      <p:sp>
+        <p:nvSpPr>
+          <p:cNvPr id="23" name="Rectangle: Rounded Corners 7">
+            <a:extLst>
+              <a:ext uri="{FF2B5EF4-FFF2-40B4-BE49-F238E27FC236}">
+                <a16:creationId xmlns:a16="http://schemas.microsoft.com/office/drawing/2014/main" id="{AB7E9AEE-AEE4-4A8F-8EFF-C9B6D41E71CC}"/>
+              </a:ext>
+            </a:extLst>
+          </p:cNvPr>
+          <p:cNvSpPr/>
+          <p:nvPr/>
+        </p:nvSpPr>
+        <p:spPr>
+          <a:xfrm>
+            <a:off x="8968117" y="5620148"/>
+            <a:ext cx="2782036" cy="717205"/>
+          </a:xfrm>
+          <a:prstGeom prst="roundRect">
+            <a:avLst/>
+          </a:prstGeom>
+          <a:solidFill>
+            <a:srgbClr val="00B050"/>
+          </a:solidFill>
+          <a:ln>
+            <a:noFill/>
+          </a:ln>
+        </p:spPr>
+        <p:style>
+          <a:lnRef idx="2">
+            <a:schemeClr val="accent1">
+              <a:shade val="50000"/>
+            </a:schemeClr>
+          </a:lnRef>
+          <a:fillRef idx="1">
+            <a:schemeClr val="accent1"/>
+          </a:fillRef>
+          <a:effectRef idx="0">
+            <a:schemeClr val="accent1"/>
+          </a:effectRef>
+          <a:fontRef idx="minor">
+            <a:schemeClr val="lt1"/>
+          </a:fontRef>
+        </p:style>
+        <p:txBody>
+          <a:bodyPr rtlCol="0" anchor="ctr"/>
+          <a:lstStyle/>
+          <a:p>
+            <a:pPr algn="ctr"/>
+            <a:r>
+              <a:rPr lang="es-VE" sz="2000" dirty="0">
+                <a:solidFill>
+                  <a:schemeClr val="bg1"/>
+                </a:solidFill>
+              </a:rPr>
+              <a:t>Enviar</a:t>
+            </a:r>
+            <a:endParaRPr lang="en-US" sz="2000" dirty="0">
+              <a:solidFill>
+                <a:schemeClr val="bg1"/>
+              </a:solidFill>
+            </a:endParaRPr>
+          </a:p>
+        </p:txBody>
+      </p:sp>
+      <p:sp>
+        <p:nvSpPr>
+          <p:cNvPr id="10" name="Rectangle 7">
+            <a:extLst>
+              <a:ext uri="{FF2B5EF4-FFF2-40B4-BE49-F238E27FC236}">
+                <a16:creationId xmlns:a16="http://schemas.microsoft.com/office/drawing/2014/main" id="{90364EA8-F441-4969-B974-AA05038E7DC2}"/>
+              </a:ext>
+            </a:extLst>
+          </p:cNvPr>
+          <p:cNvSpPr/>
+          <p:nvPr/>
+        </p:nvSpPr>
+        <p:spPr>
+          <a:xfrm>
+            <a:off x="3613211" y="2844455"/>
+            <a:ext cx="2706110" cy="400110"/>
+          </a:xfrm>
+          <a:prstGeom prst="rect">
+            <a:avLst/>
+          </a:prstGeom>
+          <a:noFill/>
+        </p:spPr>
+        <p:txBody>
+          <a:bodyPr wrap="square" lIns="91440" tIns="45720" rIns="91440" bIns="45720">
+            <a:spAutoFit/>
+          </a:bodyPr>
+          <a:lstStyle/>
+          <a:p>
+            <a:pPr algn="ctr"/>
+            <a:r>
+              <a:rPr lang="en-US" sz="2000" b="0" cap="none" spc="0" dirty="0" err="1">
+                <a:ln w="0"/>
+                <a:solidFill>
+                  <a:schemeClr val="tx1"/>
+                </a:solidFill>
+                <a:effectLst>
+                  <a:outerShdw blurRad="38100" dist="19050" dir="2700000" algn="tl" rotWithShape="0">
+                    <a:schemeClr val="dk1">
+                      <a:alpha val="40000"/>
+                    </a:schemeClr>
+                  </a:outerShdw>
+                </a:effectLst>
+              </a:rPr>
+              <a:t>Número</a:t>
+            </a:r>
+            <a:r>
+              <a:rPr lang="en-US" sz="2000" b="0" cap="none" spc="0" dirty="0">
+                <a:ln w="0"/>
+                <a:solidFill>
+                  <a:schemeClr val="tx1"/>
+                </a:solidFill>
+                <a:effectLst>
+                  <a:outerShdw blurRad="38100" dist="19050" dir="2700000" algn="tl" rotWithShape="0">
+                    <a:schemeClr val="dk1">
+                      <a:alpha val="40000"/>
+                    </a:schemeClr>
+                  </a:outerShdw>
+                </a:effectLst>
+              </a:rPr>
+              <a:t> de </a:t>
+            </a:r>
+            <a:r>
+              <a:rPr lang="en-US" sz="2000" b="0" cap="none" spc="0" dirty="0" err="1">
+                <a:ln w="0"/>
+                <a:solidFill>
+                  <a:schemeClr val="tx1"/>
+                </a:solidFill>
+                <a:effectLst>
+                  <a:outerShdw blurRad="38100" dist="19050" dir="2700000" algn="tl" rotWithShape="0">
+                    <a:schemeClr val="dk1">
+                      <a:alpha val="40000"/>
+                    </a:schemeClr>
+                  </a:outerShdw>
+                </a:effectLst>
+              </a:rPr>
+              <a:t>teléfono</a:t>
+            </a:r>
+            <a:r>
+              <a:rPr lang="en-US" sz="2000" b="0" cap="none" spc="0" dirty="0">
+                <a:ln w="0"/>
+                <a:solidFill>
+                  <a:schemeClr val="tx1"/>
+                </a:solidFill>
+                <a:effectLst>
+                  <a:outerShdw blurRad="38100" dist="19050" dir="2700000" algn="tl" rotWithShape="0">
+                    <a:schemeClr val="dk1">
+                      <a:alpha val="40000"/>
+                    </a:schemeClr>
+                  </a:outerShdw>
+                </a:effectLst>
+              </a:rPr>
+              <a:t>:</a:t>
+            </a:r>
+          </a:p>
+        </p:txBody>
+      </p:sp>
+      <p:sp>
+        <p:nvSpPr>
+          <p:cNvPr id="11" name="Rectangle 7">
+            <a:extLst>
+              <a:ext uri="{FF2B5EF4-FFF2-40B4-BE49-F238E27FC236}">
+                <a16:creationId xmlns:a16="http://schemas.microsoft.com/office/drawing/2014/main" id="{0770023B-CFEC-4FA0-A47A-2FF0C25D6C0E}"/>
+              </a:ext>
+            </a:extLst>
+          </p:cNvPr>
+          <p:cNvSpPr/>
+          <p:nvPr/>
+        </p:nvSpPr>
+        <p:spPr>
+          <a:xfrm>
+            <a:off x="3613211" y="3398634"/>
+            <a:ext cx="2706110" cy="400110"/>
+          </a:xfrm>
+          <a:prstGeom prst="rect">
+            <a:avLst/>
+          </a:prstGeom>
+          <a:noFill/>
+        </p:spPr>
+        <p:txBody>
+          <a:bodyPr wrap="square" lIns="91440" tIns="45720" rIns="91440" bIns="45720">
+            <a:spAutoFit/>
+          </a:bodyPr>
+          <a:lstStyle/>
+          <a:p>
+            <a:pPr algn="ctr"/>
+            <a:r>
+              <a:rPr lang="en-US" sz="2000" b="0" cap="none" spc="0" dirty="0" err="1">
+                <a:ln w="0"/>
+                <a:solidFill>
+                  <a:schemeClr val="tx1"/>
+                </a:solidFill>
+                <a:effectLst>
+                  <a:outerShdw blurRad="38100" dist="19050" dir="2700000" algn="tl" rotWithShape="0">
+                    <a:schemeClr val="dk1">
+                      <a:alpha val="40000"/>
+                    </a:schemeClr>
+                  </a:outerShdw>
+                </a:effectLst>
+              </a:rPr>
+              <a:t>Número</a:t>
+            </a:r>
+            <a:r>
+              <a:rPr lang="en-US" sz="2000" b="0" cap="none" spc="0" dirty="0">
+                <a:ln w="0"/>
+                <a:solidFill>
+                  <a:schemeClr val="tx1"/>
+                </a:solidFill>
+                <a:effectLst>
+                  <a:outerShdw blurRad="38100" dist="19050" dir="2700000" algn="tl" rotWithShape="0">
+                    <a:schemeClr val="dk1">
+                      <a:alpha val="40000"/>
+                    </a:schemeClr>
+                  </a:outerShdw>
+                </a:effectLst>
+              </a:rPr>
+              <a:t> de DNI:</a:t>
+            </a:r>
+          </a:p>
+        </p:txBody>
+      </p:sp>
+      <p:sp>
+        <p:nvSpPr>
+          <p:cNvPr id="12" name="Rectangle 7">
+            <a:extLst>
+              <a:ext uri="{FF2B5EF4-FFF2-40B4-BE49-F238E27FC236}">
+                <a16:creationId xmlns:a16="http://schemas.microsoft.com/office/drawing/2014/main" id="{57475E8F-A8C2-4B15-A5EE-4350442BC716}"/>
+              </a:ext>
+            </a:extLst>
+          </p:cNvPr>
+          <p:cNvSpPr/>
+          <p:nvPr/>
+        </p:nvSpPr>
+        <p:spPr>
+          <a:xfrm>
+            <a:off x="3613211" y="3893270"/>
+            <a:ext cx="2706110" cy="400110"/>
+          </a:xfrm>
+          <a:prstGeom prst="rect">
+            <a:avLst/>
+          </a:prstGeom>
+          <a:noFill/>
+        </p:spPr>
+        <p:txBody>
+          <a:bodyPr wrap="square" lIns="91440" tIns="45720" rIns="91440" bIns="45720">
+            <a:spAutoFit/>
+          </a:bodyPr>
+          <a:lstStyle/>
+          <a:p>
+            <a:pPr algn="ctr"/>
+            <a:r>
+              <a:rPr lang="en-US" sz="2000" b="0" cap="none" spc="0" dirty="0" err="1">
+                <a:ln w="0"/>
+                <a:solidFill>
+                  <a:schemeClr val="tx1"/>
+                </a:solidFill>
+                <a:effectLst>
+                  <a:outerShdw blurRad="38100" dist="19050" dir="2700000" algn="tl" rotWithShape="0">
+                    <a:schemeClr val="dk1">
+                      <a:alpha val="40000"/>
+                    </a:schemeClr>
+                  </a:outerShdw>
+                </a:effectLst>
+              </a:rPr>
+              <a:t>Datos</a:t>
+            </a:r>
+            <a:r>
+              <a:rPr lang="en-US" sz="2000" b="0" cap="none" spc="0" dirty="0">
+                <a:ln w="0"/>
+                <a:solidFill>
+                  <a:schemeClr val="tx1"/>
+                </a:solidFill>
+                <a:effectLst>
+                  <a:outerShdw blurRad="38100" dist="19050" dir="2700000" algn="tl" rotWithShape="0">
+                    <a:schemeClr val="dk1">
+                      <a:alpha val="40000"/>
+                    </a:schemeClr>
+                  </a:outerShdw>
+                </a:effectLst>
+              </a:rPr>
+              <a:t> </a:t>
+            </a:r>
+            <a:r>
+              <a:rPr lang="en-US" sz="2000" b="0" cap="none" spc="0" dirty="0" err="1">
+                <a:ln w="0"/>
+                <a:solidFill>
+                  <a:schemeClr val="tx1"/>
+                </a:solidFill>
+                <a:effectLst>
+                  <a:outerShdw blurRad="38100" dist="19050" dir="2700000" algn="tl" rotWithShape="0">
+                    <a:schemeClr val="dk1">
+                      <a:alpha val="40000"/>
+                    </a:schemeClr>
+                  </a:outerShdw>
+                </a:effectLst>
+              </a:rPr>
+              <a:t>bancarios</a:t>
+            </a:r>
+            <a:endParaRPr lang="en-US" sz="2000" b="0" cap="none" spc="0" dirty="0">
+              <a:ln w="0"/>
+              <a:solidFill>
+                <a:schemeClr val="tx1"/>
+              </a:solidFill>
+              <a:effectLst>
+                <a:outerShdw blurRad="38100" dist="19050" dir="2700000" algn="tl" rotWithShape="0">
+                  <a:schemeClr val="dk1">
+                    <a:alpha val="40000"/>
+                  </a:schemeClr>
+                </a:outerShdw>
+              </a:effectLst>
+            </a:endParaRPr>
+          </a:p>
+        </p:txBody>
+      </p:sp>
+      <p:sp>
+        <p:nvSpPr>
+          <p:cNvPr id="13" name="Rectangle: Rounded Corners 7">
+            <a:extLst>
+              <a:ext uri="{FF2B5EF4-FFF2-40B4-BE49-F238E27FC236}">
+                <a16:creationId xmlns:a16="http://schemas.microsoft.com/office/drawing/2014/main" id="{310BFD69-1F15-427B-861B-A241F2FB2CA8}"/>
+              </a:ext>
+            </a:extLst>
+          </p:cNvPr>
+          <p:cNvSpPr/>
+          <p:nvPr/>
+        </p:nvSpPr>
+        <p:spPr>
+          <a:xfrm>
+            <a:off x="6692943" y="2316176"/>
+            <a:ext cx="4562186" cy="400111"/>
+          </a:xfrm>
+          <a:prstGeom prst="roundRect">
+            <a:avLst/>
+          </a:prstGeom>
+          <a:solidFill>
+            <a:schemeClr val="bg1"/>
+          </a:solidFill>
+          <a:ln>
+            <a:noFill/>
+          </a:ln>
+        </p:spPr>
+        <p:style>
+          <a:lnRef idx="2">
+            <a:schemeClr val="accent1">
+              <a:shade val="50000"/>
+            </a:schemeClr>
+          </a:lnRef>
+          <a:fillRef idx="1">
+            <a:schemeClr val="accent1"/>
+          </a:fillRef>
+          <a:effectRef idx="0">
+            <a:schemeClr val="accent1"/>
+          </a:effectRef>
+          <a:fontRef idx="minor">
+            <a:schemeClr val="lt1"/>
+          </a:fontRef>
+        </p:style>
+        <p:txBody>
+          <a:bodyPr rtlCol="0" anchor="ctr"/>
+          <a:lstStyle/>
+          <a:p>
+            <a:pPr algn="ctr"/>
+            <a:endParaRPr lang="en-US" sz="2000" dirty="0">
+              <a:solidFill>
+                <a:schemeClr val="bg1"/>
+              </a:solidFill>
+            </a:endParaRPr>
+          </a:p>
+        </p:txBody>
+      </p:sp>
+      <p:sp>
+        <p:nvSpPr>
+          <p:cNvPr id="14" name="Rectangle: Rounded Corners 7">
+            <a:extLst>
+              <a:ext uri="{FF2B5EF4-FFF2-40B4-BE49-F238E27FC236}">
+                <a16:creationId xmlns:a16="http://schemas.microsoft.com/office/drawing/2014/main" id="{6E520994-0D45-4C97-9396-CCD892FF112B}"/>
+              </a:ext>
+            </a:extLst>
+          </p:cNvPr>
+          <p:cNvSpPr/>
+          <p:nvPr/>
+        </p:nvSpPr>
+        <p:spPr>
+          <a:xfrm>
+            <a:off x="6692943" y="2844455"/>
+            <a:ext cx="4562186" cy="400111"/>
+          </a:xfrm>
+          <a:prstGeom prst="roundRect">
+            <a:avLst/>
+          </a:prstGeom>
+          <a:solidFill>
+            <a:schemeClr val="bg1"/>
+          </a:solidFill>
+          <a:ln>
+            <a:noFill/>
+          </a:ln>
+        </p:spPr>
+        <p:style>
+          <a:lnRef idx="2">
+            <a:schemeClr val="accent1">
+              <a:shade val="50000"/>
+            </a:schemeClr>
+          </a:lnRef>
+          <a:fillRef idx="1">
+            <a:schemeClr val="accent1"/>
+          </a:fillRef>
+          <a:effectRef idx="0">
+            <a:schemeClr val="accent1"/>
+          </a:effectRef>
+          <a:fontRef idx="minor">
+            <a:schemeClr val="lt1"/>
+          </a:fontRef>
+        </p:style>
+        <p:txBody>
+          <a:bodyPr rtlCol="0" anchor="ctr"/>
+          <a:lstStyle/>
+          <a:p>
+            <a:pPr algn="ctr"/>
+            <a:endParaRPr lang="en-US" sz="2000" dirty="0">
+              <a:solidFill>
+                <a:schemeClr val="bg1"/>
+              </a:solidFill>
+            </a:endParaRPr>
+          </a:p>
+        </p:txBody>
+      </p:sp>
+      <p:sp>
+        <p:nvSpPr>
+          <p:cNvPr id="15" name="Rectangle: Rounded Corners 7">
+            <a:extLst>
+              <a:ext uri="{FF2B5EF4-FFF2-40B4-BE49-F238E27FC236}">
+                <a16:creationId xmlns:a16="http://schemas.microsoft.com/office/drawing/2014/main" id="{E151A580-FE6E-4252-AB3F-3084A8F2CEA5}"/>
+              </a:ext>
+            </a:extLst>
+          </p:cNvPr>
+          <p:cNvSpPr/>
+          <p:nvPr/>
+        </p:nvSpPr>
+        <p:spPr>
+          <a:xfrm>
+            <a:off x="6692943" y="3372734"/>
+            <a:ext cx="4562186" cy="400111"/>
+          </a:xfrm>
+          <a:prstGeom prst="roundRect">
+            <a:avLst/>
+          </a:prstGeom>
+          <a:solidFill>
+            <a:schemeClr val="bg1"/>
+          </a:solidFill>
+          <a:ln>
+            <a:noFill/>
+          </a:ln>
+        </p:spPr>
+        <p:style>
+          <a:lnRef idx="2">
+            <a:schemeClr val="accent1">
+              <a:shade val="50000"/>
+            </a:schemeClr>
+          </a:lnRef>
+          <a:fillRef idx="1">
+            <a:schemeClr val="accent1"/>
+          </a:fillRef>
+          <a:effectRef idx="0">
+            <a:schemeClr val="accent1"/>
+          </a:effectRef>
+          <a:fontRef idx="minor">
+            <a:schemeClr val="lt1"/>
+          </a:fontRef>
+        </p:style>
+        <p:txBody>
+          <a:bodyPr rtlCol="0" anchor="ctr"/>
+          <a:lstStyle/>
+          <a:p>
+            <a:pPr algn="ctr"/>
+            <a:endParaRPr lang="en-US" sz="2000" dirty="0">
+              <a:solidFill>
+                <a:schemeClr val="bg1"/>
+              </a:solidFill>
+            </a:endParaRPr>
+          </a:p>
+        </p:txBody>
+      </p:sp>
+      <p:sp>
+        <p:nvSpPr>
+          <p:cNvPr id="16" name="Rectangle: Rounded Corners 7">
+            <a:extLst>
+              <a:ext uri="{FF2B5EF4-FFF2-40B4-BE49-F238E27FC236}">
+                <a16:creationId xmlns:a16="http://schemas.microsoft.com/office/drawing/2014/main" id="{9EEBEB1B-8C4A-4F3A-BC32-AEB46DD1FBA7}"/>
+              </a:ext>
+            </a:extLst>
+          </p:cNvPr>
+          <p:cNvSpPr/>
+          <p:nvPr/>
+        </p:nvSpPr>
+        <p:spPr>
+          <a:xfrm>
+            <a:off x="6692943" y="3901013"/>
+            <a:ext cx="4562186" cy="400111"/>
+          </a:xfrm>
+          <a:prstGeom prst="roundRect">
+            <a:avLst/>
+          </a:prstGeom>
+          <a:solidFill>
+            <a:schemeClr val="bg1"/>
+          </a:solidFill>
+          <a:ln>
+            <a:noFill/>
+          </a:ln>
+        </p:spPr>
+        <p:style>
+          <a:lnRef idx="2">
+            <a:schemeClr val="accent1">
+              <a:shade val="50000"/>
+            </a:schemeClr>
+          </a:lnRef>
+          <a:fillRef idx="1">
+            <a:schemeClr val="accent1"/>
+          </a:fillRef>
+          <a:effectRef idx="0">
+            <a:schemeClr val="accent1"/>
+          </a:effectRef>
+          <a:fontRef idx="minor">
+            <a:schemeClr val="lt1"/>
+          </a:fontRef>
+        </p:style>
+        <p:txBody>
+          <a:bodyPr rtlCol="0" anchor="ctr"/>
+          <a:lstStyle/>
+          <a:p>
+            <a:pPr algn="ctr"/>
+            <a:endParaRPr lang="en-US" sz="2000" dirty="0">
+              <a:solidFill>
+                <a:schemeClr val="bg1"/>
+              </a:solidFill>
+            </a:endParaRPr>
+          </a:p>
+        </p:txBody>
+      </p:sp>
+      <p:sp>
+        <p:nvSpPr>
+          <p:cNvPr id="18" name="Rectangle: Rounded Corners 7">
+            <a:extLst>
+              <a:ext uri="{FF2B5EF4-FFF2-40B4-BE49-F238E27FC236}">
+                <a16:creationId xmlns:a16="http://schemas.microsoft.com/office/drawing/2014/main" id="{77A33A60-9D37-44AB-83D1-DA3B9B420466}"/>
+              </a:ext>
+            </a:extLst>
+          </p:cNvPr>
+          <p:cNvSpPr/>
+          <p:nvPr/>
+        </p:nvSpPr>
+        <p:spPr>
+          <a:xfrm>
+            <a:off x="559293" y="6112974"/>
+            <a:ext cx="1776425" cy="316371"/>
+          </a:xfrm>
+          <a:prstGeom prst="roundRect">
+            <a:avLst/>
+          </a:prstGeom>
+          <a:solidFill>
+            <a:srgbClr val="FF0000"/>
+          </a:solidFill>
+          <a:ln>
+            <a:noFill/>
+          </a:ln>
+        </p:spPr>
+        <p:style>
+          <a:lnRef idx="2">
+            <a:schemeClr val="accent1">
+              <a:shade val="50000"/>
+            </a:schemeClr>
+          </a:lnRef>
+          <a:fillRef idx="1">
+            <a:schemeClr val="accent1"/>
+          </a:fillRef>
+          <a:effectRef idx="0">
+            <a:schemeClr val="accent1"/>
+          </a:effectRef>
+          <a:fontRef idx="minor">
+            <a:schemeClr val="lt1"/>
+          </a:fontRef>
+        </p:style>
+        <p:txBody>
+          <a:bodyPr rtlCol="0" anchor="ctr"/>
+          <a:lstStyle/>
+          <a:p>
+            <a:pPr algn="ctr"/>
+            <a:r>
+              <a:rPr lang="es-VE" sz="2000" dirty="0">
+                <a:solidFill>
+                  <a:schemeClr val="bg1"/>
+                </a:solidFill>
+              </a:rPr>
+              <a:t>Volver</a:t>
+            </a:r>
+            <a:endParaRPr lang="en-US" sz="2000" dirty="0">
+              <a:solidFill>
+                <a:schemeClr val="bg1"/>
+              </a:solidFill>
+            </a:endParaRPr>
+          </a:p>
+        </p:txBody>
+      </p:sp>
+      <p:sp>
+        <p:nvSpPr>
+          <p:cNvPr id="17" name="Rectangle 1">
+            <a:extLst>
+              <a:ext uri="{FF2B5EF4-FFF2-40B4-BE49-F238E27FC236}">
+                <a16:creationId xmlns:a16="http://schemas.microsoft.com/office/drawing/2014/main" id="{095F8431-EDEE-4B53-A635-D5A01BD5D0A1}"/>
+              </a:ext>
+            </a:extLst>
+          </p:cNvPr>
+          <p:cNvSpPr/>
+          <p:nvPr/>
+        </p:nvSpPr>
+        <p:spPr>
+          <a:xfrm>
+            <a:off x="94695" y="106531"/>
+            <a:ext cx="12002610" cy="905523"/>
+          </a:xfrm>
+          <a:prstGeom prst="rect">
+            <a:avLst/>
+          </a:prstGeom>
+          <a:solidFill>
+            <a:schemeClr val="tx1">
+              <a:lumMod val="65000"/>
+              <a:lumOff val="35000"/>
+            </a:schemeClr>
+          </a:solidFill>
+          <a:ln>
+            <a:noFill/>
+          </a:ln>
+        </p:spPr>
+        <p:style>
+          <a:lnRef idx="2">
+            <a:schemeClr val="accent1">
+              <a:shade val="50000"/>
+            </a:schemeClr>
+          </a:lnRef>
+          <a:fillRef idx="1">
+            <a:schemeClr val="accent1"/>
+          </a:fillRef>
+          <a:effectRef idx="0">
+            <a:schemeClr val="accent1"/>
+          </a:effectRef>
+          <a:fontRef idx="minor">
+            <a:schemeClr val="lt1"/>
+          </a:fontRef>
+        </p:style>
+        <p:txBody>
+          <a:bodyPr rtlCol="0" anchor="ctr"/>
+          <a:lstStyle/>
+          <a:p>
+            <a:pPr algn="ctr"/>
+            <a:r>
+              <a:rPr lang="es-VE" b="1" dirty="0">
+                <a:solidFill>
+                  <a:schemeClr val="bg1"/>
+                </a:solidFill>
+              </a:rPr>
+              <a:t>*logo*      Adopción     Consejos       Cat-</a:t>
+            </a:r>
+            <a:r>
+              <a:rPr lang="es-VE" b="1" dirty="0" err="1">
+                <a:solidFill>
+                  <a:schemeClr val="bg1"/>
+                </a:solidFill>
+              </a:rPr>
+              <a:t>Sitters</a:t>
+            </a:r>
+            <a:r>
+              <a:rPr lang="es-VE" b="1" dirty="0">
+                <a:solidFill>
+                  <a:schemeClr val="bg1"/>
+                </a:solidFill>
+              </a:rPr>
+              <a:t>                                                              </a:t>
+            </a:r>
+            <a:r>
+              <a:rPr lang="es-VE" b="1" u="sng" dirty="0">
+                <a:solidFill>
+                  <a:srgbClr val="00B0F0"/>
+                </a:solidFill>
+              </a:rPr>
+              <a:t>Mi Perfil</a:t>
+            </a:r>
+            <a:r>
+              <a:rPr lang="es-VE" b="1" dirty="0">
+                <a:solidFill>
+                  <a:srgbClr val="00B0F0"/>
+                </a:solidFill>
+              </a:rPr>
+              <a:t>        </a:t>
+            </a:r>
+            <a:r>
+              <a:rPr lang="es-VE" b="1" dirty="0" err="1">
+                <a:solidFill>
+                  <a:schemeClr val="bg1"/>
+                </a:solidFill>
+              </a:rPr>
+              <a:t>Logout</a:t>
+            </a:r>
+            <a:endParaRPr lang="en-US" b="1" dirty="0">
+              <a:solidFill>
+                <a:schemeClr val="bg1"/>
+              </a:solidFill>
+            </a:endParaRPr>
+          </a:p>
+        </p:txBody>
+      </p:sp>
+      <p:sp>
+        <p:nvSpPr>
+          <p:cNvPr id="20" name="Rectangle 7">
+            <a:extLst>
+              <a:ext uri="{FF2B5EF4-FFF2-40B4-BE49-F238E27FC236}">
+                <a16:creationId xmlns:a16="http://schemas.microsoft.com/office/drawing/2014/main" id="{1B21C023-4A84-4225-A23A-96D93AF1007C}"/>
+              </a:ext>
+            </a:extLst>
+          </p:cNvPr>
+          <p:cNvSpPr/>
+          <p:nvPr/>
+        </p:nvSpPr>
+        <p:spPr>
+          <a:xfrm>
+            <a:off x="517071" y="1245602"/>
+            <a:ext cx="6439071" cy="707886"/>
+          </a:xfrm>
+          <a:prstGeom prst="rect">
+            <a:avLst/>
+          </a:prstGeom>
+          <a:noFill/>
+        </p:spPr>
+        <p:txBody>
+          <a:bodyPr wrap="none" lIns="91440" tIns="45720" rIns="91440" bIns="45720">
+            <a:spAutoFit/>
+          </a:bodyPr>
+          <a:lstStyle/>
+          <a:p>
+            <a:pPr algn="ctr"/>
+            <a:r>
+              <a:rPr lang="en-US" sz="4000" b="0" cap="none" spc="0" dirty="0" err="1">
+                <a:ln w="0"/>
+                <a:solidFill>
+                  <a:schemeClr val="tx1"/>
+                </a:solidFill>
+                <a:effectLst>
+                  <a:outerShdw blurRad="38100" dist="19050" dir="2700000" algn="tl" rotWithShape="0">
+                    <a:schemeClr val="dk1">
+                      <a:alpha val="40000"/>
+                    </a:schemeClr>
+                  </a:outerShdw>
+                </a:effectLst>
+              </a:rPr>
+              <a:t>Solicitud</a:t>
+            </a:r>
+            <a:r>
+              <a:rPr lang="en-US" sz="4000" b="0" cap="none" spc="0" dirty="0">
+                <a:ln w="0"/>
+                <a:solidFill>
+                  <a:schemeClr val="tx1"/>
+                </a:solidFill>
+                <a:effectLst>
+                  <a:outerShdw blurRad="38100" dist="19050" dir="2700000" algn="tl" rotWithShape="0">
+                    <a:schemeClr val="dk1">
+                      <a:alpha val="40000"/>
+                    </a:schemeClr>
+                  </a:outerShdw>
+                </a:effectLst>
+              </a:rPr>
+              <a:t> para ser </a:t>
+            </a:r>
+            <a:r>
+              <a:rPr lang="en-US" sz="4000" b="0" cap="none" spc="0" dirty="0" err="1">
+                <a:ln w="0"/>
+                <a:solidFill>
+                  <a:schemeClr val="tx1"/>
+                </a:solidFill>
+                <a:effectLst>
+                  <a:outerShdw blurRad="38100" dist="19050" dir="2700000" algn="tl" rotWithShape="0">
+                    <a:schemeClr val="dk1">
+                      <a:alpha val="40000"/>
+                    </a:schemeClr>
+                  </a:outerShdw>
+                </a:effectLst>
+              </a:rPr>
+              <a:t>catsitter</a:t>
+            </a:r>
+            <a:r>
+              <a:rPr lang="en-US" sz="4000" b="0" cap="none" spc="0" dirty="0">
+                <a:ln w="0"/>
+                <a:solidFill>
+                  <a:schemeClr val="tx1"/>
+                </a:solidFill>
+                <a:effectLst>
+                  <a:outerShdw blurRad="38100" dist="19050" dir="2700000" algn="tl" rotWithShape="0">
+                    <a:schemeClr val="dk1">
+                      <a:alpha val="40000"/>
+                    </a:schemeClr>
+                  </a:outerShdw>
+                </a:effectLst>
+              </a:rPr>
+              <a:t>:</a:t>
+            </a:r>
+          </a:p>
+        </p:txBody>
+      </p:sp>
+    </p:spTree>
+    <p:extLst>
+      <p:ext uri="{BB962C8B-B14F-4D97-AF65-F5344CB8AC3E}">
+        <p14:creationId xmlns:p14="http://schemas.microsoft.com/office/powerpoint/2010/main" val="2916782039"/>
       </p:ext>
     </p:extLst>
   </p:cSld>

--- a/Docs/wireframe cat-attack.pptx
+++ b/Docs/wireframe cat-attack.pptx
@@ -1788,7 +1788,7 @@
           <a:p>
             <a:fld id="{8F72BA41-EC5B-4197-BCC8-0FD2E523CD7A}" type="datetimeFigureOut">
               <a:rPr lang="en-US" smtClean="0"/>
-              <a:t>10/26/2021</a:t>
+              <a:t>11/8/2021</a:t>
             </a:fld>
             <a:endParaRPr lang="en-US"/>
           </a:p>
@@ -1991,7 +1991,7 @@
           <a:p>
             <a:fld id="{8F72BA41-EC5B-4197-BCC8-0FD2E523CD7A}" type="datetimeFigureOut">
               <a:rPr lang="en-US" smtClean="0"/>
-              <a:t>10/26/2021</a:t>
+              <a:t>11/8/2021</a:t>
             </a:fld>
             <a:endParaRPr lang="en-US"/>
           </a:p>
@@ -3712,7 +3712,7 @@
           <a:p>
             <a:fld id="{8F72BA41-EC5B-4197-BCC8-0FD2E523CD7A}" type="datetimeFigureOut">
               <a:rPr lang="en-US" smtClean="0"/>
-              <a:t>10/26/2021</a:t>
+              <a:t>11/8/2021</a:t>
             </a:fld>
             <a:endParaRPr lang="en-US"/>
           </a:p>
@@ -3911,7 +3911,7 @@
           <a:p>
             <a:fld id="{8F72BA41-EC5B-4197-BCC8-0FD2E523CD7A}" type="datetimeFigureOut">
               <a:rPr lang="en-US" smtClean="0"/>
-              <a:t>10/26/2021</a:t>
+              <a:t>11/8/2021</a:t>
             </a:fld>
             <a:endParaRPr lang="en-US"/>
           </a:p>
@@ -5701,7 +5701,7 @@
           <a:p>
             <a:fld id="{8F72BA41-EC5B-4197-BCC8-0FD2E523CD7A}" type="datetimeFigureOut">
               <a:rPr lang="en-US" smtClean="0"/>
-              <a:t>10/26/2021</a:t>
+              <a:t>11/8/2021</a:t>
             </a:fld>
             <a:endParaRPr lang="en-US"/>
           </a:p>
@@ -5974,7 +5974,7 @@
           <a:p>
             <a:fld id="{8F72BA41-EC5B-4197-BCC8-0FD2E523CD7A}" type="datetimeFigureOut">
               <a:rPr lang="en-US" smtClean="0"/>
-              <a:t>10/26/2021</a:t>
+              <a:t>11/8/2021</a:t>
             </a:fld>
             <a:endParaRPr lang="en-US"/>
           </a:p>
@@ -6394,7 +6394,7 @@
           <a:p>
             <a:fld id="{8F72BA41-EC5B-4197-BCC8-0FD2E523CD7A}" type="datetimeFigureOut">
               <a:rPr lang="en-US" smtClean="0"/>
-              <a:t>10/26/2021</a:t>
+              <a:t>11/8/2021</a:t>
             </a:fld>
             <a:endParaRPr lang="en-US"/>
           </a:p>
@@ -6550,7 +6550,7 @@
           <a:p>
             <a:fld id="{8F72BA41-EC5B-4197-BCC8-0FD2E523CD7A}" type="datetimeFigureOut">
               <a:rPr lang="en-US" smtClean="0"/>
-              <a:t>10/26/2021</a:t>
+              <a:t>11/8/2021</a:t>
             </a:fld>
             <a:endParaRPr lang="en-US"/>
           </a:p>
@@ -8118,7 +8118,7 @@
           <a:p>
             <a:fld id="{8F72BA41-EC5B-4197-BCC8-0FD2E523CD7A}" type="datetimeFigureOut">
               <a:rPr lang="en-US" smtClean="0"/>
-              <a:t>10/26/2021</a:t>
+              <a:t>11/8/2021</a:t>
             </a:fld>
             <a:endParaRPr lang="en-US"/>
           </a:p>
@@ -9969,7 +9969,7 @@
           <a:p>
             <a:fld id="{8F72BA41-EC5B-4197-BCC8-0FD2E523CD7A}" type="datetimeFigureOut">
               <a:rPr lang="en-US" smtClean="0"/>
-              <a:t>10/26/2021</a:t>
+              <a:t>11/8/2021</a:t>
             </a:fld>
             <a:endParaRPr lang="en-US"/>
           </a:p>
@@ -11782,7 +11782,7 @@
           <a:p>
             <a:fld id="{8F72BA41-EC5B-4197-BCC8-0FD2E523CD7A}" type="datetimeFigureOut">
               <a:rPr lang="en-US" smtClean="0"/>
-              <a:t>10/26/2021</a:t>
+              <a:t>11/8/2021</a:t>
             </a:fld>
             <a:endParaRPr lang="en-US"/>
           </a:p>
@@ -13476,7 +13476,7 @@
             <a:fld id="{8F72BA41-EC5B-4197-BCC8-0FD2E523CD7A}" type="datetimeFigureOut">
               <a:rPr lang="en-US" smtClean="0"/>
               <a:pPr/>
-              <a:t>10/26/2021</a:t>
+              <a:t>11/8/2021</a:t>
             </a:fld>
             <a:endParaRPr lang="en-US" dirty="0"/>
           </a:p>
@@ -16543,8 +16543,8 @@
         </p:nvSpPr>
         <p:spPr>
           <a:xfrm>
-            <a:off x="337350" y="1359762"/>
-            <a:ext cx="11505461" cy="2996578"/>
+            <a:off x="337350" y="1359761"/>
+            <a:ext cx="11505461" cy="4054449"/>
           </a:xfrm>
           <a:prstGeom prst="rect">
             <a:avLst/>
@@ -17418,6 +17418,298 @@
                 </a:effectLst>
               </a:rPr>
               <a:t>nacimiento</a:t>
+            </a:r>
+            <a:r>
+              <a:rPr lang="en-US" sz="2000" dirty="0">
+                <a:ln w="0"/>
+                <a:effectLst>
+                  <a:outerShdw blurRad="38100" dist="19050" dir="2700000" algn="tl" rotWithShape="0">
+                    <a:schemeClr val="dk1">
+                      <a:alpha val="40000"/>
+                    </a:schemeClr>
+                  </a:outerShdw>
+                </a:effectLst>
+              </a:rPr>
+              <a:t>:</a:t>
+            </a:r>
+            <a:endParaRPr lang="en-US" sz="2000" b="0" cap="none" spc="0" dirty="0">
+              <a:ln w="0"/>
+              <a:solidFill>
+                <a:schemeClr val="tx1"/>
+              </a:solidFill>
+              <a:effectLst>
+                <a:outerShdw blurRad="38100" dist="19050" dir="2700000" algn="tl" rotWithShape="0">
+                  <a:schemeClr val="dk1">
+                    <a:alpha val="40000"/>
+                  </a:schemeClr>
+                </a:outerShdw>
+              </a:effectLst>
+            </a:endParaRPr>
+          </a:p>
+        </p:txBody>
+      </p:sp>
+      <p:sp>
+        <p:nvSpPr>
+          <p:cNvPr id="21" name="Rectangle 7">
+            <a:extLst>
+              <a:ext uri="{FF2B5EF4-FFF2-40B4-BE49-F238E27FC236}">
+                <a16:creationId xmlns:a16="http://schemas.microsoft.com/office/drawing/2014/main" id="{C90C603C-A7FB-40E7-A0C1-B6B099ED3B8B}"/>
+              </a:ext>
+            </a:extLst>
+          </p:cNvPr>
+          <p:cNvSpPr/>
+          <p:nvPr/>
+        </p:nvSpPr>
+        <p:spPr>
+          <a:xfrm>
+            <a:off x="3726420" y="4223928"/>
+            <a:ext cx="2706110" cy="400110"/>
+          </a:xfrm>
+          <a:prstGeom prst="rect">
+            <a:avLst/>
+          </a:prstGeom>
+          <a:noFill/>
+        </p:spPr>
+        <p:txBody>
+          <a:bodyPr wrap="square" lIns="91440" tIns="45720" rIns="91440" bIns="45720">
+            <a:spAutoFit/>
+          </a:bodyPr>
+          <a:lstStyle/>
+          <a:p>
+            <a:pPr algn="ctr"/>
+            <a:r>
+              <a:rPr lang="en-US" sz="2000" b="0" cap="none" spc="0" dirty="0" err="1">
+                <a:ln w="0"/>
+                <a:solidFill>
+                  <a:schemeClr val="tx1"/>
+                </a:solidFill>
+                <a:effectLst>
+                  <a:outerShdw blurRad="38100" dist="19050" dir="2700000" algn="tl" rotWithShape="0">
+                    <a:schemeClr val="dk1">
+                      <a:alpha val="40000"/>
+                    </a:schemeClr>
+                  </a:outerShdw>
+                </a:effectLst>
+              </a:rPr>
+              <a:t>Contraseña</a:t>
+            </a:r>
+            <a:r>
+              <a:rPr lang="en-US" sz="2000" dirty="0">
+                <a:ln w="0"/>
+                <a:effectLst>
+                  <a:outerShdw blurRad="38100" dist="19050" dir="2700000" algn="tl" rotWithShape="0">
+                    <a:schemeClr val="dk1">
+                      <a:alpha val="40000"/>
+                    </a:schemeClr>
+                  </a:outerShdw>
+                </a:effectLst>
+              </a:rPr>
+              <a:t>:</a:t>
+            </a:r>
+            <a:endParaRPr lang="en-US" sz="2000" b="0" cap="none" spc="0" dirty="0">
+              <a:ln w="0"/>
+              <a:solidFill>
+                <a:schemeClr val="tx1"/>
+              </a:solidFill>
+              <a:effectLst>
+                <a:outerShdw blurRad="38100" dist="19050" dir="2700000" algn="tl" rotWithShape="0">
+                  <a:schemeClr val="dk1">
+                    <a:alpha val="40000"/>
+                  </a:schemeClr>
+                </a:outerShdw>
+              </a:effectLst>
+            </a:endParaRPr>
+          </a:p>
+        </p:txBody>
+      </p:sp>
+      <p:sp>
+        <p:nvSpPr>
+          <p:cNvPr id="22" name="Rectangle: Rounded Corners 7">
+            <a:extLst>
+              <a:ext uri="{FF2B5EF4-FFF2-40B4-BE49-F238E27FC236}">
+                <a16:creationId xmlns:a16="http://schemas.microsoft.com/office/drawing/2014/main" id="{99269CDB-D89C-47A9-A89B-F0F801DC7CA7}"/>
+              </a:ext>
+            </a:extLst>
+          </p:cNvPr>
+          <p:cNvSpPr/>
+          <p:nvPr/>
+        </p:nvSpPr>
+        <p:spPr>
+          <a:xfrm>
+            <a:off x="6675185" y="4200010"/>
+            <a:ext cx="4562186" cy="400111"/>
+          </a:xfrm>
+          <a:prstGeom prst="roundRect">
+            <a:avLst/>
+          </a:prstGeom>
+          <a:solidFill>
+            <a:schemeClr val="bg1"/>
+          </a:solidFill>
+          <a:ln>
+            <a:noFill/>
+          </a:ln>
+        </p:spPr>
+        <p:style>
+          <a:lnRef idx="2">
+            <a:schemeClr val="accent1">
+              <a:shade val="50000"/>
+            </a:schemeClr>
+          </a:lnRef>
+          <a:fillRef idx="1">
+            <a:schemeClr val="accent1"/>
+          </a:fillRef>
+          <a:effectRef idx="0">
+            <a:schemeClr val="accent1"/>
+          </a:effectRef>
+          <a:fontRef idx="minor">
+            <a:schemeClr val="lt1"/>
+          </a:fontRef>
+        </p:style>
+        <p:txBody>
+          <a:bodyPr rtlCol="0" anchor="ctr"/>
+          <a:lstStyle/>
+          <a:p>
+            <a:pPr algn="ctr"/>
+            <a:endParaRPr lang="en-US" sz="2000" dirty="0">
+              <a:solidFill>
+                <a:schemeClr val="bg1"/>
+              </a:solidFill>
+            </a:endParaRPr>
+          </a:p>
+        </p:txBody>
+      </p:sp>
+      <p:sp>
+        <p:nvSpPr>
+          <p:cNvPr id="24" name="Rectangle: Rounded Corners 7">
+            <a:extLst>
+              <a:ext uri="{FF2B5EF4-FFF2-40B4-BE49-F238E27FC236}">
+                <a16:creationId xmlns:a16="http://schemas.microsoft.com/office/drawing/2014/main" id="{283B7F6B-0804-43AE-845F-1609AEE9B08B}"/>
+              </a:ext>
+            </a:extLst>
+          </p:cNvPr>
+          <p:cNvSpPr/>
+          <p:nvPr/>
+        </p:nvSpPr>
+        <p:spPr>
+          <a:xfrm>
+            <a:off x="6675185" y="4726779"/>
+            <a:ext cx="4562186" cy="400111"/>
+          </a:xfrm>
+          <a:prstGeom prst="roundRect">
+            <a:avLst/>
+          </a:prstGeom>
+          <a:solidFill>
+            <a:schemeClr val="bg1"/>
+          </a:solidFill>
+          <a:ln>
+            <a:noFill/>
+          </a:ln>
+        </p:spPr>
+        <p:style>
+          <a:lnRef idx="2">
+            <a:schemeClr val="accent1">
+              <a:shade val="50000"/>
+            </a:schemeClr>
+          </a:lnRef>
+          <a:fillRef idx="1">
+            <a:schemeClr val="accent1"/>
+          </a:fillRef>
+          <a:effectRef idx="0">
+            <a:schemeClr val="accent1"/>
+          </a:effectRef>
+          <a:fontRef idx="minor">
+            <a:schemeClr val="lt1"/>
+          </a:fontRef>
+        </p:style>
+        <p:txBody>
+          <a:bodyPr rtlCol="0" anchor="ctr"/>
+          <a:lstStyle/>
+          <a:p>
+            <a:pPr algn="ctr"/>
+            <a:endParaRPr lang="en-US" sz="2000" dirty="0">
+              <a:solidFill>
+                <a:schemeClr val="bg1"/>
+              </a:solidFill>
+            </a:endParaRPr>
+          </a:p>
+        </p:txBody>
+      </p:sp>
+      <p:sp>
+        <p:nvSpPr>
+          <p:cNvPr id="26" name="Rectangle 7">
+            <a:extLst>
+              <a:ext uri="{FF2B5EF4-FFF2-40B4-BE49-F238E27FC236}">
+                <a16:creationId xmlns:a16="http://schemas.microsoft.com/office/drawing/2014/main" id="{A337575F-848B-461C-B6BD-E47D4E7368E4}"/>
+              </a:ext>
+            </a:extLst>
+          </p:cNvPr>
+          <p:cNvSpPr/>
+          <p:nvPr/>
+        </p:nvSpPr>
+        <p:spPr>
+          <a:xfrm>
+            <a:off x="3505424" y="4729159"/>
+            <a:ext cx="3148102" cy="400110"/>
+          </a:xfrm>
+          <a:prstGeom prst="rect">
+            <a:avLst/>
+          </a:prstGeom>
+          <a:noFill/>
+        </p:spPr>
+        <p:txBody>
+          <a:bodyPr wrap="square" lIns="91440" tIns="45720" rIns="91440" bIns="45720">
+            <a:spAutoFit/>
+          </a:bodyPr>
+          <a:lstStyle/>
+          <a:p>
+            <a:pPr algn="ctr"/>
+            <a:r>
+              <a:rPr lang="en-US" sz="2000" b="0" cap="none" spc="0" dirty="0" err="1">
+                <a:ln w="0"/>
+                <a:solidFill>
+                  <a:schemeClr val="tx1"/>
+                </a:solidFill>
+                <a:effectLst>
+                  <a:outerShdw blurRad="38100" dist="19050" dir="2700000" algn="tl" rotWithShape="0">
+                    <a:schemeClr val="dk1">
+                      <a:alpha val="40000"/>
+                    </a:schemeClr>
+                  </a:outerShdw>
+                </a:effectLst>
+              </a:rPr>
+              <a:t>Confirmar</a:t>
+            </a:r>
+            <a:r>
+              <a:rPr lang="en-US" sz="2000" b="0" cap="none" spc="0" dirty="0">
+                <a:ln w="0"/>
+                <a:solidFill>
+                  <a:schemeClr val="tx1"/>
+                </a:solidFill>
+                <a:effectLst>
+                  <a:outerShdw blurRad="38100" dist="19050" dir="2700000" algn="tl" rotWithShape="0">
+                    <a:schemeClr val="dk1">
+                      <a:alpha val="40000"/>
+                    </a:schemeClr>
+                  </a:outerShdw>
+                </a:effectLst>
+              </a:rPr>
+              <a:t> </a:t>
+            </a:r>
+            <a:r>
+              <a:rPr lang="en-US" sz="2000" b="0" cap="none" spc="0" dirty="0" err="1">
+                <a:ln w="0"/>
+                <a:solidFill>
+                  <a:schemeClr val="tx1"/>
+                </a:solidFill>
+                <a:effectLst>
+                  <a:outerShdw blurRad="38100" dist="19050" dir="2700000" algn="tl" rotWithShape="0">
+                    <a:schemeClr val="dk1">
+                      <a:alpha val="40000"/>
+                    </a:schemeClr>
+                  </a:outerShdw>
+                </a:effectLst>
+              </a:rPr>
+              <a:t>contraseña</a:t>
             </a:r>
             <a:r>
               <a:rPr lang="en-US" sz="2000" dirty="0">

--- a/Docs/wireframe cat-attack.pptx
+++ b/Docs/wireframe cat-attack.pptx
@@ -1788,7 +1788,7 @@
           <a:p>
             <a:fld id="{8F72BA41-EC5B-4197-BCC8-0FD2E523CD7A}" type="datetimeFigureOut">
               <a:rPr lang="en-US" smtClean="0"/>
-              <a:t>11/8/2021</a:t>
+              <a:t>11/30/2021</a:t>
             </a:fld>
             <a:endParaRPr lang="en-US"/>
           </a:p>
@@ -1991,7 +1991,7 @@
           <a:p>
             <a:fld id="{8F72BA41-EC5B-4197-BCC8-0FD2E523CD7A}" type="datetimeFigureOut">
               <a:rPr lang="en-US" smtClean="0"/>
-              <a:t>11/8/2021</a:t>
+              <a:t>11/30/2021</a:t>
             </a:fld>
             <a:endParaRPr lang="en-US"/>
           </a:p>
@@ -3712,7 +3712,7 @@
           <a:p>
             <a:fld id="{8F72BA41-EC5B-4197-BCC8-0FD2E523CD7A}" type="datetimeFigureOut">
               <a:rPr lang="en-US" smtClean="0"/>
-              <a:t>11/8/2021</a:t>
+              <a:t>11/30/2021</a:t>
             </a:fld>
             <a:endParaRPr lang="en-US"/>
           </a:p>
@@ -3911,7 +3911,7 @@
           <a:p>
             <a:fld id="{8F72BA41-EC5B-4197-BCC8-0FD2E523CD7A}" type="datetimeFigureOut">
               <a:rPr lang="en-US" smtClean="0"/>
-              <a:t>11/8/2021</a:t>
+              <a:t>11/30/2021</a:t>
             </a:fld>
             <a:endParaRPr lang="en-US"/>
           </a:p>
@@ -5701,7 +5701,7 @@
           <a:p>
             <a:fld id="{8F72BA41-EC5B-4197-BCC8-0FD2E523CD7A}" type="datetimeFigureOut">
               <a:rPr lang="en-US" smtClean="0"/>
-              <a:t>11/8/2021</a:t>
+              <a:t>11/30/2021</a:t>
             </a:fld>
             <a:endParaRPr lang="en-US"/>
           </a:p>
@@ -5974,7 +5974,7 @@
           <a:p>
             <a:fld id="{8F72BA41-EC5B-4197-BCC8-0FD2E523CD7A}" type="datetimeFigureOut">
               <a:rPr lang="en-US" smtClean="0"/>
-              <a:t>11/8/2021</a:t>
+              <a:t>11/30/2021</a:t>
             </a:fld>
             <a:endParaRPr lang="en-US"/>
           </a:p>
@@ -6394,7 +6394,7 @@
           <a:p>
             <a:fld id="{8F72BA41-EC5B-4197-BCC8-0FD2E523CD7A}" type="datetimeFigureOut">
               <a:rPr lang="en-US" smtClean="0"/>
-              <a:t>11/8/2021</a:t>
+              <a:t>11/30/2021</a:t>
             </a:fld>
             <a:endParaRPr lang="en-US"/>
           </a:p>
@@ -6550,7 +6550,7 @@
           <a:p>
             <a:fld id="{8F72BA41-EC5B-4197-BCC8-0FD2E523CD7A}" type="datetimeFigureOut">
               <a:rPr lang="en-US" smtClean="0"/>
-              <a:t>11/8/2021</a:t>
+              <a:t>11/30/2021</a:t>
             </a:fld>
             <a:endParaRPr lang="en-US"/>
           </a:p>
@@ -8118,7 +8118,7 @@
           <a:p>
             <a:fld id="{8F72BA41-EC5B-4197-BCC8-0FD2E523CD7A}" type="datetimeFigureOut">
               <a:rPr lang="en-US" smtClean="0"/>
-              <a:t>11/8/2021</a:t>
+              <a:t>11/30/2021</a:t>
             </a:fld>
             <a:endParaRPr lang="en-US"/>
           </a:p>
@@ -9969,7 +9969,7 @@
           <a:p>
             <a:fld id="{8F72BA41-EC5B-4197-BCC8-0FD2E523CD7A}" type="datetimeFigureOut">
               <a:rPr lang="en-US" smtClean="0"/>
-              <a:t>11/8/2021</a:t>
+              <a:t>11/30/2021</a:t>
             </a:fld>
             <a:endParaRPr lang="en-US"/>
           </a:p>
@@ -11782,7 +11782,7 @@
           <a:p>
             <a:fld id="{8F72BA41-EC5B-4197-BCC8-0FD2E523CD7A}" type="datetimeFigureOut">
               <a:rPr lang="en-US" smtClean="0"/>
-              <a:t>11/8/2021</a:t>
+              <a:t>11/30/2021</a:t>
             </a:fld>
             <a:endParaRPr lang="en-US"/>
           </a:p>
@@ -13476,7 +13476,7 @@
             <a:fld id="{8F72BA41-EC5B-4197-BCC8-0FD2E523CD7A}" type="datetimeFigureOut">
               <a:rPr lang="en-US" smtClean="0"/>
               <a:pPr/>
-              <a:t>11/8/2021</a:t>
+              <a:t>11/30/2021</a:t>
             </a:fld>
             <a:endParaRPr lang="en-US" dirty="0"/>
           </a:p>
@@ -14184,46 +14184,6 @@
               <a:t> </a:t>
             </a:r>
             <a:r>
-              <a:rPr lang="en-US" dirty="0" err="1">
-                <a:solidFill>
-                  <a:schemeClr val="bg1">
-                    <a:lumMod val="50000"/>
-                  </a:schemeClr>
-                </a:solidFill>
-              </a:rPr>
-              <a:t>correo</a:t>
-            </a:r>
-            <a:r>
-              <a:rPr lang="en-US" dirty="0">
-                <a:solidFill>
-                  <a:schemeClr val="bg1">
-                    <a:lumMod val="50000"/>
-                  </a:schemeClr>
-                </a:solidFill>
-              </a:rPr>
-              <a:t> </a:t>
-            </a:r>
-            <a:r>
-              <a:rPr lang="en-US" dirty="0" err="1">
-                <a:solidFill>
-                  <a:schemeClr val="bg1">
-                    <a:lumMod val="50000"/>
-                  </a:schemeClr>
-                </a:solidFill>
-              </a:rPr>
-              <a:t>electr</a:t>
-            </a:r>
-            <a:r>
-              <a:rPr lang="es-VE" dirty="0" err="1">
-                <a:solidFill>
-                  <a:schemeClr val="bg1">
-                    <a:lumMod val="50000"/>
-                  </a:schemeClr>
-                </a:solidFill>
-              </a:rPr>
-              <a:t>ónico</a:t>
-            </a:r>
-            <a:r>
               <a:rPr lang="es-VE" dirty="0">
                 <a:solidFill>
                   <a:schemeClr val="bg1">
@@ -14231,7 +14191,7 @@
                   </a:schemeClr>
                 </a:solidFill>
               </a:rPr>
-              <a:t> o nombre de usuario</a:t>
+              <a:t>nombre de usuario</a:t>
             </a:r>
             <a:endParaRPr lang="en-US" dirty="0">
               <a:solidFill>
@@ -16543,8 +16503,8 @@
         </p:nvSpPr>
         <p:spPr>
           <a:xfrm>
-            <a:off x="337350" y="1359761"/>
-            <a:ext cx="11505461" cy="4054449"/>
+            <a:off x="337350" y="1241571"/>
+            <a:ext cx="11505461" cy="4549277"/>
           </a:xfrm>
           <a:prstGeom prst="rect">
             <a:avLst/>
@@ -16601,7 +16561,7 @@
         </p:nvSpPr>
         <p:spPr>
           <a:xfrm>
-            <a:off x="3607292" y="1577130"/>
+            <a:off x="3726420" y="1474834"/>
             <a:ext cx="2706110" cy="400110"/>
           </a:xfrm>
           <a:prstGeom prst="rect">
@@ -16740,7 +16700,7 @@
         </p:nvSpPr>
         <p:spPr>
           <a:xfrm>
-            <a:off x="8968117" y="5620148"/>
+            <a:off x="8968117" y="5912556"/>
             <a:ext cx="2782036" cy="717205"/>
           </a:xfrm>
           <a:prstGeom prst="roundRect">
@@ -16804,7 +16764,7 @@
         </p:nvSpPr>
         <p:spPr>
           <a:xfrm>
-            <a:off x="3607292" y="2105409"/>
+            <a:off x="3726420" y="2531392"/>
             <a:ext cx="2706110" cy="400110"/>
           </a:xfrm>
           <a:prstGeom prst="rect">
@@ -16833,7 +16793,7 @@
                   </a:outerShdw>
                 </a:effectLst>
               </a:rPr>
-              <a:t>Apellidos</a:t>
+              <a:t>Apellido</a:t>
             </a:r>
             <a:r>
               <a:rPr lang="en-US" sz="2000" b="0" cap="none" spc="0" dirty="0">
@@ -16849,7 +16809,7 @@
                   </a:outerShdw>
                 </a:effectLst>
               </a:rPr>
-              <a:t>:</a:t>
+              <a:t> 2:</a:t>
             </a:r>
           </a:p>
         </p:txBody>
@@ -16868,7 +16828,7 @@
         </p:nvSpPr>
         <p:spPr>
           <a:xfrm>
-            <a:off x="3726420" y="2633688"/>
+            <a:off x="3726420" y="3059671"/>
             <a:ext cx="2706110" cy="400110"/>
           </a:xfrm>
           <a:prstGeom prst="rect">
@@ -16964,7 +16924,7 @@
         </p:nvSpPr>
         <p:spPr>
           <a:xfrm>
-            <a:off x="3607292" y="3154224"/>
+            <a:off x="3726420" y="3570945"/>
             <a:ext cx="2706110" cy="400110"/>
           </a:xfrm>
           <a:prstGeom prst="rect">
@@ -17012,7 +16972,7 @@
         </p:nvSpPr>
         <p:spPr>
           <a:xfrm>
-            <a:off x="6687024" y="1577130"/>
+            <a:off x="6687024" y="1474834"/>
             <a:ext cx="4562186" cy="400111"/>
           </a:xfrm>
           <a:prstGeom prst="roundRect">
@@ -17068,7 +17028,7 @@
         </p:nvSpPr>
         <p:spPr>
           <a:xfrm>
-            <a:off x="6687024" y="2105409"/>
+            <a:off x="6687024" y="2003113"/>
             <a:ext cx="4562186" cy="400111"/>
           </a:xfrm>
           <a:prstGeom prst="roundRect">
@@ -17124,7 +17084,7 @@
         </p:nvSpPr>
         <p:spPr>
           <a:xfrm>
-            <a:off x="6687024" y="2633688"/>
+            <a:off x="6687024" y="2531392"/>
             <a:ext cx="4562186" cy="400111"/>
           </a:xfrm>
           <a:prstGeom prst="roundRect">
@@ -17180,7 +17140,7 @@
         </p:nvSpPr>
         <p:spPr>
           <a:xfrm>
-            <a:off x="6687024" y="3161967"/>
+            <a:off x="6687024" y="3059671"/>
             <a:ext cx="4562186" cy="400111"/>
           </a:xfrm>
           <a:prstGeom prst="roundRect">
@@ -17300,7 +17260,7 @@
         </p:nvSpPr>
         <p:spPr>
           <a:xfrm>
-            <a:off x="6687024" y="3673241"/>
+            <a:off x="6687024" y="3570945"/>
             <a:ext cx="4562186" cy="400111"/>
           </a:xfrm>
           <a:prstGeom prst="roundRect">
@@ -17356,7 +17316,7 @@
         </p:nvSpPr>
         <p:spPr>
           <a:xfrm>
-            <a:off x="3726420" y="3674491"/>
+            <a:off x="3744997" y="4102481"/>
             <a:ext cx="2706110" cy="400110"/>
           </a:xfrm>
           <a:prstGeom prst="rect">
@@ -17462,7 +17422,7 @@
         </p:nvSpPr>
         <p:spPr>
           <a:xfrm>
-            <a:off x="3726420" y="4223928"/>
+            <a:off x="3767024" y="4624484"/>
             <a:ext cx="2706110" cy="400110"/>
           </a:xfrm>
           <a:prstGeom prst="rect">
@@ -17536,7 +17496,7 @@
         </p:nvSpPr>
         <p:spPr>
           <a:xfrm>
-            <a:off x="6675185" y="4200010"/>
+            <a:off x="6675185" y="4097714"/>
             <a:ext cx="4562186" cy="400111"/>
           </a:xfrm>
           <a:prstGeom prst="roundRect">
@@ -17592,7 +17552,7 @@
         </p:nvSpPr>
         <p:spPr>
           <a:xfrm>
-            <a:off x="6675185" y="4726779"/>
+            <a:off x="6675185" y="4624483"/>
             <a:ext cx="4562186" cy="400111"/>
           </a:xfrm>
           <a:prstGeom prst="roundRect">
@@ -17648,7 +17608,7 @@
         </p:nvSpPr>
         <p:spPr>
           <a:xfrm>
-            <a:off x="3505424" y="4729159"/>
+            <a:off x="3546028" y="5146303"/>
             <a:ext cx="3148102" cy="400110"/>
           </a:xfrm>
           <a:prstGeom prst="rect">
@@ -17737,6 +17697,126 @@
                 </a:outerShdw>
               </a:effectLst>
             </a:endParaRPr>
+          </a:p>
+        </p:txBody>
+      </p:sp>
+      <p:sp>
+        <p:nvSpPr>
+          <p:cNvPr id="25" name="Rectangle: Rounded Corners 7">
+            <a:extLst>
+              <a:ext uri="{FF2B5EF4-FFF2-40B4-BE49-F238E27FC236}">
+                <a16:creationId xmlns:a16="http://schemas.microsoft.com/office/drawing/2014/main" id="{1CBA1C72-5837-48FC-8C36-F0E9F4E6C0A1}"/>
+              </a:ext>
+            </a:extLst>
+          </p:cNvPr>
+          <p:cNvSpPr/>
+          <p:nvPr/>
+        </p:nvSpPr>
+        <p:spPr>
+          <a:xfrm>
+            <a:off x="6675185" y="5146302"/>
+            <a:ext cx="4562186" cy="400111"/>
+          </a:xfrm>
+          <a:prstGeom prst="roundRect">
+            <a:avLst/>
+          </a:prstGeom>
+          <a:solidFill>
+            <a:schemeClr val="bg1"/>
+          </a:solidFill>
+          <a:ln>
+            <a:noFill/>
+          </a:ln>
+        </p:spPr>
+        <p:style>
+          <a:lnRef idx="2">
+            <a:schemeClr val="accent1">
+              <a:shade val="50000"/>
+            </a:schemeClr>
+          </a:lnRef>
+          <a:fillRef idx="1">
+            <a:schemeClr val="accent1"/>
+          </a:fillRef>
+          <a:effectRef idx="0">
+            <a:schemeClr val="accent1"/>
+          </a:effectRef>
+          <a:fontRef idx="minor">
+            <a:schemeClr val="lt1"/>
+          </a:fontRef>
+        </p:style>
+        <p:txBody>
+          <a:bodyPr rtlCol="0" anchor="ctr"/>
+          <a:lstStyle/>
+          <a:p>
+            <a:pPr algn="ctr"/>
+            <a:endParaRPr lang="en-US" sz="2000" dirty="0">
+              <a:solidFill>
+                <a:schemeClr val="bg1"/>
+              </a:solidFill>
+            </a:endParaRPr>
+          </a:p>
+        </p:txBody>
+      </p:sp>
+      <p:sp>
+        <p:nvSpPr>
+          <p:cNvPr id="27" name="Rectangle 7">
+            <a:extLst>
+              <a:ext uri="{FF2B5EF4-FFF2-40B4-BE49-F238E27FC236}">
+                <a16:creationId xmlns:a16="http://schemas.microsoft.com/office/drawing/2014/main" id="{9F3BF33C-D073-4AF1-98C3-77A70E5D450A}"/>
+              </a:ext>
+            </a:extLst>
+          </p:cNvPr>
+          <p:cNvSpPr/>
+          <p:nvPr/>
+        </p:nvSpPr>
+        <p:spPr>
+          <a:xfrm>
+            <a:off x="3726420" y="1982978"/>
+            <a:ext cx="2706110" cy="400110"/>
+          </a:xfrm>
+          <a:prstGeom prst="rect">
+            <a:avLst/>
+          </a:prstGeom>
+          <a:noFill/>
+        </p:spPr>
+        <p:txBody>
+          <a:bodyPr wrap="square" lIns="91440" tIns="45720" rIns="91440" bIns="45720">
+            <a:spAutoFit/>
+          </a:bodyPr>
+          <a:lstStyle/>
+          <a:p>
+            <a:pPr algn="ctr"/>
+            <a:r>
+              <a:rPr lang="en-US" sz="2000" b="0" cap="none" spc="0" dirty="0" err="1">
+                <a:ln w="0"/>
+                <a:solidFill>
+                  <a:schemeClr val="tx1"/>
+                </a:solidFill>
+                <a:effectLst>
+                  <a:outerShdw blurRad="38100" dist="19050" dir="2700000" algn="tl" rotWithShape="0">
+                    <a:schemeClr val="dk1">
+                      <a:alpha val="40000"/>
+                    </a:schemeClr>
+                  </a:outerShdw>
+                </a:effectLst>
+              </a:rPr>
+              <a:t>Apellido</a:t>
+            </a:r>
+            <a:r>
+              <a:rPr lang="en-US" sz="2000" b="0" cap="none" spc="0" dirty="0">
+                <a:ln w="0"/>
+                <a:solidFill>
+                  <a:schemeClr val="tx1"/>
+                </a:solidFill>
+                <a:effectLst>
+                  <a:outerShdw blurRad="38100" dist="19050" dir="2700000" algn="tl" rotWithShape="0">
+                    <a:schemeClr val="dk1">
+                      <a:alpha val="40000"/>
+                    </a:schemeClr>
+                  </a:outerShdw>
+                </a:effectLst>
+              </a:rPr>
+              <a:t> 1:</a:t>
+            </a:r>
           </a:p>
         </p:txBody>
       </p:sp>

--- a/Docs/wireframe cat-attack.pptx
+++ b/Docs/wireframe cat-attack.pptx
@@ -1788,7 +1788,7 @@
           <a:p>
             <a:fld id="{8F72BA41-EC5B-4197-BCC8-0FD2E523CD7A}" type="datetimeFigureOut">
               <a:rPr lang="en-US" smtClean="0"/>
-              <a:t>11/30/2021</a:t>
+              <a:t>1/4/2022</a:t>
             </a:fld>
             <a:endParaRPr lang="en-US"/>
           </a:p>
@@ -1847,7 +1847,7 @@
           <a:p>
             <a:fld id="{BE15108C-154A-4A5A-9C05-91A49A422BA7}" type="slidenum">
               <a:rPr lang="en-US" smtClean="0"/>
-              <a:t>‹Nº›</a:t>
+              <a:t>‹#›</a:t>
             </a:fld>
             <a:endParaRPr lang="en-US"/>
           </a:p>
@@ -1991,7 +1991,7 @@
           <a:p>
             <a:fld id="{8F72BA41-EC5B-4197-BCC8-0FD2E523CD7A}" type="datetimeFigureOut">
               <a:rPr lang="en-US" smtClean="0"/>
-              <a:t>11/30/2021</a:t>
+              <a:t>1/4/2022</a:t>
             </a:fld>
             <a:endParaRPr lang="en-US"/>
           </a:p>
@@ -2045,7 +2045,7 @@
           <a:p>
             <a:fld id="{BE15108C-154A-4A5A-9C05-91A49A422BA7}" type="slidenum">
               <a:rPr lang="en-US" smtClean="0"/>
-              <a:t>‹Nº›</a:t>
+              <a:t>‹#›</a:t>
             </a:fld>
             <a:endParaRPr lang="en-US"/>
           </a:p>
@@ -3712,7 +3712,7 @@
           <a:p>
             <a:fld id="{8F72BA41-EC5B-4197-BCC8-0FD2E523CD7A}" type="datetimeFigureOut">
               <a:rPr lang="en-US" smtClean="0"/>
-              <a:t>11/30/2021</a:t>
+              <a:t>1/4/2022</a:t>
             </a:fld>
             <a:endParaRPr lang="en-US"/>
           </a:p>
@@ -3766,7 +3766,7 @@
           <a:p>
             <a:fld id="{BE15108C-154A-4A5A-9C05-91A49A422BA7}" type="slidenum">
               <a:rPr lang="en-US" smtClean="0"/>
-              <a:t>‹Nº›</a:t>
+              <a:t>‹#›</a:t>
             </a:fld>
             <a:endParaRPr lang="en-US"/>
           </a:p>
@@ -3911,7 +3911,7 @@
           <a:p>
             <a:fld id="{8F72BA41-EC5B-4197-BCC8-0FD2E523CD7A}" type="datetimeFigureOut">
               <a:rPr lang="en-US" smtClean="0"/>
-              <a:t>11/30/2021</a:t>
+              <a:t>1/4/2022</a:t>
             </a:fld>
             <a:endParaRPr lang="en-US"/>
           </a:p>
@@ -3965,7 +3965,7 @@
           <a:p>
             <a:fld id="{BE15108C-154A-4A5A-9C05-91A49A422BA7}" type="slidenum">
               <a:rPr lang="en-US" smtClean="0"/>
-              <a:t>‹Nº›</a:t>
+              <a:t>‹#›</a:t>
             </a:fld>
             <a:endParaRPr lang="en-US"/>
           </a:p>
@@ -5701,7 +5701,7 @@
           <a:p>
             <a:fld id="{8F72BA41-EC5B-4197-BCC8-0FD2E523CD7A}" type="datetimeFigureOut">
               <a:rPr lang="en-US" smtClean="0"/>
-              <a:t>11/30/2021</a:t>
+              <a:t>1/4/2022</a:t>
             </a:fld>
             <a:endParaRPr lang="en-US"/>
           </a:p>
@@ -5755,7 +5755,7 @@
           <a:p>
             <a:fld id="{BE15108C-154A-4A5A-9C05-91A49A422BA7}" type="slidenum">
               <a:rPr lang="en-US" smtClean="0"/>
-              <a:t>‹Nº›</a:t>
+              <a:t>‹#›</a:t>
             </a:fld>
             <a:endParaRPr lang="en-US"/>
           </a:p>
@@ -5974,7 +5974,7 @@
           <a:p>
             <a:fld id="{8F72BA41-EC5B-4197-BCC8-0FD2E523CD7A}" type="datetimeFigureOut">
               <a:rPr lang="en-US" smtClean="0"/>
-              <a:t>11/30/2021</a:t>
+              <a:t>1/4/2022</a:t>
             </a:fld>
             <a:endParaRPr lang="en-US"/>
           </a:p>
@@ -6028,7 +6028,7 @@
           <a:p>
             <a:fld id="{BE15108C-154A-4A5A-9C05-91A49A422BA7}" type="slidenum">
               <a:rPr lang="en-US" smtClean="0"/>
-              <a:t>‹Nº›</a:t>
+              <a:t>‹#›</a:t>
             </a:fld>
             <a:endParaRPr lang="en-US"/>
           </a:p>
@@ -6394,7 +6394,7 @@
           <a:p>
             <a:fld id="{8F72BA41-EC5B-4197-BCC8-0FD2E523CD7A}" type="datetimeFigureOut">
               <a:rPr lang="en-US" smtClean="0"/>
-              <a:t>11/30/2021</a:t>
+              <a:t>1/4/2022</a:t>
             </a:fld>
             <a:endParaRPr lang="en-US"/>
           </a:p>
@@ -6453,7 +6453,7 @@
           <a:p>
             <a:fld id="{BE15108C-154A-4A5A-9C05-91A49A422BA7}" type="slidenum">
               <a:rPr lang="en-US" smtClean="0"/>
-              <a:t>‹Nº›</a:t>
+              <a:t>‹#›</a:t>
             </a:fld>
             <a:endParaRPr lang="en-US"/>
           </a:p>
@@ -6550,7 +6550,7 @@
           <a:p>
             <a:fld id="{8F72BA41-EC5B-4197-BCC8-0FD2E523CD7A}" type="datetimeFigureOut">
               <a:rPr lang="en-US" smtClean="0"/>
-              <a:t>11/30/2021</a:t>
+              <a:t>1/4/2022</a:t>
             </a:fld>
             <a:endParaRPr lang="en-US"/>
           </a:p>
@@ -6609,7 +6609,7 @@
           <a:p>
             <a:fld id="{BE15108C-154A-4A5A-9C05-91A49A422BA7}" type="slidenum">
               <a:rPr lang="en-US" smtClean="0"/>
-              <a:t>‹Nº›</a:t>
+              <a:t>‹#›</a:t>
             </a:fld>
             <a:endParaRPr lang="en-US"/>
           </a:p>
@@ -8118,7 +8118,7 @@
           <a:p>
             <a:fld id="{8F72BA41-EC5B-4197-BCC8-0FD2E523CD7A}" type="datetimeFigureOut">
               <a:rPr lang="en-US" smtClean="0"/>
-              <a:t>11/30/2021</a:t>
+              <a:t>1/4/2022</a:t>
             </a:fld>
             <a:endParaRPr lang="en-US"/>
           </a:p>
@@ -8172,7 +8172,7 @@
           <a:p>
             <a:fld id="{BE15108C-154A-4A5A-9C05-91A49A422BA7}" type="slidenum">
               <a:rPr lang="en-US" smtClean="0"/>
-              <a:t>‹Nº›</a:t>
+              <a:t>‹#›</a:t>
             </a:fld>
             <a:endParaRPr lang="en-US"/>
           </a:p>
@@ -9969,7 +9969,7 @@
           <a:p>
             <a:fld id="{8F72BA41-EC5B-4197-BCC8-0FD2E523CD7A}" type="datetimeFigureOut">
               <a:rPr lang="en-US" smtClean="0"/>
-              <a:t>11/30/2021</a:t>
+              <a:t>1/4/2022</a:t>
             </a:fld>
             <a:endParaRPr lang="en-US"/>
           </a:p>
@@ -10023,7 +10023,7 @@
           <a:p>
             <a:fld id="{BE15108C-154A-4A5A-9C05-91A49A422BA7}" type="slidenum">
               <a:rPr lang="en-US" smtClean="0"/>
-              <a:t>‹Nº›</a:t>
+              <a:t>‹#›</a:t>
             </a:fld>
             <a:endParaRPr lang="en-US"/>
           </a:p>
@@ -11782,7 +11782,7 @@
           <a:p>
             <a:fld id="{8F72BA41-EC5B-4197-BCC8-0FD2E523CD7A}" type="datetimeFigureOut">
               <a:rPr lang="en-US" smtClean="0"/>
-              <a:t>11/30/2021</a:t>
+              <a:t>1/4/2022</a:t>
             </a:fld>
             <a:endParaRPr lang="en-US"/>
           </a:p>
@@ -11836,7 +11836,7 @@
           <a:p>
             <a:fld id="{BE15108C-154A-4A5A-9C05-91A49A422BA7}" type="slidenum">
               <a:rPr lang="en-US" smtClean="0"/>
-              <a:t>‹Nº›</a:t>
+              <a:t>‹#›</a:t>
             </a:fld>
             <a:endParaRPr lang="en-US"/>
           </a:p>
@@ -13476,7 +13476,7 @@
             <a:fld id="{8F72BA41-EC5B-4197-BCC8-0FD2E523CD7A}" type="datetimeFigureOut">
               <a:rPr lang="en-US" smtClean="0"/>
               <a:pPr/>
-              <a:t>11/30/2021</a:t>
+              <a:t>1/4/2022</a:t>
             </a:fld>
             <a:endParaRPr lang="en-US" dirty="0"/>
           </a:p>
@@ -13567,7 +13567,7 @@
             <a:fld id="{BE15108C-154A-4A5A-9C05-91A49A422BA7}" type="slidenum">
               <a:rPr lang="en-US" smtClean="0"/>
               <a:pPr/>
-              <a:t>‹Nº›</a:t>
+              <a:t>‹#›</a:t>
             </a:fld>
             <a:endParaRPr lang="en-US" dirty="0"/>
           </a:p>
@@ -18307,7 +18307,7 @@
         </p:nvSpPr>
         <p:spPr>
           <a:xfrm>
-            <a:off x="337350" y="1359762"/>
+            <a:off x="337350" y="2141813"/>
             <a:ext cx="11505461" cy="2069238"/>
           </a:xfrm>
           <a:prstGeom prst="rect">
@@ -18365,7 +18365,7 @@
         </p:nvSpPr>
         <p:spPr>
           <a:xfrm>
-            <a:off x="3616787" y="1509204"/>
+            <a:off x="3616787" y="2291255"/>
             <a:ext cx="4637808" cy="1631216"/>
           </a:xfrm>
           <a:prstGeom prst="rect">
@@ -18537,7 +18537,7 @@
         </p:nvSpPr>
         <p:spPr>
           <a:xfrm>
-            <a:off x="559293" y="1509204"/>
+            <a:off x="559293" y="2291255"/>
             <a:ext cx="2805344" cy="1713390"/>
           </a:xfrm>
           <a:prstGeom prst="rect">
@@ -18601,7 +18601,7 @@
         </p:nvSpPr>
         <p:spPr>
           <a:xfrm>
-            <a:off x="337350" y="3670176"/>
+            <a:off x="337350" y="4452227"/>
             <a:ext cx="11505461" cy="2069238"/>
           </a:xfrm>
           <a:prstGeom prst="rect">
@@ -18659,7 +18659,7 @@
         </p:nvSpPr>
         <p:spPr>
           <a:xfrm>
-            <a:off x="3616787" y="3819618"/>
+            <a:off x="3616787" y="4601669"/>
             <a:ext cx="4637808" cy="1631216"/>
           </a:xfrm>
           <a:prstGeom prst="rect">
@@ -18831,7 +18831,7 @@
         </p:nvSpPr>
         <p:spPr>
           <a:xfrm>
-            <a:off x="559293" y="3819618"/>
+            <a:off x="559293" y="4601669"/>
             <a:ext cx="2805344" cy="1713390"/>
           </a:xfrm>
           <a:prstGeom prst="rect">
@@ -19018,7 +19018,7 @@
         </p:nvSpPr>
         <p:spPr>
           <a:xfrm>
-            <a:off x="10880522" y="1509204"/>
+            <a:off x="10880522" y="2291255"/>
             <a:ext cx="813732" cy="759558"/>
           </a:xfrm>
           <a:prstGeom prst="triangle">
@@ -19067,7 +19067,7 @@
         </p:nvSpPr>
         <p:spPr>
           <a:xfrm>
-            <a:off x="11133546" y="1623118"/>
+            <a:off x="11133546" y="2405169"/>
             <a:ext cx="314510" cy="707886"/>
           </a:xfrm>
           <a:prstGeom prst="rect">
@@ -19124,7 +19124,7 @@
         </p:nvSpPr>
         <p:spPr>
           <a:xfrm>
-            <a:off x="10880522" y="3819618"/>
+            <a:off x="10880522" y="4601669"/>
             <a:ext cx="813732" cy="759558"/>
           </a:xfrm>
           <a:prstGeom prst="triangle">
@@ -19173,7 +19173,7 @@
         </p:nvSpPr>
         <p:spPr>
           <a:xfrm>
-            <a:off x="11133546" y="3933532"/>
+            <a:off x="11133546" y="4715583"/>
             <a:ext cx="314510" cy="707886"/>
           </a:xfrm>
           <a:prstGeom prst="rect">
@@ -19201,6 +19201,117 @@
               <a:t>!</a:t>
             </a:r>
             <a:endParaRPr lang="en-US" sz="4000" b="1" cap="none" spc="0" dirty="0">
+              <a:ln w="0"/>
+              <a:solidFill>
+                <a:schemeClr val="tx1"/>
+              </a:solidFill>
+              <a:effectLst>
+                <a:outerShdw blurRad="38100" dist="19050" dir="2700000" algn="tl" rotWithShape="0">
+                  <a:schemeClr val="dk1">
+                    <a:alpha val="40000"/>
+                  </a:schemeClr>
+                </a:outerShdw>
+              </a:effectLst>
+            </a:endParaRPr>
+          </a:p>
+        </p:txBody>
+      </p:sp>
+      <p:sp>
+        <p:nvSpPr>
+          <p:cNvPr id="18" name="Rectangle: Rounded Corners 17">
+            <a:extLst>
+              <a:ext uri="{FF2B5EF4-FFF2-40B4-BE49-F238E27FC236}">
+                <a16:creationId xmlns:a16="http://schemas.microsoft.com/office/drawing/2014/main" id="{CB988D80-EF70-4390-9055-A4323551C93B}"/>
+              </a:ext>
+            </a:extLst>
+          </p:cNvPr>
+          <p:cNvSpPr/>
+          <p:nvPr/>
+        </p:nvSpPr>
+        <p:spPr>
+          <a:xfrm>
+            <a:off x="8518358" y="1431755"/>
+            <a:ext cx="3324453" cy="603523"/>
+          </a:xfrm>
+          <a:prstGeom prst="roundRect">
+            <a:avLst/>
+          </a:prstGeom>
+          <a:noFill/>
+          <a:ln w="28575">
+            <a:solidFill>
+              <a:schemeClr val="tx1"/>
+            </a:solidFill>
+          </a:ln>
+        </p:spPr>
+        <p:style>
+          <a:lnRef idx="2">
+            <a:schemeClr val="accent6"/>
+          </a:lnRef>
+          <a:fillRef idx="1">
+            <a:schemeClr val="lt1"/>
+          </a:fillRef>
+          <a:effectRef idx="0">
+            <a:schemeClr val="accent6"/>
+          </a:effectRef>
+          <a:fontRef idx="minor">
+            <a:schemeClr val="dk1"/>
+          </a:fontRef>
+        </p:style>
+        <p:txBody>
+          <a:bodyPr rtlCol="0" anchor="ctr"/>
+          <a:lstStyle/>
+          <a:p>
+            <a:pPr algn="ctr"/>
+            <a:endParaRPr lang="en-US"/>
+          </a:p>
+        </p:txBody>
+      </p:sp>
+      <p:sp>
+        <p:nvSpPr>
+          <p:cNvPr id="19" name="Rectangle 18">
+            <a:extLst>
+              <a:ext uri="{FF2B5EF4-FFF2-40B4-BE49-F238E27FC236}">
+                <a16:creationId xmlns:a16="http://schemas.microsoft.com/office/drawing/2014/main" id="{2614BCA0-B305-43F2-B239-0B9D063CBC0B}"/>
+              </a:ext>
+            </a:extLst>
+          </p:cNvPr>
+          <p:cNvSpPr/>
+          <p:nvPr/>
+        </p:nvSpPr>
+        <p:spPr>
+          <a:xfrm>
+            <a:off x="8541023" y="1528686"/>
+            <a:ext cx="3278463" cy="400110"/>
+          </a:xfrm>
+          <a:prstGeom prst="rect">
+            <a:avLst/>
+          </a:prstGeom>
+          <a:noFill/>
+        </p:spPr>
+        <p:txBody>
+          <a:bodyPr wrap="none" lIns="91440" tIns="45720" rIns="91440" bIns="45720">
+            <a:spAutoFit/>
+          </a:bodyPr>
+          <a:lstStyle/>
+          <a:p>
+            <a:pPr algn="ctr"/>
+            <a:r>
+              <a:rPr lang="es-VE" sz="2000" b="0" cap="none" spc="0" dirty="0">
+                <a:ln w="0"/>
+                <a:solidFill>
+                  <a:schemeClr val="tx1"/>
+                </a:solidFill>
+                <a:effectLst>
+                  <a:outerShdw blurRad="38100" dist="19050" dir="2700000" algn="tl" rotWithShape="0">
+                    <a:schemeClr val="dk1">
+                      <a:alpha val="40000"/>
+                    </a:schemeClr>
+                  </a:outerShdw>
+                </a:effectLst>
+              </a:rPr>
+              <a:t>Poner un gato en adopción</a:t>
+            </a:r>
+            <a:endParaRPr lang="en-US" sz="2000" b="0" cap="none" spc="0" dirty="0">
               <a:ln w="0"/>
               <a:solidFill>
                 <a:schemeClr val="tx1"/>
@@ -20515,7 +20626,7 @@
         </p:nvSpPr>
         <p:spPr>
           <a:xfrm>
-            <a:off x="337350" y="1359762"/>
+            <a:off x="337350" y="2238066"/>
             <a:ext cx="11505461" cy="2069238"/>
           </a:xfrm>
           <a:prstGeom prst="rect">
@@ -20573,7 +20684,7 @@
         </p:nvSpPr>
         <p:spPr>
           <a:xfrm>
-            <a:off x="3546255" y="1509204"/>
+            <a:off x="3546255" y="2387508"/>
             <a:ext cx="2598789" cy="1569660"/>
           </a:xfrm>
           <a:prstGeom prst="rect">
@@ -20681,7 +20792,7 @@
         </p:nvSpPr>
         <p:spPr>
           <a:xfrm>
-            <a:off x="559293" y="1509204"/>
+            <a:off x="559293" y="2387508"/>
             <a:ext cx="2805344" cy="1713390"/>
           </a:xfrm>
           <a:prstGeom prst="rect">
@@ -20745,7 +20856,7 @@
         </p:nvSpPr>
         <p:spPr>
           <a:xfrm>
-            <a:off x="337350" y="3670176"/>
+            <a:off x="337350" y="4548480"/>
             <a:ext cx="11505461" cy="2069238"/>
           </a:xfrm>
           <a:prstGeom prst="rect">
@@ -20803,7 +20914,7 @@
         </p:nvSpPr>
         <p:spPr>
           <a:xfrm>
-            <a:off x="3546254" y="3891483"/>
+            <a:off x="3546254" y="4769787"/>
             <a:ext cx="2598789" cy="1569660"/>
           </a:xfrm>
           <a:prstGeom prst="rect">
@@ -20911,7 +21022,7 @@
         </p:nvSpPr>
         <p:spPr>
           <a:xfrm>
-            <a:off x="559293" y="3819618"/>
+            <a:off x="559293" y="4697922"/>
             <a:ext cx="2805344" cy="1713390"/>
           </a:xfrm>
           <a:prstGeom prst="rect">
@@ -20958,660 +21069,6 @@
                 <a:schemeClr val="tx1"/>
               </a:solidFill>
             </a:endParaRPr>
-          </a:p>
-        </p:txBody>
-      </p:sp>
-      <p:sp>
-        <p:nvSpPr>
-          <p:cNvPr id="14" name="Rectangle 10">
-            <a:extLst>
-              <a:ext uri="{FF2B5EF4-FFF2-40B4-BE49-F238E27FC236}">
-                <a16:creationId xmlns:a16="http://schemas.microsoft.com/office/drawing/2014/main" id="{1FF85E92-B7AD-4BCA-AA7E-28CE58E69FBD}"/>
-              </a:ext>
-            </a:extLst>
-          </p:cNvPr>
-          <p:cNvSpPr/>
-          <p:nvPr/>
-        </p:nvSpPr>
-        <p:spPr>
-          <a:xfrm>
-            <a:off x="7528195" y="1509204"/>
-            <a:ext cx="1420582" cy="400110"/>
-          </a:xfrm>
-          <a:prstGeom prst="rect">
-            <a:avLst/>
-          </a:prstGeom>
-          <a:noFill/>
-        </p:spPr>
-        <p:txBody>
-          <a:bodyPr wrap="none" lIns="91440" tIns="45720" rIns="91440" bIns="45720">
-            <a:spAutoFit/>
-          </a:bodyPr>
-          <a:lstStyle/>
-          <a:p>
-            <a:r>
-              <a:rPr lang="en-US" sz="2000" dirty="0" err="1">
-                <a:ln w="0"/>
-                <a:effectLst>
-                  <a:outerShdw blurRad="38100" dist="19050" dir="2700000" algn="tl" rotWithShape="0">
-                    <a:schemeClr val="dk1">
-                      <a:alpha val="40000"/>
-                    </a:schemeClr>
-                  </a:outerShdw>
-                </a:effectLst>
-              </a:rPr>
-              <a:t>Valoración</a:t>
-            </a:r>
-            <a:endParaRPr lang="en-US" sz="2000" b="0" cap="none" spc="0" dirty="0">
-              <a:ln w="0"/>
-              <a:solidFill>
-                <a:schemeClr val="tx1"/>
-              </a:solidFill>
-              <a:effectLst>
-                <a:outerShdw blurRad="38100" dist="19050" dir="2700000" algn="tl" rotWithShape="0">
-                  <a:schemeClr val="dk1">
-                    <a:alpha val="40000"/>
-                  </a:schemeClr>
-                </a:outerShdw>
-              </a:effectLst>
-            </a:endParaRPr>
-          </a:p>
-        </p:txBody>
-      </p:sp>
-      <p:sp>
-        <p:nvSpPr>
-          <p:cNvPr id="3" name="Estrella: 5 puntas 2">
-            <a:extLst>
-              <a:ext uri="{FF2B5EF4-FFF2-40B4-BE49-F238E27FC236}">
-                <a16:creationId xmlns:a16="http://schemas.microsoft.com/office/drawing/2014/main" id="{CA59AEE3-16BB-4B60-8F79-CB800962C72B}"/>
-              </a:ext>
-            </a:extLst>
-          </p:cNvPr>
-          <p:cNvSpPr/>
-          <p:nvPr/>
-        </p:nvSpPr>
-        <p:spPr>
-          <a:xfrm>
-            <a:off x="9612661" y="1433117"/>
-            <a:ext cx="453006" cy="476197"/>
-          </a:xfrm>
-          <a:prstGeom prst="star5">
-            <a:avLst/>
-          </a:prstGeom>
-          <a:solidFill>
-            <a:srgbClr val="FFFF00"/>
-          </a:solidFill>
-          <a:ln>
-            <a:solidFill>
-              <a:schemeClr val="tx1"/>
-            </a:solidFill>
-          </a:ln>
-        </p:spPr>
-        <p:style>
-          <a:lnRef idx="2">
-            <a:schemeClr val="accent1">
-              <a:shade val="50000"/>
-            </a:schemeClr>
-          </a:lnRef>
-          <a:fillRef idx="1">
-            <a:schemeClr val="accent1"/>
-          </a:fillRef>
-          <a:effectRef idx="0">
-            <a:schemeClr val="accent1"/>
-          </a:effectRef>
-          <a:fontRef idx="minor">
-            <a:schemeClr val="lt1"/>
-          </a:fontRef>
-        </p:style>
-        <p:txBody>
-          <a:bodyPr rtlCol="0" anchor="ctr"/>
-          <a:lstStyle/>
-          <a:p>
-            <a:pPr algn="ctr"/>
-            <a:endParaRPr lang="es-ES"/>
-          </a:p>
-        </p:txBody>
-      </p:sp>
-      <p:sp>
-        <p:nvSpPr>
-          <p:cNvPr id="15" name="Estrella: 5 puntas 14">
-            <a:extLst>
-              <a:ext uri="{FF2B5EF4-FFF2-40B4-BE49-F238E27FC236}">
-                <a16:creationId xmlns:a16="http://schemas.microsoft.com/office/drawing/2014/main" id="{FFDE9C7A-6F17-418D-8EB6-F3F063ED29C9}"/>
-              </a:ext>
-            </a:extLst>
-          </p:cNvPr>
-          <p:cNvSpPr/>
-          <p:nvPr/>
-        </p:nvSpPr>
-        <p:spPr>
-          <a:xfrm>
-            <a:off x="11304445" y="1433118"/>
-            <a:ext cx="453006" cy="476197"/>
-          </a:xfrm>
-          <a:prstGeom prst="star5">
-            <a:avLst/>
-          </a:prstGeom>
-          <a:solidFill>
-            <a:srgbClr val="FFFF00"/>
-          </a:solidFill>
-          <a:ln>
-            <a:solidFill>
-              <a:schemeClr val="tx1"/>
-            </a:solidFill>
-          </a:ln>
-        </p:spPr>
-        <p:style>
-          <a:lnRef idx="2">
-            <a:schemeClr val="accent1">
-              <a:shade val="50000"/>
-            </a:schemeClr>
-          </a:lnRef>
-          <a:fillRef idx="1">
-            <a:schemeClr val="accent1"/>
-          </a:fillRef>
-          <a:effectRef idx="0">
-            <a:schemeClr val="accent1"/>
-          </a:effectRef>
-          <a:fontRef idx="minor">
-            <a:schemeClr val="lt1"/>
-          </a:fontRef>
-        </p:style>
-        <p:txBody>
-          <a:bodyPr rtlCol="0" anchor="ctr"/>
-          <a:lstStyle/>
-          <a:p>
-            <a:pPr algn="ctr"/>
-            <a:endParaRPr lang="es-ES"/>
-          </a:p>
-        </p:txBody>
-      </p:sp>
-      <p:sp>
-        <p:nvSpPr>
-          <p:cNvPr id="16" name="Estrella: 5 puntas 15">
-            <a:extLst>
-              <a:ext uri="{FF2B5EF4-FFF2-40B4-BE49-F238E27FC236}">
-                <a16:creationId xmlns:a16="http://schemas.microsoft.com/office/drawing/2014/main" id="{1D451DFB-2F05-4E9B-82C5-3913E1784433}"/>
-              </a:ext>
-            </a:extLst>
-          </p:cNvPr>
-          <p:cNvSpPr/>
-          <p:nvPr/>
-        </p:nvSpPr>
-        <p:spPr>
-          <a:xfrm>
-            <a:off x="10730112" y="1433118"/>
-            <a:ext cx="453006" cy="476197"/>
-          </a:xfrm>
-          <a:prstGeom prst="star5">
-            <a:avLst/>
-          </a:prstGeom>
-          <a:solidFill>
-            <a:srgbClr val="FFFF00"/>
-          </a:solidFill>
-          <a:ln>
-            <a:solidFill>
-              <a:schemeClr val="tx1"/>
-            </a:solidFill>
-          </a:ln>
-        </p:spPr>
-        <p:style>
-          <a:lnRef idx="2">
-            <a:schemeClr val="accent1">
-              <a:shade val="50000"/>
-            </a:schemeClr>
-          </a:lnRef>
-          <a:fillRef idx="1">
-            <a:schemeClr val="accent1"/>
-          </a:fillRef>
-          <a:effectRef idx="0">
-            <a:schemeClr val="accent1"/>
-          </a:effectRef>
-          <a:fontRef idx="minor">
-            <a:schemeClr val="lt1"/>
-          </a:fontRef>
-        </p:style>
-        <p:txBody>
-          <a:bodyPr rtlCol="0" anchor="ctr"/>
-          <a:lstStyle/>
-          <a:p>
-            <a:pPr algn="ctr"/>
-            <a:endParaRPr lang="es-ES"/>
-          </a:p>
-        </p:txBody>
-      </p:sp>
-      <p:sp>
-        <p:nvSpPr>
-          <p:cNvPr id="17" name="Estrella: 5 puntas 16">
-            <a:extLst>
-              <a:ext uri="{FF2B5EF4-FFF2-40B4-BE49-F238E27FC236}">
-                <a16:creationId xmlns:a16="http://schemas.microsoft.com/office/drawing/2014/main" id="{D1B869E9-1071-4FDF-A6E3-DDB16F865513}"/>
-              </a:ext>
-            </a:extLst>
-          </p:cNvPr>
-          <p:cNvSpPr/>
-          <p:nvPr/>
-        </p:nvSpPr>
-        <p:spPr>
-          <a:xfrm>
-            <a:off x="10187555" y="1433117"/>
-            <a:ext cx="453006" cy="476197"/>
-          </a:xfrm>
-          <a:prstGeom prst="star5">
-            <a:avLst/>
-          </a:prstGeom>
-          <a:solidFill>
-            <a:srgbClr val="FFFF00"/>
-          </a:solidFill>
-          <a:ln>
-            <a:solidFill>
-              <a:schemeClr val="tx1"/>
-            </a:solidFill>
-          </a:ln>
-        </p:spPr>
-        <p:style>
-          <a:lnRef idx="2">
-            <a:schemeClr val="accent1">
-              <a:shade val="50000"/>
-            </a:schemeClr>
-          </a:lnRef>
-          <a:fillRef idx="1">
-            <a:schemeClr val="accent1"/>
-          </a:fillRef>
-          <a:effectRef idx="0">
-            <a:schemeClr val="accent1"/>
-          </a:effectRef>
-          <a:fontRef idx="minor">
-            <a:schemeClr val="lt1"/>
-          </a:fontRef>
-        </p:style>
-        <p:txBody>
-          <a:bodyPr rtlCol="0" anchor="ctr"/>
-          <a:lstStyle/>
-          <a:p>
-            <a:pPr algn="ctr"/>
-            <a:endParaRPr lang="es-ES"/>
-          </a:p>
-        </p:txBody>
-      </p:sp>
-      <p:sp>
-        <p:nvSpPr>
-          <p:cNvPr id="18" name="Estrella: 5 puntas 17">
-            <a:extLst>
-              <a:ext uri="{FF2B5EF4-FFF2-40B4-BE49-F238E27FC236}">
-                <a16:creationId xmlns:a16="http://schemas.microsoft.com/office/drawing/2014/main" id="{D45AA46C-8801-4CBF-8203-4CD04F51D6B6}"/>
-              </a:ext>
-            </a:extLst>
-          </p:cNvPr>
-          <p:cNvSpPr/>
-          <p:nvPr/>
-        </p:nvSpPr>
-        <p:spPr>
-          <a:xfrm>
-            <a:off x="9037604" y="1433116"/>
-            <a:ext cx="453006" cy="476197"/>
-          </a:xfrm>
-          <a:prstGeom prst="star5">
-            <a:avLst/>
-          </a:prstGeom>
-          <a:solidFill>
-            <a:srgbClr val="FFFF00"/>
-          </a:solidFill>
-          <a:ln>
-            <a:solidFill>
-              <a:schemeClr val="tx1"/>
-            </a:solidFill>
-          </a:ln>
-        </p:spPr>
-        <p:style>
-          <a:lnRef idx="2">
-            <a:schemeClr val="accent1">
-              <a:shade val="50000"/>
-            </a:schemeClr>
-          </a:lnRef>
-          <a:fillRef idx="1">
-            <a:schemeClr val="accent1"/>
-          </a:fillRef>
-          <a:effectRef idx="0">
-            <a:schemeClr val="accent1"/>
-          </a:effectRef>
-          <a:fontRef idx="minor">
-            <a:schemeClr val="lt1"/>
-          </a:fontRef>
-        </p:style>
-        <p:txBody>
-          <a:bodyPr rtlCol="0" anchor="ctr"/>
-          <a:lstStyle/>
-          <a:p>
-            <a:pPr algn="ctr"/>
-            <a:endParaRPr lang="es-ES"/>
-          </a:p>
-        </p:txBody>
-      </p:sp>
-      <p:sp>
-        <p:nvSpPr>
-          <p:cNvPr id="25" name="Rectangle 10">
-            <a:extLst>
-              <a:ext uri="{FF2B5EF4-FFF2-40B4-BE49-F238E27FC236}">
-                <a16:creationId xmlns:a16="http://schemas.microsoft.com/office/drawing/2014/main" id="{E6974BFD-FB9A-46BD-8A1D-CA363C5CA4A9}"/>
-              </a:ext>
-            </a:extLst>
-          </p:cNvPr>
-          <p:cNvSpPr/>
-          <p:nvPr/>
-        </p:nvSpPr>
-        <p:spPr>
-          <a:xfrm>
-            <a:off x="7528195" y="3819618"/>
-            <a:ext cx="1420582" cy="400110"/>
-          </a:xfrm>
-          <a:prstGeom prst="rect">
-            <a:avLst/>
-          </a:prstGeom>
-          <a:noFill/>
-        </p:spPr>
-        <p:txBody>
-          <a:bodyPr wrap="none" lIns="91440" tIns="45720" rIns="91440" bIns="45720">
-            <a:spAutoFit/>
-          </a:bodyPr>
-          <a:lstStyle/>
-          <a:p>
-            <a:r>
-              <a:rPr lang="en-US" sz="2000" dirty="0" err="1">
-                <a:ln w="0"/>
-                <a:effectLst>
-                  <a:outerShdw blurRad="38100" dist="19050" dir="2700000" algn="tl" rotWithShape="0">
-                    <a:schemeClr val="dk1">
-                      <a:alpha val="40000"/>
-                    </a:schemeClr>
-                  </a:outerShdw>
-                </a:effectLst>
-              </a:rPr>
-              <a:t>Valoración</a:t>
-            </a:r>
-            <a:endParaRPr lang="en-US" sz="2000" b="0" cap="none" spc="0" dirty="0">
-              <a:ln w="0"/>
-              <a:solidFill>
-                <a:schemeClr val="tx1"/>
-              </a:solidFill>
-              <a:effectLst>
-                <a:outerShdw blurRad="38100" dist="19050" dir="2700000" algn="tl" rotWithShape="0">
-                  <a:schemeClr val="dk1">
-                    <a:alpha val="40000"/>
-                  </a:schemeClr>
-                </a:outerShdw>
-              </a:effectLst>
-            </a:endParaRPr>
-          </a:p>
-        </p:txBody>
-      </p:sp>
-      <p:sp>
-        <p:nvSpPr>
-          <p:cNvPr id="26" name="Estrella: 5 puntas 25">
-            <a:extLst>
-              <a:ext uri="{FF2B5EF4-FFF2-40B4-BE49-F238E27FC236}">
-                <a16:creationId xmlns:a16="http://schemas.microsoft.com/office/drawing/2014/main" id="{AE8CC64F-63E2-4A8F-B759-BF5205A9D133}"/>
-              </a:ext>
-            </a:extLst>
-          </p:cNvPr>
-          <p:cNvSpPr/>
-          <p:nvPr/>
-        </p:nvSpPr>
-        <p:spPr>
-          <a:xfrm>
-            <a:off x="9612661" y="3743531"/>
-            <a:ext cx="453006" cy="476197"/>
-          </a:xfrm>
-          <a:prstGeom prst="star5">
-            <a:avLst/>
-          </a:prstGeom>
-          <a:solidFill>
-            <a:srgbClr val="FFFF00"/>
-          </a:solidFill>
-          <a:ln>
-            <a:solidFill>
-              <a:schemeClr val="tx1"/>
-            </a:solidFill>
-          </a:ln>
-        </p:spPr>
-        <p:style>
-          <a:lnRef idx="2">
-            <a:schemeClr val="accent1">
-              <a:shade val="50000"/>
-            </a:schemeClr>
-          </a:lnRef>
-          <a:fillRef idx="1">
-            <a:schemeClr val="accent1"/>
-          </a:fillRef>
-          <a:effectRef idx="0">
-            <a:schemeClr val="accent1"/>
-          </a:effectRef>
-          <a:fontRef idx="minor">
-            <a:schemeClr val="lt1"/>
-          </a:fontRef>
-        </p:style>
-        <p:txBody>
-          <a:bodyPr rtlCol="0" anchor="ctr"/>
-          <a:lstStyle/>
-          <a:p>
-            <a:pPr algn="ctr"/>
-            <a:endParaRPr lang="es-ES"/>
-          </a:p>
-        </p:txBody>
-      </p:sp>
-      <p:sp>
-        <p:nvSpPr>
-          <p:cNvPr id="27" name="Estrella: 5 puntas 26">
-            <a:extLst>
-              <a:ext uri="{FF2B5EF4-FFF2-40B4-BE49-F238E27FC236}">
-                <a16:creationId xmlns:a16="http://schemas.microsoft.com/office/drawing/2014/main" id="{5BCEDDC5-4A83-4EB6-ADA4-94C9F0C65EC5}"/>
-              </a:ext>
-            </a:extLst>
-          </p:cNvPr>
-          <p:cNvSpPr/>
-          <p:nvPr/>
-        </p:nvSpPr>
-        <p:spPr>
-          <a:xfrm>
-            <a:off x="11304445" y="3743532"/>
-            <a:ext cx="453006" cy="476197"/>
-          </a:xfrm>
-          <a:prstGeom prst="star5">
-            <a:avLst/>
-          </a:prstGeom>
-          <a:solidFill>
-            <a:srgbClr val="FFFF00"/>
-          </a:solidFill>
-          <a:ln>
-            <a:solidFill>
-              <a:schemeClr val="tx1"/>
-            </a:solidFill>
-          </a:ln>
-        </p:spPr>
-        <p:style>
-          <a:lnRef idx="2">
-            <a:schemeClr val="accent1">
-              <a:shade val="50000"/>
-            </a:schemeClr>
-          </a:lnRef>
-          <a:fillRef idx="1">
-            <a:schemeClr val="accent1"/>
-          </a:fillRef>
-          <a:effectRef idx="0">
-            <a:schemeClr val="accent1"/>
-          </a:effectRef>
-          <a:fontRef idx="minor">
-            <a:schemeClr val="lt1"/>
-          </a:fontRef>
-        </p:style>
-        <p:txBody>
-          <a:bodyPr rtlCol="0" anchor="ctr"/>
-          <a:lstStyle/>
-          <a:p>
-            <a:pPr algn="ctr"/>
-            <a:endParaRPr lang="es-ES"/>
-          </a:p>
-        </p:txBody>
-      </p:sp>
-      <p:sp>
-        <p:nvSpPr>
-          <p:cNvPr id="28" name="Estrella: 5 puntas 27">
-            <a:extLst>
-              <a:ext uri="{FF2B5EF4-FFF2-40B4-BE49-F238E27FC236}">
-                <a16:creationId xmlns:a16="http://schemas.microsoft.com/office/drawing/2014/main" id="{DC5B67EC-3090-4F7B-983A-90D4D302288B}"/>
-              </a:ext>
-            </a:extLst>
-          </p:cNvPr>
-          <p:cNvSpPr/>
-          <p:nvPr/>
-        </p:nvSpPr>
-        <p:spPr>
-          <a:xfrm>
-            <a:off x="10730112" y="3743532"/>
-            <a:ext cx="453006" cy="476197"/>
-          </a:xfrm>
-          <a:prstGeom prst="star5">
-            <a:avLst/>
-          </a:prstGeom>
-          <a:solidFill>
-            <a:srgbClr val="FFFF00"/>
-          </a:solidFill>
-          <a:ln>
-            <a:solidFill>
-              <a:schemeClr val="tx1"/>
-            </a:solidFill>
-          </a:ln>
-        </p:spPr>
-        <p:style>
-          <a:lnRef idx="2">
-            <a:schemeClr val="accent1">
-              <a:shade val="50000"/>
-            </a:schemeClr>
-          </a:lnRef>
-          <a:fillRef idx="1">
-            <a:schemeClr val="accent1"/>
-          </a:fillRef>
-          <a:effectRef idx="0">
-            <a:schemeClr val="accent1"/>
-          </a:effectRef>
-          <a:fontRef idx="minor">
-            <a:schemeClr val="lt1"/>
-          </a:fontRef>
-        </p:style>
-        <p:txBody>
-          <a:bodyPr rtlCol="0" anchor="ctr"/>
-          <a:lstStyle/>
-          <a:p>
-            <a:pPr algn="ctr"/>
-            <a:endParaRPr lang="es-ES"/>
-          </a:p>
-        </p:txBody>
-      </p:sp>
-      <p:sp>
-        <p:nvSpPr>
-          <p:cNvPr id="29" name="Estrella: 5 puntas 28">
-            <a:extLst>
-              <a:ext uri="{FF2B5EF4-FFF2-40B4-BE49-F238E27FC236}">
-                <a16:creationId xmlns:a16="http://schemas.microsoft.com/office/drawing/2014/main" id="{95871EB4-98D3-4014-B666-04314E842202}"/>
-              </a:ext>
-            </a:extLst>
-          </p:cNvPr>
-          <p:cNvSpPr/>
-          <p:nvPr/>
-        </p:nvSpPr>
-        <p:spPr>
-          <a:xfrm>
-            <a:off x="10187555" y="3743531"/>
-            <a:ext cx="453006" cy="476197"/>
-          </a:xfrm>
-          <a:prstGeom prst="star5">
-            <a:avLst/>
-          </a:prstGeom>
-          <a:solidFill>
-            <a:srgbClr val="FFFF00"/>
-          </a:solidFill>
-          <a:ln>
-            <a:solidFill>
-              <a:schemeClr val="tx1"/>
-            </a:solidFill>
-          </a:ln>
-        </p:spPr>
-        <p:style>
-          <a:lnRef idx="2">
-            <a:schemeClr val="accent1">
-              <a:shade val="50000"/>
-            </a:schemeClr>
-          </a:lnRef>
-          <a:fillRef idx="1">
-            <a:schemeClr val="accent1"/>
-          </a:fillRef>
-          <a:effectRef idx="0">
-            <a:schemeClr val="accent1"/>
-          </a:effectRef>
-          <a:fontRef idx="minor">
-            <a:schemeClr val="lt1"/>
-          </a:fontRef>
-        </p:style>
-        <p:txBody>
-          <a:bodyPr rtlCol="0" anchor="ctr"/>
-          <a:lstStyle/>
-          <a:p>
-            <a:pPr algn="ctr"/>
-            <a:endParaRPr lang="es-ES"/>
-          </a:p>
-        </p:txBody>
-      </p:sp>
-      <p:sp>
-        <p:nvSpPr>
-          <p:cNvPr id="30" name="Estrella: 5 puntas 29">
-            <a:extLst>
-              <a:ext uri="{FF2B5EF4-FFF2-40B4-BE49-F238E27FC236}">
-                <a16:creationId xmlns:a16="http://schemas.microsoft.com/office/drawing/2014/main" id="{BDFE3A59-C124-4EBD-8267-610817834A23}"/>
-              </a:ext>
-            </a:extLst>
-          </p:cNvPr>
-          <p:cNvSpPr/>
-          <p:nvPr/>
-        </p:nvSpPr>
-        <p:spPr>
-          <a:xfrm>
-            <a:off x="9037604" y="3743530"/>
-            <a:ext cx="453006" cy="476197"/>
-          </a:xfrm>
-          <a:prstGeom prst="star5">
-            <a:avLst/>
-          </a:prstGeom>
-          <a:solidFill>
-            <a:srgbClr val="FFFF00"/>
-          </a:solidFill>
-          <a:ln>
-            <a:solidFill>
-              <a:schemeClr val="tx1"/>
-            </a:solidFill>
-          </a:ln>
-        </p:spPr>
-        <p:style>
-          <a:lnRef idx="2">
-            <a:schemeClr val="accent1">
-              <a:shade val="50000"/>
-            </a:schemeClr>
-          </a:lnRef>
-          <a:fillRef idx="1">
-            <a:schemeClr val="accent1"/>
-          </a:fillRef>
-          <a:effectRef idx="0">
-            <a:schemeClr val="accent1"/>
-          </a:effectRef>
-          <a:fontRef idx="minor">
-            <a:schemeClr val="lt1"/>
-          </a:fontRef>
-        </p:style>
-        <p:txBody>
-          <a:bodyPr rtlCol="0" anchor="ctr"/>
-          <a:lstStyle/>
-          <a:p>
-            <a:pPr algn="ctr"/>
-            <a:endParaRPr lang="es-ES"/>
           </a:p>
         </p:txBody>
       </p:sp>
@@ -21728,7 +21185,7 @@
         </p:nvSpPr>
         <p:spPr>
           <a:xfrm>
-            <a:off x="10897579" y="2536396"/>
+            <a:off x="10897579" y="3414700"/>
             <a:ext cx="813732" cy="759558"/>
           </a:xfrm>
           <a:prstGeom prst="triangle">
@@ -21777,7 +21234,7 @@
         </p:nvSpPr>
         <p:spPr>
           <a:xfrm>
-            <a:off x="11150603" y="2650310"/>
+            <a:off x="11150603" y="3528614"/>
             <a:ext cx="314510" cy="707886"/>
           </a:xfrm>
           <a:prstGeom prst="rect">
@@ -21834,7 +21291,7 @@
         </p:nvSpPr>
         <p:spPr>
           <a:xfrm>
-            <a:off x="10897579" y="4773450"/>
+            <a:off x="10897579" y="5651754"/>
             <a:ext cx="813732" cy="759558"/>
           </a:xfrm>
           <a:prstGeom prst="triangle">
@@ -21883,7 +21340,7 @@
         </p:nvSpPr>
         <p:spPr>
           <a:xfrm>
-            <a:off x="11150603" y="4887364"/>
+            <a:off x="11150603" y="5765668"/>
             <a:ext cx="314510" cy="707886"/>
           </a:xfrm>
           <a:prstGeom prst="rect">
@@ -21911,6 +21368,143 @@
               <a:t>!</a:t>
             </a:r>
             <a:endParaRPr lang="en-US" sz="4000" b="1" cap="none" spc="0" dirty="0">
+              <a:ln w="0"/>
+              <a:solidFill>
+                <a:schemeClr val="tx1"/>
+              </a:solidFill>
+              <a:effectLst>
+                <a:outerShdw blurRad="38100" dist="19050" dir="2700000" algn="tl" rotWithShape="0">
+                  <a:schemeClr val="dk1">
+                    <a:alpha val="40000"/>
+                  </a:schemeClr>
+                </a:outerShdw>
+              </a:effectLst>
+            </a:endParaRPr>
+          </a:p>
+        </p:txBody>
+      </p:sp>
+      <p:sp>
+        <p:nvSpPr>
+          <p:cNvPr id="2" name="Rectangle: Rounded Corners 1">
+            <a:extLst>
+              <a:ext uri="{FF2B5EF4-FFF2-40B4-BE49-F238E27FC236}">
+                <a16:creationId xmlns:a16="http://schemas.microsoft.com/office/drawing/2014/main" id="{AD688467-04BE-4DCA-98EF-C699E60F5ACB}"/>
+              </a:ext>
+            </a:extLst>
+          </p:cNvPr>
+          <p:cNvSpPr/>
+          <p:nvPr/>
+        </p:nvSpPr>
+        <p:spPr>
+          <a:xfrm>
+            <a:off x="8518358" y="1491915"/>
+            <a:ext cx="3324453" cy="603523"/>
+          </a:xfrm>
+          <a:prstGeom prst="roundRect">
+            <a:avLst/>
+          </a:prstGeom>
+          <a:noFill/>
+          <a:ln w="28575">
+            <a:solidFill>
+              <a:schemeClr val="tx1"/>
+            </a:solidFill>
+          </a:ln>
+        </p:spPr>
+        <p:style>
+          <a:lnRef idx="2">
+            <a:schemeClr val="accent6"/>
+          </a:lnRef>
+          <a:fillRef idx="1">
+            <a:schemeClr val="lt1"/>
+          </a:fillRef>
+          <a:effectRef idx="0">
+            <a:schemeClr val="accent6"/>
+          </a:effectRef>
+          <a:fontRef idx="minor">
+            <a:schemeClr val="dk1"/>
+          </a:fontRef>
+        </p:style>
+        <p:txBody>
+          <a:bodyPr rtlCol="0" anchor="ctr"/>
+          <a:lstStyle/>
+          <a:p>
+            <a:pPr algn="ctr"/>
+            <a:endParaRPr lang="en-US"/>
+          </a:p>
+        </p:txBody>
+      </p:sp>
+      <p:sp>
+        <p:nvSpPr>
+          <p:cNvPr id="32" name="Rectangle 31">
+            <a:extLst>
+              <a:ext uri="{FF2B5EF4-FFF2-40B4-BE49-F238E27FC236}">
+                <a16:creationId xmlns:a16="http://schemas.microsoft.com/office/drawing/2014/main" id="{16D05F49-4973-4C17-87B9-F423095E1C5B}"/>
+              </a:ext>
+            </a:extLst>
+          </p:cNvPr>
+          <p:cNvSpPr/>
+          <p:nvPr/>
+        </p:nvSpPr>
+        <p:spPr>
+          <a:xfrm>
+            <a:off x="8625980" y="1588846"/>
+            <a:ext cx="3108543" cy="400110"/>
+          </a:xfrm>
+          <a:prstGeom prst="rect">
+            <a:avLst/>
+          </a:prstGeom>
+          <a:noFill/>
+        </p:spPr>
+        <p:txBody>
+          <a:bodyPr wrap="none" lIns="91440" tIns="45720" rIns="91440" bIns="45720">
+            <a:spAutoFit/>
+          </a:bodyPr>
+          <a:lstStyle/>
+          <a:p>
+            <a:pPr algn="ctr"/>
+            <a:r>
+              <a:rPr lang="es-VE" sz="2000" b="0" cap="none" spc="0" dirty="0">
+                <a:ln w="0"/>
+                <a:solidFill>
+                  <a:schemeClr val="tx1"/>
+                </a:solidFill>
+                <a:effectLst>
+                  <a:outerShdw blurRad="38100" dist="19050" dir="2700000" algn="tl" rotWithShape="0">
+                    <a:schemeClr val="dk1">
+                      <a:alpha val="40000"/>
+                    </a:schemeClr>
+                  </a:outerShdw>
+                </a:effectLst>
+              </a:rPr>
+              <a:t>Convertirse en </a:t>
+            </a:r>
+            <a:r>
+              <a:rPr lang="es-VE" sz="2000" dirty="0">
+                <a:ln w="0"/>
+                <a:effectLst>
+                  <a:outerShdw blurRad="38100" dist="19050" dir="2700000" algn="tl" rotWithShape="0">
+                    <a:schemeClr val="dk1">
+                      <a:alpha val="40000"/>
+                    </a:schemeClr>
+                  </a:outerShdw>
+                </a:effectLst>
+              </a:rPr>
+              <a:t>Cat-</a:t>
+            </a:r>
+            <a:r>
+              <a:rPr lang="es-VE" sz="2000" dirty="0" err="1">
+                <a:ln w="0"/>
+                <a:effectLst>
+                  <a:outerShdw blurRad="38100" dist="19050" dir="2700000" algn="tl" rotWithShape="0">
+                    <a:schemeClr val="dk1">
+                      <a:alpha val="40000"/>
+                    </a:schemeClr>
+                  </a:outerShdw>
+                </a:effectLst>
+              </a:rPr>
+              <a:t>Sitter</a:t>
+            </a:r>
+            <a:endParaRPr lang="en-US" sz="2000" b="0" cap="none" spc="0" dirty="0">
               <a:ln w="0"/>
               <a:solidFill>
                 <a:schemeClr val="tx1"/>
@@ -22335,333 +21929,6 @@
       </p:sp>
       <p:sp>
         <p:nvSpPr>
-          <p:cNvPr id="14" name="Rectangle 10">
-            <a:extLst>
-              <a:ext uri="{FF2B5EF4-FFF2-40B4-BE49-F238E27FC236}">
-                <a16:creationId xmlns:a16="http://schemas.microsoft.com/office/drawing/2014/main" id="{1FF85E92-B7AD-4BCA-AA7E-28CE58E69FBD}"/>
-              </a:ext>
-            </a:extLst>
-          </p:cNvPr>
-          <p:cNvSpPr/>
-          <p:nvPr/>
-        </p:nvSpPr>
-        <p:spPr>
-          <a:xfrm>
-            <a:off x="7520897" y="1509204"/>
-            <a:ext cx="1420582" cy="400110"/>
-          </a:xfrm>
-          <a:prstGeom prst="rect">
-            <a:avLst/>
-          </a:prstGeom>
-          <a:noFill/>
-        </p:spPr>
-        <p:txBody>
-          <a:bodyPr wrap="none" lIns="91440" tIns="45720" rIns="91440" bIns="45720">
-            <a:spAutoFit/>
-          </a:bodyPr>
-          <a:lstStyle/>
-          <a:p>
-            <a:r>
-              <a:rPr lang="en-US" sz="2000" dirty="0" err="1">
-                <a:ln w="0"/>
-                <a:effectLst>
-                  <a:outerShdw blurRad="38100" dist="19050" dir="2700000" algn="tl" rotWithShape="0">
-                    <a:schemeClr val="dk1">
-                      <a:alpha val="40000"/>
-                    </a:schemeClr>
-                  </a:outerShdw>
-                </a:effectLst>
-              </a:rPr>
-              <a:t>Valoración</a:t>
-            </a:r>
-            <a:endParaRPr lang="en-US" sz="2000" b="0" cap="none" spc="0" dirty="0">
-              <a:ln w="0"/>
-              <a:solidFill>
-                <a:schemeClr val="tx1"/>
-              </a:solidFill>
-              <a:effectLst>
-                <a:outerShdw blurRad="38100" dist="19050" dir="2700000" algn="tl" rotWithShape="0">
-                  <a:schemeClr val="dk1">
-                    <a:alpha val="40000"/>
-                  </a:schemeClr>
-                </a:outerShdw>
-              </a:effectLst>
-            </a:endParaRPr>
-          </a:p>
-        </p:txBody>
-      </p:sp>
-      <p:sp>
-        <p:nvSpPr>
-          <p:cNvPr id="3" name="Estrella: 5 puntas 2">
-            <a:extLst>
-              <a:ext uri="{FF2B5EF4-FFF2-40B4-BE49-F238E27FC236}">
-                <a16:creationId xmlns:a16="http://schemas.microsoft.com/office/drawing/2014/main" id="{CA59AEE3-16BB-4B60-8F79-CB800962C72B}"/>
-              </a:ext>
-            </a:extLst>
-          </p:cNvPr>
-          <p:cNvSpPr/>
-          <p:nvPr/>
-        </p:nvSpPr>
-        <p:spPr>
-          <a:xfrm>
-            <a:off x="9605363" y="1433117"/>
-            <a:ext cx="453006" cy="476197"/>
-          </a:xfrm>
-          <a:prstGeom prst="star5">
-            <a:avLst/>
-          </a:prstGeom>
-          <a:solidFill>
-            <a:srgbClr val="FFFF00"/>
-          </a:solidFill>
-          <a:ln>
-            <a:solidFill>
-              <a:schemeClr val="tx1"/>
-            </a:solidFill>
-          </a:ln>
-        </p:spPr>
-        <p:style>
-          <a:lnRef idx="2">
-            <a:schemeClr val="accent1">
-              <a:shade val="50000"/>
-            </a:schemeClr>
-          </a:lnRef>
-          <a:fillRef idx="1">
-            <a:schemeClr val="accent1"/>
-          </a:fillRef>
-          <a:effectRef idx="0">
-            <a:schemeClr val="accent1"/>
-          </a:effectRef>
-          <a:fontRef idx="minor">
-            <a:schemeClr val="lt1"/>
-          </a:fontRef>
-        </p:style>
-        <p:txBody>
-          <a:bodyPr rtlCol="0" anchor="ctr"/>
-          <a:lstStyle/>
-          <a:p>
-            <a:pPr algn="ctr"/>
-            <a:endParaRPr lang="es-ES"/>
-          </a:p>
-        </p:txBody>
-      </p:sp>
-      <p:sp>
-        <p:nvSpPr>
-          <p:cNvPr id="15" name="Estrella: 5 puntas 14">
-            <a:extLst>
-              <a:ext uri="{FF2B5EF4-FFF2-40B4-BE49-F238E27FC236}">
-                <a16:creationId xmlns:a16="http://schemas.microsoft.com/office/drawing/2014/main" id="{FFDE9C7A-6F17-418D-8EB6-F3F063ED29C9}"/>
-              </a:ext>
-            </a:extLst>
-          </p:cNvPr>
-          <p:cNvSpPr/>
-          <p:nvPr/>
-        </p:nvSpPr>
-        <p:spPr>
-          <a:xfrm>
-            <a:off x="11297147" y="1433118"/>
-            <a:ext cx="453006" cy="476197"/>
-          </a:xfrm>
-          <a:prstGeom prst="star5">
-            <a:avLst/>
-          </a:prstGeom>
-          <a:solidFill>
-            <a:srgbClr val="FFFF00"/>
-          </a:solidFill>
-          <a:ln>
-            <a:solidFill>
-              <a:schemeClr val="tx1"/>
-            </a:solidFill>
-          </a:ln>
-        </p:spPr>
-        <p:style>
-          <a:lnRef idx="2">
-            <a:schemeClr val="accent1">
-              <a:shade val="50000"/>
-            </a:schemeClr>
-          </a:lnRef>
-          <a:fillRef idx="1">
-            <a:schemeClr val="accent1"/>
-          </a:fillRef>
-          <a:effectRef idx="0">
-            <a:schemeClr val="accent1"/>
-          </a:effectRef>
-          <a:fontRef idx="minor">
-            <a:schemeClr val="lt1"/>
-          </a:fontRef>
-        </p:style>
-        <p:txBody>
-          <a:bodyPr rtlCol="0" anchor="ctr"/>
-          <a:lstStyle/>
-          <a:p>
-            <a:pPr algn="ctr"/>
-            <a:endParaRPr lang="es-ES"/>
-          </a:p>
-        </p:txBody>
-      </p:sp>
-      <p:sp>
-        <p:nvSpPr>
-          <p:cNvPr id="16" name="Estrella: 5 puntas 15">
-            <a:extLst>
-              <a:ext uri="{FF2B5EF4-FFF2-40B4-BE49-F238E27FC236}">
-                <a16:creationId xmlns:a16="http://schemas.microsoft.com/office/drawing/2014/main" id="{1D451DFB-2F05-4E9B-82C5-3913E1784433}"/>
-              </a:ext>
-            </a:extLst>
-          </p:cNvPr>
-          <p:cNvSpPr/>
-          <p:nvPr/>
-        </p:nvSpPr>
-        <p:spPr>
-          <a:xfrm>
-            <a:off x="10722814" y="1433118"/>
-            <a:ext cx="453006" cy="476197"/>
-          </a:xfrm>
-          <a:prstGeom prst="star5">
-            <a:avLst/>
-          </a:prstGeom>
-          <a:solidFill>
-            <a:srgbClr val="FFFF00"/>
-          </a:solidFill>
-          <a:ln>
-            <a:solidFill>
-              <a:schemeClr val="tx1"/>
-            </a:solidFill>
-          </a:ln>
-        </p:spPr>
-        <p:style>
-          <a:lnRef idx="2">
-            <a:schemeClr val="accent1">
-              <a:shade val="50000"/>
-            </a:schemeClr>
-          </a:lnRef>
-          <a:fillRef idx="1">
-            <a:schemeClr val="accent1"/>
-          </a:fillRef>
-          <a:effectRef idx="0">
-            <a:schemeClr val="accent1"/>
-          </a:effectRef>
-          <a:fontRef idx="minor">
-            <a:schemeClr val="lt1"/>
-          </a:fontRef>
-        </p:style>
-        <p:txBody>
-          <a:bodyPr rtlCol="0" anchor="ctr"/>
-          <a:lstStyle/>
-          <a:p>
-            <a:pPr algn="ctr"/>
-            <a:endParaRPr lang="es-ES"/>
-          </a:p>
-        </p:txBody>
-      </p:sp>
-      <p:sp>
-        <p:nvSpPr>
-          <p:cNvPr id="17" name="Estrella: 5 puntas 16">
-            <a:extLst>
-              <a:ext uri="{FF2B5EF4-FFF2-40B4-BE49-F238E27FC236}">
-                <a16:creationId xmlns:a16="http://schemas.microsoft.com/office/drawing/2014/main" id="{D1B869E9-1071-4FDF-A6E3-DDB16F865513}"/>
-              </a:ext>
-            </a:extLst>
-          </p:cNvPr>
-          <p:cNvSpPr/>
-          <p:nvPr/>
-        </p:nvSpPr>
-        <p:spPr>
-          <a:xfrm>
-            <a:off x="10180257" y="1433117"/>
-            <a:ext cx="453006" cy="476197"/>
-          </a:xfrm>
-          <a:prstGeom prst="star5">
-            <a:avLst/>
-          </a:prstGeom>
-          <a:solidFill>
-            <a:srgbClr val="FFFF00"/>
-          </a:solidFill>
-          <a:ln>
-            <a:solidFill>
-              <a:schemeClr val="tx1"/>
-            </a:solidFill>
-          </a:ln>
-        </p:spPr>
-        <p:style>
-          <a:lnRef idx="2">
-            <a:schemeClr val="accent1">
-              <a:shade val="50000"/>
-            </a:schemeClr>
-          </a:lnRef>
-          <a:fillRef idx="1">
-            <a:schemeClr val="accent1"/>
-          </a:fillRef>
-          <a:effectRef idx="0">
-            <a:schemeClr val="accent1"/>
-          </a:effectRef>
-          <a:fontRef idx="minor">
-            <a:schemeClr val="lt1"/>
-          </a:fontRef>
-        </p:style>
-        <p:txBody>
-          <a:bodyPr rtlCol="0" anchor="ctr"/>
-          <a:lstStyle/>
-          <a:p>
-            <a:pPr algn="ctr"/>
-            <a:endParaRPr lang="es-ES"/>
-          </a:p>
-        </p:txBody>
-      </p:sp>
-      <p:sp>
-        <p:nvSpPr>
-          <p:cNvPr id="18" name="Estrella: 5 puntas 17">
-            <a:extLst>
-              <a:ext uri="{FF2B5EF4-FFF2-40B4-BE49-F238E27FC236}">
-                <a16:creationId xmlns:a16="http://schemas.microsoft.com/office/drawing/2014/main" id="{D45AA46C-8801-4CBF-8203-4CD04F51D6B6}"/>
-              </a:ext>
-            </a:extLst>
-          </p:cNvPr>
-          <p:cNvSpPr/>
-          <p:nvPr/>
-        </p:nvSpPr>
-        <p:spPr>
-          <a:xfrm>
-            <a:off x="9030306" y="1433116"/>
-            <a:ext cx="453006" cy="476197"/>
-          </a:xfrm>
-          <a:prstGeom prst="star5">
-            <a:avLst/>
-          </a:prstGeom>
-          <a:solidFill>
-            <a:srgbClr val="FFFF00"/>
-          </a:solidFill>
-          <a:ln>
-            <a:solidFill>
-              <a:schemeClr val="tx1"/>
-            </a:solidFill>
-          </a:ln>
-        </p:spPr>
-        <p:style>
-          <a:lnRef idx="2">
-            <a:schemeClr val="accent1">
-              <a:shade val="50000"/>
-            </a:schemeClr>
-          </a:lnRef>
-          <a:fillRef idx="1">
-            <a:schemeClr val="accent1"/>
-          </a:fillRef>
-          <a:effectRef idx="0">
-            <a:schemeClr val="accent1"/>
-          </a:effectRef>
-          <a:fontRef idx="minor">
-            <a:schemeClr val="lt1"/>
-          </a:fontRef>
-        </p:style>
-        <p:txBody>
-          <a:bodyPr rtlCol="0" anchor="ctr"/>
-          <a:lstStyle/>
-          <a:p>
-            <a:pPr algn="ctr"/>
-            <a:endParaRPr lang="es-ES"/>
-          </a:p>
-        </p:txBody>
-      </p:sp>
-      <p:sp>
-        <p:nvSpPr>
           <p:cNvPr id="22" name="Rectangle 7">
             <a:extLst>
               <a:ext uri="{FF2B5EF4-FFF2-40B4-BE49-F238E27FC236}">
@@ -22798,78 +22065,6 @@
                 </a:solidFill>
               </a:rPr>
               <a:t>Modificar perfil</a:t>
-            </a:r>
-            <a:endParaRPr lang="en-US" sz="2000" dirty="0">
-              <a:solidFill>
-                <a:schemeClr val="bg1"/>
-              </a:solidFill>
-            </a:endParaRPr>
-          </a:p>
-        </p:txBody>
-      </p:sp>
-      <p:sp>
-        <p:nvSpPr>
-          <p:cNvPr id="24" name="Rectangle: Rounded Corners 7">
-            <a:extLst>
-              <a:ext uri="{FF2B5EF4-FFF2-40B4-BE49-F238E27FC236}">
-                <a16:creationId xmlns:a16="http://schemas.microsoft.com/office/drawing/2014/main" id="{9B849E7A-0E43-4B9B-B113-4ECFD389CC82}"/>
-              </a:ext>
-            </a:extLst>
-          </p:cNvPr>
-          <p:cNvSpPr/>
-          <p:nvPr/>
-        </p:nvSpPr>
-        <p:spPr>
-          <a:xfrm>
-            <a:off x="441847" y="5620148"/>
-            <a:ext cx="2782036" cy="717205"/>
-          </a:xfrm>
-          <a:prstGeom prst="roundRect">
-            <a:avLst/>
-          </a:prstGeom>
-          <a:solidFill>
-            <a:srgbClr val="0070C0"/>
-          </a:solidFill>
-          <a:ln>
-            <a:noFill/>
-          </a:ln>
-        </p:spPr>
-        <p:style>
-          <a:lnRef idx="2">
-            <a:schemeClr val="accent1">
-              <a:shade val="50000"/>
-            </a:schemeClr>
-          </a:lnRef>
-          <a:fillRef idx="1">
-            <a:schemeClr val="accent1"/>
-          </a:fillRef>
-          <a:effectRef idx="0">
-            <a:schemeClr val="accent1"/>
-          </a:effectRef>
-          <a:fontRef idx="minor">
-            <a:schemeClr val="lt1"/>
-          </a:fontRef>
-        </p:style>
-        <p:txBody>
-          <a:bodyPr rtlCol="0" anchor="ctr"/>
-          <a:lstStyle/>
-          <a:p>
-            <a:pPr algn="ctr"/>
-            <a:r>
-              <a:rPr lang="es-VE" sz="2000" dirty="0">
-                <a:solidFill>
-                  <a:schemeClr val="bg1"/>
-                </a:solidFill>
-              </a:rPr>
-              <a:t>Solicitud para </a:t>
-            </a:r>
-            <a:r>
-              <a:rPr lang="es-VE" sz="2000" dirty="0" err="1">
-                <a:solidFill>
-                  <a:schemeClr val="bg1"/>
-                </a:solidFill>
-              </a:rPr>
-              <a:t>catsitter</a:t>
             </a:r>
             <a:endParaRPr lang="en-US" sz="2000" dirty="0">
               <a:solidFill>
